--- a/mkdocs/docs/images/src/what-is-iter8.pptx
+++ b/mkdocs/docs/images/src/what-is-iter8.pptx
@@ -197,7 +197,7 @@
           <a:p>
             <a:fld id="{38B78CBE-37FA-D241-BB4C-CAC5D3B25F49}" type="datetimeFigureOut">
               <a:rPr lang="en-US" smtClean="0"/>
-              <a:t>4/26/21</a:t>
+              <a:t>4/28/21</a:t>
             </a:fld>
             <a:endParaRPr lang="en-US"/>
           </a:p>
@@ -611,7 +611,7 @@
           <a:p>
             <a:fld id="{708812C5-0212-FD42-A0D4-E2E8FF4E3AF5}" type="datetime1">
               <a:rPr lang="en-US" smtClean="0"/>
-              <a:t>4/26/21</a:t>
+              <a:t>4/28/21</a:t>
             </a:fld>
             <a:endParaRPr lang="en-US"/>
           </a:p>
@@ -812,7 +812,7 @@
           <a:p>
             <a:fld id="{D232AC6F-41C3-B34B-9BAA-03ED2F3BC0F6}" type="datetime1">
               <a:rPr lang="en-US" smtClean="0"/>
-              <a:t>4/26/21</a:t>
+              <a:t>4/28/21</a:t>
             </a:fld>
             <a:endParaRPr lang="en-US"/>
           </a:p>
@@ -1023,7 +1023,7 @@
           <a:p>
             <a:fld id="{BEE140C2-F440-9D49-95CB-5965D64CC4A2}" type="datetime1">
               <a:rPr lang="en-US" smtClean="0"/>
-              <a:t>4/26/21</a:t>
+              <a:t>4/28/21</a:t>
             </a:fld>
             <a:endParaRPr lang="en-US"/>
           </a:p>
@@ -1224,7 +1224,7 @@
           <a:p>
             <a:fld id="{CC99F980-FB29-FD47-8508-150F73F1E8B0}" type="datetime1">
               <a:rPr lang="en-US" smtClean="0"/>
-              <a:t>4/26/21</a:t>
+              <a:t>4/28/21</a:t>
             </a:fld>
             <a:endParaRPr lang="en-US"/>
           </a:p>
@@ -1502,7 +1502,7 @@
           <a:p>
             <a:fld id="{D4510983-EA22-9643-8AC0-B3C6499B643B}" type="datetime1">
               <a:rPr lang="en-US" smtClean="0"/>
-              <a:t>4/26/21</a:t>
+              <a:t>4/28/21</a:t>
             </a:fld>
             <a:endParaRPr lang="en-US"/>
           </a:p>
@@ -1770,7 +1770,7 @@
           <a:p>
             <a:fld id="{D5A39195-967D-5D4E-8C6A-C99866996458}" type="datetime1">
               <a:rPr lang="en-US" smtClean="0"/>
-              <a:t>4/26/21</a:t>
+              <a:t>4/28/21</a:t>
             </a:fld>
             <a:endParaRPr lang="en-US"/>
           </a:p>
@@ -2185,7 +2185,7 @@
           <a:p>
             <a:fld id="{5AD771E9-C79D-684D-A158-5EB6E92DE947}" type="datetime1">
               <a:rPr lang="en-US" smtClean="0"/>
-              <a:t>4/26/21</a:t>
+              <a:t>4/28/21</a:t>
             </a:fld>
             <a:endParaRPr lang="en-US"/>
           </a:p>
@@ -2329,7 +2329,7 @@
           <a:p>
             <a:fld id="{693CA161-7E4C-5C4B-B799-DB602A0B9806}" type="datetime1">
               <a:rPr lang="en-US" smtClean="0"/>
-              <a:t>4/26/21</a:t>
+              <a:t>4/28/21</a:t>
             </a:fld>
             <a:endParaRPr lang="en-US"/>
           </a:p>
@@ -2445,7 +2445,7 @@
           <a:p>
             <a:fld id="{6D55FDF3-8BB2-6349-A5FA-057F3D78953D}" type="datetime1">
               <a:rPr lang="en-US" smtClean="0"/>
-              <a:t>4/26/21</a:t>
+              <a:t>4/28/21</a:t>
             </a:fld>
             <a:endParaRPr lang="en-US"/>
           </a:p>
@@ -2759,7 +2759,7 @@
           <a:p>
             <a:fld id="{EEDFACC0-3228-BA4B-942E-CEF38B0101FD}" type="datetime1">
               <a:rPr lang="en-US" smtClean="0"/>
-              <a:t>4/26/21</a:t>
+              <a:t>4/28/21</a:t>
             </a:fld>
             <a:endParaRPr lang="en-US"/>
           </a:p>
@@ -3050,7 +3050,7 @@
           <a:p>
             <a:fld id="{07EEEDBE-E24C-D140-B419-6D8D592D0F1C}" type="datetime1">
               <a:rPr lang="en-US" smtClean="0"/>
-              <a:t>4/26/21</a:t>
+              <a:t>4/28/21</a:t>
             </a:fld>
             <a:endParaRPr lang="en-US"/>
           </a:p>
@@ -3294,7 +3294,7 @@
           <a:p>
             <a:fld id="{E05781A2-A5EF-C54C-A3EF-F62483D37EDC}" type="datetime1">
               <a:rPr lang="en-US" smtClean="0"/>
-              <a:t>4/26/21</a:t>
+              <a:t>4/28/21</a:t>
             </a:fld>
             <a:endParaRPr lang="en-US"/>
           </a:p>
@@ -3729,8 +3729,8 @@
         </p:nvSpPr>
         <p:spPr>
           <a:xfrm>
-            <a:off x="2104707" y="809297"/>
-            <a:ext cx="8111347" cy="4702137"/>
+            <a:off x="2104707" y="809298"/>
+            <a:ext cx="8111347" cy="3867806"/>
           </a:xfrm>
           <a:prstGeom prst="rect">
             <a:avLst/>
@@ -3781,7 +3781,7 @@
         </p:nvSpPr>
         <p:spPr>
           <a:xfrm>
-            <a:off x="4742797" y="1744711"/>
+            <a:off x="4742797" y="956446"/>
             <a:ext cx="4204130" cy="2186152"/>
           </a:xfrm>
           <a:prstGeom prst="snip2DiagRect">
@@ -3944,7 +3944,7 @@
         </p:nvSpPr>
         <p:spPr>
           <a:xfrm>
-            <a:off x="4855972" y="2464256"/>
+            <a:off x="4855972" y="1675991"/>
             <a:ext cx="1904504" cy="717177"/>
           </a:xfrm>
           <a:custGeom>
@@ -4215,7 +4215,7 @@
         </p:nvSpPr>
         <p:spPr>
           <a:xfrm>
-            <a:off x="7125846" y="1852180"/>
+            <a:off x="7125846" y="1063915"/>
             <a:ext cx="1416424" cy="717177"/>
           </a:xfrm>
           <a:prstGeom prst="rect">
@@ -4259,7 +4259,7 @@
                   <a:schemeClr val="tx1"/>
                 </a:solidFill>
               </a:rPr>
-              <a:t>Query metrics from REST APIs</a:t>
+              <a:t>Query metrics from providers</a:t>
             </a:r>
           </a:p>
         </p:txBody>
@@ -4278,7 +4278,7 @@
         </p:nvSpPr>
         <p:spPr>
           <a:xfrm>
-            <a:off x="6852857" y="3087249"/>
+            <a:off x="6852857" y="2298984"/>
             <a:ext cx="1962402" cy="717177"/>
           </a:xfrm>
           <a:prstGeom prst="rect">
@@ -4345,7 +4345,7 @@
         </p:nvCxnSpPr>
         <p:spPr>
           <a:xfrm>
-            <a:off x="7834058" y="2569357"/>
+            <a:off x="7834058" y="1781092"/>
             <a:ext cx="0" cy="517892"/>
           </a:xfrm>
           <a:prstGeom prst="straightConnector1">
@@ -4387,7 +4387,7 @@
         </p:nvSpPr>
         <p:spPr>
           <a:xfrm>
-            <a:off x="7976244" y="4006086"/>
+            <a:off x="7976244" y="3217821"/>
             <a:ext cx="1962383" cy="717177"/>
           </a:xfrm>
           <a:custGeom>
@@ -4646,52 +4646,6 @@
       </p:sp>
       <p:cxnSp>
         <p:nvCxnSpPr>
-          <p:cNvPr id="45" name="Straight Arrow Connector 44">
-            <a:extLst>
-              <a:ext uri="{FF2B5EF4-FFF2-40B4-BE49-F238E27FC236}">
-                <a16:creationId xmlns:a16="http://schemas.microsoft.com/office/drawing/2014/main" id="{584DADCD-7073-ED44-B117-BB4EAD6142C9}"/>
-              </a:ext>
-            </a:extLst>
-          </p:cNvPr>
-          <p:cNvCxnSpPr>
-            <a:cxnSpLocks/>
-            <a:stCxn id="21" idx="3"/>
-            <a:endCxn id="89" idx="1"/>
-          </p:cNvCxnSpPr>
-          <p:nvPr/>
-        </p:nvCxnSpPr>
-        <p:spPr>
-          <a:xfrm>
-            <a:off x="3677835" y="1321325"/>
-            <a:ext cx="360765" cy="10407"/>
-          </a:xfrm>
-          <a:prstGeom prst="straightConnector1">
-            <a:avLst/>
-          </a:prstGeom>
-          <a:ln w="25400">
-            <a:solidFill>
-              <a:srgbClr val="7030A0"/>
-            </a:solidFill>
-            <a:tailEnd type="triangle"/>
-          </a:ln>
-        </p:spPr>
-        <p:style>
-          <a:lnRef idx="1">
-            <a:schemeClr val="accent1"/>
-          </a:lnRef>
-          <a:fillRef idx="0">
-            <a:schemeClr val="accent1"/>
-          </a:fillRef>
-          <a:effectRef idx="0">
-            <a:schemeClr val="accent1"/>
-          </a:effectRef>
-          <a:fontRef idx="minor">
-            <a:schemeClr val="tx1"/>
-          </a:fontRef>
-        </p:style>
-      </p:cxnSp>
-      <p:cxnSp>
-        <p:nvCxnSpPr>
           <p:cNvPr id="65" name="Straight Connector 64">
             <a:extLst>
               <a:ext uri="{FF2B5EF4-FFF2-40B4-BE49-F238E27FC236}">
@@ -4707,7 +4661,7 @@
         <p:spPr>
           <a:xfrm>
             <a:off x="3786357" y="956446"/>
-            <a:ext cx="0" cy="4087705"/>
+            <a:ext cx="0" cy="3594914"/>
           </a:xfrm>
           <a:prstGeom prst="line">
             <a:avLst/>
@@ -4751,7 +4705,7 @@
         <p:spPr>
           <a:xfrm>
             <a:off x="10087291" y="1044127"/>
-            <a:ext cx="0" cy="4000024"/>
+            <a:ext cx="0" cy="3507233"/>
           </a:xfrm>
           <a:prstGeom prst="line">
             <a:avLst/>
@@ -4778,197 +4732,6 @@
           </a:fontRef>
         </p:style>
       </p:cxnSp>
-      <p:sp>
-        <p:nvSpPr>
-          <p:cNvPr id="89" name="Rectangle 88">
-            <a:extLst>
-              <a:ext uri="{FF2B5EF4-FFF2-40B4-BE49-F238E27FC236}">
-                <a16:creationId xmlns:a16="http://schemas.microsoft.com/office/drawing/2014/main" id="{B8977B54-E556-994E-9699-EEBEA9261B07}"/>
-              </a:ext>
-            </a:extLst>
-          </p:cNvPr>
-          <p:cNvSpPr/>
-          <p:nvPr/>
-        </p:nvSpPr>
-        <p:spPr>
-          <a:xfrm>
-            <a:off x="4038600" y="1044127"/>
-            <a:ext cx="1114422" cy="575209"/>
-          </a:xfrm>
-          <a:custGeom>
-            <a:avLst/>
-            <a:gdLst>
-              <a:gd name="connsiteX0" fmla="*/ 0 w 1114422"/>
-              <a:gd name="connsiteY0" fmla="*/ 0 h 575209"/>
-              <a:gd name="connsiteX1" fmla="*/ 579499 w 1114422"/>
-              <a:gd name="connsiteY1" fmla="*/ 0 h 575209"/>
-              <a:gd name="connsiteX2" fmla="*/ 1114422 w 1114422"/>
-              <a:gd name="connsiteY2" fmla="*/ 0 h 575209"/>
-              <a:gd name="connsiteX3" fmla="*/ 1114422 w 1114422"/>
-              <a:gd name="connsiteY3" fmla="*/ 575209 h 575209"/>
-              <a:gd name="connsiteX4" fmla="*/ 568355 w 1114422"/>
-              <a:gd name="connsiteY4" fmla="*/ 575209 h 575209"/>
-              <a:gd name="connsiteX5" fmla="*/ 0 w 1114422"/>
-              <a:gd name="connsiteY5" fmla="*/ 575209 h 575209"/>
-              <a:gd name="connsiteX6" fmla="*/ 0 w 1114422"/>
-              <a:gd name="connsiteY6" fmla="*/ 0 h 575209"/>
-            </a:gdLst>
-            <a:ahLst/>
-            <a:cxnLst>
-              <a:cxn ang="0">
-                <a:pos x="connsiteX0" y="connsiteY0"/>
-              </a:cxn>
-              <a:cxn ang="0">
-                <a:pos x="connsiteX1" y="connsiteY1"/>
-              </a:cxn>
-              <a:cxn ang="0">
-                <a:pos x="connsiteX2" y="connsiteY2"/>
-              </a:cxn>
-              <a:cxn ang="0">
-                <a:pos x="connsiteX3" y="connsiteY3"/>
-              </a:cxn>
-              <a:cxn ang="0">
-                <a:pos x="connsiteX4" y="connsiteY4"/>
-              </a:cxn>
-              <a:cxn ang="0">
-                <a:pos x="connsiteX5" y="connsiteY5"/>
-              </a:cxn>
-              <a:cxn ang="0">
-                <a:pos x="connsiteX6" y="connsiteY6"/>
-              </a:cxn>
-            </a:cxnLst>
-            <a:rect l="l" t="t" r="r" b="b"/>
-            <a:pathLst>
-              <a:path w="1114422" h="575209" fill="none" extrusionOk="0">
-                <a:moveTo>
-                  <a:pt x="0" y="0"/>
-                </a:moveTo>
-                <a:cubicBezTo>
-                  <a:pt x="133198" y="-33966"/>
-                  <a:pt x="397590" y="33786"/>
-                  <a:pt x="579499" y="0"/>
-                </a:cubicBezTo>
-                <a:cubicBezTo>
-                  <a:pt x="761408" y="-33786"/>
-                  <a:pt x="969353" y="31305"/>
-                  <a:pt x="1114422" y="0"/>
-                </a:cubicBezTo>
-                <a:cubicBezTo>
-                  <a:pt x="1136825" y="283116"/>
-                  <a:pt x="1079488" y="375514"/>
-                  <a:pt x="1114422" y="575209"/>
-                </a:cubicBezTo>
-                <a:cubicBezTo>
-                  <a:pt x="922606" y="623216"/>
-                  <a:pt x="793069" y="542915"/>
-                  <a:pt x="568355" y="575209"/>
-                </a:cubicBezTo>
-                <a:cubicBezTo>
-                  <a:pt x="343641" y="607503"/>
-                  <a:pt x="212939" y="524260"/>
-                  <a:pt x="0" y="575209"/>
-                </a:cubicBezTo>
-                <a:cubicBezTo>
-                  <a:pt x="-43958" y="436415"/>
-                  <a:pt x="16951" y="121563"/>
-                  <a:pt x="0" y="0"/>
-                </a:cubicBezTo>
-                <a:close/>
-              </a:path>
-              <a:path w="1114422" h="575209" stroke="0" extrusionOk="0">
-                <a:moveTo>
-                  <a:pt x="0" y="0"/>
-                </a:moveTo>
-                <a:cubicBezTo>
-                  <a:pt x="196361" y="-33148"/>
-                  <a:pt x="394220" y="13335"/>
-                  <a:pt x="546067" y="0"/>
-                </a:cubicBezTo>
-                <a:cubicBezTo>
-                  <a:pt x="697914" y="-13335"/>
-                  <a:pt x="926998" y="20466"/>
-                  <a:pt x="1114422" y="0"/>
-                </a:cubicBezTo>
-                <a:cubicBezTo>
-                  <a:pt x="1152561" y="190423"/>
-                  <a:pt x="1084060" y="341471"/>
-                  <a:pt x="1114422" y="575209"/>
-                </a:cubicBezTo>
-                <a:cubicBezTo>
-                  <a:pt x="863306" y="632317"/>
-                  <a:pt x="674471" y="545990"/>
-                  <a:pt x="557211" y="575209"/>
-                </a:cubicBezTo>
-                <a:cubicBezTo>
-                  <a:pt x="439951" y="604428"/>
-                  <a:pt x="271800" y="524461"/>
-                  <a:pt x="0" y="575209"/>
-                </a:cubicBezTo>
-                <a:cubicBezTo>
-                  <a:pt x="-36595" y="418924"/>
-                  <a:pt x="4688" y="270808"/>
-                  <a:pt x="0" y="0"/>
-                </a:cubicBezTo>
-                <a:close/>
-              </a:path>
-            </a:pathLst>
-          </a:custGeom>
-          <a:solidFill>
-            <a:srgbClr val="FF007E">
-              <a:alpha val="9804"/>
-            </a:srgbClr>
-          </a:solidFill>
-          <a:ln>
-            <a:solidFill>
-              <a:srgbClr val="7030A0"/>
-            </a:solidFill>
-            <a:prstDash val="dash"/>
-            <a:extLst>
-              <a:ext uri="{C807C97D-BFC1-408E-A445-0C87EB9F89A2}">
-                <ask:lineSketchStyleProps xmlns:ask="http://schemas.microsoft.com/office/drawing/2018/sketchyshapes" sd="1219033472">
-                  <a:prstGeom prst="rect">
-                    <a:avLst/>
-                  </a:prstGeom>
-                  <ask:type>
-                    <ask:lineSketchScribble/>
-                  </ask:type>
-                </ask:lineSketchStyleProps>
-              </a:ext>
-            </a:extLst>
-          </a:ln>
-        </p:spPr>
-        <p:style>
-          <a:lnRef idx="2">
-            <a:schemeClr val="accent1">
-              <a:shade val="50000"/>
-            </a:schemeClr>
-          </a:lnRef>
-          <a:fillRef idx="1">
-            <a:schemeClr val="accent1"/>
-          </a:fillRef>
-          <a:effectRef idx="0">
-            <a:schemeClr val="accent1"/>
-          </a:effectRef>
-          <a:fontRef idx="minor">
-            <a:schemeClr val="lt1"/>
-          </a:fontRef>
-        </p:style>
-        <p:txBody>
-          <a:bodyPr rtlCol="0" anchor="ctr"/>
-          <a:lstStyle/>
-          <a:p>
-            <a:pPr algn="ctr"/>
-            <a:r>
-              <a:rPr lang="en-US" sz="1600" dirty="0">
-                <a:solidFill>
-                  <a:schemeClr val="tx1"/>
-                </a:solidFill>
-              </a:rPr>
-              <a:t>Initialize.</a:t>
-            </a:r>
-          </a:p>
-        </p:txBody>
-      </p:sp>
       <p:sp>
         <p:nvSpPr>
           <p:cNvPr id="106" name="Rectangle 105">
@@ -5025,7 +4788,7 @@
                   <a:schemeClr val="tx1"/>
                 </a:solidFill>
               </a:rPr>
-              <a:t>Deploy app/ML model versions</a:t>
+              <a:t>Deploy any supporting K8s resources</a:t>
             </a:r>
           </a:p>
         </p:txBody>
@@ -5041,18 +4804,20 @@
           </p:cNvPr>
           <p:cNvCxnSpPr>
             <a:cxnSpLocks/>
-            <a:stCxn id="89" idx="3"/>
-            <a:endCxn id="7" idx="3"/>
+            <a:stCxn id="21" idx="3"/>
+            <a:endCxn id="7" idx="2"/>
           </p:cNvCxnSpPr>
           <p:nvPr/>
         </p:nvCxnSpPr>
         <p:spPr>
           <a:xfrm>
-            <a:off x="5153022" y="1331732"/>
-            <a:ext cx="1691840" cy="412979"/>
+            <a:off x="3677835" y="1321325"/>
+            <a:ext cx="1064962" cy="728197"/>
           </a:xfrm>
-          <a:prstGeom prst="bentConnector2">
-            <a:avLst/>
+          <a:prstGeom prst="bentConnector3">
+            <a:avLst>
+              <a:gd name="adj1" fmla="val 50000"/>
+            </a:avLst>
           </a:prstGeom>
           <a:ln w="25400">
             <a:solidFill>
@@ -5094,7 +4859,7 @@
         </p:nvCxnSpPr>
         <p:spPr>
           <a:xfrm rot="16200000" flipH="1">
-            <a:off x="7193647" y="3582078"/>
+            <a:off x="7193647" y="2793813"/>
             <a:ext cx="433812" cy="1131382"/>
           </a:xfrm>
           <a:prstGeom prst="bentConnector2">
@@ -5138,7 +4903,7 @@
         </p:nvCxnSpPr>
         <p:spPr>
           <a:xfrm flipV="1">
-            <a:off x="5808224" y="2210769"/>
+            <a:off x="5808224" y="1422504"/>
             <a:ext cx="1317622" cy="253487"/>
           </a:xfrm>
           <a:prstGeom prst="bentConnector3">
@@ -5186,7 +4951,7 @@
         </p:nvCxnSpPr>
         <p:spPr>
           <a:xfrm rot="10800000">
-            <a:off x="5808225" y="3181434"/>
+            <a:off x="5808225" y="2393169"/>
             <a:ext cx="1044633" cy="264405"/>
           </a:xfrm>
           <a:prstGeom prst="bentConnector2">
@@ -5285,8 +5050,8 @@
         </p:nvSpPr>
         <p:spPr>
           <a:xfrm>
-            <a:off x="5421735" y="4735969"/>
-            <a:ext cx="4191493" cy="541816"/>
+            <a:off x="5808224" y="3947704"/>
+            <a:ext cx="3805004" cy="541816"/>
           </a:xfrm>
           <a:prstGeom prst="rect">
             <a:avLst/>
@@ -5350,7 +5115,7 @@
                 <a:ea typeface="+mn-ea"/>
                 <a:cs typeface="+mn-cs"/>
               </a:rPr>
-              <a:t>Process automated by </a:t>
+              <a:t>Process automated by an </a:t>
             </a:r>
             <a:r>
               <a:rPr kumimoji="0" lang="en-US" sz="1600" b="1" i="0" u="none" strike="noStrike" kern="1200" cap="none" spc="0" normalizeH="0" baseline="0" noProof="0" dirty="0">
@@ -5367,7 +5132,7 @@
                 <a:ea typeface="+mn-ea"/>
                 <a:cs typeface="+mn-cs"/>
               </a:rPr>
-              <a:t>Iter8</a:t>
+              <a:t>Iter8 experiment</a:t>
             </a:r>
           </a:p>
         </p:txBody>
@@ -5389,8 +5154,8 @@
         </p:nvCxnSpPr>
         <p:spPr>
           <a:xfrm>
-            <a:off x="3925927" y="5006877"/>
-            <a:ext cx="1349830" cy="0"/>
+            <a:off x="3962400" y="4218612"/>
+            <a:ext cx="1105996" cy="0"/>
           </a:xfrm>
           <a:prstGeom prst="line">
             <a:avLst/>
@@ -5435,7 +5200,7 @@
         </p:nvCxnSpPr>
         <p:spPr>
           <a:xfrm flipH="1">
-            <a:off x="9613228" y="5006877"/>
+            <a:off x="9613228" y="4218612"/>
             <a:ext cx="347944" cy="0"/>
           </a:xfrm>
           <a:prstGeom prst="line">
@@ -5492,7 +5257,7 @@
         </p:blipFill>
         <p:spPr>
           <a:xfrm>
-            <a:off x="5275757" y="4674129"/>
+            <a:off x="5068396" y="3885864"/>
             <a:ext cx="665496" cy="665496"/>
           </a:xfrm>
           <a:prstGeom prst="rect">
@@ -5507,6 +5272,113 @@
           </a:effectLst>
         </p:spPr>
       </p:pic>
+      <p:cxnSp>
+        <p:nvCxnSpPr>
+          <p:cNvPr id="35" name="Straight Arrow Connector 34">
+            <a:extLst>
+              <a:ext uri="{FF2B5EF4-FFF2-40B4-BE49-F238E27FC236}">
+                <a16:creationId xmlns:a16="http://schemas.microsoft.com/office/drawing/2014/main" id="{2EA27428-2F8D-7A4F-99EB-7D273DDDDEFB}"/>
+              </a:ext>
+            </a:extLst>
+          </p:cNvPr>
+          <p:cNvCxnSpPr>
+            <a:cxnSpLocks/>
+            <a:stCxn id="36" idx="0"/>
+            <a:endCxn id="106" idx="2"/>
+          </p:cNvCxnSpPr>
+          <p:nvPr/>
+        </p:nvCxnSpPr>
+        <p:spPr>
+          <a:xfrm flipV="1">
+            <a:off x="2969623" y="2861701"/>
+            <a:ext cx="5239" cy="464611"/>
+          </a:xfrm>
+          <a:prstGeom prst="straightConnector1">
+            <a:avLst/>
+          </a:prstGeom>
+          <a:ln w="25400">
+            <a:solidFill>
+              <a:srgbClr val="7030A0"/>
+            </a:solidFill>
+            <a:tailEnd type="triangle"/>
+          </a:ln>
+        </p:spPr>
+        <p:style>
+          <a:lnRef idx="1">
+            <a:schemeClr val="accent1"/>
+          </a:lnRef>
+          <a:fillRef idx="0">
+            <a:schemeClr val="accent1"/>
+          </a:fillRef>
+          <a:effectRef idx="0">
+            <a:schemeClr val="accent1"/>
+          </a:effectRef>
+          <a:fontRef idx="minor">
+            <a:schemeClr val="tx1"/>
+          </a:fontRef>
+        </p:style>
+      </p:cxnSp>
+      <p:sp>
+        <p:nvSpPr>
+          <p:cNvPr id="36" name="Rectangle 35">
+            <a:extLst>
+              <a:ext uri="{FF2B5EF4-FFF2-40B4-BE49-F238E27FC236}">
+                <a16:creationId xmlns:a16="http://schemas.microsoft.com/office/drawing/2014/main" id="{D9812352-0E56-D840-B0C0-97FDB47370B9}"/>
+              </a:ext>
+            </a:extLst>
+          </p:cNvPr>
+          <p:cNvSpPr/>
+          <p:nvPr/>
+        </p:nvSpPr>
+        <p:spPr>
+          <a:xfrm>
+            <a:off x="2261411" y="3326312"/>
+            <a:ext cx="1416424" cy="717177"/>
+          </a:xfrm>
+          <a:prstGeom prst="rect">
+            <a:avLst/>
+          </a:prstGeom>
+          <a:solidFill>
+            <a:schemeClr val="bg1"/>
+          </a:solidFill>
+          <a:ln>
+            <a:solidFill>
+              <a:srgbClr val="7030A0"/>
+            </a:solidFill>
+          </a:ln>
+        </p:spPr>
+        <p:style>
+          <a:lnRef idx="2">
+            <a:schemeClr val="accent1">
+              <a:shade val="50000"/>
+            </a:schemeClr>
+          </a:lnRef>
+          <a:fillRef idx="1">
+            <a:schemeClr val="accent1"/>
+          </a:fillRef>
+          <a:effectRef idx="0">
+            <a:schemeClr val="accent1"/>
+          </a:effectRef>
+          <a:fontRef idx="minor">
+            <a:schemeClr val="lt1"/>
+          </a:fontRef>
+        </p:style>
+        <p:txBody>
+          <a:bodyPr rtlCol="0" anchor="ctr"/>
+          <a:lstStyle/>
+          <a:p>
+            <a:pPr algn="ctr"/>
+            <a:r>
+              <a:rPr lang="en-US" sz="1600" dirty="0">
+                <a:solidFill>
+                  <a:schemeClr val="tx1"/>
+                </a:solidFill>
+              </a:rPr>
+              <a:t>Deploy app/ML model versions</a:t>
+            </a:r>
+          </a:p>
+        </p:txBody>
+      </p:sp>
     </p:spTree>
     <p:extLst>
       <p:ext uri="{BB962C8B-B14F-4D97-AF65-F5344CB8AC3E}">

--- a/mkdocs/docs/images/src/what-is-iter8.pptx
+++ b/mkdocs/docs/images/src/what-is-iter8.pptx
@@ -197,7 +197,7 @@
           <a:p>
             <a:fld id="{38B78CBE-37FA-D241-BB4C-CAC5D3B25F49}" type="datetimeFigureOut">
               <a:rPr lang="en-US" smtClean="0"/>
-              <a:t>4/28/21</a:t>
+              <a:t>6/4/21</a:t>
             </a:fld>
             <a:endParaRPr lang="en-US"/>
           </a:p>
@@ -611,7 +611,7 @@
           <a:p>
             <a:fld id="{708812C5-0212-FD42-A0D4-E2E8FF4E3AF5}" type="datetime1">
               <a:rPr lang="en-US" smtClean="0"/>
-              <a:t>4/28/21</a:t>
+              <a:t>6/4/21</a:t>
             </a:fld>
             <a:endParaRPr lang="en-US"/>
           </a:p>
@@ -812,7 +812,7 @@
           <a:p>
             <a:fld id="{D232AC6F-41C3-B34B-9BAA-03ED2F3BC0F6}" type="datetime1">
               <a:rPr lang="en-US" smtClean="0"/>
-              <a:t>4/28/21</a:t>
+              <a:t>6/4/21</a:t>
             </a:fld>
             <a:endParaRPr lang="en-US"/>
           </a:p>
@@ -1023,7 +1023,7 @@
           <a:p>
             <a:fld id="{BEE140C2-F440-9D49-95CB-5965D64CC4A2}" type="datetime1">
               <a:rPr lang="en-US" smtClean="0"/>
-              <a:t>4/28/21</a:t>
+              <a:t>6/4/21</a:t>
             </a:fld>
             <a:endParaRPr lang="en-US"/>
           </a:p>
@@ -1224,7 +1224,7 @@
           <a:p>
             <a:fld id="{CC99F980-FB29-FD47-8508-150F73F1E8B0}" type="datetime1">
               <a:rPr lang="en-US" smtClean="0"/>
-              <a:t>4/28/21</a:t>
+              <a:t>6/4/21</a:t>
             </a:fld>
             <a:endParaRPr lang="en-US"/>
           </a:p>
@@ -1502,7 +1502,7 @@
           <a:p>
             <a:fld id="{D4510983-EA22-9643-8AC0-B3C6499B643B}" type="datetime1">
               <a:rPr lang="en-US" smtClean="0"/>
-              <a:t>4/28/21</a:t>
+              <a:t>6/4/21</a:t>
             </a:fld>
             <a:endParaRPr lang="en-US"/>
           </a:p>
@@ -1770,7 +1770,7 @@
           <a:p>
             <a:fld id="{D5A39195-967D-5D4E-8C6A-C99866996458}" type="datetime1">
               <a:rPr lang="en-US" smtClean="0"/>
-              <a:t>4/28/21</a:t>
+              <a:t>6/4/21</a:t>
             </a:fld>
             <a:endParaRPr lang="en-US"/>
           </a:p>
@@ -2185,7 +2185,7 @@
           <a:p>
             <a:fld id="{5AD771E9-C79D-684D-A158-5EB6E92DE947}" type="datetime1">
               <a:rPr lang="en-US" smtClean="0"/>
-              <a:t>4/28/21</a:t>
+              <a:t>6/4/21</a:t>
             </a:fld>
             <a:endParaRPr lang="en-US"/>
           </a:p>
@@ -2329,7 +2329,7 @@
           <a:p>
             <a:fld id="{693CA161-7E4C-5C4B-B799-DB602A0B9806}" type="datetime1">
               <a:rPr lang="en-US" smtClean="0"/>
-              <a:t>4/28/21</a:t>
+              <a:t>6/4/21</a:t>
             </a:fld>
             <a:endParaRPr lang="en-US"/>
           </a:p>
@@ -2445,7 +2445,7 @@
           <a:p>
             <a:fld id="{6D55FDF3-8BB2-6349-A5FA-057F3D78953D}" type="datetime1">
               <a:rPr lang="en-US" smtClean="0"/>
-              <a:t>4/28/21</a:t>
+              <a:t>6/4/21</a:t>
             </a:fld>
             <a:endParaRPr lang="en-US"/>
           </a:p>
@@ -2759,7 +2759,7 @@
           <a:p>
             <a:fld id="{EEDFACC0-3228-BA4B-942E-CEF38B0101FD}" type="datetime1">
               <a:rPr lang="en-US" smtClean="0"/>
-              <a:t>4/28/21</a:t>
+              <a:t>6/4/21</a:t>
             </a:fld>
             <a:endParaRPr lang="en-US"/>
           </a:p>
@@ -3050,7 +3050,7 @@
           <a:p>
             <a:fld id="{07EEEDBE-E24C-D140-B419-6D8D592D0F1C}" type="datetime1">
               <a:rPr lang="en-US" smtClean="0"/>
-              <a:t>4/28/21</a:t>
+              <a:t>6/4/21</a:t>
             </a:fld>
             <a:endParaRPr lang="en-US"/>
           </a:p>
@@ -3294,7 +3294,7 @@
           <a:p>
             <a:fld id="{E05781A2-A5EF-C54C-A3EF-F62483D37EDC}" type="datetime1">
               <a:rPr lang="en-US" smtClean="0"/>
-              <a:t>4/28/21</a:t>
+              <a:t>6/4/21</a:t>
             </a:fld>
             <a:endParaRPr lang="en-US"/>
           </a:p>
@@ -3944,36 +3944,34 @@
         </p:nvSpPr>
         <p:spPr>
           <a:xfrm>
-            <a:off x="4855972" y="1675991"/>
-            <a:ext cx="1904504" cy="717177"/>
+            <a:off x="4845082" y="1882898"/>
+            <a:ext cx="1904504" cy="570029"/>
           </a:xfrm>
           <a:custGeom>
             <a:avLst/>
             <a:gdLst>
               <a:gd name="connsiteX0" fmla="*/ 0 w 1904504"/>
-              <a:gd name="connsiteY0" fmla="*/ 0 h 717177"/>
+              <a:gd name="connsiteY0" fmla="*/ 0 h 570029"/>
               <a:gd name="connsiteX1" fmla="*/ 457081 w 1904504"/>
-              <a:gd name="connsiteY1" fmla="*/ 0 h 717177"/>
+              <a:gd name="connsiteY1" fmla="*/ 0 h 570029"/>
               <a:gd name="connsiteX2" fmla="*/ 933207 w 1904504"/>
-              <a:gd name="connsiteY2" fmla="*/ 0 h 717177"/>
-              <a:gd name="connsiteX3" fmla="*/ 1428378 w 1904504"/>
-              <a:gd name="connsiteY3" fmla="*/ 0 h 717177"/>
+              <a:gd name="connsiteY2" fmla="*/ 0 h 570029"/>
+              <a:gd name="connsiteX3" fmla="*/ 1409333 w 1904504"/>
+              <a:gd name="connsiteY3" fmla="*/ 0 h 570029"/>
               <a:gd name="connsiteX4" fmla="*/ 1904504 w 1904504"/>
-              <a:gd name="connsiteY4" fmla="*/ 0 h 717177"/>
+              <a:gd name="connsiteY4" fmla="*/ 0 h 570029"/>
               <a:gd name="connsiteX5" fmla="*/ 1904504 w 1904504"/>
-              <a:gd name="connsiteY5" fmla="*/ 365760 h 717177"/>
-              <a:gd name="connsiteX6" fmla="*/ 1904504 w 1904504"/>
-              <a:gd name="connsiteY6" fmla="*/ 717177 h 717177"/>
-              <a:gd name="connsiteX7" fmla="*/ 1390288 w 1904504"/>
-              <a:gd name="connsiteY7" fmla="*/ 717177 h 717177"/>
-              <a:gd name="connsiteX8" fmla="*/ 876072 w 1904504"/>
-              <a:gd name="connsiteY8" fmla="*/ 717177 h 717177"/>
+              <a:gd name="connsiteY5" fmla="*/ 570029 h 570029"/>
+              <a:gd name="connsiteX6" fmla="*/ 1428378 w 1904504"/>
+              <a:gd name="connsiteY6" fmla="*/ 570029 h 570029"/>
+              <a:gd name="connsiteX7" fmla="*/ 990342 w 1904504"/>
+              <a:gd name="connsiteY7" fmla="*/ 570029 h 570029"/>
+              <a:gd name="connsiteX8" fmla="*/ 552306 w 1904504"/>
+              <a:gd name="connsiteY8" fmla="*/ 570029 h 570029"/>
               <a:gd name="connsiteX9" fmla="*/ 0 w 1904504"/>
-              <a:gd name="connsiteY9" fmla="*/ 717177 h 717177"/>
+              <a:gd name="connsiteY9" fmla="*/ 570029 h 570029"/>
               <a:gd name="connsiteX10" fmla="*/ 0 w 1904504"/>
-              <a:gd name="connsiteY10" fmla="*/ 365760 h 717177"/>
-              <a:gd name="connsiteX11" fmla="*/ 0 w 1904504"/>
-              <a:gd name="connsiteY11" fmla="*/ 0 h 717177"/>
+              <a:gd name="connsiteY10" fmla="*/ 0 h 570029"/>
             </a:gdLst>
             <a:ahLst/>
             <a:cxnLst>
@@ -4010,74 +4008,66 @@
               <a:cxn ang="0">
                 <a:pos x="connsiteX10" y="connsiteY10"/>
               </a:cxn>
-              <a:cxn ang="0">
-                <a:pos x="connsiteX11" y="connsiteY11"/>
-              </a:cxn>
             </a:cxnLst>
             <a:rect l="l" t="t" r="r" b="b"/>
             <a:pathLst>
-              <a:path w="1904504" h="717177" fill="none" extrusionOk="0">
+              <a:path w="1904504" h="570029" fill="none" extrusionOk="0">
                 <a:moveTo>
                   <a:pt x="0" y="0"/>
                 </a:moveTo>
                 <a:cubicBezTo>
-                  <a:pt x="98299" y="-13348"/>
-                  <a:pt x="246893" y="15090"/>
+                  <a:pt x="173708" y="-45685"/>
+                  <a:pt x="309592" y="13470"/>
                   <a:pt x="457081" y="0"/>
                 </a:cubicBezTo>
                 <a:cubicBezTo>
-                  <a:pt x="667269" y="-15090"/>
-                  <a:pt x="712914" y="21346"/>
+                  <a:pt x="604570" y="-13470"/>
+                  <a:pt x="727944" y="25205"/>
                   <a:pt x="933207" y="0"/>
                 </a:cubicBezTo>
                 <a:cubicBezTo>
-                  <a:pt x="1153500" y="-21346"/>
-                  <a:pt x="1194290" y="53129"/>
-                  <a:pt x="1428378" y="0"/>
+                  <a:pt x="1138470" y="-25205"/>
+                  <a:pt x="1172702" y="31282"/>
+                  <a:pt x="1409333" y="0"/>
                 </a:cubicBezTo>
                 <a:cubicBezTo>
-                  <a:pt x="1662466" y="-53129"/>
-                  <a:pt x="1729499" y="23253"/>
+                  <a:pt x="1645964" y="-31282"/>
+                  <a:pt x="1726250" y="16999"/>
                   <a:pt x="1904504" y="0"/>
                 </a:cubicBezTo>
                 <a:cubicBezTo>
-                  <a:pt x="1925036" y="94901"/>
-                  <a:pt x="1891266" y="220272"/>
-                  <a:pt x="1904504" y="365760"/>
+                  <a:pt x="1959044" y="251882"/>
+                  <a:pt x="1845168" y="308191"/>
+                  <a:pt x="1904504" y="570029"/>
                 </a:cubicBezTo>
                 <a:cubicBezTo>
-                  <a:pt x="1917742" y="511248"/>
-                  <a:pt x="1891870" y="604435"/>
-                  <a:pt x="1904504" y="717177"/>
+                  <a:pt x="1750131" y="592332"/>
+                  <a:pt x="1647541" y="526313"/>
+                  <a:pt x="1428378" y="570029"/>
                 </a:cubicBezTo>
                 <a:cubicBezTo>
-                  <a:pt x="1785163" y="751604"/>
-                  <a:pt x="1626833" y="669802"/>
-                  <a:pt x="1390288" y="717177"/>
+                  <a:pt x="1209215" y="613745"/>
+                  <a:pt x="1194175" y="518868"/>
+                  <a:pt x="990342" y="570029"/>
                 </a:cubicBezTo>
                 <a:cubicBezTo>
-                  <a:pt x="1153743" y="764552"/>
-                  <a:pt x="1128363" y="671124"/>
-                  <a:pt x="876072" y="717177"/>
+                  <a:pt x="786509" y="621190"/>
+                  <a:pt x="697700" y="536507"/>
+                  <a:pt x="552306" y="570029"/>
                 </a:cubicBezTo>
                 <a:cubicBezTo>
-                  <a:pt x="623781" y="763230"/>
-                  <a:pt x="322754" y="684503"/>
-                  <a:pt x="0" y="717177"/>
+                  <a:pt x="406912" y="603551"/>
+                  <a:pt x="270404" y="538620"/>
+                  <a:pt x="0" y="570029"/>
                 </a:cubicBezTo>
                 <a:cubicBezTo>
-                  <a:pt x="-39063" y="594451"/>
-                  <a:pt x="538" y="502327"/>
-                  <a:pt x="0" y="365760"/>
-                </a:cubicBezTo>
-                <a:cubicBezTo>
-                  <a:pt x="-538" y="229193"/>
-                  <a:pt x="18999" y="170706"/>
+                  <a:pt x="-56324" y="345153"/>
+                  <a:pt x="9136" y="270925"/>
                   <a:pt x="0" y="0"/>
                 </a:cubicBezTo>
                 <a:close/>
               </a:path>
-              <a:path w="1904504" h="717177" stroke="0" extrusionOk="0">
+              <a:path w="1904504" h="570029" stroke="0" extrusionOk="0">
                 <a:moveTo>
                   <a:pt x="0" y="0"/>
                 </a:moveTo>
@@ -4102,43 +4092,33 @@
                   <a:pt x="1904504" y="0"/>
                 </a:cubicBezTo>
                 <a:cubicBezTo>
-                  <a:pt x="1905845" y="79747"/>
-                  <a:pt x="1876426" y="259309"/>
-                  <a:pt x="1904504" y="351417"/>
+                  <a:pt x="1911940" y="221597"/>
+                  <a:pt x="1861251" y="391285"/>
+                  <a:pt x="1904504" y="570029"/>
                 </a:cubicBezTo>
                 <a:cubicBezTo>
-                  <a:pt x="1932582" y="443525"/>
-                  <a:pt x="1874713" y="588711"/>
-                  <a:pt x="1904504" y="717177"/>
+                  <a:pt x="1728126" y="609883"/>
+                  <a:pt x="1570861" y="546748"/>
+                  <a:pt x="1466468" y="570029"/>
                 </a:cubicBezTo>
                 <a:cubicBezTo>
-                  <a:pt x="1750145" y="757776"/>
-                  <a:pt x="1526298" y="691576"/>
-                  <a:pt x="1428378" y="717177"/>
+                  <a:pt x="1362075" y="593310"/>
+                  <a:pt x="1158758" y="528615"/>
+                  <a:pt x="1028432" y="570029"/>
                 </a:cubicBezTo>
                 <a:cubicBezTo>
-                  <a:pt x="1330458" y="742778"/>
-                  <a:pt x="1169632" y="680746"/>
-                  <a:pt x="914162" y="717177"/>
+                  <a:pt x="898106" y="611443"/>
+                  <a:pt x="769686" y="533598"/>
+                  <a:pt x="514216" y="570029"/>
                 </a:cubicBezTo>
                 <a:cubicBezTo>
-                  <a:pt x="658692" y="753608"/>
-                  <a:pt x="630900" y="697662"/>
-                  <a:pt x="495171" y="717177"/>
+                  <a:pt x="258746" y="606460"/>
+                  <a:pt x="142557" y="545509"/>
+                  <a:pt x="0" y="570029"/>
                 </a:cubicBezTo>
                 <a:cubicBezTo>
-                  <a:pt x="359442" y="736692"/>
-                  <a:pt x="211663" y="681814"/>
-                  <a:pt x="0" y="717177"/>
-                </a:cubicBezTo>
-                <a:cubicBezTo>
-                  <a:pt x="-19116" y="562504"/>
-                  <a:pt x="42260" y="484598"/>
-                  <a:pt x="0" y="358589"/>
-                </a:cubicBezTo>
-                <a:cubicBezTo>
-                  <a:pt x="-42260" y="232580"/>
-                  <a:pt x="25139" y="138712"/>
+                  <a:pt x="-16707" y="453616"/>
+                  <a:pt x="36279" y="256310"/>
                   <a:pt x="0" y="0"/>
                 </a:cubicBezTo>
                 <a:close/>
@@ -4215,8 +4195,8 @@
         </p:nvSpPr>
         <p:spPr>
           <a:xfrm>
-            <a:off x="7125846" y="1063915"/>
-            <a:ext cx="1416424" cy="717177"/>
+            <a:off x="6295697" y="1063915"/>
+            <a:ext cx="2246573" cy="717177"/>
           </a:xfrm>
           <a:prstGeom prst="rect">
             <a:avLst/>
@@ -4259,7 +4239,7 @@
                   <a:schemeClr val="tx1"/>
                 </a:solidFill>
               </a:rPr>
-              <a:t>Query metrics from providers</a:t>
+              <a:t>Collect built-in metrics or query metrics from any database</a:t>
             </a:r>
           </a:p>
         </p:txBody>
@@ -4327,52 +4307,6 @@
           </a:p>
         </p:txBody>
       </p:sp>
-      <p:cxnSp>
-        <p:nvCxnSpPr>
-          <p:cNvPr id="33" name="Straight Arrow Connector 32">
-            <a:extLst>
-              <a:ext uri="{FF2B5EF4-FFF2-40B4-BE49-F238E27FC236}">
-                <a16:creationId xmlns:a16="http://schemas.microsoft.com/office/drawing/2014/main" id="{81F292DB-64D0-EF4C-865D-A84AF05CC620}"/>
-              </a:ext>
-            </a:extLst>
-          </p:cNvPr>
-          <p:cNvCxnSpPr>
-            <a:cxnSpLocks/>
-            <a:stCxn id="27" idx="2"/>
-            <a:endCxn id="28" idx="0"/>
-          </p:cNvCxnSpPr>
-          <p:nvPr/>
-        </p:nvCxnSpPr>
-        <p:spPr>
-          <a:xfrm>
-            <a:off x="7834058" y="1781092"/>
-            <a:ext cx="0" cy="517892"/>
-          </a:xfrm>
-          <a:prstGeom prst="straightConnector1">
-            <a:avLst/>
-          </a:prstGeom>
-          <a:ln w="25400">
-            <a:solidFill>
-              <a:srgbClr val="7030A0"/>
-            </a:solidFill>
-            <a:tailEnd type="triangle"/>
-          </a:ln>
-        </p:spPr>
-        <p:style>
-          <a:lnRef idx="1">
-            <a:schemeClr val="accent1"/>
-          </a:lnRef>
-          <a:fillRef idx="0">
-            <a:schemeClr val="accent1"/>
-          </a:fillRef>
-          <a:effectRef idx="0">
-            <a:schemeClr val="accent1"/>
-          </a:effectRef>
-          <a:fontRef idx="minor">
-            <a:schemeClr val="tx1"/>
-          </a:fontRef>
-        </p:style>
-      </p:cxnSp>
       <p:sp>
         <p:nvSpPr>
           <p:cNvPr id="41" name="Rectangle 40">
@@ -4897,19 +4831,19 @@
             </a:extLst>
           </p:cNvPr>
           <p:cNvCxnSpPr>
+            <a:cxnSpLocks/>
+            <a:stCxn id="26" idx="0"/>
             <a:endCxn id="27" idx="1"/>
           </p:cNvCxnSpPr>
           <p:nvPr/>
         </p:nvCxnSpPr>
         <p:spPr>
-          <a:xfrm flipV="1">
-            <a:off x="5808224" y="1422504"/>
-            <a:ext cx="1317622" cy="253487"/>
+          <a:xfrm rot="5400000" flipH="1" flipV="1">
+            <a:off x="5816318" y="1403520"/>
+            <a:ext cx="460394" cy="498363"/>
           </a:xfrm>
-          <a:prstGeom prst="bentConnector3">
-            <a:avLst>
-              <a:gd name="adj1" fmla="val -254"/>
-            </a:avLst>
+          <a:prstGeom prst="bentConnector2">
+            <a:avLst/>
           </a:prstGeom>
           <a:ln w="25400">
             <a:solidFill>
@@ -4951,8 +4885,8 @@
         </p:nvCxnSpPr>
         <p:spPr>
           <a:xfrm rot="10800000">
-            <a:off x="5808225" y="2393169"/>
-            <a:ext cx="1044633" cy="264405"/>
+            <a:off x="5797335" y="2452927"/>
+            <a:ext cx="1055523" cy="204646"/>
           </a:xfrm>
           <a:prstGeom prst="bentConnector2">
             <a:avLst/>
@@ -5379,6 +5313,54 @@
           </a:p>
         </p:txBody>
       </p:sp>
+      <p:cxnSp>
+        <p:nvCxnSpPr>
+          <p:cNvPr id="37" name="Elbow Connector 36">
+            <a:extLst>
+              <a:ext uri="{FF2B5EF4-FFF2-40B4-BE49-F238E27FC236}">
+                <a16:creationId xmlns:a16="http://schemas.microsoft.com/office/drawing/2014/main" id="{26C1542E-BA70-9048-AA50-7899BF93FED1}"/>
+              </a:ext>
+            </a:extLst>
+          </p:cNvPr>
+          <p:cNvCxnSpPr>
+            <a:cxnSpLocks/>
+            <a:stCxn id="27" idx="2"/>
+            <a:endCxn id="28" idx="0"/>
+          </p:cNvCxnSpPr>
+          <p:nvPr/>
+        </p:nvCxnSpPr>
+        <p:spPr>
+          <a:xfrm rot="16200000" flipH="1">
+            <a:off x="7367575" y="1832501"/>
+            <a:ext cx="517892" cy="415074"/>
+          </a:xfrm>
+          <a:prstGeom prst="bentConnector3">
+            <a:avLst>
+              <a:gd name="adj1" fmla="val 50000"/>
+            </a:avLst>
+          </a:prstGeom>
+          <a:ln w="25400">
+            <a:solidFill>
+              <a:srgbClr val="7030A0"/>
+            </a:solidFill>
+            <a:tailEnd type="stealth" w="lg" len="lg"/>
+          </a:ln>
+        </p:spPr>
+        <p:style>
+          <a:lnRef idx="1">
+            <a:schemeClr val="accent1"/>
+          </a:lnRef>
+          <a:fillRef idx="0">
+            <a:schemeClr val="accent1"/>
+          </a:fillRef>
+          <a:effectRef idx="0">
+            <a:schemeClr val="accent1"/>
+          </a:effectRef>
+          <a:fontRef idx="minor">
+            <a:schemeClr val="tx1"/>
+          </a:fontRef>
+        </p:style>
+      </p:cxnSp>
     </p:spTree>
     <p:extLst>
       <p:ext uri="{BB962C8B-B14F-4D97-AF65-F5344CB8AC3E}">

--- a/mkdocs/docs/images/src/what-is-iter8.pptx
+++ b/mkdocs/docs/images/src/what-is-iter8.pptx
@@ -197,7 +197,7 @@
           <a:p>
             <a:fld id="{38B78CBE-37FA-D241-BB4C-CAC5D3B25F49}" type="datetimeFigureOut">
               <a:rPr lang="en-US" smtClean="0"/>
-              <a:t>6/4/21</a:t>
+              <a:t>6/15/21</a:t>
             </a:fld>
             <a:endParaRPr lang="en-US"/>
           </a:p>
@@ -611,7 +611,7 @@
           <a:p>
             <a:fld id="{708812C5-0212-FD42-A0D4-E2E8FF4E3AF5}" type="datetime1">
               <a:rPr lang="en-US" smtClean="0"/>
-              <a:t>6/4/21</a:t>
+              <a:t>6/15/21</a:t>
             </a:fld>
             <a:endParaRPr lang="en-US"/>
           </a:p>
@@ -812,7 +812,7 @@
           <a:p>
             <a:fld id="{D232AC6F-41C3-B34B-9BAA-03ED2F3BC0F6}" type="datetime1">
               <a:rPr lang="en-US" smtClean="0"/>
-              <a:t>6/4/21</a:t>
+              <a:t>6/15/21</a:t>
             </a:fld>
             <a:endParaRPr lang="en-US"/>
           </a:p>
@@ -1023,7 +1023,7 @@
           <a:p>
             <a:fld id="{BEE140C2-F440-9D49-95CB-5965D64CC4A2}" type="datetime1">
               <a:rPr lang="en-US" smtClean="0"/>
-              <a:t>6/4/21</a:t>
+              <a:t>6/15/21</a:t>
             </a:fld>
             <a:endParaRPr lang="en-US"/>
           </a:p>
@@ -1224,7 +1224,7 @@
           <a:p>
             <a:fld id="{CC99F980-FB29-FD47-8508-150F73F1E8B0}" type="datetime1">
               <a:rPr lang="en-US" smtClean="0"/>
-              <a:t>6/4/21</a:t>
+              <a:t>6/15/21</a:t>
             </a:fld>
             <a:endParaRPr lang="en-US"/>
           </a:p>
@@ -1502,7 +1502,7 @@
           <a:p>
             <a:fld id="{D4510983-EA22-9643-8AC0-B3C6499B643B}" type="datetime1">
               <a:rPr lang="en-US" smtClean="0"/>
-              <a:t>6/4/21</a:t>
+              <a:t>6/15/21</a:t>
             </a:fld>
             <a:endParaRPr lang="en-US"/>
           </a:p>
@@ -1770,7 +1770,7 @@
           <a:p>
             <a:fld id="{D5A39195-967D-5D4E-8C6A-C99866996458}" type="datetime1">
               <a:rPr lang="en-US" smtClean="0"/>
-              <a:t>6/4/21</a:t>
+              <a:t>6/15/21</a:t>
             </a:fld>
             <a:endParaRPr lang="en-US"/>
           </a:p>
@@ -2185,7 +2185,7 @@
           <a:p>
             <a:fld id="{5AD771E9-C79D-684D-A158-5EB6E92DE947}" type="datetime1">
               <a:rPr lang="en-US" smtClean="0"/>
-              <a:t>6/4/21</a:t>
+              <a:t>6/15/21</a:t>
             </a:fld>
             <a:endParaRPr lang="en-US"/>
           </a:p>
@@ -2329,7 +2329,7 @@
           <a:p>
             <a:fld id="{693CA161-7E4C-5C4B-B799-DB602A0B9806}" type="datetime1">
               <a:rPr lang="en-US" smtClean="0"/>
-              <a:t>6/4/21</a:t>
+              <a:t>6/15/21</a:t>
             </a:fld>
             <a:endParaRPr lang="en-US"/>
           </a:p>
@@ -2445,7 +2445,7 @@
           <a:p>
             <a:fld id="{6D55FDF3-8BB2-6349-A5FA-057F3D78953D}" type="datetime1">
               <a:rPr lang="en-US" smtClean="0"/>
-              <a:t>6/4/21</a:t>
+              <a:t>6/15/21</a:t>
             </a:fld>
             <a:endParaRPr lang="en-US"/>
           </a:p>
@@ -2759,7 +2759,7 @@
           <a:p>
             <a:fld id="{EEDFACC0-3228-BA4B-942E-CEF38B0101FD}" type="datetime1">
               <a:rPr lang="en-US" smtClean="0"/>
-              <a:t>6/4/21</a:t>
+              <a:t>6/15/21</a:t>
             </a:fld>
             <a:endParaRPr lang="en-US"/>
           </a:p>
@@ -3050,7 +3050,7 @@
           <a:p>
             <a:fld id="{07EEEDBE-E24C-D140-B419-6D8D592D0F1C}" type="datetime1">
               <a:rPr lang="en-US" smtClean="0"/>
-              <a:t>6/4/21</a:t>
+              <a:t>6/15/21</a:t>
             </a:fld>
             <a:endParaRPr lang="en-US"/>
           </a:p>
@@ -3294,7 +3294,7 @@
           <a:p>
             <a:fld id="{E05781A2-A5EF-C54C-A3EF-F62483D37EDC}" type="datetime1">
               <a:rPr lang="en-US" smtClean="0"/>
-              <a:t>6/4/21</a:t>
+              <a:t>6/15/21</a:t>
             </a:fld>
             <a:endParaRPr lang="en-US"/>
           </a:p>
@@ -3781,8 +3781,8 @@
         </p:nvSpPr>
         <p:spPr>
           <a:xfrm>
-            <a:off x="4742797" y="956446"/>
-            <a:ext cx="4204130" cy="2186152"/>
+            <a:off x="4548110" y="956445"/>
+            <a:ext cx="5085719" cy="2389067"/>
           </a:xfrm>
           <a:prstGeom prst="snip2DiagRect">
             <a:avLst/>
@@ -3884,52 +3884,6 @@
           </a:p>
         </p:txBody>
       </p:sp>
-      <p:cxnSp>
-        <p:nvCxnSpPr>
-          <p:cNvPr id="25" name="Straight Arrow Connector 24">
-            <a:extLst>
-              <a:ext uri="{FF2B5EF4-FFF2-40B4-BE49-F238E27FC236}">
-                <a16:creationId xmlns:a16="http://schemas.microsoft.com/office/drawing/2014/main" id="{7FA04FC1-FEAB-EC41-B1FF-3FEA26BA4B44}"/>
-              </a:ext>
-            </a:extLst>
-          </p:cNvPr>
-          <p:cNvCxnSpPr>
-            <a:cxnSpLocks/>
-            <a:stCxn id="106" idx="0"/>
-            <a:endCxn id="21" idx="2"/>
-          </p:cNvCxnSpPr>
-          <p:nvPr/>
-        </p:nvCxnSpPr>
-        <p:spPr>
-          <a:xfrm flipH="1" flipV="1">
-            <a:off x="2969623" y="1679913"/>
-            <a:ext cx="5239" cy="464611"/>
-          </a:xfrm>
-          <a:prstGeom prst="straightConnector1">
-            <a:avLst/>
-          </a:prstGeom>
-          <a:ln w="25400">
-            <a:solidFill>
-              <a:srgbClr val="7030A0"/>
-            </a:solidFill>
-            <a:tailEnd type="triangle"/>
-          </a:ln>
-        </p:spPr>
-        <p:style>
-          <a:lnRef idx="1">
-            <a:schemeClr val="accent1"/>
-          </a:lnRef>
-          <a:fillRef idx="0">
-            <a:schemeClr val="accent1"/>
-          </a:fillRef>
-          <a:effectRef idx="0">
-            <a:schemeClr val="accent1"/>
-          </a:effectRef>
-          <a:fontRef idx="minor">
-            <a:schemeClr val="tx1"/>
-          </a:fontRef>
-        </p:style>
-      </p:cxnSp>
       <p:sp>
         <p:nvSpPr>
           <p:cNvPr id="26" name="Rectangle 25">
@@ -3944,34 +3898,34 @@
         </p:nvSpPr>
         <p:spPr>
           <a:xfrm>
-            <a:off x="4845082" y="1882898"/>
-            <a:ext cx="1904504" cy="570029"/>
+            <a:off x="4656633" y="1777952"/>
+            <a:ext cx="1725098" cy="773014"/>
           </a:xfrm>
           <a:custGeom>
             <a:avLst/>
             <a:gdLst>
-              <a:gd name="connsiteX0" fmla="*/ 0 w 1904504"/>
-              <a:gd name="connsiteY0" fmla="*/ 0 h 570029"/>
-              <a:gd name="connsiteX1" fmla="*/ 457081 w 1904504"/>
-              <a:gd name="connsiteY1" fmla="*/ 0 h 570029"/>
-              <a:gd name="connsiteX2" fmla="*/ 933207 w 1904504"/>
-              <a:gd name="connsiteY2" fmla="*/ 0 h 570029"/>
-              <a:gd name="connsiteX3" fmla="*/ 1409333 w 1904504"/>
-              <a:gd name="connsiteY3" fmla="*/ 0 h 570029"/>
-              <a:gd name="connsiteX4" fmla="*/ 1904504 w 1904504"/>
-              <a:gd name="connsiteY4" fmla="*/ 0 h 570029"/>
-              <a:gd name="connsiteX5" fmla="*/ 1904504 w 1904504"/>
-              <a:gd name="connsiteY5" fmla="*/ 570029 h 570029"/>
-              <a:gd name="connsiteX6" fmla="*/ 1428378 w 1904504"/>
-              <a:gd name="connsiteY6" fmla="*/ 570029 h 570029"/>
-              <a:gd name="connsiteX7" fmla="*/ 990342 w 1904504"/>
-              <a:gd name="connsiteY7" fmla="*/ 570029 h 570029"/>
-              <a:gd name="connsiteX8" fmla="*/ 552306 w 1904504"/>
-              <a:gd name="connsiteY8" fmla="*/ 570029 h 570029"/>
-              <a:gd name="connsiteX9" fmla="*/ 0 w 1904504"/>
-              <a:gd name="connsiteY9" fmla="*/ 570029 h 570029"/>
-              <a:gd name="connsiteX10" fmla="*/ 0 w 1904504"/>
-              <a:gd name="connsiteY10" fmla="*/ 0 h 570029"/>
+              <a:gd name="connsiteX0" fmla="*/ 0 w 1725098"/>
+              <a:gd name="connsiteY0" fmla="*/ 0 h 773014"/>
+              <a:gd name="connsiteX1" fmla="*/ 557782 w 1725098"/>
+              <a:gd name="connsiteY1" fmla="*/ 0 h 773014"/>
+              <a:gd name="connsiteX2" fmla="*/ 1132814 w 1725098"/>
+              <a:gd name="connsiteY2" fmla="*/ 0 h 773014"/>
+              <a:gd name="connsiteX3" fmla="*/ 1725098 w 1725098"/>
+              <a:gd name="connsiteY3" fmla="*/ 0 h 773014"/>
+              <a:gd name="connsiteX4" fmla="*/ 1725098 w 1725098"/>
+              <a:gd name="connsiteY4" fmla="*/ 386507 h 773014"/>
+              <a:gd name="connsiteX5" fmla="*/ 1725098 w 1725098"/>
+              <a:gd name="connsiteY5" fmla="*/ 773014 h 773014"/>
+              <a:gd name="connsiteX6" fmla="*/ 1150065 w 1725098"/>
+              <a:gd name="connsiteY6" fmla="*/ 773014 h 773014"/>
+              <a:gd name="connsiteX7" fmla="*/ 609535 w 1725098"/>
+              <a:gd name="connsiteY7" fmla="*/ 773014 h 773014"/>
+              <a:gd name="connsiteX8" fmla="*/ 0 w 1725098"/>
+              <a:gd name="connsiteY8" fmla="*/ 773014 h 773014"/>
+              <a:gd name="connsiteX9" fmla="*/ 0 w 1725098"/>
+              <a:gd name="connsiteY9" fmla="*/ 394237 h 773014"/>
+              <a:gd name="connsiteX10" fmla="*/ 0 w 1725098"/>
+              <a:gd name="connsiteY10" fmla="*/ 0 h 773014"/>
             </a:gdLst>
             <a:ahLst/>
             <a:cxnLst>
@@ -4011,114 +3965,114 @@
             </a:cxnLst>
             <a:rect l="l" t="t" r="r" b="b"/>
             <a:pathLst>
-              <a:path w="1904504" h="570029" fill="none" extrusionOk="0">
+              <a:path w="1725098" h="773014" fill="none" extrusionOk="0">
                 <a:moveTo>
                   <a:pt x="0" y="0"/>
                 </a:moveTo>
                 <a:cubicBezTo>
-                  <a:pt x="173708" y="-45685"/>
-                  <a:pt x="309592" y="13470"/>
-                  <a:pt x="457081" y="0"/>
+                  <a:pt x="168254" y="-65307"/>
+                  <a:pt x="439636" y="53159"/>
+                  <a:pt x="557782" y="0"/>
                 </a:cubicBezTo>
                 <a:cubicBezTo>
-                  <a:pt x="604570" y="-13470"/>
-                  <a:pt x="727944" y="25205"/>
-                  <a:pt x="933207" y="0"/>
+                  <a:pt x="675928" y="-53159"/>
+                  <a:pt x="850694" y="40283"/>
+                  <a:pt x="1132814" y="0"/>
                 </a:cubicBezTo>
                 <a:cubicBezTo>
-                  <a:pt x="1138470" y="-25205"/>
-                  <a:pt x="1172702" y="31282"/>
-                  <a:pt x="1409333" y="0"/>
+                  <a:pt x="1414934" y="-40283"/>
+                  <a:pt x="1600693" y="17773"/>
+                  <a:pt x="1725098" y="0"/>
                 </a:cubicBezTo>
                 <a:cubicBezTo>
-                  <a:pt x="1645964" y="-31282"/>
-                  <a:pt x="1726250" y="16999"/>
-                  <a:pt x="1904504" y="0"/>
+                  <a:pt x="1762404" y="94584"/>
+                  <a:pt x="1686857" y="259962"/>
+                  <a:pt x="1725098" y="386507"/>
                 </a:cubicBezTo>
                 <a:cubicBezTo>
-                  <a:pt x="1959044" y="251882"/>
-                  <a:pt x="1845168" y="308191"/>
-                  <a:pt x="1904504" y="570029"/>
+                  <a:pt x="1763339" y="513052"/>
+                  <a:pt x="1712159" y="611104"/>
+                  <a:pt x="1725098" y="773014"/>
                 </a:cubicBezTo>
                 <a:cubicBezTo>
-                  <a:pt x="1750131" y="592332"/>
-                  <a:pt x="1647541" y="526313"/>
-                  <a:pt x="1428378" y="570029"/>
+                  <a:pt x="1548193" y="838099"/>
+                  <a:pt x="1394852" y="710947"/>
+                  <a:pt x="1150065" y="773014"/>
                 </a:cubicBezTo>
                 <a:cubicBezTo>
-                  <a:pt x="1209215" y="613745"/>
-                  <a:pt x="1194175" y="518868"/>
-                  <a:pt x="990342" y="570029"/>
+                  <a:pt x="905278" y="835081"/>
+                  <a:pt x="841607" y="744938"/>
+                  <a:pt x="609535" y="773014"/>
                 </a:cubicBezTo>
                 <a:cubicBezTo>
-                  <a:pt x="786509" y="621190"/>
-                  <a:pt x="697700" y="536507"/>
-                  <a:pt x="552306" y="570029"/>
+                  <a:pt x="377463" y="801090"/>
+                  <a:pt x="197833" y="725069"/>
+                  <a:pt x="0" y="773014"/>
                 </a:cubicBezTo>
                 <a:cubicBezTo>
-                  <a:pt x="406912" y="603551"/>
-                  <a:pt x="270404" y="538620"/>
-                  <a:pt x="0" y="570029"/>
+                  <a:pt x="-5271" y="679045"/>
+                  <a:pt x="17636" y="542555"/>
+                  <a:pt x="0" y="394237"/>
                 </a:cubicBezTo>
                 <a:cubicBezTo>
-                  <a:pt x="-56324" y="345153"/>
-                  <a:pt x="9136" y="270925"/>
+                  <a:pt x="-17636" y="245919"/>
+                  <a:pt x="9349" y="182711"/>
                   <a:pt x="0" y="0"/>
                 </a:cubicBezTo>
                 <a:close/>
               </a:path>
-              <a:path w="1904504" h="570029" stroke="0" extrusionOk="0">
+              <a:path w="1725098" h="773014" stroke="0" extrusionOk="0">
                 <a:moveTo>
                   <a:pt x="0" y="0"/>
                 </a:moveTo>
                 <a:cubicBezTo>
-                  <a:pt x="136957" y="-43813"/>
-                  <a:pt x="358887" y="25271"/>
-                  <a:pt x="457081" y="0"/>
+                  <a:pt x="205968" y="-34008"/>
+                  <a:pt x="322315" y="28520"/>
+                  <a:pt x="557782" y="0"/>
                 </a:cubicBezTo>
                 <a:cubicBezTo>
-                  <a:pt x="555275" y="-25271"/>
-                  <a:pt x="748608" y="44031"/>
-                  <a:pt x="876072" y="0"/>
+                  <a:pt x="793249" y="-28520"/>
+                  <a:pt x="921916" y="45588"/>
+                  <a:pt x="1081061" y="0"/>
                 </a:cubicBezTo>
                 <a:cubicBezTo>
-                  <a:pt x="1003536" y="-44031"/>
-                  <a:pt x="1223312" y="24114"/>
-                  <a:pt x="1390288" y="0"/>
+                  <a:pt x="1240206" y="-45588"/>
+                  <a:pt x="1492223" y="9541"/>
+                  <a:pt x="1725098" y="0"/>
                 </a:cubicBezTo>
                 <a:cubicBezTo>
-                  <a:pt x="1557264" y="-24114"/>
-                  <a:pt x="1732862" y="14689"/>
-                  <a:pt x="1904504" y="0"/>
+                  <a:pt x="1762250" y="105537"/>
+                  <a:pt x="1681881" y="279446"/>
+                  <a:pt x="1725098" y="378777"/>
                 </a:cubicBezTo>
                 <a:cubicBezTo>
-                  <a:pt x="1911940" y="221597"/>
-                  <a:pt x="1861251" y="391285"/>
-                  <a:pt x="1904504" y="570029"/>
+                  <a:pt x="1768315" y="478108"/>
+                  <a:pt x="1718875" y="577451"/>
+                  <a:pt x="1725098" y="773014"/>
                 </a:cubicBezTo>
                 <a:cubicBezTo>
-                  <a:pt x="1728126" y="609883"/>
-                  <a:pt x="1570861" y="546748"/>
-                  <a:pt x="1466468" y="570029"/>
+                  <a:pt x="1537608" y="821520"/>
+                  <a:pt x="1377806" y="714416"/>
+                  <a:pt x="1184567" y="773014"/>
                 </a:cubicBezTo>
                 <a:cubicBezTo>
-                  <a:pt x="1362075" y="593310"/>
-                  <a:pt x="1158758" y="528615"/>
-                  <a:pt x="1028432" y="570029"/>
+                  <a:pt x="991328" y="831612"/>
+                  <a:pt x="770711" y="759634"/>
+                  <a:pt x="644037" y="773014"/>
                 </a:cubicBezTo>
                 <a:cubicBezTo>
-                  <a:pt x="898106" y="611443"/>
-                  <a:pt x="769686" y="533598"/>
-                  <a:pt x="514216" y="570029"/>
+                  <a:pt x="517363" y="786394"/>
+                  <a:pt x="280564" y="767561"/>
+                  <a:pt x="0" y="773014"/>
                 </a:cubicBezTo>
                 <a:cubicBezTo>
-                  <a:pt x="258746" y="606460"/>
-                  <a:pt x="142557" y="545509"/>
-                  <a:pt x="0" y="570029"/>
+                  <a:pt x="-18556" y="660505"/>
+                  <a:pt x="9172" y="498657"/>
+                  <a:pt x="0" y="409697"/>
                 </a:cubicBezTo>
                 <a:cubicBezTo>
-                  <a:pt x="-16707" y="453616"/>
-                  <a:pt x="36279" y="256310"/>
+                  <a:pt x="-9172" y="320737"/>
+                  <a:pt x="19821" y="116366"/>
                   <a:pt x="0" y="0"/>
                 </a:cubicBezTo>
                 <a:close/>
@@ -4176,7 +4130,7 @@
                   <a:schemeClr val="tx1"/>
                 </a:solidFill>
               </a:rPr>
-              <a:t>Split traffic optimally between versions</a:t>
+              <a:t>Split traffic between versions</a:t>
             </a:r>
           </a:p>
         </p:txBody>
@@ -4195,8 +4149,8 @@
         </p:nvSpPr>
         <p:spPr>
           <a:xfrm>
-            <a:off x="6295697" y="1063915"/>
-            <a:ext cx="2246573" cy="717177"/>
+            <a:off x="6659157" y="1104012"/>
+            <a:ext cx="2610637" cy="829654"/>
           </a:xfrm>
           <a:prstGeom prst="rect">
             <a:avLst/>
@@ -4239,7 +4193,23 @@
                   <a:schemeClr val="tx1"/>
                 </a:solidFill>
               </a:rPr>
-              <a:t>Collect built-in metrics or query metrics from any database</a:t>
+              <a:t>Collect </a:t>
+            </a:r>
+            <a:r>
+              <a:rPr lang="en-US" sz="1600" dirty="0" err="1">
+                <a:solidFill>
+                  <a:schemeClr val="tx1"/>
+                </a:solidFill>
+              </a:rPr>
+              <a:t>builtin</a:t>
+            </a:r>
+            <a:r>
+              <a:rPr lang="en-US" sz="1600" dirty="0">
+                <a:solidFill>
+                  <a:schemeClr val="tx1"/>
+                </a:solidFill>
+              </a:rPr>
+              <a:t> metrics or use custom metrics from any DB</a:t>
             </a:r>
           </a:p>
         </p:txBody>
@@ -4258,8 +4228,8 @@
         </p:nvSpPr>
         <p:spPr>
           <a:xfrm>
-            <a:off x="6852857" y="2298984"/>
-            <a:ext cx="1962402" cy="717177"/>
+            <a:off x="7603241" y="2595422"/>
+            <a:ext cx="1871948" cy="642601"/>
           </a:xfrm>
           <a:prstGeom prst="rect">
             <a:avLst/>
@@ -4302,7 +4272,7 @@
                   <a:schemeClr val="tx1"/>
                 </a:solidFill>
               </a:rPr>
-              <a:t>Evaluate versions using statistically rigorous algorithms</a:t>
+              <a:t>Assess versions</a:t>
             </a:r>
           </a:p>
         </p:txBody>
@@ -4321,7 +4291,7 @@
         </p:nvSpPr>
         <p:spPr>
           <a:xfrm>
-            <a:off x="7976244" y="3217821"/>
+            <a:off x="7976244" y="3473235"/>
             <a:ext cx="1962383" cy="717177"/>
           </a:xfrm>
           <a:custGeom>
@@ -4573,7 +4543,7 @@
                   <a:schemeClr val="tx1"/>
                 </a:solidFill>
               </a:rPr>
-              <a:t>Promote winning version. Cleanup</a:t>
+              <a:t>Promote winning version</a:t>
             </a:r>
           </a:p>
         </p:txBody>
@@ -4666,67 +4636,6 @@
           </a:fontRef>
         </p:style>
       </p:cxnSp>
-      <p:sp>
-        <p:nvSpPr>
-          <p:cNvPr id="106" name="Rectangle 105">
-            <a:extLst>
-              <a:ext uri="{FF2B5EF4-FFF2-40B4-BE49-F238E27FC236}">
-                <a16:creationId xmlns:a16="http://schemas.microsoft.com/office/drawing/2014/main" id="{00C9E952-592A-FE4E-ACCF-76B16E431C7A}"/>
-              </a:ext>
-            </a:extLst>
-          </p:cNvPr>
-          <p:cNvSpPr/>
-          <p:nvPr/>
-        </p:nvSpPr>
-        <p:spPr>
-          <a:xfrm>
-            <a:off x="2266650" y="2144524"/>
-            <a:ext cx="1416424" cy="717177"/>
-          </a:xfrm>
-          <a:prstGeom prst="rect">
-            <a:avLst/>
-          </a:prstGeom>
-          <a:solidFill>
-            <a:schemeClr val="bg1"/>
-          </a:solidFill>
-          <a:ln>
-            <a:solidFill>
-              <a:srgbClr val="7030A0"/>
-            </a:solidFill>
-          </a:ln>
-        </p:spPr>
-        <p:style>
-          <a:lnRef idx="2">
-            <a:schemeClr val="accent1">
-              <a:shade val="50000"/>
-            </a:schemeClr>
-          </a:lnRef>
-          <a:fillRef idx="1">
-            <a:schemeClr val="accent1"/>
-          </a:fillRef>
-          <a:effectRef idx="0">
-            <a:schemeClr val="accent1"/>
-          </a:effectRef>
-          <a:fontRef idx="minor">
-            <a:schemeClr val="lt1"/>
-          </a:fontRef>
-        </p:style>
-        <p:txBody>
-          <a:bodyPr rtlCol="0" anchor="ctr"/>
-          <a:lstStyle/>
-          <a:p>
-            <a:pPr algn="ctr"/>
-            <a:r>
-              <a:rPr lang="en-US" sz="1600" dirty="0">
-                <a:solidFill>
-                  <a:schemeClr val="tx1"/>
-                </a:solidFill>
-              </a:rPr>
-              <a:t>Deploy any supporting K8s resources</a:t>
-            </a:r>
-          </a:p>
-        </p:txBody>
-      </p:sp>
       <p:cxnSp>
         <p:nvCxnSpPr>
           <p:cNvPr id="119" name="Elbow Connector 118">
@@ -4746,7 +4655,7 @@
         <p:spPr>
           <a:xfrm>
             <a:off x="3677835" y="1321325"/>
-            <a:ext cx="1064962" cy="728197"/>
+            <a:ext cx="870275" cy="829654"/>
           </a:xfrm>
           <a:prstGeom prst="bentConnector3">
             <a:avLst>
@@ -4793,8 +4702,8 @@
         </p:nvCxnSpPr>
         <p:spPr>
           <a:xfrm rot="16200000" flipH="1">
-            <a:off x="7193647" y="2793813"/>
-            <a:ext cx="433812" cy="1131382"/>
+            <a:off x="7290451" y="3146031"/>
+            <a:ext cx="486312" cy="885274"/>
           </a:xfrm>
           <a:prstGeom prst="bentConnector2">
             <a:avLst/>
@@ -4839,8 +4748,8 @@
         </p:nvCxnSpPr>
         <p:spPr>
           <a:xfrm rot="5400000" flipH="1" flipV="1">
-            <a:off x="5816318" y="1403520"/>
-            <a:ext cx="460394" cy="498363"/>
+            <a:off x="5959613" y="1078409"/>
+            <a:ext cx="259113" cy="1139975"/>
           </a:xfrm>
           <a:prstGeom prst="bentConnector2">
             <a:avLst/>
@@ -4885,8 +4794,8 @@
         </p:nvCxnSpPr>
         <p:spPr>
           <a:xfrm rot="10800000">
-            <a:off x="5797335" y="2452927"/>
-            <a:ext cx="1055523" cy="204646"/>
+            <a:off x="5519183" y="2550967"/>
+            <a:ext cx="2084059" cy="365757"/>
           </a:xfrm>
           <a:prstGeom prst="bentConnector2">
             <a:avLst/>
@@ -4984,7 +4893,7 @@
         </p:nvSpPr>
         <p:spPr>
           <a:xfrm>
-            <a:off x="5808224" y="3947704"/>
+            <a:off x="5808224" y="4263010"/>
             <a:ext cx="3805004" cy="541816"/>
           </a:xfrm>
           <a:prstGeom prst="rect">
@@ -5088,7 +4997,7 @@
         </p:nvCxnSpPr>
         <p:spPr>
           <a:xfrm>
-            <a:off x="3962400" y="4218612"/>
+            <a:off x="3962400" y="4533918"/>
             <a:ext cx="1105996" cy="0"/>
           </a:xfrm>
           <a:prstGeom prst="line">
@@ -5134,7 +5043,7 @@
         </p:nvCxnSpPr>
         <p:spPr>
           <a:xfrm flipH="1">
-            <a:off x="9613228" y="4218612"/>
+            <a:off x="9613228" y="4533918"/>
             <a:ext cx="347944" cy="0"/>
           </a:xfrm>
           <a:prstGeom prst="line">
@@ -5191,7 +5100,7 @@
         </p:blipFill>
         <p:spPr>
           <a:xfrm>
-            <a:off x="5068396" y="3885864"/>
+            <a:off x="5068396" y="4201170"/>
             <a:ext cx="665496" cy="665496"/>
           </a:xfrm>
           <a:prstGeom prst="rect">
@@ -5218,14 +5127,14 @@
           <p:cNvCxnSpPr>
             <a:cxnSpLocks/>
             <a:stCxn id="36" idx="0"/>
-            <a:endCxn id="106" idx="2"/>
+            <a:endCxn id="21" idx="2"/>
           </p:cNvCxnSpPr>
           <p:nvPr/>
         </p:nvCxnSpPr>
         <p:spPr>
           <a:xfrm flipV="1">
-            <a:off x="2969623" y="2861701"/>
-            <a:ext cx="5239" cy="464611"/>
+            <a:off x="2969623" y="1679913"/>
+            <a:ext cx="0" cy="673623"/>
           </a:xfrm>
           <a:prstGeom prst="straightConnector1">
             <a:avLst/>
@@ -5266,8 +5175,8 @@
         </p:nvSpPr>
         <p:spPr>
           <a:xfrm>
-            <a:off x="2261411" y="3326312"/>
-            <a:ext cx="1416424" cy="717177"/>
+            <a:off x="2261411" y="2353536"/>
+            <a:ext cx="1416424" cy="829653"/>
           </a:xfrm>
           <a:prstGeom prst="rect">
             <a:avLst/>
@@ -5308,7 +5217,7 @@
                   <a:schemeClr val="tx1"/>
                 </a:solidFill>
               </a:rPr>
-              <a:t>Deploy app/ML model versions</a:t>
+              <a:t>Deploy new version of app/ML model</a:t>
             </a:r>
           </a:p>
         </p:txBody>
@@ -5331,8 +5240,8 @@
         </p:nvCxnSpPr>
         <p:spPr>
           <a:xfrm rot="16200000" flipH="1">
-            <a:off x="7367575" y="1832501"/>
-            <a:ext cx="517892" cy="415074"/>
+            <a:off x="7920967" y="1977174"/>
+            <a:ext cx="661756" cy="574739"/>
           </a:xfrm>
           <a:prstGeom prst="bentConnector3">
             <a:avLst>

--- a/mkdocs/docs/images/src/what-is-iter8.pptx
+++ b/mkdocs/docs/images/src/what-is-iter8.pptx
@@ -197,7 +197,7 @@
           <a:p>
             <a:fld id="{38B78CBE-37FA-D241-BB4C-CAC5D3B25F49}" type="datetimeFigureOut">
               <a:rPr lang="en-US" smtClean="0"/>
-              <a:t>6/15/21</a:t>
+              <a:t>6/21/21</a:t>
             </a:fld>
             <a:endParaRPr lang="en-US"/>
           </a:p>
@@ -611,7 +611,7 @@
           <a:p>
             <a:fld id="{708812C5-0212-FD42-A0D4-E2E8FF4E3AF5}" type="datetime1">
               <a:rPr lang="en-US" smtClean="0"/>
-              <a:t>6/15/21</a:t>
+              <a:t>6/21/21</a:t>
             </a:fld>
             <a:endParaRPr lang="en-US"/>
           </a:p>
@@ -812,7 +812,7 @@
           <a:p>
             <a:fld id="{D232AC6F-41C3-B34B-9BAA-03ED2F3BC0F6}" type="datetime1">
               <a:rPr lang="en-US" smtClean="0"/>
-              <a:t>6/15/21</a:t>
+              <a:t>6/21/21</a:t>
             </a:fld>
             <a:endParaRPr lang="en-US"/>
           </a:p>
@@ -1023,7 +1023,7 @@
           <a:p>
             <a:fld id="{BEE140C2-F440-9D49-95CB-5965D64CC4A2}" type="datetime1">
               <a:rPr lang="en-US" smtClean="0"/>
-              <a:t>6/15/21</a:t>
+              <a:t>6/21/21</a:t>
             </a:fld>
             <a:endParaRPr lang="en-US"/>
           </a:p>
@@ -1224,7 +1224,7 @@
           <a:p>
             <a:fld id="{CC99F980-FB29-FD47-8508-150F73F1E8B0}" type="datetime1">
               <a:rPr lang="en-US" smtClean="0"/>
-              <a:t>6/15/21</a:t>
+              <a:t>6/21/21</a:t>
             </a:fld>
             <a:endParaRPr lang="en-US"/>
           </a:p>
@@ -1502,7 +1502,7 @@
           <a:p>
             <a:fld id="{D4510983-EA22-9643-8AC0-B3C6499B643B}" type="datetime1">
               <a:rPr lang="en-US" smtClean="0"/>
-              <a:t>6/15/21</a:t>
+              <a:t>6/21/21</a:t>
             </a:fld>
             <a:endParaRPr lang="en-US"/>
           </a:p>
@@ -1770,7 +1770,7 @@
           <a:p>
             <a:fld id="{D5A39195-967D-5D4E-8C6A-C99866996458}" type="datetime1">
               <a:rPr lang="en-US" smtClean="0"/>
-              <a:t>6/15/21</a:t>
+              <a:t>6/21/21</a:t>
             </a:fld>
             <a:endParaRPr lang="en-US"/>
           </a:p>
@@ -2185,7 +2185,7 @@
           <a:p>
             <a:fld id="{5AD771E9-C79D-684D-A158-5EB6E92DE947}" type="datetime1">
               <a:rPr lang="en-US" smtClean="0"/>
-              <a:t>6/15/21</a:t>
+              <a:t>6/21/21</a:t>
             </a:fld>
             <a:endParaRPr lang="en-US"/>
           </a:p>
@@ -2329,7 +2329,7 @@
           <a:p>
             <a:fld id="{693CA161-7E4C-5C4B-B799-DB602A0B9806}" type="datetime1">
               <a:rPr lang="en-US" smtClean="0"/>
-              <a:t>6/15/21</a:t>
+              <a:t>6/21/21</a:t>
             </a:fld>
             <a:endParaRPr lang="en-US"/>
           </a:p>
@@ -2445,7 +2445,7 @@
           <a:p>
             <a:fld id="{6D55FDF3-8BB2-6349-A5FA-057F3D78953D}" type="datetime1">
               <a:rPr lang="en-US" smtClean="0"/>
-              <a:t>6/15/21</a:t>
+              <a:t>6/21/21</a:t>
             </a:fld>
             <a:endParaRPr lang="en-US"/>
           </a:p>
@@ -2759,7 +2759,7 @@
           <a:p>
             <a:fld id="{EEDFACC0-3228-BA4B-942E-CEF38B0101FD}" type="datetime1">
               <a:rPr lang="en-US" smtClean="0"/>
-              <a:t>6/15/21</a:t>
+              <a:t>6/21/21</a:t>
             </a:fld>
             <a:endParaRPr lang="en-US"/>
           </a:p>
@@ -3050,7 +3050,7 @@
           <a:p>
             <a:fld id="{07EEEDBE-E24C-D140-B419-6D8D592D0F1C}" type="datetime1">
               <a:rPr lang="en-US" smtClean="0"/>
-              <a:t>6/15/21</a:t>
+              <a:t>6/21/21</a:t>
             </a:fld>
             <a:endParaRPr lang="en-US"/>
           </a:p>
@@ -3294,7 +3294,7 @@
           <a:p>
             <a:fld id="{E05781A2-A5EF-C54C-A3EF-F62483D37EDC}" type="datetime1">
               <a:rPr lang="en-US" smtClean="0"/>
-              <a:t>6/15/21</a:t>
+              <a:t>6/21/21</a:t>
             </a:fld>
             <a:endParaRPr lang="en-US"/>
           </a:p>
@@ -4824,63 +4824,6 @@
       </p:cxnSp>
       <p:sp>
         <p:nvSpPr>
-          <p:cNvPr id="2" name="Footer Placeholder 1">
-            <a:extLst>
-              <a:ext uri="{FF2B5EF4-FFF2-40B4-BE49-F238E27FC236}">
-                <a16:creationId xmlns:a16="http://schemas.microsoft.com/office/drawing/2014/main" id="{EEE1E3D6-6339-4046-AC30-E97E4646FB94}"/>
-              </a:ext>
-            </a:extLst>
-          </p:cNvPr>
-          <p:cNvSpPr>
-            <a:spLocks noGrp="1"/>
-          </p:cNvSpPr>
-          <p:nvPr>
-            <p:ph type="ftr" sz="quarter" idx="11"/>
-          </p:nvPr>
-        </p:nvSpPr>
-        <p:spPr/>
-        <p:txBody>
-          <a:bodyPr/>
-          <a:lstStyle/>
-          <a:p>
-            <a:r>
-              <a:rPr lang="en-US"/>
-              <a:t>https://iter8.tools</a:t>
-            </a:r>
-          </a:p>
-        </p:txBody>
-      </p:sp>
-      <p:sp>
-        <p:nvSpPr>
-          <p:cNvPr id="4" name="Slide Number Placeholder 3">
-            <a:extLst>
-              <a:ext uri="{FF2B5EF4-FFF2-40B4-BE49-F238E27FC236}">
-                <a16:creationId xmlns:a16="http://schemas.microsoft.com/office/drawing/2014/main" id="{2AFCABC9-6DAD-6F4E-8CC7-AF3930765234}"/>
-              </a:ext>
-            </a:extLst>
-          </p:cNvPr>
-          <p:cNvSpPr>
-            <a:spLocks noGrp="1"/>
-          </p:cNvSpPr>
-          <p:nvPr>
-            <p:ph type="sldNum" sz="quarter" idx="12"/>
-          </p:nvPr>
-        </p:nvSpPr>
-        <p:spPr/>
-        <p:txBody>
-          <a:bodyPr/>
-          <a:lstStyle/>
-          <a:p>
-            <a:fld id="{B78E2DF1-CA0F-8745-8AE1-A3A61670CB1B}" type="slidenum">
-              <a:rPr lang="en-US" smtClean="0"/>
-              <a:t>1</a:t>
-            </a:fld>
-            <a:endParaRPr lang="en-US"/>
-          </a:p>
-        </p:txBody>
-      </p:sp>
-      <p:sp>
-        <p:nvSpPr>
           <p:cNvPr id="30" name="Rectangle 29">
             <a:extLst>
               <a:ext uri="{FF2B5EF4-FFF2-40B4-BE49-F238E27FC236}">
@@ -5217,7 +5160,7 @@
                   <a:schemeClr val="tx1"/>
                 </a:solidFill>
               </a:rPr>
-              <a:t>Deploy new version of app/ML model</a:t>
+              <a:t>Deploy new version of application</a:t>
             </a:r>
           </a:p>
         </p:txBody>

--- a/mkdocs/docs/images/src/what-is-iter8.pptx
+++ b/mkdocs/docs/images/src/what-is-iter8.pptx
@@ -197,7 +197,7 @@
           <a:p>
             <a:fld id="{38B78CBE-37FA-D241-BB4C-CAC5D3B25F49}" type="datetimeFigureOut">
               <a:rPr lang="en-US" smtClean="0"/>
-              <a:t>6/4/21</a:t>
+              <a:t>6/21/21</a:t>
             </a:fld>
             <a:endParaRPr lang="en-US"/>
           </a:p>
@@ -611,7 +611,7 @@
           <a:p>
             <a:fld id="{708812C5-0212-FD42-A0D4-E2E8FF4E3AF5}" type="datetime1">
               <a:rPr lang="en-US" smtClean="0"/>
-              <a:t>6/4/21</a:t>
+              <a:t>6/21/21</a:t>
             </a:fld>
             <a:endParaRPr lang="en-US"/>
           </a:p>
@@ -812,7 +812,7 @@
           <a:p>
             <a:fld id="{D232AC6F-41C3-B34B-9BAA-03ED2F3BC0F6}" type="datetime1">
               <a:rPr lang="en-US" smtClean="0"/>
-              <a:t>6/4/21</a:t>
+              <a:t>6/21/21</a:t>
             </a:fld>
             <a:endParaRPr lang="en-US"/>
           </a:p>
@@ -1023,7 +1023,7 @@
           <a:p>
             <a:fld id="{BEE140C2-F440-9D49-95CB-5965D64CC4A2}" type="datetime1">
               <a:rPr lang="en-US" smtClean="0"/>
-              <a:t>6/4/21</a:t>
+              <a:t>6/21/21</a:t>
             </a:fld>
             <a:endParaRPr lang="en-US"/>
           </a:p>
@@ -1224,7 +1224,7 @@
           <a:p>
             <a:fld id="{CC99F980-FB29-FD47-8508-150F73F1E8B0}" type="datetime1">
               <a:rPr lang="en-US" smtClean="0"/>
-              <a:t>6/4/21</a:t>
+              <a:t>6/21/21</a:t>
             </a:fld>
             <a:endParaRPr lang="en-US"/>
           </a:p>
@@ -1502,7 +1502,7 @@
           <a:p>
             <a:fld id="{D4510983-EA22-9643-8AC0-B3C6499B643B}" type="datetime1">
               <a:rPr lang="en-US" smtClean="0"/>
-              <a:t>6/4/21</a:t>
+              <a:t>6/21/21</a:t>
             </a:fld>
             <a:endParaRPr lang="en-US"/>
           </a:p>
@@ -1770,7 +1770,7 @@
           <a:p>
             <a:fld id="{D5A39195-967D-5D4E-8C6A-C99866996458}" type="datetime1">
               <a:rPr lang="en-US" smtClean="0"/>
-              <a:t>6/4/21</a:t>
+              <a:t>6/21/21</a:t>
             </a:fld>
             <a:endParaRPr lang="en-US"/>
           </a:p>
@@ -2185,7 +2185,7 @@
           <a:p>
             <a:fld id="{5AD771E9-C79D-684D-A158-5EB6E92DE947}" type="datetime1">
               <a:rPr lang="en-US" smtClean="0"/>
-              <a:t>6/4/21</a:t>
+              <a:t>6/21/21</a:t>
             </a:fld>
             <a:endParaRPr lang="en-US"/>
           </a:p>
@@ -2329,7 +2329,7 @@
           <a:p>
             <a:fld id="{693CA161-7E4C-5C4B-B799-DB602A0B9806}" type="datetime1">
               <a:rPr lang="en-US" smtClean="0"/>
-              <a:t>6/4/21</a:t>
+              <a:t>6/21/21</a:t>
             </a:fld>
             <a:endParaRPr lang="en-US"/>
           </a:p>
@@ -2445,7 +2445,7 @@
           <a:p>
             <a:fld id="{6D55FDF3-8BB2-6349-A5FA-057F3D78953D}" type="datetime1">
               <a:rPr lang="en-US" smtClean="0"/>
-              <a:t>6/4/21</a:t>
+              <a:t>6/21/21</a:t>
             </a:fld>
             <a:endParaRPr lang="en-US"/>
           </a:p>
@@ -2759,7 +2759,7 @@
           <a:p>
             <a:fld id="{EEDFACC0-3228-BA4B-942E-CEF38B0101FD}" type="datetime1">
               <a:rPr lang="en-US" smtClean="0"/>
-              <a:t>6/4/21</a:t>
+              <a:t>6/21/21</a:t>
             </a:fld>
             <a:endParaRPr lang="en-US"/>
           </a:p>
@@ -3050,7 +3050,7 @@
           <a:p>
             <a:fld id="{07EEEDBE-E24C-D140-B419-6D8D592D0F1C}" type="datetime1">
               <a:rPr lang="en-US" smtClean="0"/>
-              <a:t>6/4/21</a:t>
+              <a:t>6/21/21</a:t>
             </a:fld>
             <a:endParaRPr lang="en-US"/>
           </a:p>
@@ -3294,7 +3294,7 @@
           <a:p>
             <a:fld id="{E05781A2-A5EF-C54C-A3EF-F62483D37EDC}" type="datetime1">
               <a:rPr lang="en-US" smtClean="0"/>
-              <a:t>6/4/21</a:t>
+              <a:t>6/21/21</a:t>
             </a:fld>
             <a:endParaRPr lang="en-US"/>
           </a:p>
@@ -3781,8 +3781,8 @@
         </p:nvSpPr>
         <p:spPr>
           <a:xfrm>
-            <a:off x="4742797" y="956446"/>
-            <a:ext cx="4204130" cy="2186152"/>
+            <a:off x="4548110" y="956445"/>
+            <a:ext cx="5085719" cy="2389067"/>
           </a:xfrm>
           <a:prstGeom prst="snip2DiagRect">
             <a:avLst/>
@@ -3884,52 +3884,6 @@
           </a:p>
         </p:txBody>
       </p:sp>
-      <p:cxnSp>
-        <p:nvCxnSpPr>
-          <p:cNvPr id="25" name="Straight Arrow Connector 24">
-            <a:extLst>
-              <a:ext uri="{FF2B5EF4-FFF2-40B4-BE49-F238E27FC236}">
-                <a16:creationId xmlns:a16="http://schemas.microsoft.com/office/drawing/2014/main" id="{7FA04FC1-FEAB-EC41-B1FF-3FEA26BA4B44}"/>
-              </a:ext>
-            </a:extLst>
-          </p:cNvPr>
-          <p:cNvCxnSpPr>
-            <a:cxnSpLocks/>
-            <a:stCxn id="106" idx="0"/>
-            <a:endCxn id="21" idx="2"/>
-          </p:cNvCxnSpPr>
-          <p:nvPr/>
-        </p:nvCxnSpPr>
-        <p:spPr>
-          <a:xfrm flipH="1" flipV="1">
-            <a:off x="2969623" y="1679913"/>
-            <a:ext cx="5239" cy="464611"/>
-          </a:xfrm>
-          <a:prstGeom prst="straightConnector1">
-            <a:avLst/>
-          </a:prstGeom>
-          <a:ln w="25400">
-            <a:solidFill>
-              <a:srgbClr val="7030A0"/>
-            </a:solidFill>
-            <a:tailEnd type="triangle"/>
-          </a:ln>
-        </p:spPr>
-        <p:style>
-          <a:lnRef idx="1">
-            <a:schemeClr val="accent1"/>
-          </a:lnRef>
-          <a:fillRef idx="0">
-            <a:schemeClr val="accent1"/>
-          </a:fillRef>
-          <a:effectRef idx="0">
-            <a:schemeClr val="accent1"/>
-          </a:effectRef>
-          <a:fontRef idx="minor">
-            <a:schemeClr val="tx1"/>
-          </a:fontRef>
-        </p:style>
-      </p:cxnSp>
       <p:sp>
         <p:nvSpPr>
           <p:cNvPr id="26" name="Rectangle 25">
@@ -3944,34 +3898,34 @@
         </p:nvSpPr>
         <p:spPr>
           <a:xfrm>
-            <a:off x="4845082" y="1882898"/>
-            <a:ext cx="1904504" cy="570029"/>
+            <a:off x="4656633" y="1777952"/>
+            <a:ext cx="1725098" cy="773014"/>
           </a:xfrm>
           <a:custGeom>
             <a:avLst/>
             <a:gdLst>
-              <a:gd name="connsiteX0" fmla="*/ 0 w 1904504"/>
-              <a:gd name="connsiteY0" fmla="*/ 0 h 570029"/>
-              <a:gd name="connsiteX1" fmla="*/ 457081 w 1904504"/>
-              <a:gd name="connsiteY1" fmla="*/ 0 h 570029"/>
-              <a:gd name="connsiteX2" fmla="*/ 933207 w 1904504"/>
-              <a:gd name="connsiteY2" fmla="*/ 0 h 570029"/>
-              <a:gd name="connsiteX3" fmla="*/ 1409333 w 1904504"/>
-              <a:gd name="connsiteY3" fmla="*/ 0 h 570029"/>
-              <a:gd name="connsiteX4" fmla="*/ 1904504 w 1904504"/>
-              <a:gd name="connsiteY4" fmla="*/ 0 h 570029"/>
-              <a:gd name="connsiteX5" fmla="*/ 1904504 w 1904504"/>
-              <a:gd name="connsiteY5" fmla="*/ 570029 h 570029"/>
-              <a:gd name="connsiteX6" fmla="*/ 1428378 w 1904504"/>
-              <a:gd name="connsiteY6" fmla="*/ 570029 h 570029"/>
-              <a:gd name="connsiteX7" fmla="*/ 990342 w 1904504"/>
-              <a:gd name="connsiteY7" fmla="*/ 570029 h 570029"/>
-              <a:gd name="connsiteX8" fmla="*/ 552306 w 1904504"/>
-              <a:gd name="connsiteY8" fmla="*/ 570029 h 570029"/>
-              <a:gd name="connsiteX9" fmla="*/ 0 w 1904504"/>
-              <a:gd name="connsiteY9" fmla="*/ 570029 h 570029"/>
-              <a:gd name="connsiteX10" fmla="*/ 0 w 1904504"/>
-              <a:gd name="connsiteY10" fmla="*/ 0 h 570029"/>
+              <a:gd name="connsiteX0" fmla="*/ 0 w 1725098"/>
+              <a:gd name="connsiteY0" fmla="*/ 0 h 773014"/>
+              <a:gd name="connsiteX1" fmla="*/ 557782 w 1725098"/>
+              <a:gd name="connsiteY1" fmla="*/ 0 h 773014"/>
+              <a:gd name="connsiteX2" fmla="*/ 1132814 w 1725098"/>
+              <a:gd name="connsiteY2" fmla="*/ 0 h 773014"/>
+              <a:gd name="connsiteX3" fmla="*/ 1725098 w 1725098"/>
+              <a:gd name="connsiteY3" fmla="*/ 0 h 773014"/>
+              <a:gd name="connsiteX4" fmla="*/ 1725098 w 1725098"/>
+              <a:gd name="connsiteY4" fmla="*/ 386507 h 773014"/>
+              <a:gd name="connsiteX5" fmla="*/ 1725098 w 1725098"/>
+              <a:gd name="connsiteY5" fmla="*/ 773014 h 773014"/>
+              <a:gd name="connsiteX6" fmla="*/ 1150065 w 1725098"/>
+              <a:gd name="connsiteY6" fmla="*/ 773014 h 773014"/>
+              <a:gd name="connsiteX7" fmla="*/ 609535 w 1725098"/>
+              <a:gd name="connsiteY7" fmla="*/ 773014 h 773014"/>
+              <a:gd name="connsiteX8" fmla="*/ 0 w 1725098"/>
+              <a:gd name="connsiteY8" fmla="*/ 773014 h 773014"/>
+              <a:gd name="connsiteX9" fmla="*/ 0 w 1725098"/>
+              <a:gd name="connsiteY9" fmla="*/ 394237 h 773014"/>
+              <a:gd name="connsiteX10" fmla="*/ 0 w 1725098"/>
+              <a:gd name="connsiteY10" fmla="*/ 0 h 773014"/>
             </a:gdLst>
             <a:ahLst/>
             <a:cxnLst>
@@ -4011,114 +3965,114 @@
             </a:cxnLst>
             <a:rect l="l" t="t" r="r" b="b"/>
             <a:pathLst>
-              <a:path w="1904504" h="570029" fill="none" extrusionOk="0">
+              <a:path w="1725098" h="773014" fill="none" extrusionOk="0">
                 <a:moveTo>
                   <a:pt x="0" y="0"/>
                 </a:moveTo>
                 <a:cubicBezTo>
-                  <a:pt x="173708" y="-45685"/>
-                  <a:pt x="309592" y="13470"/>
-                  <a:pt x="457081" y="0"/>
+                  <a:pt x="168254" y="-65307"/>
+                  <a:pt x="439636" y="53159"/>
+                  <a:pt x="557782" y="0"/>
                 </a:cubicBezTo>
                 <a:cubicBezTo>
-                  <a:pt x="604570" y="-13470"/>
-                  <a:pt x="727944" y="25205"/>
-                  <a:pt x="933207" y="0"/>
+                  <a:pt x="675928" y="-53159"/>
+                  <a:pt x="850694" y="40283"/>
+                  <a:pt x="1132814" y="0"/>
                 </a:cubicBezTo>
                 <a:cubicBezTo>
-                  <a:pt x="1138470" y="-25205"/>
-                  <a:pt x="1172702" y="31282"/>
-                  <a:pt x="1409333" y="0"/>
+                  <a:pt x="1414934" y="-40283"/>
+                  <a:pt x="1600693" y="17773"/>
+                  <a:pt x="1725098" y="0"/>
                 </a:cubicBezTo>
                 <a:cubicBezTo>
-                  <a:pt x="1645964" y="-31282"/>
-                  <a:pt x="1726250" y="16999"/>
-                  <a:pt x="1904504" y="0"/>
+                  <a:pt x="1762404" y="94584"/>
+                  <a:pt x="1686857" y="259962"/>
+                  <a:pt x="1725098" y="386507"/>
                 </a:cubicBezTo>
                 <a:cubicBezTo>
-                  <a:pt x="1959044" y="251882"/>
-                  <a:pt x="1845168" y="308191"/>
-                  <a:pt x="1904504" y="570029"/>
+                  <a:pt x="1763339" y="513052"/>
+                  <a:pt x="1712159" y="611104"/>
+                  <a:pt x="1725098" y="773014"/>
                 </a:cubicBezTo>
                 <a:cubicBezTo>
-                  <a:pt x="1750131" y="592332"/>
-                  <a:pt x="1647541" y="526313"/>
-                  <a:pt x="1428378" y="570029"/>
+                  <a:pt x="1548193" y="838099"/>
+                  <a:pt x="1394852" y="710947"/>
+                  <a:pt x="1150065" y="773014"/>
                 </a:cubicBezTo>
                 <a:cubicBezTo>
-                  <a:pt x="1209215" y="613745"/>
-                  <a:pt x="1194175" y="518868"/>
-                  <a:pt x="990342" y="570029"/>
+                  <a:pt x="905278" y="835081"/>
+                  <a:pt x="841607" y="744938"/>
+                  <a:pt x="609535" y="773014"/>
                 </a:cubicBezTo>
                 <a:cubicBezTo>
-                  <a:pt x="786509" y="621190"/>
-                  <a:pt x="697700" y="536507"/>
-                  <a:pt x="552306" y="570029"/>
+                  <a:pt x="377463" y="801090"/>
+                  <a:pt x="197833" y="725069"/>
+                  <a:pt x="0" y="773014"/>
                 </a:cubicBezTo>
                 <a:cubicBezTo>
-                  <a:pt x="406912" y="603551"/>
-                  <a:pt x="270404" y="538620"/>
-                  <a:pt x="0" y="570029"/>
+                  <a:pt x="-5271" y="679045"/>
+                  <a:pt x="17636" y="542555"/>
+                  <a:pt x="0" y="394237"/>
                 </a:cubicBezTo>
                 <a:cubicBezTo>
-                  <a:pt x="-56324" y="345153"/>
-                  <a:pt x="9136" y="270925"/>
+                  <a:pt x="-17636" y="245919"/>
+                  <a:pt x="9349" y="182711"/>
                   <a:pt x="0" y="0"/>
                 </a:cubicBezTo>
                 <a:close/>
               </a:path>
-              <a:path w="1904504" h="570029" stroke="0" extrusionOk="0">
+              <a:path w="1725098" h="773014" stroke="0" extrusionOk="0">
                 <a:moveTo>
                   <a:pt x="0" y="0"/>
                 </a:moveTo>
                 <a:cubicBezTo>
-                  <a:pt x="136957" y="-43813"/>
-                  <a:pt x="358887" y="25271"/>
-                  <a:pt x="457081" y="0"/>
+                  <a:pt x="205968" y="-34008"/>
+                  <a:pt x="322315" y="28520"/>
+                  <a:pt x="557782" y="0"/>
                 </a:cubicBezTo>
                 <a:cubicBezTo>
-                  <a:pt x="555275" y="-25271"/>
-                  <a:pt x="748608" y="44031"/>
-                  <a:pt x="876072" y="0"/>
+                  <a:pt x="793249" y="-28520"/>
+                  <a:pt x="921916" y="45588"/>
+                  <a:pt x="1081061" y="0"/>
                 </a:cubicBezTo>
                 <a:cubicBezTo>
-                  <a:pt x="1003536" y="-44031"/>
-                  <a:pt x="1223312" y="24114"/>
-                  <a:pt x="1390288" y="0"/>
+                  <a:pt x="1240206" y="-45588"/>
+                  <a:pt x="1492223" y="9541"/>
+                  <a:pt x="1725098" y="0"/>
                 </a:cubicBezTo>
                 <a:cubicBezTo>
-                  <a:pt x="1557264" y="-24114"/>
-                  <a:pt x="1732862" y="14689"/>
-                  <a:pt x="1904504" y="0"/>
+                  <a:pt x="1762250" y="105537"/>
+                  <a:pt x="1681881" y="279446"/>
+                  <a:pt x="1725098" y="378777"/>
                 </a:cubicBezTo>
                 <a:cubicBezTo>
-                  <a:pt x="1911940" y="221597"/>
-                  <a:pt x="1861251" y="391285"/>
-                  <a:pt x="1904504" y="570029"/>
+                  <a:pt x="1768315" y="478108"/>
+                  <a:pt x="1718875" y="577451"/>
+                  <a:pt x="1725098" y="773014"/>
                 </a:cubicBezTo>
                 <a:cubicBezTo>
-                  <a:pt x="1728126" y="609883"/>
-                  <a:pt x="1570861" y="546748"/>
-                  <a:pt x="1466468" y="570029"/>
+                  <a:pt x="1537608" y="821520"/>
+                  <a:pt x="1377806" y="714416"/>
+                  <a:pt x="1184567" y="773014"/>
                 </a:cubicBezTo>
                 <a:cubicBezTo>
-                  <a:pt x="1362075" y="593310"/>
-                  <a:pt x="1158758" y="528615"/>
-                  <a:pt x="1028432" y="570029"/>
+                  <a:pt x="991328" y="831612"/>
+                  <a:pt x="770711" y="759634"/>
+                  <a:pt x="644037" y="773014"/>
                 </a:cubicBezTo>
                 <a:cubicBezTo>
-                  <a:pt x="898106" y="611443"/>
-                  <a:pt x="769686" y="533598"/>
-                  <a:pt x="514216" y="570029"/>
+                  <a:pt x="517363" y="786394"/>
+                  <a:pt x="280564" y="767561"/>
+                  <a:pt x="0" y="773014"/>
                 </a:cubicBezTo>
                 <a:cubicBezTo>
-                  <a:pt x="258746" y="606460"/>
-                  <a:pt x="142557" y="545509"/>
-                  <a:pt x="0" y="570029"/>
+                  <a:pt x="-18556" y="660505"/>
+                  <a:pt x="9172" y="498657"/>
+                  <a:pt x="0" y="409697"/>
                 </a:cubicBezTo>
                 <a:cubicBezTo>
-                  <a:pt x="-16707" y="453616"/>
-                  <a:pt x="36279" y="256310"/>
+                  <a:pt x="-9172" y="320737"/>
+                  <a:pt x="19821" y="116366"/>
                   <a:pt x="0" y="0"/>
                 </a:cubicBezTo>
                 <a:close/>
@@ -4176,7 +4130,7 @@
                   <a:schemeClr val="tx1"/>
                 </a:solidFill>
               </a:rPr>
-              <a:t>Split traffic optimally between versions</a:t>
+              <a:t>Split traffic between versions</a:t>
             </a:r>
           </a:p>
         </p:txBody>
@@ -4195,8 +4149,8 @@
         </p:nvSpPr>
         <p:spPr>
           <a:xfrm>
-            <a:off x="6295697" y="1063915"/>
-            <a:ext cx="2246573" cy="717177"/>
+            <a:off x="6659157" y="1104012"/>
+            <a:ext cx="2610637" cy="829654"/>
           </a:xfrm>
           <a:prstGeom prst="rect">
             <a:avLst/>
@@ -4239,7 +4193,23 @@
                   <a:schemeClr val="tx1"/>
                 </a:solidFill>
               </a:rPr>
-              <a:t>Collect built-in metrics or query metrics from any database</a:t>
+              <a:t>Collect </a:t>
+            </a:r>
+            <a:r>
+              <a:rPr lang="en-US" sz="1600" dirty="0" err="1">
+                <a:solidFill>
+                  <a:schemeClr val="tx1"/>
+                </a:solidFill>
+              </a:rPr>
+              <a:t>builtin</a:t>
+            </a:r>
+            <a:r>
+              <a:rPr lang="en-US" sz="1600" dirty="0">
+                <a:solidFill>
+                  <a:schemeClr val="tx1"/>
+                </a:solidFill>
+              </a:rPr>
+              <a:t> metrics or use custom metrics from any DB</a:t>
             </a:r>
           </a:p>
         </p:txBody>
@@ -4258,8 +4228,8 @@
         </p:nvSpPr>
         <p:spPr>
           <a:xfrm>
-            <a:off x="6852857" y="2298984"/>
-            <a:ext cx="1962402" cy="717177"/>
+            <a:off x="7603241" y="2595422"/>
+            <a:ext cx="1871948" cy="642601"/>
           </a:xfrm>
           <a:prstGeom prst="rect">
             <a:avLst/>
@@ -4302,7 +4272,7 @@
                   <a:schemeClr val="tx1"/>
                 </a:solidFill>
               </a:rPr>
-              <a:t>Evaluate versions using statistically rigorous algorithms</a:t>
+              <a:t>Assess versions</a:t>
             </a:r>
           </a:p>
         </p:txBody>
@@ -4321,7 +4291,7 @@
         </p:nvSpPr>
         <p:spPr>
           <a:xfrm>
-            <a:off x="7976244" y="3217821"/>
+            <a:off x="7976244" y="3473235"/>
             <a:ext cx="1962383" cy="717177"/>
           </a:xfrm>
           <a:custGeom>
@@ -4573,7 +4543,7 @@
                   <a:schemeClr val="tx1"/>
                 </a:solidFill>
               </a:rPr>
-              <a:t>Promote winning version. Cleanup</a:t>
+              <a:t>Promote winning version</a:t>
             </a:r>
           </a:p>
         </p:txBody>
@@ -4666,67 +4636,6 @@
           </a:fontRef>
         </p:style>
       </p:cxnSp>
-      <p:sp>
-        <p:nvSpPr>
-          <p:cNvPr id="106" name="Rectangle 105">
-            <a:extLst>
-              <a:ext uri="{FF2B5EF4-FFF2-40B4-BE49-F238E27FC236}">
-                <a16:creationId xmlns:a16="http://schemas.microsoft.com/office/drawing/2014/main" id="{00C9E952-592A-FE4E-ACCF-76B16E431C7A}"/>
-              </a:ext>
-            </a:extLst>
-          </p:cNvPr>
-          <p:cNvSpPr/>
-          <p:nvPr/>
-        </p:nvSpPr>
-        <p:spPr>
-          <a:xfrm>
-            <a:off x="2266650" y="2144524"/>
-            <a:ext cx="1416424" cy="717177"/>
-          </a:xfrm>
-          <a:prstGeom prst="rect">
-            <a:avLst/>
-          </a:prstGeom>
-          <a:solidFill>
-            <a:schemeClr val="bg1"/>
-          </a:solidFill>
-          <a:ln>
-            <a:solidFill>
-              <a:srgbClr val="7030A0"/>
-            </a:solidFill>
-          </a:ln>
-        </p:spPr>
-        <p:style>
-          <a:lnRef idx="2">
-            <a:schemeClr val="accent1">
-              <a:shade val="50000"/>
-            </a:schemeClr>
-          </a:lnRef>
-          <a:fillRef idx="1">
-            <a:schemeClr val="accent1"/>
-          </a:fillRef>
-          <a:effectRef idx="0">
-            <a:schemeClr val="accent1"/>
-          </a:effectRef>
-          <a:fontRef idx="minor">
-            <a:schemeClr val="lt1"/>
-          </a:fontRef>
-        </p:style>
-        <p:txBody>
-          <a:bodyPr rtlCol="0" anchor="ctr"/>
-          <a:lstStyle/>
-          <a:p>
-            <a:pPr algn="ctr"/>
-            <a:r>
-              <a:rPr lang="en-US" sz="1600" dirty="0">
-                <a:solidFill>
-                  <a:schemeClr val="tx1"/>
-                </a:solidFill>
-              </a:rPr>
-              <a:t>Deploy any supporting K8s resources</a:t>
-            </a:r>
-          </a:p>
-        </p:txBody>
-      </p:sp>
       <p:cxnSp>
         <p:nvCxnSpPr>
           <p:cNvPr id="119" name="Elbow Connector 118">
@@ -4746,7 +4655,7 @@
         <p:spPr>
           <a:xfrm>
             <a:off x="3677835" y="1321325"/>
-            <a:ext cx="1064962" cy="728197"/>
+            <a:ext cx="870275" cy="829654"/>
           </a:xfrm>
           <a:prstGeom prst="bentConnector3">
             <a:avLst>
@@ -4793,8 +4702,8 @@
         </p:nvCxnSpPr>
         <p:spPr>
           <a:xfrm rot="16200000" flipH="1">
-            <a:off x="7193647" y="2793813"/>
-            <a:ext cx="433812" cy="1131382"/>
+            <a:off x="7290451" y="3146031"/>
+            <a:ext cx="486312" cy="885274"/>
           </a:xfrm>
           <a:prstGeom prst="bentConnector2">
             <a:avLst/>
@@ -4839,8 +4748,8 @@
         </p:nvCxnSpPr>
         <p:spPr>
           <a:xfrm rot="5400000" flipH="1" flipV="1">
-            <a:off x="5816318" y="1403520"/>
-            <a:ext cx="460394" cy="498363"/>
+            <a:off x="5959613" y="1078409"/>
+            <a:ext cx="259113" cy="1139975"/>
           </a:xfrm>
           <a:prstGeom prst="bentConnector2">
             <a:avLst/>
@@ -4885,8 +4794,8 @@
         </p:nvCxnSpPr>
         <p:spPr>
           <a:xfrm rot="10800000">
-            <a:off x="5797335" y="2452927"/>
-            <a:ext cx="1055523" cy="204646"/>
+            <a:off x="5519183" y="2550967"/>
+            <a:ext cx="2084059" cy="365757"/>
           </a:xfrm>
           <a:prstGeom prst="bentConnector2">
             <a:avLst/>
@@ -4915,63 +4824,6 @@
       </p:cxnSp>
       <p:sp>
         <p:nvSpPr>
-          <p:cNvPr id="2" name="Footer Placeholder 1">
-            <a:extLst>
-              <a:ext uri="{FF2B5EF4-FFF2-40B4-BE49-F238E27FC236}">
-                <a16:creationId xmlns:a16="http://schemas.microsoft.com/office/drawing/2014/main" id="{EEE1E3D6-6339-4046-AC30-E97E4646FB94}"/>
-              </a:ext>
-            </a:extLst>
-          </p:cNvPr>
-          <p:cNvSpPr>
-            <a:spLocks noGrp="1"/>
-          </p:cNvSpPr>
-          <p:nvPr>
-            <p:ph type="ftr" sz="quarter" idx="11"/>
-          </p:nvPr>
-        </p:nvSpPr>
-        <p:spPr/>
-        <p:txBody>
-          <a:bodyPr/>
-          <a:lstStyle/>
-          <a:p>
-            <a:r>
-              <a:rPr lang="en-US"/>
-              <a:t>https://iter8.tools</a:t>
-            </a:r>
-          </a:p>
-        </p:txBody>
-      </p:sp>
-      <p:sp>
-        <p:nvSpPr>
-          <p:cNvPr id="4" name="Slide Number Placeholder 3">
-            <a:extLst>
-              <a:ext uri="{FF2B5EF4-FFF2-40B4-BE49-F238E27FC236}">
-                <a16:creationId xmlns:a16="http://schemas.microsoft.com/office/drawing/2014/main" id="{2AFCABC9-6DAD-6F4E-8CC7-AF3930765234}"/>
-              </a:ext>
-            </a:extLst>
-          </p:cNvPr>
-          <p:cNvSpPr>
-            <a:spLocks noGrp="1"/>
-          </p:cNvSpPr>
-          <p:nvPr>
-            <p:ph type="sldNum" sz="quarter" idx="12"/>
-          </p:nvPr>
-        </p:nvSpPr>
-        <p:spPr/>
-        <p:txBody>
-          <a:bodyPr/>
-          <a:lstStyle/>
-          <a:p>
-            <a:fld id="{B78E2DF1-CA0F-8745-8AE1-A3A61670CB1B}" type="slidenum">
-              <a:rPr lang="en-US" smtClean="0"/>
-              <a:t>1</a:t>
-            </a:fld>
-            <a:endParaRPr lang="en-US"/>
-          </a:p>
-        </p:txBody>
-      </p:sp>
-      <p:sp>
-        <p:nvSpPr>
           <p:cNvPr id="30" name="Rectangle 29">
             <a:extLst>
               <a:ext uri="{FF2B5EF4-FFF2-40B4-BE49-F238E27FC236}">
@@ -4984,7 +4836,7 @@
         </p:nvSpPr>
         <p:spPr>
           <a:xfrm>
-            <a:off x="5808224" y="3947704"/>
+            <a:off x="5808224" y="4263010"/>
             <a:ext cx="3805004" cy="541816"/>
           </a:xfrm>
           <a:prstGeom prst="rect">
@@ -5088,7 +4940,7 @@
         </p:nvCxnSpPr>
         <p:spPr>
           <a:xfrm>
-            <a:off x="3962400" y="4218612"/>
+            <a:off x="3962400" y="4533918"/>
             <a:ext cx="1105996" cy="0"/>
           </a:xfrm>
           <a:prstGeom prst="line">
@@ -5134,7 +4986,7 @@
         </p:nvCxnSpPr>
         <p:spPr>
           <a:xfrm flipH="1">
-            <a:off x="9613228" y="4218612"/>
+            <a:off x="9613228" y="4533918"/>
             <a:ext cx="347944" cy="0"/>
           </a:xfrm>
           <a:prstGeom prst="line">
@@ -5191,7 +5043,7 @@
         </p:blipFill>
         <p:spPr>
           <a:xfrm>
-            <a:off x="5068396" y="3885864"/>
+            <a:off x="5068396" y="4201170"/>
             <a:ext cx="665496" cy="665496"/>
           </a:xfrm>
           <a:prstGeom prst="rect">
@@ -5218,14 +5070,14 @@
           <p:cNvCxnSpPr>
             <a:cxnSpLocks/>
             <a:stCxn id="36" idx="0"/>
-            <a:endCxn id="106" idx="2"/>
+            <a:endCxn id="21" idx="2"/>
           </p:cNvCxnSpPr>
           <p:nvPr/>
         </p:nvCxnSpPr>
         <p:spPr>
           <a:xfrm flipV="1">
-            <a:off x="2969623" y="2861701"/>
-            <a:ext cx="5239" cy="464611"/>
+            <a:off x="2969623" y="1679913"/>
+            <a:ext cx="0" cy="673623"/>
           </a:xfrm>
           <a:prstGeom prst="straightConnector1">
             <a:avLst/>
@@ -5266,8 +5118,8 @@
         </p:nvSpPr>
         <p:spPr>
           <a:xfrm>
-            <a:off x="2261411" y="3326312"/>
-            <a:ext cx="1416424" cy="717177"/>
+            <a:off x="2261411" y="2353536"/>
+            <a:ext cx="1416424" cy="829653"/>
           </a:xfrm>
           <a:prstGeom prst="rect">
             <a:avLst/>
@@ -5308,7 +5160,7 @@
                   <a:schemeClr val="tx1"/>
                 </a:solidFill>
               </a:rPr>
-              <a:t>Deploy app/ML model versions</a:t>
+              <a:t>Deploy new version of application</a:t>
             </a:r>
           </a:p>
         </p:txBody>
@@ -5331,8 +5183,8 @@
         </p:nvCxnSpPr>
         <p:spPr>
           <a:xfrm rot="16200000" flipH="1">
-            <a:off x="7367575" y="1832501"/>
-            <a:ext cx="517892" cy="415074"/>
+            <a:off x="7920967" y="1977174"/>
+            <a:ext cx="661756" cy="574739"/>
           </a:xfrm>
           <a:prstGeom prst="bentConnector3">
             <a:avLst>

--- a/mkdocs/docs/images/src/what-is-iter8.pptx
+++ b/mkdocs/docs/images/src/what-is-iter8.pptx
@@ -197,7 +197,7 @@
           <a:p>
             <a:fld id="{38B78CBE-37FA-D241-BB4C-CAC5D3B25F49}" type="datetimeFigureOut">
               <a:rPr lang="en-US" smtClean="0"/>
-              <a:t>6/21/21</a:t>
+              <a:t>10/14/21</a:t>
             </a:fld>
             <a:endParaRPr lang="en-US"/>
           </a:p>
@@ -611,7 +611,7 @@
           <a:p>
             <a:fld id="{708812C5-0212-FD42-A0D4-E2E8FF4E3AF5}" type="datetime1">
               <a:rPr lang="en-US" smtClean="0"/>
-              <a:t>6/21/21</a:t>
+              <a:t>10/14/21</a:t>
             </a:fld>
             <a:endParaRPr lang="en-US"/>
           </a:p>
@@ -812,7 +812,7 @@
           <a:p>
             <a:fld id="{D232AC6F-41C3-B34B-9BAA-03ED2F3BC0F6}" type="datetime1">
               <a:rPr lang="en-US" smtClean="0"/>
-              <a:t>6/21/21</a:t>
+              <a:t>10/14/21</a:t>
             </a:fld>
             <a:endParaRPr lang="en-US"/>
           </a:p>
@@ -1023,7 +1023,7 @@
           <a:p>
             <a:fld id="{BEE140C2-F440-9D49-95CB-5965D64CC4A2}" type="datetime1">
               <a:rPr lang="en-US" smtClean="0"/>
-              <a:t>6/21/21</a:t>
+              <a:t>10/14/21</a:t>
             </a:fld>
             <a:endParaRPr lang="en-US"/>
           </a:p>
@@ -1224,7 +1224,7 @@
           <a:p>
             <a:fld id="{CC99F980-FB29-FD47-8508-150F73F1E8B0}" type="datetime1">
               <a:rPr lang="en-US" smtClean="0"/>
-              <a:t>6/21/21</a:t>
+              <a:t>10/14/21</a:t>
             </a:fld>
             <a:endParaRPr lang="en-US"/>
           </a:p>
@@ -1502,7 +1502,7 @@
           <a:p>
             <a:fld id="{D4510983-EA22-9643-8AC0-B3C6499B643B}" type="datetime1">
               <a:rPr lang="en-US" smtClean="0"/>
-              <a:t>6/21/21</a:t>
+              <a:t>10/14/21</a:t>
             </a:fld>
             <a:endParaRPr lang="en-US"/>
           </a:p>
@@ -1770,7 +1770,7 @@
           <a:p>
             <a:fld id="{D5A39195-967D-5D4E-8C6A-C99866996458}" type="datetime1">
               <a:rPr lang="en-US" smtClean="0"/>
-              <a:t>6/21/21</a:t>
+              <a:t>10/14/21</a:t>
             </a:fld>
             <a:endParaRPr lang="en-US"/>
           </a:p>
@@ -2185,7 +2185,7 @@
           <a:p>
             <a:fld id="{5AD771E9-C79D-684D-A158-5EB6E92DE947}" type="datetime1">
               <a:rPr lang="en-US" smtClean="0"/>
-              <a:t>6/21/21</a:t>
+              <a:t>10/14/21</a:t>
             </a:fld>
             <a:endParaRPr lang="en-US"/>
           </a:p>
@@ -2329,7 +2329,7 @@
           <a:p>
             <a:fld id="{693CA161-7E4C-5C4B-B799-DB602A0B9806}" type="datetime1">
               <a:rPr lang="en-US" smtClean="0"/>
-              <a:t>6/21/21</a:t>
+              <a:t>10/14/21</a:t>
             </a:fld>
             <a:endParaRPr lang="en-US"/>
           </a:p>
@@ -2445,7 +2445,7 @@
           <a:p>
             <a:fld id="{6D55FDF3-8BB2-6349-A5FA-057F3D78953D}" type="datetime1">
               <a:rPr lang="en-US" smtClean="0"/>
-              <a:t>6/21/21</a:t>
+              <a:t>10/14/21</a:t>
             </a:fld>
             <a:endParaRPr lang="en-US"/>
           </a:p>
@@ -2759,7 +2759,7 @@
           <a:p>
             <a:fld id="{EEDFACC0-3228-BA4B-942E-CEF38B0101FD}" type="datetime1">
               <a:rPr lang="en-US" smtClean="0"/>
-              <a:t>6/21/21</a:t>
+              <a:t>10/14/21</a:t>
             </a:fld>
             <a:endParaRPr lang="en-US"/>
           </a:p>
@@ -3050,7 +3050,7 @@
           <a:p>
             <a:fld id="{07EEEDBE-E24C-D140-B419-6D8D592D0F1C}" type="datetime1">
               <a:rPr lang="en-US" smtClean="0"/>
-              <a:t>6/21/21</a:t>
+              <a:t>10/14/21</a:t>
             </a:fld>
             <a:endParaRPr lang="en-US"/>
           </a:p>
@@ -3294,7 +3294,7 @@
           <a:p>
             <a:fld id="{E05781A2-A5EF-C54C-A3EF-F62483D37EDC}" type="datetime1">
               <a:rPr lang="en-US" smtClean="0"/>
-              <a:t>6/21/21</a:t>
+              <a:t>10/14/21</a:t>
             </a:fld>
             <a:endParaRPr lang="en-US"/>
           </a:p>
@@ -3729,8 +3729,8 @@
         </p:nvSpPr>
         <p:spPr>
           <a:xfrm>
-            <a:off x="2104707" y="809298"/>
-            <a:ext cx="8111347" cy="3867806"/>
+            <a:off x="2104707" y="809297"/>
+            <a:ext cx="8111347" cy="4225157"/>
           </a:xfrm>
           <a:prstGeom prst="rect">
             <a:avLst/>
@@ -4228,8 +4228,8 @@
         </p:nvSpPr>
         <p:spPr>
           <a:xfrm>
-            <a:off x="7603241" y="2595422"/>
-            <a:ext cx="1871948" cy="642601"/>
+            <a:off x="7472855" y="2595422"/>
+            <a:ext cx="2002334" cy="642601"/>
           </a:xfrm>
           <a:prstGeom prst="rect">
             <a:avLst/>
@@ -4272,7 +4272,7 @@
                   <a:schemeClr val="tx1"/>
                 </a:solidFill>
               </a:rPr>
-              <a:t>Assess versions</a:t>
+              <a:t>Assess versions. Find winning version.</a:t>
             </a:r>
           </a:p>
         </p:txBody>
@@ -4543,7 +4543,7 @@
                   <a:schemeClr val="tx1"/>
                 </a:solidFill>
               </a:rPr>
-              <a:t>Promote winning version</a:t>
+              <a:t>Promote winner</a:t>
             </a:r>
           </a:p>
         </p:txBody>
@@ -4795,7 +4795,7 @@
         <p:spPr>
           <a:xfrm rot="10800000">
             <a:off x="5519183" y="2550967"/>
-            <a:ext cx="2084059" cy="365757"/>
+            <a:ext cx="1953673" cy="365757"/>
           </a:xfrm>
           <a:prstGeom prst="bentConnector2">
             <a:avLst/>
@@ -5160,7 +5160,7 @@
                   <a:schemeClr val="tx1"/>
                 </a:solidFill>
               </a:rPr>
-              <a:t>Deploy new version of application</a:t>
+              <a:t>Deploy new app version</a:t>
             </a:r>
           </a:p>
         </p:txBody>
@@ -5183,8 +5183,8 @@
         </p:nvCxnSpPr>
         <p:spPr>
           <a:xfrm rot="16200000" flipH="1">
-            <a:off x="7920967" y="1977174"/>
-            <a:ext cx="661756" cy="574739"/>
+            <a:off x="7888371" y="2009771"/>
+            <a:ext cx="661756" cy="509546"/>
           </a:xfrm>
           <a:prstGeom prst="bentConnector3">
             <a:avLst>

--- a/mkdocs/docs/images/src/what-is-iter8.pptx
+++ b/mkdocs/docs/images/src/what-is-iter8.pptx
@@ -197,7 +197,7 @@
           <a:p>
             <a:fld id="{38B78CBE-37FA-D241-BB4C-CAC5D3B25F49}" type="datetimeFigureOut">
               <a:rPr lang="en-US" smtClean="0"/>
-              <a:t>10/14/21</a:t>
+              <a:t>11/10/21</a:t>
             </a:fld>
             <a:endParaRPr lang="en-US"/>
           </a:p>
@@ -611,7 +611,7 @@
           <a:p>
             <a:fld id="{708812C5-0212-FD42-A0D4-E2E8FF4E3AF5}" type="datetime1">
               <a:rPr lang="en-US" smtClean="0"/>
-              <a:t>10/14/21</a:t>
+              <a:t>11/10/21</a:t>
             </a:fld>
             <a:endParaRPr lang="en-US"/>
           </a:p>
@@ -812,7 +812,7 @@
           <a:p>
             <a:fld id="{D232AC6F-41C3-B34B-9BAA-03ED2F3BC0F6}" type="datetime1">
               <a:rPr lang="en-US" smtClean="0"/>
-              <a:t>10/14/21</a:t>
+              <a:t>11/10/21</a:t>
             </a:fld>
             <a:endParaRPr lang="en-US"/>
           </a:p>
@@ -1023,7 +1023,7 @@
           <a:p>
             <a:fld id="{BEE140C2-F440-9D49-95CB-5965D64CC4A2}" type="datetime1">
               <a:rPr lang="en-US" smtClean="0"/>
-              <a:t>10/14/21</a:t>
+              <a:t>11/10/21</a:t>
             </a:fld>
             <a:endParaRPr lang="en-US"/>
           </a:p>
@@ -1224,7 +1224,7 @@
           <a:p>
             <a:fld id="{CC99F980-FB29-FD47-8508-150F73F1E8B0}" type="datetime1">
               <a:rPr lang="en-US" smtClean="0"/>
-              <a:t>10/14/21</a:t>
+              <a:t>11/10/21</a:t>
             </a:fld>
             <a:endParaRPr lang="en-US"/>
           </a:p>
@@ -1502,7 +1502,7 @@
           <a:p>
             <a:fld id="{D4510983-EA22-9643-8AC0-B3C6499B643B}" type="datetime1">
               <a:rPr lang="en-US" smtClean="0"/>
-              <a:t>10/14/21</a:t>
+              <a:t>11/10/21</a:t>
             </a:fld>
             <a:endParaRPr lang="en-US"/>
           </a:p>
@@ -1770,7 +1770,7 @@
           <a:p>
             <a:fld id="{D5A39195-967D-5D4E-8C6A-C99866996458}" type="datetime1">
               <a:rPr lang="en-US" smtClean="0"/>
-              <a:t>10/14/21</a:t>
+              <a:t>11/10/21</a:t>
             </a:fld>
             <a:endParaRPr lang="en-US"/>
           </a:p>
@@ -2185,7 +2185,7 @@
           <a:p>
             <a:fld id="{5AD771E9-C79D-684D-A158-5EB6E92DE947}" type="datetime1">
               <a:rPr lang="en-US" smtClean="0"/>
-              <a:t>10/14/21</a:t>
+              <a:t>11/10/21</a:t>
             </a:fld>
             <a:endParaRPr lang="en-US"/>
           </a:p>
@@ -2329,7 +2329,7 @@
           <a:p>
             <a:fld id="{693CA161-7E4C-5C4B-B799-DB602A0B9806}" type="datetime1">
               <a:rPr lang="en-US" smtClean="0"/>
-              <a:t>10/14/21</a:t>
+              <a:t>11/10/21</a:t>
             </a:fld>
             <a:endParaRPr lang="en-US"/>
           </a:p>
@@ -2445,7 +2445,7 @@
           <a:p>
             <a:fld id="{6D55FDF3-8BB2-6349-A5FA-057F3D78953D}" type="datetime1">
               <a:rPr lang="en-US" smtClean="0"/>
-              <a:t>10/14/21</a:t>
+              <a:t>11/10/21</a:t>
             </a:fld>
             <a:endParaRPr lang="en-US"/>
           </a:p>
@@ -2759,7 +2759,7 @@
           <a:p>
             <a:fld id="{EEDFACC0-3228-BA4B-942E-CEF38B0101FD}" type="datetime1">
               <a:rPr lang="en-US" smtClean="0"/>
-              <a:t>10/14/21</a:t>
+              <a:t>11/10/21</a:t>
             </a:fld>
             <a:endParaRPr lang="en-US"/>
           </a:p>
@@ -3050,7 +3050,7 @@
           <a:p>
             <a:fld id="{07EEEDBE-E24C-D140-B419-6D8D592D0F1C}" type="datetime1">
               <a:rPr lang="en-US" smtClean="0"/>
-              <a:t>10/14/21</a:t>
+              <a:t>11/10/21</a:t>
             </a:fld>
             <a:endParaRPr lang="en-US"/>
           </a:p>
@@ -3294,7 +3294,7 @@
           <a:p>
             <a:fld id="{E05781A2-A5EF-C54C-A3EF-F62483D37EDC}" type="datetime1">
               <a:rPr lang="en-US" smtClean="0"/>
-              <a:t>10/14/21</a:t>
+              <a:t>11/10/21</a:t>
             </a:fld>
             <a:endParaRPr lang="en-US"/>
           </a:p>
@@ -3763,63 +3763,7 @@
           <a:lstStyle/>
           <a:p>
             <a:pPr algn="ctr"/>
-            <a:endParaRPr lang="en-US"/>
-          </a:p>
-        </p:txBody>
-      </p:sp>
-      <p:sp>
-        <p:nvSpPr>
-          <p:cNvPr id="7" name="Snip Diagonal Corner Rectangle 6">
-            <a:extLst>
-              <a:ext uri="{FF2B5EF4-FFF2-40B4-BE49-F238E27FC236}">
-                <a16:creationId xmlns:a16="http://schemas.microsoft.com/office/drawing/2014/main" id="{E76592CF-E582-DC46-9595-A76FC026830C}"/>
-              </a:ext>
-            </a:extLst>
-          </p:cNvPr>
-          <p:cNvSpPr/>
-          <p:nvPr/>
-        </p:nvSpPr>
-        <p:spPr>
-          <a:xfrm>
-            <a:off x="4548110" y="956445"/>
-            <a:ext cx="5085719" cy="2389067"/>
-          </a:xfrm>
-          <a:prstGeom prst="snip2DiagRect">
-            <a:avLst/>
-          </a:prstGeom>
-          <a:solidFill>
-            <a:srgbClr val="FF007E">
-              <a:alpha val="9804"/>
-            </a:srgbClr>
-          </a:solidFill>
-          <a:ln>
-            <a:solidFill>
-              <a:srgbClr val="7030A0"/>
-            </a:solidFill>
-          </a:ln>
-        </p:spPr>
-        <p:style>
-          <a:lnRef idx="2">
-            <a:schemeClr val="accent1">
-              <a:shade val="50000"/>
-            </a:schemeClr>
-          </a:lnRef>
-          <a:fillRef idx="1">
-            <a:schemeClr val="accent1"/>
-          </a:fillRef>
-          <a:effectRef idx="0">
-            <a:schemeClr val="accent1"/>
-          </a:effectRef>
-          <a:fontRef idx="minor">
-            <a:schemeClr val="lt1"/>
-          </a:fontRef>
-        </p:style>
-        <p:txBody>
-          <a:bodyPr rtlCol="0" anchor="ctr"/>
-          <a:lstStyle/>
-          <a:p>
-            <a:pPr algn="ctr"/>
-            <a:endParaRPr lang="en-US"/>
+            <a:endParaRPr lang="en-US" dirty="0"/>
           </a:p>
         </p:txBody>
       </p:sp>
@@ -3898,7 +3842,7 @@
         </p:nvSpPr>
         <p:spPr>
           <a:xfrm>
-            <a:off x="4656633" y="1777952"/>
+            <a:off x="4420733" y="1153537"/>
             <a:ext cx="1725098" cy="773014"/>
           </a:xfrm>
           <a:custGeom>
@@ -4130,17 +4074,17 @@
                   <a:schemeClr val="tx1"/>
                 </a:solidFill>
               </a:rPr>
-              <a:t>Split traffic between versions</a:t>
-            </a:r>
-          </a:p>
-        </p:txBody>
-      </p:sp>
-      <p:sp>
-        <p:nvSpPr>
-          <p:cNvPr id="27" name="Rectangle 26">
-            <a:extLst>
-              <a:ext uri="{FF2B5EF4-FFF2-40B4-BE49-F238E27FC236}">
-                <a16:creationId xmlns:a16="http://schemas.microsoft.com/office/drawing/2014/main" id="{9B8A37C7-8908-CA46-B03A-2A9DAD8F71AC}"/>
+              <a:t>Get metrics</a:t>
+            </a:r>
+          </a:p>
+        </p:txBody>
+      </p:sp>
+      <p:sp>
+        <p:nvSpPr>
+          <p:cNvPr id="41" name="Rectangle 40">
+            <a:extLst>
+              <a:ext uri="{FF2B5EF4-FFF2-40B4-BE49-F238E27FC236}">
+                <a16:creationId xmlns:a16="http://schemas.microsoft.com/office/drawing/2014/main" id="{79E4B688-7B2C-E04A-A333-679A75E0E701}"/>
               </a:ext>
             </a:extLst>
           </p:cNvPr>
@@ -4149,178 +4093,50 @@
         </p:nvSpPr>
         <p:spPr>
           <a:xfrm>
-            <a:off x="6659157" y="1104012"/>
-            <a:ext cx="2610637" cy="829654"/>
-          </a:xfrm>
-          <a:prstGeom prst="rect">
-            <a:avLst/>
-          </a:prstGeom>
-          <a:solidFill>
-            <a:srgbClr val="FF007E">
-              <a:alpha val="9804"/>
-            </a:srgbClr>
-          </a:solidFill>
-          <a:ln>
-            <a:solidFill>
-              <a:srgbClr val="7030A0"/>
-            </a:solidFill>
-          </a:ln>
-        </p:spPr>
-        <p:style>
-          <a:lnRef idx="2">
-            <a:schemeClr val="accent1">
-              <a:shade val="50000"/>
-            </a:schemeClr>
-          </a:lnRef>
-          <a:fillRef idx="1">
-            <a:schemeClr val="accent1"/>
-          </a:fillRef>
-          <a:effectRef idx="0">
-            <a:schemeClr val="accent1"/>
-          </a:effectRef>
-          <a:fontRef idx="minor">
-            <a:schemeClr val="lt1"/>
-          </a:fontRef>
-        </p:style>
-        <p:txBody>
-          <a:bodyPr rtlCol="0" anchor="ctr"/>
-          <a:lstStyle/>
-          <a:p>
-            <a:pPr algn="ctr"/>
-            <a:r>
-              <a:rPr lang="en-US" sz="1600" dirty="0">
-                <a:solidFill>
-                  <a:schemeClr val="tx1"/>
-                </a:solidFill>
-              </a:rPr>
-              <a:t>Collect </a:t>
-            </a:r>
-            <a:r>
-              <a:rPr lang="en-US" sz="1600" dirty="0" err="1">
-                <a:solidFill>
-                  <a:schemeClr val="tx1"/>
-                </a:solidFill>
-              </a:rPr>
-              <a:t>builtin</a:t>
-            </a:r>
-            <a:r>
-              <a:rPr lang="en-US" sz="1600" dirty="0">
-                <a:solidFill>
-                  <a:schemeClr val="tx1"/>
-                </a:solidFill>
-              </a:rPr>
-              <a:t> metrics or use custom metrics from any DB</a:t>
-            </a:r>
-          </a:p>
-        </p:txBody>
-      </p:sp>
-      <p:sp>
-        <p:nvSpPr>
-          <p:cNvPr id="28" name="Rectangle 27">
-            <a:extLst>
-              <a:ext uri="{FF2B5EF4-FFF2-40B4-BE49-F238E27FC236}">
-                <a16:creationId xmlns:a16="http://schemas.microsoft.com/office/drawing/2014/main" id="{302D07CF-F2DC-134F-9790-CA5B3C1305A6}"/>
-              </a:ext>
-            </a:extLst>
-          </p:cNvPr>
-          <p:cNvSpPr/>
-          <p:nvPr/>
-        </p:nvSpPr>
-        <p:spPr>
-          <a:xfrm>
-            <a:off x="7472855" y="2595422"/>
-            <a:ext cx="2002334" cy="642601"/>
-          </a:xfrm>
-          <a:prstGeom prst="rect">
-            <a:avLst/>
-          </a:prstGeom>
-          <a:solidFill>
-            <a:srgbClr val="FF007E">
-              <a:alpha val="9804"/>
-            </a:srgbClr>
-          </a:solidFill>
-          <a:ln>
-            <a:solidFill>
-              <a:srgbClr val="7030A0"/>
-            </a:solidFill>
-          </a:ln>
-        </p:spPr>
-        <p:style>
-          <a:lnRef idx="2">
-            <a:schemeClr val="accent1">
-              <a:shade val="50000"/>
-            </a:schemeClr>
-          </a:lnRef>
-          <a:fillRef idx="1">
-            <a:schemeClr val="accent1"/>
-          </a:fillRef>
-          <a:effectRef idx="0">
-            <a:schemeClr val="accent1"/>
-          </a:effectRef>
-          <a:fontRef idx="minor">
-            <a:schemeClr val="lt1"/>
-          </a:fontRef>
-        </p:style>
-        <p:txBody>
-          <a:bodyPr rtlCol="0" anchor="ctr"/>
-          <a:lstStyle/>
-          <a:p>
-            <a:pPr algn="ctr"/>
-            <a:r>
-              <a:rPr lang="en-US" sz="1600" dirty="0">
-                <a:solidFill>
-                  <a:schemeClr val="tx1"/>
-                </a:solidFill>
-              </a:rPr>
-              <a:t>Assess versions. Find winning version.</a:t>
-            </a:r>
-          </a:p>
-        </p:txBody>
-      </p:sp>
-      <p:sp>
-        <p:nvSpPr>
-          <p:cNvPr id="41" name="Rectangle 40">
-            <a:extLst>
-              <a:ext uri="{FF2B5EF4-FFF2-40B4-BE49-F238E27FC236}">
-                <a16:creationId xmlns:a16="http://schemas.microsoft.com/office/drawing/2014/main" id="{79E4B688-7B2C-E04A-A333-679A75E0E701}"/>
-              </a:ext>
-            </a:extLst>
-          </p:cNvPr>
-          <p:cNvSpPr/>
-          <p:nvPr/>
-        </p:nvSpPr>
-        <p:spPr>
-          <a:xfrm>
-            <a:off x="7976244" y="3473235"/>
-            <a:ext cx="1962383" cy="717177"/>
+            <a:off x="6800210" y="2987889"/>
+            <a:ext cx="3138418" cy="1202524"/>
           </a:xfrm>
           <a:custGeom>
             <a:avLst/>
             <a:gdLst>
-              <a:gd name="connsiteX0" fmla="*/ 0 w 1962383"/>
-              <a:gd name="connsiteY0" fmla="*/ 0 h 717177"/>
-              <a:gd name="connsiteX1" fmla="*/ 470972 w 1962383"/>
-              <a:gd name="connsiteY1" fmla="*/ 0 h 717177"/>
-              <a:gd name="connsiteX2" fmla="*/ 961568 w 1962383"/>
-              <a:gd name="connsiteY2" fmla="*/ 0 h 717177"/>
-              <a:gd name="connsiteX3" fmla="*/ 1471787 w 1962383"/>
-              <a:gd name="connsiteY3" fmla="*/ 0 h 717177"/>
-              <a:gd name="connsiteX4" fmla="*/ 1962383 w 1962383"/>
-              <a:gd name="connsiteY4" fmla="*/ 0 h 717177"/>
-              <a:gd name="connsiteX5" fmla="*/ 1962383 w 1962383"/>
-              <a:gd name="connsiteY5" fmla="*/ 365760 h 717177"/>
-              <a:gd name="connsiteX6" fmla="*/ 1962383 w 1962383"/>
-              <a:gd name="connsiteY6" fmla="*/ 717177 h 717177"/>
-              <a:gd name="connsiteX7" fmla="*/ 1432540 w 1962383"/>
-              <a:gd name="connsiteY7" fmla="*/ 717177 h 717177"/>
-              <a:gd name="connsiteX8" fmla="*/ 902696 w 1962383"/>
-              <a:gd name="connsiteY8" fmla="*/ 717177 h 717177"/>
-              <a:gd name="connsiteX9" fmla="*/ 0 w 1962383"/>
-              <a:gd name="connsiteY9" fmla="*/ 717177 h 717177"/>
-              <a:gd name="connsiteX10" fmla="*/ 0 w 1962383"/>
-              <a:gd name="connsiteY10" fmla="*/ 365760 h 717177"/>
-              <a:gd name="connsiteX11" fmla="*/ 0 w 1962383"/>
-              <a:gd name="connsiteY11" fmla="*/ 0 h 717177"/>
+              <a:gd name="connsiteX0" fmla="*/ 0 w 3138418"/>
+              <a:gd name="connsiteY0" fmla="*/ 0 h 1202524"/>
+              <a:gd name="connsiteX1" fmla="*/ 460301 w 3138418"/>
+              <a:gd name="connsiteY1" fmla="*/ 0 h 1202524"/>
+              <a:gd name="connsiteX2" fmla="*/ 1014755 w 3138418"/>
+              <a:gd name="connsiteY2" fmla="*/ 0 h 1202524"/>
+              <a:gd name="connsiteX3" fmla="*/ 1506441 w 3138418"/>
+              <a:gd name="connsiteY3" fmla="*/ 0 h 1202524"/>
+              <a:gd name="connsiteX4" fmla="*/ 1966742 w 3138418"/>
+              <a:gd name="connsiteY4" fmla="*/ 0 h 1202524"/>
+              <a:gd name="connsiteX5" fmla="*/ 2521196 w 3138418"/>
+              <a:gd name="connsiteY5" fmla="*/ 0 h 1202524"/>
+              <a:gd name="connsiteX6" fmla="*/ 3138418 w 3138418"/>
+              <a:gd name="connsiteY6" fmla="*/ 0 h 1202524"/>
+              <a:gd name="connsiteX7" fmla="*/ 3138418 w 3138418"/>
+              <a:gd name="connsiteY7" fmla="*/ 400841 h 1202524"/>
+              <a:gd name="connsiteX8" fmla="*/ 3138418 w 3138418"/>
+              <a:gd name="connsiteY8" fmla="*/ 777632 h 1202524"/>
+              <a:gd name="connsiteX9" fmla="*/ 3138418 w 3138418"/>
+              <a:gd name="connsiteY9" fmla="*/ 1202524 h 1202524"/>
+              <a:gd name="connsiteX10" fmla="*/ 2678117 w 3138418"/>
+              <a:gd name="connsiteY10" fmla="*/ 1202524 h 1202524"/>
+              <a:gd name="connsiteX11" fmla="*/ 2249200 w 3138418"/>
+              <a:gd name="connsiteY11" fmla="*/ 1202524 h 1202524"/>
+              <a:gd name="connsiteX12" fmla="*/ 1694746 w 3138418"/>
+              <a:gd name="connsiteY12" fmla="*/ 1202524 h 1202524"/>
+              <a:gd name="connsiteX13" fmla="*/ 1234444 w 3138418"/>
+              <a:gd name="connsiteY13" fmla="*/ 1202524 h 1202524"/>
+              <a:gd name="connsiteX14" fmla="*/ 679991 w 3138418"/>
+              <a:gd name="connsiteY14" fmla="*/ 1202524 h 1202524"/>
+              <a:gd name="connsiteX15" fmla="*/ 0 w 3138418"/>
+              <a:gd name="connsiteY15" fmla="*/ 1202524 h 1202524"/>
+              <a:gd name="connsiteX16" fmla="*/ 0 w 3138418"/>
+              <a:gd name="connsiteY16" fmla="*/ 813708 h 1202524"/>
+              <a:gd name="connsiteX17" fmla="*/ 0 w 3138418"/>
+              <a:gd name="connsiteY17" fmla="*/ 400841 h 1202524"/>
+              <a:gd name="connsiteX18" fmla="*/ 0 w 3138418"/>
+              <a:gd name="connsiteY18" fmla="*/ 0 h 1202524"/>
             </a:gdLst>
             <a:ahLst/>
             <a:cxnLst>
@@ -4360,132 +4176,218 @@
               <a:cxn ang="0">
                 <a:pos x="connsiteX11" y="connsiteY11"/>
               </a:cxn>
+              <a:cxn ang="0">
+                <a:pos x="connsiteX12" y="connsiteY12"/>
+              </a:cxn>
+              <a:cxn ang="0">
+                <a:pos x="connsiteX13" y="connsiteY13"/>
+              </a:cxn>
+              <a:cxn ang="0">
+                <a:pos x="connsiteX14" y="connsiteY14"/>
+              </a:cxn>
+              <a:cxn ang="0">
+                <a:pos x="connsiteX15" y="connsiteY15"/>
+              </a:cxn>
+              <a:cxn ang="0">
+                <a:pos x="connsiteX16" y="connsiteY16"/>
+              </a:cxn>
+              <a:cxn ang="0">
+                <a:pos x="connsiteX17" y="connsiteY17"/>
+              </a:cxn>
+              <a:cxn ang="0">
+                <a:pos x="connsiteX18" y="connsiteY18"/>
+              </a:cxn>
             </a:cxnLst>
             <a:rect l="l" t="t" r="r" b="b"/>
             <a:pathLst>
-              <a:path w="1962383" h="717177" fill="none" extrusionOk="0">
+              <a:path w="3138418" h="1202524" fill="none" extrusionOk="0">
                 <a:moveTo>
                   <a:pt x="0" y="0"/>
                 </a:moveTo>
                 <a:cubicBezTo>
-                  <a:pt x="102359" y="-32545"/>
-                  <a:pt x="296069" y="36182"/>
-                  <a:pt x="470972" y="0"/>
-                </a:cubicBezTo>
-                <a:cubicBezTo>
-                  <a:pt x="645875" y="-36182"/>
-                  <a:pt x="799504" y="37532"/>
-                  <a:pt x="961568" y="0"/>
-                </a:cubicBezTo>
-                <a:cubicBezTo>
-                  <a:pt x="1123632" y="-37532"/>
-                  <a:pt x="1336232" y="41868"/>
-                  <a:pt x="1471787" y="0"/>
-                </a:cubicBezTo>
-                <a:cubicBezTo>
-                  <a:pt x="1607342" y="-41868"/>
-                  <a:pt x="1836978" y="39793"/>
-                  <a:pt x="1962383" y="0"/>
-                </a:cubicBezTo>
-                <a:cubicBezTo>
-                  <a:pt x="1982915" y="94901"/>
-                  <a:pt x="1949145" y="220272"/>
-                  <a:pt x="1962383" y="365760"/>
-                </a:cubicBezTo>
-                <a:cubicBezTo>
-                  <a:pt x="1975621" y="511248"/>
-                  <a:pt x="1949749" y="604435"/>
-                  <a:pt x="1962383" y="717177"/>
-                </a:cubicBezTo>
-                <a:cubicBezTo>
-                  <a:pt x="1728822" y="732326"/>
-                  <a:pt x="1695855" y="706503"/>
-                  <a:pt x="1432540" y="717177"/>
-                </a:cubicBezTo>
-                <a:cubicBezTo>
-                  <a:pt x="1169225" y="727851"/>
-                  <a:pt x="1053645" y="711647"/>
-                  <a:pt x="902696" y="717177"/>
-                </a:cubicBezTo>
-                <a:cubicBezTo>
-                  <a:pt x="751747" y="722707"/>
-                  <a:pt x="194084" y="626431"/>
-                  <a:pt x="0" y="717177"/>
-                </a:cubicBezTo>
-                <a:cubicBezTo>
-                  <a:pt x="-39063" y="594451"/>
-                  <a:pt x="538" y="502327"/>
-                  <a:pt x="0" y="365760"/>
-                </a:cubicBezTo>
-                <a:cubicBezTo>
-                  <a:pt x="-538" y="229193"/>
-                  <a:pt x="18999" y="170706"/>
+                  <a:pt x="102735" y="-46240"/>
+                  <a:pt x="344083" y="26601"/>
+                  <a:pt x="460301" y="0"/>
+                </a:cubicBezTo>
+                <a:cubicBezTo>
+                  <a:pt x="576519" y="-26601"/>
+                  <a:pt x="883163" y="1509"/>
+                  <a:pt x="1014755" y="0"/>
+                </a:cubicBezTo>
+                <a:cubicBezTo>
+                  <a:pt x="1146347" y="-1509"/>
+                  <a:pt x="1344757" y="44263"/>
+                  <a:pt x="1506441" y="0"/>
+                </a:cubicBezTo>
+                <a:cubicBezTo>
+                  <a:pt x="1668125" y="-44263"/>
+                  <a:pt x="1827941" y="1563"/>
+                  <a:pt x="1966742" y="0"/>
+                </a:cubicBezTo>
+                <a:cubicBezTo>
+                  <a:pt x="2105543" y="-1563"/>
+                  <a:pt x="2348368" y="47829"/>
+                  <a:pt x="2521196" y="0"/>
+                </a:cubicBezTo>
+                <a:cubicBezTo>
+                  <a:pt x="2694024" y="-47829"/>
+                  <a:pt x="2899247" y="14422"/>
+                  <a:pt x="3138418" y="0"/>
+                </a:cubicBezTo>
+                <a:cubicBezTo>
+                  <a:pt x="3166706" y="199948"/>
+                  <a:pt x="3114521" y="255291"/>
+                  <a:pt x="3138418" y="400841"/>
+                </a:cubicBezTo>
+                <a:cubicBezTo>
+                  <a:pt x="3162315" y="546391"/>
+                  <a:pt x="3113342" y="642334"/>
+                  <a:pt x="3138418" y="777632"/>
+                </a:cubicBezTo>
+                <a:cubicBezTo>
+                  <a:pt x="3163494" y="912930"/>
+                  <a:pt x="3093231" y="1016360"/>
+                  <a:pt x="3138418" y="1202524"/>
+                </a:cubicBezTo>
+                <a:cubicBezTo>
+                  <a:pt x="2935775" y="1242227"/>
+                  <a:pt x="2865906" y="1178650"/>
+                  <a:pt x="2678117" y="1202524"/>
+                </a:cubicBezTo>
+                <a:cubicBezTo>
+                  <a:pt x="2490328" y="1226398"/>
+                  <a:pt x="2428679" y="1188979"/>
+                  <a:pt x="2249200" y="1202524"/>
+                </a:cubicBezTo>
+                <a:cubicBezTo>
+                  <a:pt x="2069721" y="1216069"/>
+                  <a:pt x="1872137" y="1187794"/>
+                  <a:pt x="1694746" y="1202524"/>
+                </a:cubicBezTo>
+                <a:cubicBezTo>
+                  <a:pt x="1517355" y="1217254"/>
+                  <a:pt x="1340559" y="1179572"/>
+                  <a:pt x="1234444" y="1202524"/>
+                </a:cubicBezTo>
+                <a:cubicBezTo>
+                  <a:pt x="1128329" y="1225476"/>
+                  <a:pt x="859287" y="1180488"/>
+                  <a:pt x="679991" y="1202524"/>
+                </a:cubicBezTo>
+                <a:cubicBezTo>
+                  <a:pt x="500695" y="1224560"/>
+                  <a:pt x="171470" y="1161992"/>
+                  <a:pt x="0" y="1202524"/>
+                </a:cubicBezTo>
+                <a:cubicBezTo>
+                  <a:pt x="-11479" y="1094273"/>
+                  <a:pt x="13351" y="927049"/>
+                  <a:pt x="0" y="813708"/>
+                </a:cubicBezTo>
+                <a:cubicBezTo>
+                  <a:pt x="-13351" y="700367"/>
+                  <a:pt x="27071" y="565536"/>
+                  <a:pt x="0" y="400841"/>
+                </a:cubicBezTo>
+                <a:cubicBezTo>
+                  <a:pt x="-27071" y="236146"/>
+                  <a:pt x="6143" y="165817"/>
                   <a:pt x="0" y="0"/>
                 </a:cubicBezTo>
                 <a:close/>
               </a:path>
-              <a:path w="1962383" h="717177" stroke="0" extrusionOk="0">
+              <a:path w="3138418" h="1202524" stroke="0" extrusionOk="0">
                 <a:moveTo>
                   <a:pt x="0" y="0"/>
                 </a:moveTo>
                 <a:cubicBezTo>
-                  <a:pt x="229181" y="-1732"/>
-                  <a:pt x="357350" y="22815"/>
-                  <a:pt x="470972" y="0"/>
-                </a:cubicBezTo>
-                <a:cubicBezTo>
-                  <a:pt x="584594" y="-22815"/>
-                  <a:pt x="767100" y="9922"/>
-                  <a:pt x="902696" y="0"/>
-                </a:cubicBezTo>
-                <a:cubicBezTo>
-                  <a:pt x="1038292" y="-9922"/>
-                  <a:pt x="1313026" y="37975"/>
-                  <a:pt x="1432540" y="0"/>
-                </a:cubicBezTo>
-                <a:cubicBezTo>
-                  <a:pt x="1552054" y="-37975"/>
-                  <a:pt x="1708838" y="8178"/>
-                  <a:pt x="1962383" y="0"/>
-                </a:cubicBezTo>
-                <a:cubicBezTo>
-                  <a:pt x="1963724" y="79747"/>
-                  <a:pt x="1934305" y="259309"/>
-                  <a:pt x="1962383" y="351417"/>
-                </a:cubicBezTo>
-                <a:cubicBezTo>
-                  <a:pt x="1990461" y="443525"/>
-                  <a:pt x="1932592" y="588711"/>
-                  <a:pt x="1962383" y="717177"/>
-                </a:cubicBezTo>
-                <a:cubicBezTo>
-                  <a:pt x="1792991" y="769810"/>
-                  <a:pt x="1675343" y="698396"/>
-                  <a:pt x="1471787" y="717177"/>
-                </a:cubicBezTo>
-                <a:cubicBezTo>
-                  <a:pt x="1268231" y="735958"/>
-                  <a:pt x="1110901" y="711223"/>
-                  <a:pt x="941944" y="717177"/>
-                </a:cubicBezTo>
-                <a:cubicBezTo>
-                  <a:pt x="772987" y="723131"/>
-                  <a:pt x="620909" y="691846"/>
-                  <a:pt x="510220" y="717177"/>
-                </a:cubicBezTo>
-                <a:cubicBezTo>
-                  <a:pt x="399531" y="742508"/>
-                  <a:pt x="235804" y="671251"/>
-                  <a:pt x="0" y="717177"/>
-                </a:cubicBezTo>
-                <a:cubicBezTo>
-                  <a:pt x="-19116" y="562504"/>
-                  <a:pt x="42260" y="484598"/>
-                  <a:pt x="0" y="358589"/>
-                </a:cubicBezTo>
-                <a:cubicBezTo>
-                  <a:pt x="-42260" y="232580"/>
-                  <a:pt x="25139" y="138712"/>
+                  <a:pt x="237005" y="-20956"/>
+                  <a:pt x="298043" y="33069"/>
+                  <a:pt x="491685" y="0"/>
+                </a:cubicBezTo>
+                <a:cubicBezTo>
+                  <a:pt x="685327" y="-33069"/>
+                  <a:pt x="744237" y="8345"/>
+                  <a:pt x="920603" y="0"/>
+                </a:cubicBezTo>
+                <a:cubicBezTo>
+                  <a:pt x="1096969" y="-8345"/>
+                  <a:pt x="1301270" y="5777"/>
+                  <a:pt x="1506441" y="0"/>
+                </a:cubicBezTo>
+                <a:cubicBezTo>
+                  <a:pt x="1711612" y="-5777"/>
+                  <a:pt x="1754520" y="10415"/>
+                  <a:pt x="1998126" y="0"/>
+                </a:cubicBezTo>
+                <a:cubicBezTo>
+                  <a:pt x="2241732" y="-10415"/>
+                  <a:pt x="2284406" y="9786"/>
+                  <a:pt x="2489812" y="0"/>
+                </a:cubicBezTo>
+                <a:cubicBezTo>
+                  <a:pt x="2695218" y="-9786"/>
+                  <a:pt x="2827861" y="33094"/>
+                  <a:pt x="3138418" y="0"/>
+                </a:cubicBezTo>
+                <a:cubicBezTo>
+                  <a:pt x="3174921" y="112259"/>
+                  <a:pt x="3105324" y="207257"/>
+                  <a:pt x="3138418" y="376791"/>
+                </a:cubicBezTo>
+                <a:cubicBezTo>
+                  <a:pt x="3171512" y="546325"/>
+                  <a:pt x="3104934" y="678454"/>
+                  <a:pt x="3138418" y="777632"/>
+                </a:cubicBezTo>
+                <a:cubicBezTo>
+                  <a:pt x="3171902" y="876810"/>
+                  <a:pt x="3094978" y="1061585"/>
+                  <a:pt x="3138418" y="1202524"/>
+                </a:cubicBezTo>
+                <a:cubicBezTo>
+                  <a:pt x="2971702" y="1203829"/>
+                  <a:pt x="2847873" y="1194107"/>
+                  <a:pt x="2678117" y="1202524"/>
+                </a:cubicBezTo>
+                <a:cubicBezTo>
+                  <a:pt x="2508361" y="1210941"/>
+                  <a:pt x="2399452" y="1181790"/>
+                  <a:pt x="2155047" y="1202524"/>
+                </a:cubicBezTo>
+                <a:cubicBezTo>
+                  <a:pt x="1910642" y="1223258"/>
+                  <a:pt x="1870273" y="1173194"/>
+                  <a:pt x="1663362" y="1202524"/>
+                </a:cubicBezTo>
+                <a:cubicBezTo>
+                  <a:pt x="1456452" y="1231854"/>
+                  <a:pt x="1214736" y="1133765"/>
+                  <a:pt x="1077524" y="1202524"/>
+                </a:cubicBezTo>
+                <a:cubicBezTo>
+                  <a:pt x="940312" y="1271283"/>
+                  <a:pt x="630408" y="1188111"/>
+                  <a:pt x="491685" y="1202524"/>
+                </a:cubicBezTo>
+                <a:cubicBezTo>
+                  <a:pt x="352962" y="1216937"/>
+                  <a:pt x="239935" y="1177860"/>
+                  <a:pt x="0" y="1202524"/>
+                </a:cubicBezTo>
+                <a:cubicBezTo>
+                  <a:pt x="-13396" y="1006115"/>
+                  <a:pt x="15954" y="966528"/>
+                  <a:pt x="0" y="801683"/>
+                </a:cubicBezTo>
+                <a:cubicBezTo>
+                  <a:pt x="-15954" y="636838"/>
+                  <a:pt x="45070" y="528983"/>
+                  <a:pt x="0" y="412867"/>
+                </a:cubicBezTo>
+                <a:cubicBezTo>
+                  <a:pt x="-45070" y="296751"/>
+                  <a:pt x="43197" y="100802"/>
                   <a:pt x="0" y="0"/>
                 </a:cubicBezTo>
                 <a:close/>
@@ -4543,7 +4445,7 @@
                   <a:schemeClr val="tx1"/>
                 </a:solidFill>
               </a:rPr>
-              <a:t>Promote winner</a:t>
+              <a:t>Send notification, promote new version or rollback, shift traffic, create pull request, trigger CI/CD/GitOps workflow, …</a:t>
             </a:r>
           </a:p>
         </p:txBody>
@@ -4564,8 +4466,8 @@
         </p:nvCxnSpPr>
         <p:spPr>
           <a:xfrm>
-            <a:off x="3786357" y="956446"/>
-            <a:ext cx="0" cy="3594914"/>
+            <a:off x="3786357" y="809297"/>
+            <a:ext cx="0" cy="3742063"/>
           </a:xfrm>
           <a:prstGeom prst="line">
             <a:avLst/>
@@ -4608,8 +4510,8 @@
         </p:nvCxnSpPr>
         <p:spPr>
           <a:xfrm>
-            <a:off x="10087291" y="1044127"/>
-            <a:ext cx="0" cy="3507233"/>
+            <a:off x="10087291" y="809297"/>
+            <a:ext cx="0" cy="3742063"/>
           </a:xfrm>
           <a:prstGeom prst="line">
             <a:avLst/>
@@ -4648,157 +4550,19 @@
           <p:cNvCxnSpPr>
             <a:cxnSpLocks/>
             <a:stCxn id="21" idx="3"/>
-            <a:endCxn id="7" idx="2"/>
+            <a:endCxn id="26" idx="1"/>
           </p:cNvCxnSpPr>
           <p:nvPr/>
         </p:nvCxnSpPr>
         <p:spPr>
           <a:xfrm>
             <a:off x="3677835" y="1321325"/>
-            <a:ext cx="870275" cy="829654"/>
+            <a:ext cx="742898" cy="218719"/>
           </a:xfrm>
           <a:prstGeom prst="bentConnector3">
             <a:avLst>
               <a:gd name="adj1" fmla="val 50000"/>
             </a:avLst>
-          </a:prstGeom>
-          <a:ln w="25400">
-            <a:solidFill>
-              <a:srgbClr val="7030A0"/>
-            </a:solidFill>
-            <a:tailEnd type="stealth" w="lg" len="lg"/>
-          </a:ln>
-        </p:spPr>
-        <p:style>
-          <a:lnRef idx="1">
-            <a:schemeClr val="accent1"/>
-          </a:lnRef>
-          <a:fillRef idx="0">
-            <a:schemeClr val="accent1"/>
-          </a:fillRef>
-          <a:effectRef idx="0">
-            <a:schemeClr val="accent1"/>
-          </a:effectRef>
-          <a:fontRef idx="minor">
-            <a:schemeClr val="tx1"/>
-          </a:fontRef>
-        </p:style>
-      </p:cxnSp>
-      <p:cxnSp>
-        <p:nvCxnSpPr>
-          <p:cNvPr id="121" name="Elbow Connector 120">
-            <a:extLst>
-              <a:ext uri="{FF2B5EF4-FFF2-40B4-BE49-F238E27FC236}">
-                <a16:creationId xmlns:a16="http://schemas.microsoft.com/office/drawing/2014/main" id="{AF1C2771-F6BF-FF46-9BB5-2EEB46087D1C}"/>
-              </a:ext>
-            </a:extLst>
-          </p:cNvPr>
-          <p:cNvCxnSpPr>
-            <a:cxnSpLocks/>
-            <a:stCxn id="7" idx="1"/>
-            <a:endCxn id="41" idx="1"/>
-          </p:cNvCxnSpPr>
-          <p:nvPr/>
-        </p:nvCxnSpPr>
-        <p:spPr>
-          <a:xfrm rot="16200000" flipH="1">
-            <a:off x="7290451" y="3146031"/>
-            <a:ext cx="486312" cy="885274"/>
-          </a:xfrm>
-          <a:prstGeom prst="bentConnector2">
-            <a:avLst/>
-          </a:prstGeom>
-          <a:ln w="25400">
-            <a:solidFill>
-              <a:srgbClr val="7030A0"/>
-            </a:solidFill>
-            <a:tailEnd type="stealth" w="lg" len="lg"/>
-          </a:ln>
-        </p:spPr>
-        <p:style>
-          <a:lnRef idx="1">
-            <a:schemeClr val="accent1"/>
-          </a:lnRef>
-          <a:fillRef idx="0">
-            <a:schemeClr val="accent1"/>
-          </a:fillRef>
-          <a:effectRef idx="0">
-            <a:schemeClr val="accent1"/>
-          </a:effectRef>
-          <a:fontRef idx="minor">
-            <a:schemeClr val="tx1"/>
-          </a:fontRef>
-        </p:style>
-      </p:cxnSp>
-      <p:cxnSp>
-        <p:nvCxnSpPr>
-          <p:cNvPr id="3" name="Elbow Connector 2">
-            <a:extLst>
-              <a:ext uri="{FF2B5EF4-FFF2-40B4-BE49-F238E27FC236}">
-                <a16:creationId xmlns:a16="http://schemas.microsoft.com/office/drawing/2014/main" id="{55D910AA-1959-1F4C-A43E-13575E0D53EF}"/>
-              </a:ext>
-            </a:extLst>
-          </p:cNvPr>
-          <p:cNvCxnSpPr>
-            <a:cxnSpLocks/>
-            <a:stCxn id="26" idx="0"/>
-            <a:endCxn id="27" idx="1"/>
-          </p:cNvCxnSpPr>
-          <p:nvPr/>
-        </p:nvCxnSpPr>
-        <p:spPr>
-          <a:xfrm rot="5400000" flipH="1" flipV="1">
-            <a:off x="5959613" y="1078409"/>
-            <a:ext cx="259113" cy="1139975"/>
-          </a:xfrm>
-          <a:prstGeom prst="bentConnector2">
-            <a:avLst/>
-          </a:prstGeom>
-          <a:ln w="25400">
-            <a:solidFill>
-              <a:srgbClr val="7030A0"/>
-            </a:solidFill>
-            <a:tailEnd type="stealth" w="lg" len="lg"/>
-          </a:ln>
-        </p:spPr>
-        <p:style>
-          <a:lnRef idx="1">
-            <a:schemeClr val="accent1"/>
-          </a:lnRef>
-          <a:fillRef idx="0">
-            <a:schemeClr val="accent1"/>
-          </a:fillRef>
-          <a:effectRef idx="0">
-            <a:schemeClr val="accent1"/>
-          </a:effectRef>
-          <a:fontRef idx="minor">
-            <a:schemeClr val="tx1"/>
-          </a:fontRef>
-        </p:style>
-      </p:cxnSp>
-      <p:cxnSp>
-        <p:nvCxnSpPr>
-          <p:cNvPr id="29" name="Elbow Connector 28">
-            <a:extLst>
-              <a:ext uri="{FF2B5EF4-FFF2-40B4-BE49-F238E27FC236}">
-                <a16:creationId xmlns:a16="http://schemas.microsoft.com/office/drawing/2014/main" id="{01744BBB-CC9C-5A46-926E-ED149D548DDE}"/>
-              </a:ext>
-            </a:extLst>
-          </p:cNvPr>
-          <p:cNvCxnSpPr>
-            <a:cxnSpLocks/>
-            <a:stCxn id="28" idx="1"/>
-            <a:endCxn id="26" idx="2"/>
-          </p:cNvCxnSpPr>
-          <p:nvPr/>
-        </p:nvCxnSpPr>
-        <p:spPr>
-          <a:xfrm rot="10800000">
-            <a:off x="5519183" y="2550967"/>
-            <a:ext cx="1953673" cy="365757"/>
-          </a:xfrm>
-          <a:prstGeom prst="bentConnector2">
-            <a:avLst/>
           </a:prstGeom>
           <a:ln w="25400">
             <a:solidFill>
@@ -5165,31 +4929,280 @@
           </a:p>
         </p:txBody>
       </p:sp>
+      <p:sp>
+        <p:nvSpPr>
+          <p:cNvPr id="24" name="Rectangle 23">
+            <a:extLst>
+              <a:ext uri="{FF2B5EF4-FFF2-40B4-BE49-F238E27FC236}">
+                <a16:creationId xmlns:a16="http://schemas.microsoft.com/office/drawing/2014/main" id="{613FA1FA-FC95-D949-9BFB-681D4A89B857}"/>
+              </a:ext>
+            </a:extLst>
+          </p:cNvPr>
+          <p:cNvSpPr/>
+          <p:nvPr/>
+        </p:nvSpPr>
+        <p:spPr>
+          <a:xfrm>
+            <a:off x="5634450" y="2070713"/>
+            <a:ext cx="1725098" cy="773014"/>
+          </a:xfrm>
+          <a:custGeom>
+            <a:avLst/>
+            <a:gdLst>
+              <a:gd name="connsiteX0" fmla="*/ 0 w 1725098"/>
+              <a:gd name="connsiteY0" fmla="*/ 0 h 773014"/>
+              <a:gd name="connsiteX1" fmla="*/ 557782 w 1725098"/>
+              <a:gd name="connsiteY1" fmla="*/ 0 h 773014"/>
+              <a:gd name="connsiteX2" fmla="*/ 1132814 w 1725098"/>
+              <a:gd name="connsiteY2" fmla="*/ 0 h 773014"/>
+              <a:gd name="connsiteX3" fmla="*/ 1725098 w 1725098"/>
+              <a:gd name="connsiteY3" fmla="*/ 0 h 773014"/>
+              <a:gd name="connsiteX4" fmla="*/ 1725098 w 1725098"/>
+              <a:gd name="connsiteY4" fmla="*/ 386507 h 773014"/>
+              <a:gd name="connsiteX5" fmla="*/ 1725098 w 1725098"/>
+              <a:gd name="connsiteY5" fmla="*/ 773014 h 773014"/>
+              <a:gd name="connsiteX6" fmla="*/ 1150065 w 1725098"/>
+              <a:gd name="connsiteY6" fmla="*/ 773014 h 773014"/>
+              <a:gd name="connsiteX7" fmla="*/ 609535 w 1725098"/>
+              <a:gd name="connsiteY7" fmla="*/ 773014 h 773014"/>
+              <a:gd name="connsiteX8" fmla="*/ 0 w 1725098"/>
+              <a:gd name="connsiteY8" fmla="*/ 773014 h 773014"/>
+              <a:gd name="connsiteX9" fmla="*/ 0 w 1725098"/>
+              <a:gd name="connsiteY9" fmla="*/ 394237 h 773014"/>
+              <a:gd name="connsiteX10" fmla="*/ 0 w 1725098"/>
+              <a:gd name="connsiteY10" fmla="*/ 0 h 773014"/>
+            </a:gdLst>
+            <a:ahLst/>
+            <a:cxnLst>
+              <a:cxn ang="0">
+                <a:pos x="connsiteX0" y="connsiteY0"/>
+              </a:cxn>
+              <a:cxn ang="0">
+                <a:pos x="connsiteX1" y="connsiteY1"/>
+              </a:cxn>
+              <a:cxn ang="0">
+                <a:pos x="connsiteX2" y="connsiteY2"/>
+              </a:cxn>
+              <a:cxn ang="0">
+                <a:pos x="connsiteX3" y="connsiteY3"/>
+              </a:cxn>
+              <a:cxn ang="0">
+                <a:pos x="connsiteX4" y="connsiteY4"/>
+              </a:cxn>
+              <a:cxn ang="0">
+                <a:pos x="connsiteX5" y="connsiteY5"/>
+              </a:cxn>
+              <a:cxn ang="0">
+                <a:pos x="connsiteX6" y="connsiteY6"/>
+              </a:cxn>
+              <a:cxn ang="0">
+                <a:pos x="connsiteX7" y="connsiteY7"/>
+              </a:cxn>
+              <a:cxn ang="0">
+                <a:pos x="connsiteX8" y="connsiteY8"/>
+              </a:cxn>
+              <a:cxn ang="0">
+                <a:pos x="connsiteX9" y="connsiteY9"/>
+              </a:cxn>
+              <a:cxn ang="0">
+                <a:pos x="connsiteX10" y="connsiteY10"/>
+              </a:cxn>
+            </a:cxnLst>
+            <a:rect l="l" t="t" r="r" b="b"/>
+            <a:pathLst>
+              <a:path w="1725098" h="773014" fill="none" extrusionOk="0">
+                <a:moveTo>
+                  <a:pt x="0" y="0"/>
+                </a:moveTo>
+                <a:cubicBezTo>
+                  <a:pt x="168254" y="-65307"/>
+                  <a:pt x="439636" y="53159"/>
+                  <a:pt x="557782" y="0"/>
+                </a:cubicBezTo>
+                <a:cubicBezTo>
+                  <a:pt x="675928" y="-53159"/>
+                  <a:pt x="850694" y="40283"/>
+                  <a:pt x="1132814" y="0"/>
+                </a:cubicBezTo>
+                <a:cubicBezTo>
+                  <a:pt x="1414934" y="-40283"/>
+                  <a:pt x="1600693" y="17773"/>
+                  <a:pt x="1725098" y="0"/>
+                </a:cubicBezTo>
+                <a:cubicBezTo>
+                  <a:pt x="1762404" y="94584"/>
+                  <a:pt x="1686857" y="259962"/>
+                  <a:pt x="1725098" y="386507"/>
+                </a:cubicBezTo>
+                <a:cubicBezTo>
+                  <a:pt x="1763339" y="513052"/>
+                  <a:pt x="1712159" y="611104"/>
+                  <a:pt x="1725098" y="773014"/>
+                </a:cubicBezTo>
+                <a:cubicBezTo>
+                  <a:pt x="1548193" y="838099"/>
+                  <a:pt x="1394852" y="710947"/>
+                  <a:pt x="1150065" y="773014"/>
+                </a:cubicBezTo>
+                <a:cubicBezTo>
+                  <a:pt x="905278" y="835081"/>
+                  <a:pt x="841607" y="744938"/>
+                  <a:pt x="609535" y="773014"/>
+                </a:cubicBezTo>
+                <a:cubicBezTo>
+                  <a:pt x="377463" y="801090"/>
+                  <a:pt x="197833" y="725069"/>
+                  <a:pt x="0" y="773014"/>
+                </a:cubicBezTo>
+                <a:cubicBezTo>
+                  <a:pt x="-5271" y="679045"/>
+                  <a:pt x="17636" y="542555"/>
+                  <a:pt x="0" y="394237"/>
+                </a:cubicBezTo>
+                <a:cubicBezTo>
+                  <a:pt x="-17636" y="245919"/>
+                  <a:pt x="9349" y="182711"/>
+                  <a:pt x="0" y="0"/>
+                </a:cubicBezTo>
+                <a:close/>
+              </a:path>
+              <a:path w="1725098" h="773014" stroke="0" extrusionOk="0">
+                <a:moveTo>
+                  <a:pt x="0" y="0"/>
+                </a:moveTo>
+                <a:cubicBezTo>
+                  <a:pt x="205968" y="-34008"/>
+                  <a:pt x="322315" y="28520"/>
+                  <a:pt x="557782" y="0"/>
+                </a:cubicBezTo>
+                <a:cubicBezTo>
+                  <a:pt x="793249" y="-28520"/>
+                  <a:pt x="921916" y="45588"/>
+                  <a:pt x="1081061" y="0"/>
+                </a:cubicBezTo>
+                <a:cubicBezTo>
+                  <a:pt x="1240206" y="-45588"/>
+                  <a:pt x="1492223" y="9541"/>
+                  <a:pt x="1725098" y="0"/>
+                </a:cubicBezTo>
+                <a:cubicBezTo>
+                  <a:pt x="1762250" y="105537"/>
+                  <a:pt x="1681881" y="279446"/>
+                  <a:pt x="1725098" y="378777"/>
+                </a:cubicBezTo>
+                <a:cubicBezTo>
+                  <a:pt x="1768315" y="478108"/>
+                  <a:pt x="1718875" y="577451"/>
+                  <a:pt x="1725098" y="773014"/>
+                </a:cubicBezTo>
+                <a:cubicBezTo>
+                  <a:pt x="1537608" y="821520"/>
+                  <a:pt x="1377806" y="714416"/>
+                  <a:pt x="1184567" y="773014"/>
+                </a:cubicBezTo>
+                <a:cubicBezTo>
+                  <a:pt x="991328" y="831612"/>
+                  <a:pt x="770711" y="759634"/>
+                  <a:pt x="644037" y="773014"/>
+                </a:cubicBezTo>
+                <a:cubicBezTo>
+                  <a:pt x="517363" y="786394"/>
+                  <a:pt x="280564" y="767561"/>
+                  <a:pt x="0" y="773014"/>
+                </a:cubicBezTo>
+                <a:cubicBezTo>
+                  <a:pt x="-18556" y="660505"/>
+                  <a:pt x="9172" y="498657"/>
+                  <a:pt x="0" y="409697"/>
+                </a:cubicBezTo>
+                <a:cubicBezTo>
+                  <a:pt x="-9172" y="320737"/>
+                  <a:pt x="19821" y="116366"/>
+                  <a:pt x="0" y="0"/>
+                </a:cubicBezTo>
+                <a:close/>
+              </a:path>
+            </a:pathLst>
+          </a:custGeom>
+          <a:solidFill>
+            <a:srgbClr val="FF007E">
+              <a:alpha val="9804"/>
+            </a:srgbClr>
+          </a:solidFill>
+          <a:ln>
+            <a:solidFill>
+              <a:srgbClr val="7030A0"/>
+            </a:solidFill>
+            <a:prstDash val="dash"/>
+            <a:extLst>
+              <a:ext uri="{C807C97D-BFC1-408E-A445-0C87EB9F89A2}">
+                <ask:lineSketchStyleProps xmlns:ask="http://schemas.microsoft.com/office/drawing/2018/sketchyshapes" sd="1219033472">
+                  <a:prstGeom prst="rect">
+                    <a:avLst/>
+                  </a:prstGeom>
+                  <ask:type>
+                    <ask:lineSketchScribble/>
+                  </ask:type>
+                </ask:lineSketchStyleProps>
+              </a:ext>
+            </a:extLst>
+          </a:ln>
+        </p:spPr>
+        <p:style>
+          <a:lnRef idx="2">
+            <a:schemeClr val="accent1">
+              <a:shade val="50000"/>
+            </a:schemeClr>
+          </a:lnRef>
+          <a:fillRef idx="1">
+            <a:schemeClr val="accent1"/>
+          </a:fillRef>
+          <a:effectRef idx="0">
+            <a:schemeClr val="accent1"/>
+          </a:effectRef>
+          <a:fontRef idx="minor">
+            <a:schemeClr val="lt1"/>
+          </a:fontRef>
+        </p:style>
+        <p:txBody>
+          <a:bodyPr rtlCol="0" anchor="ctr"/>
+          <a:lstStyle/>
+          <a:p>
+            <a:pPr algn="ctr"/>
+            <a:r>
+              <a:rPr lang="en-US" sz="1600" dirty="0">
+                <a:solidFill>
+                  <a:schemeClr val="tx1"/>
+                </a:solidFill>
+              </a:rPr>
+              <a:t>Produce insights</a:t>
+            </a:r>
+          </a:p>
+        </p:txBody>
+      </p:sp>
       <p:cxnSp>
         <p:nvCxnSpPr>
-          <p:cNvPr id="37" name="Elbow Connector 36">
-            <a:extLst>
-              <a:ext uri="{FF2B5EF4-FFF2-40B4-BE49-F238E27FC236}">
-                <a16:creationId xmlns:a16="http://schemas.microsoft.com/office/drawing/2014/main" id="{26C1542E-BA70-9048-AA50-7899BF93FED1}"/>
+          <p:cNvPr id="25" name="Elbow Connector 24">
+            <a:extLst>
+              <a:ext uri="{FF2B5EF4-FFF2-40B4-BE49-F238E27FC236}">
+                <a16:creationId xmlns:a16="http://schemas.microsoft.com/office/drawing/2014/main" id="{7E01060D-C16A-9B48-8CFA-C17D603B6532}"/>
               </a:ext>
             </a:extLst>
           </p:cNvPr>
           <p:cNvCxnSpPr>
             <a:cxnSpLocks/>
-            <a:stCxn id="27" idx="2"/>
-            <a:endCxn id="28" idx="0"/>
+            <a:stCxn id="26" idx="2"/>
+            <a:endCxn id="24" idx="1"/>
           </p:cNvCxnSpPr>
           <p:nvPr/>
         </p:nvCxnSpPr>
         <p:spPr>
           <a:xfrm rot="16200000" flipH="1">
-            <a:off x="7888371" y="2009771"/>
-            <a:ext cx="661756" cy="509546"/>
+            <a:off x="5193532" y="2016301"/>
+            <a:ext cx="530669" cy="351168"/>
           </a:xfrm>
-          <a:prstGeom prst="bentConnector3">
-            <a:avLst>
-              <a:gd name="adj1" fmla="val 50000"/>
-            </a:avLst>
+          <a:prstGeom prst="bentConnector2">
+            <a:avLst/>
           </a:prstGeom>
           <a:ln w="25400">
             <a:solidFill>
@@ -5213,6 +5226,216 @@
           </a:fontRef>
         </p:style>
       </p:cxnSp>
+      <p:cxnSp>
+        <p:nvCxnSpPr>
+          <p:cNvPr id="33" name="Elbow Connector 32">
+            <a:extLst>
+              <a:ext uri="{FF2B5EF4-FFF2-40B4-BE49-F238E27FC236}">
+                <a16:creationId xmlns:a16="http://schemas.microsoft.com/office/drawing/2014/main" id="{F18B92DA-2C8E-994D-A6C4-A729E6579E17}"/>
+              </a:ext>
+            </a:extLst>
+          </p:cNvPr>
+          <p:cNvCxnSpPr>
+            <a:cxnSpLocks/>
+            <a:stCxn id="24" idx="2"/>
+            <a:endCxn id="41" idx="1"/>
+          </p:cNvCxnSpPr>
+          <p:nvPr/>
+        </p:nvCxnSpPr>
+        <p:spPr>
+          <a:xfrm rot="16200000" flipH="1">
+            <a:off x="6275892" y="3064833"/>
+            <a:ext cx="745424" cy="303211"/>
+          </a:xfrm>
+          <a:prstGeom prst="bentConnector2">
+            <a:avLst/>
+          </a:prstGeom>
+          <a:ln w="25400">
+            <a:solidFill>
+              <a:srgbClr val="7030A0"/>
+            </a:solidFill>
+            <a:tailEnd type="stealth" w="lg" len="lg"/>
+          </a:ln>
+        </p:spPr>
+        <p:style>
+          <a:lnRef idx="1">
+            <a:schemeClr val="accent1"/>
+          </a:lnRef>
+          <a:fillRef idx="0">
+            <a:schemeClr val="accent1"/>
+          </a:fillRef>
+          <a:effectRef idx="0">
+            <a:schemeClr val="accent1"/>
+          </a:effectRef>
+          <a:fontRef idx="minor">
+            <a:schemeClr val="tx1"/>
+          </a:fontRef>
+        </p:style>
+      </p:cxnSp>
+      <p:cxnSp>
+        <p:nvCxnSpPr>
+          <p:cNvPr id="38" name="Elbow Connector 37">
+            <a:extLst>
+              <a:ext uri="{FF2B5EF4-FFF2-40B4-BE49-F238E27FC236}">
+                <a16:creationId xmlns:a16="http://schemas.microsoft.com/office/drawing/2014/main" id="{B29451C2-9B28-4E49-A9F7-51E8D792D228}"/>
+              </a:ext>
+            </a:extLst>
+          </p:cNvPr>
+          <p:cNvCxnSpPr>
+            <a:cxnSpLocks/>
+            <a:stCxn id="26" idx="0"/>
+          </p:cNvCxnSpPr>
+          <p:nvPr/>
+        </p:nvCxnSpPr>
+        <p:spPr>
+          <a:xfrm rot="5400000" flipH="1" flipV="1">
+            <a:off x="6485725" y="-306562"/>
+            <a:ext cx="257656" cy="2662542"/>
+          </a:xfrm>
+          <a:prstGeom prst="bentConnector2">
+            <a:avLst/>
+          </a:prstGeom>
+          <a:ln w="25400">
+            <a:solidFill>
+              <a:srgbClr val="7030A0"/>
+            </a:solidFill>
+            <a:headEnd type="stealth" w="lg" len="lg"/>
+            <a:tailEnd type="none" w="lg" len="lg"/>
+          </a:ln>
+        </p:spPr>
+        <p:style>
+          <a:lnRef idx="1">
+            <a:schemeClr val="accent1"/>
+          </a:lnRef>
+          <a:fillRef idx="0">
+            <a:schemeClr val="accent1"/>
+          </a:fillRef>
+          <a:effectRef idx="0">
+            <a:schemeClr val="accent1"/>
+          </a:effectRef>
+          <a:fontRef idx="minor">
+            <a:schemeClr val="tx1"/>
+          </a:fontRef>
+        </p:style>
+      </p:cxnSp>
+      <p:cxnSp>
+        <p:nvCxnSpPr>
+          <p:cNvPr id="39" name="Elbow Connector 38">
+            <a:extLst>
+              <a:ext uri="{FF2B5EF4-FFF2-40B4-BE49-F238E27FC236}">
+                <a16:creationId xmlns:a16="http://schemas.microsoft.com/office/drawing/2014/main" id="{22B17411-0B7A-8A43-BA3D-808CBA696F88}"/>
+              </a:ext>
+            </a:extLst>
+          </p:cNvPr>
+          <p:cNvCxnSpPr>
+            <a:cxnSpLocks/>
+            <a:stCxn id="26" idx="3"/>
+          </p:cNvCxnSpPr>
+          <p:nvPr/>
+        </p:nvCxnSpPr>
+        <p:spPr>
+          <a:xfrm>
+            <a:off x="6145831" y="1540044"/>
+            <a:ext cx="1799993" cy="327309"/>
+          </a:xfrm>
+          <a:prstGeom prst="bentConnector3">
+            <a:avLst>
+              <a:gd name="adj1" fmla="val 50000"/>
+            </a:avLst>
+          </a:prstGeom>
+          <a:ln w="25400">
+            <a:solidFill>
+              <a:srgbClr val="7030A0"/>
+            </a:solidFill>
+            <a:headEnd type="stealth" w="lg" len="lg"/>
+            <a:tailEnd type="none" w="lg" len="lg"/>
+          </a:ln>
+        </p:spPr>
+        <p:style>
+          <a:lnRef idx="1">
+            <a:schemeClr val="accent1"/>
+          </a:lnRef>
+          <a:fillRef idx="0">
+            <a:schemeClr val="accent1"/>
+          </a:fillRef>
+          <a:effectRef idx="0">
+            <a:schemeClr val="accent1"/>
+          </a:effectRef>
+          <a:fontRef idx="minor">
+            <a:schemeClr val="tx1"/>
+          </a:fontRef>
+        </p:style>
+      </p:cxnSp>
+      <p:sp>
+        <p:nvSpPr>
+          <p:cNvPr id="22" name="TextBox 21">
+            <a:extLst>
+              <a:ext uri="{FF2B5EF4-FFF2-40B4-BE49-F238E27FC236}">
+                <a16:creationId xmlns:a16="http://schemas.microsoft.com/office/drawing/2014/main" id="{44EDCC67-4F87-9A40-9038-787217D1A4BA}"/>
+              </a:ext>
+            </a:extLst>
+          </p:cNvPr>
+          <p:cNvSpPr txBox="1"/>
+          <p:nvPr/>
+        </p:nvSpPr>
+        <p:spPr>
+          <a:xfrm>
+            <a:off x="5970991" y="524398"/>
+            <a:ext cx="1928926" cy="369332"/>
+          </a:xfrm>
+          <a:prstGeom prst="rect">
+            <a:avLst/>
+          </a:prstGeom>
+          <a:noFill/>
+        </p:spPr>
+        <p:txBody>
+          <a:bodyPr wrap="none" rtlCol="0">
+            <a:spAutoFit/>
+          </a:bodyPr>
+          <a:lstStyle/>
+          <a:p>
+            <a:r>
+              <a:rPr lang="en-US" dirty="0"/>
+              <a:t>By generating load</a:t>
+            </a:r>
+          </a:p>
+        </p:txBody>
+      </p:sp>
+      <p:sp>
+        <p:nvSpPr>
+          <p:cNvPr id="45" name="TextBox 44">
+            <a:extLst>
+              <a:ext uri="{FF2B5EF4-FFF2-40B4-BE49-F238E27FC236}">
+                <a16:creationId xmlns:a16="http://schemas.microsoft.com/office/drawing/2014/main" id="{E0AF0370-94C0-AE45-A4DE-A7393C60B8ED}"/>
+              </a:ext>
+            </a:extLst>
+          </p:cNvPr>
+          <p:cNvSpPr txBox="1"/>
+          <p:nvPr/>
+        </p:nvSpPr>
+        <p:spPr>
+          <a:xfrm>
+            <a:off x="7043052" y="1233683"/>
+            <a:ext cx="2580684" cy="646331"/>
+          </a:xfrm>
+          <a:prstGeom prst="rect">
+            <a:avLst/>
+          </a:prstGeom>
+          <a:noFill/>
+        </p:spPr>
+        <p:txBody>
+          <a:bodyPr wrap="square" rtlCol="0">
+            <a:spAutoFit/>
+          </a:bodyPr>
+          <a:lstStyle/>
+          <a:p>
+            <a:r>
+              <a:rPr lang="en-US" dirty="0"/>
+              <a:t>By querying backends like Prometheus, Elastic, …</a:t>
+            </a:r>
+          </a:p>
+        </p:txBody>
+      </p:sp>
     </p:spTree>
     <p:extLst>
       <p:ext uri="{BB962C8B-B14F-4D97-AF65-F5344CB8AC3E}">

--- a/mkdocs/docs/images/src/what-is-iter8.pptx
+++ b/mkdocs/docs/images/src/what-is-iter8.pptx
@@ -5,10 +5,12 @@
     <p:sldMasterId id="2147483648" r:id="rId1"/>
   </p:sldMasterIdLst>
   <p:notesMasterIdLst>
-    <p:notesMasterId r:id="rId3"/>
+    <p:notesMasterId r:id="rId5"/>
   </p:notesMasterIdLst>
   <p:sldIdLst>
     <p:sldId id="317" r:id="rId2"/>
+    <p:sldId id="318" r:id="rId3"/>
+    <p:sldId id="319" r:id="rId4"/>
   </p:sldIdLst>
   <p:sldSz cx="12192000" cy="6858000"/>
   <p:notesSz cx="6858000" cy="9144000"/>
@@ -197,7 +199,7 @@
           <a:p>
             <a:fld id="{38B78CBE-37FA-D241-BB4C-CAC5D3B25F49}" type="datetimeFigureOut">
               <a:rPr lang="en-US" smtClean="0"/>
-              <a:t>11/10/21</a:t>
+              <a:t>12/6/21</a:t>
             </a:fld>
             <a:endParaRPr lang="en-US"/>
           </a:p>
@@ -611,7 +613,7 @@
           <a:p>
             <a:fld id="{708812C5-0212-FD42-A0D4-E2E8FF4E3AF5}" type="datetime1">
               <a:rPr lang="en-US" smtClean="0"/>
-              <a:t>11/10/21</a:t>
+              <a:t>12/6/21</a:t>
             </a:fld>
             <a:endParaRPr lang="en-US"/>
           </a:p>
@@ -812,7 +814,7 @@
           <a:p>
             <a:fld id="{D232AC6F-41C3-B34B-9BAA-03ED2F3BC0F6}" type="datetime1">
               <a:rPr lang="en-US" smtClean="0"/>
-              <a:t>11/10/21</a:t>
+              <a:t>12/6/21</a:t>
             </a:fld>
             <a:endParaRPr lang="en-US"/>
           </a:p>
@@ -1023,7 +1025,7 @@
           <a:p>
             <a:fld id="{BEE140C2-F440-9D49-95CB-5965D64CC4A2}" type="datetime1">
               <a:rPr lang="en-US" smtClean="0"/>
-              <a:t>11/10/21</a:t>
+              <a:t>12/6/21</a:t>
             </a:fld>
             <a:endParaRPr lang="en-US"/>
           </a:p>
@@ -1224,7 +1226,7 @@
           <a:p>
             <a:fld id="{CC99F980-FB29-FD47-8508-150F73F1E8B0}" type="datetime1">
               <a:rPr lang="en-US" smtClean="0"/>
-              <a:t>11/10/21</a:t>
+              <a:t>12/6/21</a:t>
             </a:fld>
             <a:endParaRPr lang="en-US"/>
           </a:p>
@@ -1502,7 +1504,7 @@
           <a:p>
             <a:fld id="{D4510983-EA22-9643-8AC0-B3C6499B643B}" type="datetime1">
               <a:rPr lang="en-US" smtClean="0"/>
-              <a:t>11/10/21</a:t>
+              <a:t>12/6/21</a:t>
             </a:fld>
             <a:endParaRPr lang="en-US"/>
           </a:p>
@@ -1770,7 +1772,7 @@
           <a:p>
             <a:fld id="{D5A39195-967D-5D4E-8C6A-C99866996458}" type="datetime1">
               <a:rPr lang="en-US" smtClean="0"/>
-              <a:t>11/10/21</a:t>
+              <a:t>12/6/21</a:t>
             </a:fld>
             <a:endParaRPr lang="en-US"/>
           </a:p>
@@ -2185,7 +2187,7 @@
           <a:p>
             <a:fld id="{5AD771E9-C79D-684D-A158-5EB6E92DE947}" type="datetime1">
               <a:rPr lang="en-US" smtClean="0"/>
-              <a:t>11/10/21</a:t>
+              <a:t>12/6/21</a:t>
             </a:fld>
             <a:endParaRPr lang="en-US"/>
           </a:p>
@@ -2329,7 +2331,7 @@
           <a:p>
             <a:fld id="{693CA161-7E4C-5C4B-B799-DB602A0B9806}" type="datetime1">
               <a:rPr lang="en-US" smtClean="0"/>
-              <a:t>11/10/21</a:t>
+              <a:t>12/6/21</a:t>
             </a:fld>
             <a:endParaRPr lang="en-US"/>
           </a:p>
@@ -2445,7 +2447,7 @@
           <a:p>
             <a:fld id="{6D55FDF3-8BB2-6349-A5FA-057F3D78953D}" type="datetime1">
               <a:rPr lang="en-US" smtClean="0"/>
-              <a:t>11/10/21</a:t>
+              <a:t>12/6/21</a:t>
             </a:fld>
             <a:endParaRPr lang="en-US"/>
           </a:p>
@@ -2759,7 +2761,7 @@
           <a:p>
             <a:fld id="{EEDFACC0-3228-BA4B-942E-CEF38B0101FD}" type="datetime1">
               <a:rPr lang="en-US" smtClean="0"/>
-              <a:t>11/10/21</a:t>
+              <a:t>12/6/21</a:t>
             </a:fld>
             <a:endParaRPr lang="en-US"/>
           </a:p>
@@ -3050,7 +3052,7 @@
           <a:p>
             <a:fld id="{07EEEDBE-E24C-D140-B419-6D8D592D0F1C}" type="datetime1">
               <a:rPr lang="en-US" smtClean="0"/>
-              <a:t>11/10/21</a:t>
+              <a:t>12/6/21</a:t>
             </a:fld>
             <a:endParaRPr lang="en-US"/>
           </a:p>
@@ -3294,7 +3296,7 @@
           <a:p>
             <a:fld id="{E05781A2-A5EF-C54C-A3EF-F62483D37EDC}" type="datetime1">
               <a:rPr lang="en-US" smtClean="0"/>
-              <a:t>11/10/21</a:t>
+              <a:t>12/6/21</a:t>
             </a:fld>
             <a:endParaRPr lang="en-US"/>
           </a:p>
@@ -5440,6 +5442,3113 @@
     <p:extLst>
       <p:ext uri="{BB962C8B-B14F-4D97-AF65-F5344CB8AC3E}">
         <p14:creationId xmlns:p14="http://schemas.microsoft.com/office/powerpoint/2010/main" val="1263024173"/>
+      </p:ext>
+    </p:extLst>
+  </p:cSld>
+  <p:clrMapOvr>
+    <a:masterClrMapping/>
+  </p:clrMapOvr>
+</p:sld>
+</file>
+
+<file path=ppt/slides/slide2.xml><?xml version="1.0" encoding="utf-8"?>
+<p:sld xmlns:a="http://schemas.openxmlformats.org/drawingml/2006/main" xmlns:r="http://schemas.openxmlformats.org/officeDocument/2006/relationships" xmlns:p="http://schemas.openxmlformats.org/presentationml/2006/main">
+  <p:cSld>
+    <p:spTree>
+      <p:nvGrpSpPr>
+        <p:cNvPr id="1" name=""/>
+        <p:cNvGrpSpPr/>
+        <p:nvPr/>
+      </p:nvGrpSpPr>
+      <p:grpSpPr>
+        <a:xfrm>
+          <a:off x="0" y="0"/>
+          <a:ext cx="0" cy="0"/>
+          <a:chOff x="0" y="0"/>
+          <a:chExt cx="0" cy="0"/>
+        </a:xfrm>
+      </p:grpSpPr>
+      <p:sp>
+        <p:nvSpPr>
+          <p:cNvPr id="3" name="Rectangle 2">
+            <a:extLst>
+              <a:ext uri="{FF2B5EF4-FFF2-40B4-BE49-F238E27FC236}">
+                <a16:creationId xmlns:a16="http://schemas.microsoft.com/office/drawing/2014/main" id="{42345BF9-DFA1-9241-AF9F-EABE6D269EE5}"/>
+              </a:ext>
+            </a:extLst>
+          </p:cNvPr>
+          <p:cNvSpPr/>
+          <p:nvPr/>
+        </p:nvSpPr>
+        <p:spPr>
+          <a:xfrm>
+            <a:off x="2732690" y="1566041"/>
+            <a:ext cx="7020910" cy="2974428"/>
+          </a:xfrm>
+          <a:prstGeom prst="rect">
+            <a:avLst/>
+          </a:prstGeom>
+          <a:solidFill>
+            <a:schemeClr val="bg1"/>
+          </a:solidFill>
+        </p:spPr>
+        <p:style>
+          <a:lnRef idx="2">
+            <a:schemeClr val="accent1">
+              <a:shade val="50000"/>
+            </a:schemeClr>
+          </a:lnRef>
+          <a:fillRef idx="1">
+            <a:schemeClr val="accent1"/>
+          </a:fillRef>
+          <a:effectRef idx="0">
+            <a:schemeClr val="accent1"/>
+          </a:effectRef>
+          <a:fontRef idx="minor">
+            <a:schemeClr val="lt1"/>
+          </a:fontRef>
+        </p:style>
+        <p:txBody>
+          <a:bodyPr rtlCol="0" anchor="ctr"/>
+          <a:lstStyle/>
+          <a:p>
+            <a:pPr algn="ctr"/>
+            <a:endParaRPr lang="en-US"/>
+          </a:p>
+        </p:txBody>
+      </p:sp>
+      <p:sp>
+        <p:nvSpPr>
+          <p:cNvPr id="26" name="Rectangle 25">
+            <a:extLst>
+              <a:ext uri="{FF2B5EF4-FFF2-40B4-BE49-F238E27FC236}">
+                <a16:creationId xmlns:a16="http://schemas.microsoft.com/office/drawing/2014/main" id="{17D763E7-7291-7447-BB0A-6AD1A57AC8CF}"/>
+              </a:ext>
+            </a:extLst>
+          </p:cNvPr>
+          <p:cNvSpPr/>
+          <p:nvPr/>
+        </p:nvSpPr>
+        <p:spPr>
+          <a:xfrm>
+            <a:off x="3657600" y="2432334"/>
+            <a:ext cx="1790461" cy="1179785"/>
+          </a:xfrm>
+          <a:custGeom>
+            <a:avLst/>
+            <a:gdLst>
+              <a:gd name="connsiteX0" fmla="*/ 0 w 1790461"/>
+              <a:gd name="connsiteY0" fmla="*/ 0 h 1179785"/>
+              <a:gd name="connsiteX1" fmla="*/ 578916 w 1790461"/>
+              <a:gd name="connsiteY1" fmla="*/ 0 h 1179785"/>
+              <a:gd name="connsiteX2" fmla="*/ 1175736 w 1790461"/>
+              <a:gd name="connsiteY2" fmla="*/ 0 h 1179785"/>
+              <a:gd name="connsiteX3" fmla="*/ 1790461 w 1790461"/>
+              <a:gd name="connsiteY3" fmla="*/ 0 h 1179785"/>
+              <a:gd name="connsiteX4" fmla="*/ 1790461 w 1790461"/>
+              <a:gd name="connsiteY4" fmla="*/ 589893 h 1179785"/>
+              <a:gd name="connsiteX5" fmla="*/ 1790461 w 1790461"/>
+              <a:gd name="connsiteY5" fmla="*/ 1179785 h 1179785"/>
+              <a:gd name="connsiteX6" fmla="*/ 1193641 w 1790461"/>
+              <a:gd name="connsiteY6" fmla="*/ 1179785 h 1179785"/>
+              <a:gd name="connsiteX7" fmla="*/ 632630 w 1790461"/>
+              <a:gd name="connsiteY7" fmla="*/ 1179785 h 1179785"/>
+              <a:gd name="connsiteX8" fmla="*/ 0 w 1790461"/>
+              <a:gd name="connsiteY8" fmla="*/ 1179785 h 1179785"/>
+              <a:gd name="connsiteX9" fmla="*/ 0 w 1790461"/>
+              <a:gd name="connsiteY9" fmla="*/ 601690 h 1179785"/>
+              <a:gd name="connsiteX10" fmla="*/ 0 w 1790461"/>
+              <a:gd name="connsiteY10" fmla="*/ 0 h 1179785"/>
+            </a:gdLst>
+            <a:ahLst/>
+            <a:cxnLst>
+              <a:cxn ang="0">
+                <a:pos x="connsiteX0" y="connsiteY0"/>
+              </a:cxn>
+              <a:cxn ang="0">
+                <a:pos x="connsiteX1" y="connsiteY1"/>
+              </a:cxn>
+              <a:cxn ang="0">
+                <a:pos x="connsiteX2" y="connsiteY2"/>
+              </a:cxn>
+              <a:cxn ang="0">
+                <a:pos x="connsiteX3" y="connsiteY3"/>
+              </a:cxn>
+              <a:cxn ang="0">
+                <a:pos x="connsiteX4" y="connsiteY4"/>
+              </a:cxn>
+              <a:cxn ang="0">
+                <a:pos x="connsiteX5" y="connsiteY5"/>
+              </a:cxn>
+              <a:cxn ang="0">
+                <a:pos x="connsiteX6" y="connsiteY6"/>
+              </a:cxn>
+              <a:cxn ang="0">
+                <a:pos x="connsiteX7" y="connsiteY7"/>
+              </a:cxn>
+              <a:cxn ang="0">
+                <a:pos x="connsiteX8" y="connsiteY8"/>
+              </a:cxn>
+              <a:cxn ang="0">
+                <a:pos x="connsiteX9" y="connsiteY9"/>
+              </a:cxn>
+              <a:cxn ang="0">
+                <a:pos x="connsiteX10" y="connsiteY10"/>
+              </a:cxn>
+            </a:cxnLst>
+            <a:rect l="l" t="t" r="r" b="b"/>
+            <a:pathLst>
+              <a:path w="1790461" h="1179785" fill="none" extrusionOk="0">
+                <a:moveTo>
+                  <a:pt x="0" y="0"/>
+                </a:moveTo>
+                <a:cubicBezTo>
+                  <a:pt x="123975" y="-1688"/>
+                  <a:pt x="461064" y="34721"/>
+                  <a:pt x="578916" y="0"/>
+                </a:cubicBezTo>
+                <a:cubicBezTo>
+                  <a:pt x="696768" y="-34721"/>
+                  <a:pt x="910255" y="8603"/>
+                  <a:pt x="1175736" y="0"/>
+                </a:cubicBezTo>
+                <a:cubicBezTo>
+                  <a:pt x="1441217" y="-8603"/>
+                  <a:pt x="1639874" y="72082"/>
+                  <a:pt x="1790461" y="0"/>
+                </a:cubicBezTo>
+                <a:cubicBezTo>
+                  <a:pt x="1851071" y="168805"/>
+                  <a:pt x="1728350" y="451185"/>
+                  <a:pt x="1790461" y="589893"/>
+                </a:cubicBezTo>
+                <a:cubicBezTo>
+                  <a:pt x="1852572" y="728601"/>
+                  <a:pt x="1756441" y="925786"/>
+                  <a:pt x="1790461" y="1179785"/>
+                </a:cubicBezTo>
+                <a:cubicBezTo>
+                  <a:pt x="1620906" y="1215105"/>
+                  <a:pt x="1424889" y="1163175"/>
+                  <a:pt x="1193641" y="1179785"/>
+                </a:cubicBezTo>
+                <a:cubicBezTo>
+                  <a:pt x="962393" y="1196395"/>
+                  <a:pt x="819959" y="1151578"/>
+                  <a:pt x="632630" y="1179785"/>
+                </a:cubicBezTo>
+                <a:cubicBezTo>
+                  <a:pt x="445301" y="1207992"/>
+                  <a:pt x="222592" y="1111488"/>
+                  <a:pt x="0" y="1179785"/>
+                </a:cubicBezTo>
+                <a:cubicBezTo>
+                  <a:pt x="-6402" y="965932"/>
+                  <a:pt x="41558" y="808976"/>
+                  <a:pt x="0" y="601690"/>
+                </a:cubicBezTo>
+                <a:cubicBezTo>
+                  <a:pt x="-41558" y="394405"/>
+                  <a:pt x="18458" y="210344"/>
+                  <a:pt x="0" y="0"/>
+                </a:cubicBezTo>
+                <a:close/>
+              </a:path>
+              <a:path w="1790461" h="1179785" stroke="0" extrusionOk="0">
+                <a:moveTo>
+                  <a:pt x="0" y="0"/>
+                </a:moveTo>
+                <a:cubicBezTo>
+                  <a:pt x="177481" y="-6470"/>
+                  <a:pt x="324366" y="62218"/>
+                  <a:pt x="578916" y="0"/>
+                </a:cubicBezTo>
+                <a:cubicBezTo>
+                  <a:pt x="833466" y="-62218"/>
+                  <a:pt x="899156" y="13464"/>
+                  <a:pt x="1122022" y="0"/>
+                </a:cubicBezTo>
+                <a:cubicBezTo>
+                  <a:pt x="1344888" y="-13464"/>
+                  <a:pt x="1505542" y="38953"/>
+                  <a:pt x="1790461" y="0"/>
+                </a:cubicBezTo>
+                <a:cubicBezTo>
+                  <a:pt x="1853215" y="149219"/>
+                  <a:pt x="1768063" y="358037"/>
+                  <a:pt x="1790461" y="578095"/>
+                </a:cubicBezTo>
+                <a:cubicBezTo>
+                  <a:pt x="1812859" y="798154"/>
+                  <a:pt x="1737564" y="913307"/>
+                  <a:pt x="1790461" y="1179785"/>
+                </a:cubicBezTo>
+                <a:cubicBezTo>
+                  <a:pt x="1594732" y="1191825"/>
+                  <a:pt x="1393617" y="1147342"/>
+                  <a:pt x="1229450" y="1179785"/>
+                </a:cubicBezTo>
+                <a:cubicBezTo>
+                  <a:pt x="1065283" y="1212228"/>
+                  <a:pt x="865964" y="1116480"/>
+                  <a:pt x="668439" y="1179785"/>
+                </a:cubicBezTo>
+                <a:cubicBezTo>
+                  <a:pt x="470914" y="1243090"/>
+                  <a:pt x="202740" y="1103105"/>
+                  <a:pt x="0" y="1179785"/>
+                </a:cubicBezTo>
+                <a:cubicBezTo>
+                  <a:pt x="-30222" y="972383"/>
+                  <a:pt x="11070" y="823190"/>
+                  <a:pt x="0" y="625286"/>
+                </a:cubicBezTo>
+                <a:cubicBezTo>
+                  <a:pt x="-11070" y="427382"/>
+                  <a:pt x="23142" y="206330"/>
+                  <a:pt x="0" y="0"/>
+                </a:cubicBezTo>
+                <a:close/>
+              </a:path>
+            </a:pathLst>
+          </a:custGeom>
+          <a:solidFill>
+            <a:srgbClr val="FF007E">
+              <a:alpha val="9804"/>
+            </a:srgbClr>
+          </a:solidFill>
+          <a:ln>
+            <a:solidFill>
+              <a:srgbClr val="7030A0"/>
+            </a:solidFill>
+            <a:prstDash val="dash"/>
+            <a:extLst>
+              <a:ext uri="{C807C97D-BFC1-408E-A445-0C87EB9F89A2}">
+                <ask:lineSketchStyleProps xmlns:ask="http://schemas.microsoft.com/office/drawing/2018/sketchyshapes" sd="1219033472">
+                  <a:prstGeom prst="rect">
+                    <a:avLst/>
+                  </a:prstGeom>
+                  <ask:type>
+                    <ask:lineSketchScribble/>
+                  </ask:type>
+                </ask:lineSketchStyleProps>
+              </a:ext>
+            </a:extLst>
+          </a:ln>
+        </p:spPr>
+        <p:style>
+          <a:lnRef idx="2">
+            <a:schemeClr val="accent1">
+              <a:shade val="50000"/>
+            </a:schemeClr>
+          </a:lnRef>
+          <a:fillRef idx="1">
+            <a:schemeClr val="accent1"/>
+          </a:fillRef>
+          <a:effectRef idx="0">
+            <a:schemeClr val="accent1"/>
+          </a:effectRef>
+          <a:fontRef idx="minor">
+            <a:schemeClr val="lt1"/>
+          </a:fontRef>
+        </p:style>
+        <p:txBody>
+          <a:bodyPr rtlCol="0" anchor="ctr"/>
+          <a:lstStyle/>
+          <a:p>
+            <a:pPr algn="ctr"/>
+            <a:r>
+              <a:rPr lang="en-US" sz="1600" dirty="0">
+                <a:solidFill>
+                  <a:schemeClr val="tx1"/>
+                </a:solidFill>
+              </a:rPr>
+              <a:t>Front-end service (e.g., Flask / NodeJS app)</a:t>
+            </a:r>
+          </a:p>
+        </p:txBody>
+      </p:sp>
+      <p:sp>
+        <p:nvSpPr>
+          <p:cNvPr id="24" name="Rectangle 23">
+            <a:extLst>
+              <a:ext uri="{FF2B5EF4-FFF2-40B4-BE49-F238E27FC236}">
+                <a16:creationId xmlns:a16="http://schemas.microsoft.com/office/drawing/2014/main" id="{613FA1FA-FC95-D949-9BFB-681D4A89B857}"/>
+              </a:ext>
+            </a:extLst>
+          </p:cNvPr>
+          <p:cNvSpPr/>
+          <p:nvPr/>
+        </p:nvSpPr>
+        <p:spPr>
+          <a:xfrm>
+            <a:off x="6743940" y="2432335"/>
+            <a:ext cx="2009783" cy="1179786"/>
+          </a:xfrm>
+          <a:custGeom>
+            <a:avLst/>
+            <a:gdLst>
+              <a:gd name="connsiteX0" fmla="*/ 0 w 2009783"/>
+              <a:gd name="connsiteY0" fmla="*/ 0 h 1179786"/>
+              <a:gd name="connsiteX1" fmla="*/ 482348 w 2009783"/>
+              <a:gd name="connsiteY1" fmla="*/ 0 h 1179786"/>
+              <a:gd name="connsiteX2" fmla="*/ 984794 w 2009783"/>
+              <a:gd name="connsiteY2" fmla="*/ 0 h 1179786"/>
+              <a:gd name="connsiteX3" fmla="*/ 1507337 w 2009783"/>
+              <a:gd name="connsiteY3" fmla="*/ 0 h 1179786"/>
+              <a:gd name="connsiteX4" fmla="*/ 2009783 w 2009783"/>
+              <a:gd name="connsiteY4" fmla="*/ 0 h 1179786"/>
+              <a:gd name="connsiteX5" fmla="*/ 2009783 w 2009783"/>
+              <a:gd name="connsiteY5" fmla="*/ 601691 h 1179786"/>
+              <a:gd name="connsiteX6" fmla="*/ 2009783 w 2009783"/>
+              <a:gd name="connsiteY6" fmla="*/ 1179786 h 1179786"/>
+              <a:gd name="connsiteX7" fmla="*/ 1467142 w 2009783"/>
+              <a:gd name="connsiteY7" fmla="*/ 1179786 h 1179786"/>
+              <a:gd name="connsiteX8" fmla="*/ 924500 w 2009783"/>
+              <a:gd name="connsiteY8" fmla="*/ 1179786 h 1179786"/>
+              <a:gd name="connsiteX9" fmla="*/ 0 w 2009783"/>
+              <a:gd name="connsiteY9" fmla="*/ 1179786 h 1179786"/>
+              <a:gd name="connsiteX10" fmla="*/ 0 w 2009783"/>
+              <a:gd name="connsiteY10" fmla="*/ 601691 h 1179786"/>
+              <a:gd name="connsiteX11" fmla="*/ 0 w 2009783"/>
+              <a:gd name="connsiteY11" fmla="*/ 0 h 1179786"/>
+            </a:gdLst>
+            <a:ahLst/>
+            <a:cxnLst>
+              <a:cxn ang="0">
+                <a:pos x="connsiteX0" y="connsiteY0"/>
+              </a:cxn>
+              <a:cxn ang="0">
+                <a:pos x="connsiteX1" y="connsiteY1"/>
+              </a:cxn>
+              <a:cxn ang="0">
+                <a:pos x="connsiteX2" y="connsiteY2"/>
+              </a:cxn>
+              <a:cxn ang="0">
+                <a:pos x="connsiteX3" y="connsiteY3"/>
+              </a:cxn>
+              <a:cxn ang="0">
+                <a:pos x="connsiteX4" y="connsiteY4"/>
+              </a:cxn>
+              <a:cxn ang="0">
+                <a:pos x="connsiteX5" y="connsiteY5"/>
+              </a:cxn>
+              <a:cxn ang="0">
+                <a:pos x="connsiteX6" y="connsiteY6"/>
+              </a:cxn>
+              <a:cxn ang="0">
+                <a:pos x="connsiteX7" y="connsiteY7"/>
+              </a:cxn>
+              <a:cxn ang="0">
+                <a:pos x="connsiteX8" y="connsiteY8"/>
+              </a:cxn>
+              <a:cxn ang="0">
+                <a:pos x="connsiteX9" y="connsiteY9"/>
+              </a:cxn>
+              <a:cxn ang="0">
+                <a:pos x="connsiteX10" y="connsiteY10"/>
+              </a:cxn>
+              <a:cxn ang="0">
+                <a:pos x="connsiteX11" y="connsiteY11"/>
+              </a:cxn>
+            </a:cxnLst>
+            <a:rect l="l" t="t" r="r" b="b"/>
+            <a:pathLst>
+              <a:path w="2009783" h="1179786" fill="none" extrusionOk="0">
+                <a:moveTo>
+                  <a:pt x="0" y="0"/>
+                </a:moveTo>
+                <a:cubicBezTo>
+                  <a:pt x="191066" y="-9014"/>
+                  <a:pt x="335463" y="37622"/>
+                  <a:pt x="482348" y="0"/>
+                </a:cubicBezTo>
+                <a:cubicBezTo>
+                  <a:pt x="629233" y="-37622"/>
+                  <a:pt x="808452" y="53404"/>
+                  <a:pt x="984794" y="0"/>
+                </a:cubicBezTo>
+                <a:cubicBezTo>
+                  <a:pt x="1161136" y="-53404"/>
+                  <a:pt x="1345009" y="39073"/>
+                  <a:pt x="1507337" y="0"/>
+                </a:cubicBezTo>
+                <a:cubicBezTo>
+                  <a:pt x="1669665" y="-39073"/>
+                  <a:pt x="1798010" y="18780"/>
+                  <a:pt x="2009783" y="0"/>
+                </a:cubicBezTo>
+                <a:cubicBezTo>
+                  <a:pt x="2063594" y="121710"/>
+                  <a:pt x="1959260" y="477454"/>
+                  <a:pt x="2009783" y="601691"/>
+                </a:cubicBezTo>
+                <a:cubicBezTo>
+                  <a:pt x="2060306" y="725928"/>
+                  <a:pt x="1965782" y="992576"/>
+                  <a:pt x="2009783" y="1179786"/>
+                </a:cubicBezTo>
+                <a:cubicBezTo>
+                  <a:pt x="1886877" y="1231459"/>
+                  <a:pt x="1702209" y="1128814"/>
+                  <a:pt x="1467142" y="1179786"/>
+                </a:cubicBezTo>
+                <a:cubicBezTo>
+                  <a:pt x="1232075" y="1230758"/>
+                  <a:pt x="1159291" y="1147336"/>
+                  <a:pt x="924500" y="1179786"/>
+                </a:cubicBezTo>
+                <a:cubicBezTo>
+                  <a:pt x="689709" y="1212236"/>
+                  <a:pt x="232183" y="1122842"/>
+                  <a:pt x="0" y="1179786"/>
+                </a:cubicBezTo>
+                <a:cubicBezTo>
+                  <a:pt x="-61686" y="1015407"/>
+                  <a:pt x="34870" y="838304"/>
+                  <a:pt x="0" y="601691"/>
+                </a:cubicBezTo>
+                <a:cubicBezTo>
+                  <a:pt x="-34870" y="365079"/>
+                  <a:pt x="56483" y="159283"/>
+                  <a:pt x="0" y="0"/>
+                </a:cubicBezTo>
+                <a:close/>
+              </a:path>
+              <a:path w="2009783" h="1179786" stroke="0" extrusionOk="0">
+                <a:moveTo>
+                  <a:pt x="0" y="0"/>
+                </a:moveTo>
+                <a:cubicBezTo>
+                  <a:pt x="195156" y="-9781"/>
+                  <a:pt x="346698" y="29297"/>
+                  <a:pt x="482348" y="0"/>
+                </a:cubicBezTo>
+                <a:cubicBezTo>
+                  <a:pt x="617998" y="-29297"/>
+                  <a:pt x="804509" y="12186"/>
+                  <a:pt x="924500" y="0"/>
+                </a:cubicBezTo>
+                <a:cubicBezTo>
+                  <a:pt x="1044491" y="-12186"/>
+                  <a:pt x="1325794" y="18424"/>
+                  <a:pt x="1467142" y="0"/>
+                </a:cubicBezTo>
+                <a:cubicBezTo>
+                  <a:pt x="1608490" y="-18424"/>
+                  <a:pt x="1747351" y="10638"/>
+                  <a:pt x="2009783" y="0"/>
+                </a:cubicBezTo>
+                <a:cubicBezTo>
+                  <a:pt x="2057756" y="166814"/>
+                  <a:pt x="1989131" y="314786"/>
+                  <a:pt x="2009783" y="578095"/>
+                </a:cubicBezTo>
+                <a:cubicBezTo>
+                  <a:pt x="2030435" y="841404"/>
+                  <a:pt x="1953691" y="951864"/>
+                  <a:pt x="2009783" y="1179786"/>
+                </a:cubicBezTo>
+                <a:cubicBezTo>
+                  <a:pt x="1885756" y="1202592"/>
+                  <a:pt x="1711825" y="1172089"/>
+                  <a:pt x="1507337" y="1179786"/>
+                </a:cubicBezTo>
+                <a:cubicBezTo>
+                  <a:pt x="1302849" y="1187483"/>
+                  <a:pt x="1163522" y="1160024"/>
+                  <a:pt x="964696" y="1179786"/>
+                </a:cubicBezTo>
+                <a:cubicBezTo>
+                  <a:pt x="765870" y="1199548"/>
+                  <a:pt x="683239" y="1150694"/>
+                  <a:pt x="522544" y="1179786"/>
+                </a:cubicBezTo>
+                <a:cubicBezTo>
+                  <a:pt x="361849" y="1208878"/>
+                  <a:pt x="260058" y="1124111"/>
+                  <a:pt x="0" y="1179786"/>
+                </a:cubicBezTo>
+                <a:cubicBezTo>
+                  <a:pt x="-57759" y="1026800"/>
+                  <a:pt x="37923" y="774365"/>
+                  <a:pt x="0" y="589893"/>
+                </a:cubicBezTo>
+                <a:cubicBezTo>
+                  <a:pt x="-37923" y="405421"/>
+                  <a:pt x="7459" y="170212"/>
+                  <a:pt x="0" y="0"/>
+                </a:cubicBezTo>
+                <a:close/>
+              </a:path>
+            </a:pathLst>
+          </a:custGeom>
+          <a:solidFill>
+            <a:srgbClr val="FF007E">
+              <a:alpha val="9804"/>
+            </a:srgbClr>
+          </a:solidFill>
+          <a:ln>
+            <a:solidFill>
+              <a:srgbClr val="7030A0"/>
+            </a:solidFill>
+            <a:prstDash val="dash"/>
+            <a:extLst>
+              <a:ext uri="{C807C97D-BFC1-408E-A445-0C87EB9F89A2}">
+                <ask:lineSketchStyleProps xmlns:ask="http://schemas.microsoft.com/office/drawing/2018/sketchyshapes" sd="1219033472">
+                  <a:prstGeom prst="rect">
+                    <a:avLst/>
+                  </a:prstGeom>
+                  <ask:type>
+                    <ask:lineSketchScribble/>
+                  </ask:type>
+                </ask:lineSketchStyleProps>
+              </a:ext>
+            </a:extLst>
+          </a:ln>
+        </p:spPr>
+        <p:style>
+          <a:lnRef idx="2">
+            <a:schemeClr val="accent1">
+              <a:shade val="50000"/>
+            </a:schemeClr>
+          </a:lnRef>
+          <a:fillRef idx="1">
+            <a:schemeClr val="accent1"/>
+          </a:fillRef>
+          <a:effectRef idx="0">
+            <a:schemeClr val="accent1"/>
+          </a:effectRef>
+          <a:fontRef idx="minor">
+            <a:schemeClr val="lt1"/>
+          </a:fontRef>
+        </p:style>
+        <p:txBody>
+          <a:bodyPr rtlCol="0" anchor="ctr"/>
+          <a:lstStyle/>
+          <a:p>
+            <a:pPr algn="ctr"/>
+            <a:r>
+              <a:rPr lang="en-US" sz="1600" dirty="0">
+                <a:solidFill>
+                  <a:schemeClr val="tx1"/>
+                </a:solidFill>
+              </a:rPr>
+              <a:t>Back-end service (e.g., </a:t>
+            </a:r>
+            <a:r>
+              <a:rPr lang="en-US" sz="1600" dirty="0" err="1">
+                <a:solidFill>
+                  <a:schemeClr val="tx1"/>
+                </a:solidFill>
+              </a:rPr>
+              <a:t>Kserve</a:t>
+            </a:r>
+            <a:r>
+              <a:rPr lang="en-US" sz="1600" dirty="0">
+                <a:solidFill>
+                  <a:schemeClr val="tx1"/>
+                </a:solidFill>
+              </a:rPr>
+              <a:t> / </a:t>
+            </a:r>
+            <a:r>
+              <a:rPr lang="en-US" sz="1600" dirty="0" err="1">
+                <a:solidFill>
+                  <a:schemeClr val="tx1"/>
+                </a:solidFill>
+              </a:rPr>
+              <a:t>RayServe</a:t>
+            </a:r>
+            <a:r>
+              <a:rPr lang="en-US" sz="1600" dirty="0">
+                <a:solidFill>
+                  <a:schemeClr val="tx1"/>
+                </a:solidFill>
+              </a:rPr>
+              <a:t> / Seldon Deployment)</a:t>
+            </a:r>
+          </a:p>
+        </p:txBody>
+      </p:sp>
+      <p:sp>
+        <p:nvSpPr>
+          <p:cNvPr id="27" name="Rectangle 26">
+            <a:extLst>
+              <a:ext uri="{FF2B5EF4-FFF2-40B4-BE49-F238E27FC236}">
+                <a16:creationId xmlns:a16="http://schemas.microsoft.com/office/drawing/2014/main" id="{6416FAED-651E-974D-9001-5DC7CE021268}"/>
+              </a:ext>
+            </a:extLst>
+          </p:cNvPr>
+          <p:cNvSpPr/>
+          <p:nvPr/>
+        </p:nvSpPr>
+        <p:spPr>
+          <a:xfrm>
+            <a:off x="8454418" y="1271094"/>
+            <a:ext cx="2009783" cy="589893"/>
+          </a:xfrm>
+          <a:custGeom>
+            <a:avLst/>
+            <a:gdLst>
+              <a:gd name="connsiteX0" fmla="*/ 0 w 2009783"/>
+              <a:gd name="connsiteY0" fmla="*/ 0 h 589893"/>
+              <a:gd name="connsiteX1" fmla="*/ 482348 w 2009783"/>
+              <a:gd name="connsiteY1" fmla="*/ 0 h 589893"/>
+              <a:gd name="connsiteX2" fmla="*/ 984794 w 2009783"/>
+              <a:gd name="connsiteY2" fmla="*/ 0 h 589893"/>
+              <a:gd name="connsiteX3" fmla="*/ 1487239 w 2009783"/>
+              <a:gd name="connsiteY3" fmla="*/ 0 h 589893"/>
+              <a:gd name="connsiteX4" fmla="*/ 2009783 w 2009783"/>
+              <a:gd name="connsiteY4" fmla="*/ 0 h 589893"/>
+              <a:gd name="connsiteX5" fmla="*/ 2009783 w 2009783"/>
+              <a:gd name="connsiteY5" fmla="*/ 589893 h 589893"/>
+              <a:gd name="connsiteX6" fmla="*/ 1507337 w 2009783"/>
+              <a:gd name="connsiteY6" fmla="*/ 589893 h 589893"/>
+              <a:gd name="connsiteX7" fmla="*/ 1045087 w 2009783"/>
+              <a:gd name="connsiteY7" fmla="*/ 589893 h 589893"/>
+              <a:gd name="connsiteX8" fmla="*/ 582837 w 2009783"/>
+              <a:gd name="connsiteY8" fmla="*/ 589893 h 589893"/>
+              <a:gd name="connsiteX9" fmla="*/ 0 w 2009783"/>
+              <a:gd name="connsiteY9" fmla="*/ 589893 h 589893"/>
+              <a:gd name="connsiteX10" fmla="*/ 0 w 2009783"/>
+              <a:gd name="connsiteY10" fmla="*/ 0 h 589893"/>
+            </a:gdLst>
+            <a:ahLst/>
+            <a:cxnLst>
+              <a:cxn ang="0">
+                <a:pos x="connsiteX0" y="connsiteY0"/>
+              </a:cxn>
+              <a:cxn ang="0">
+                <a:pos x="connsiteX1" y="connsiteY1"/>
+              </a:cxn>
+              <a:cxn ang="0">
+                <a:pos x="connsiteX2" y="connsiteY2"/>
+              </a:cxn>
+              <a:cxn ang="0">
+                <a:pos x="connsiteX3" y="connsiteY3"/>
+              </a:cxn>
+              <a:cxn ang="0">
+                <a:pos x="connsiteX4" y="connsiteY4"/>
+              </a:cxn>
+              <a:cxn ang="0">
+                <a:pos x="connsiteX5" y="connsiteY5"/>
+              </a:cxn>
+              <a:cxn ang="0">
+                <a:pos x="connsiteX6" y="connsiteY6"/>
+              </a:cxn>
+              <a:cxn ang="0">
+                <a:pos x="connsiteX7" y="connsiteY7"/>
+              </a:cxn>
+              <a:cxn ang="0">
+                <a:pos x="connsiteX8" y="connsiteY8"/>
+              </a:cxn>
+              <a:cxn ang="0">
+                <a:pos x="connsiteX9" y="connsiteY9"/>
+              </a:cxn>
+              <a:cxn ang="0">
+                <a:pos x="connsiteX10" y="connsiteY10"/>
+              </a:cxn>
+            </a:cxnLst>
+            <a:rect l="l" t="t" r="r" b="b"/>
+            <a:pathLst>
+              <a:path w="2009783" h="589893" fill="none" extrusionOk="0">
+                <a:moveTo>
+                  <a:pt x="0" y="0"/>
+                </a:moveTo>
+                <a:cubicBezTo>
+                  <a:pt x="184288" y="-7174"/>
+                  <a:pt x="352224" y="16171"/>
+                  <a:pt x="482348" y="0"/>
+                </a:cubicBezTo>
+                <a:cubicBezTo>
+                  <a:pt x="612472" y="-16171"/>
+                  <a:pt x="791947" y="14459"/>
+                  <a:pt x="984794" y="0"/>
+                </a:cubicBezTo>
+                <a:cubicBezTo>
+                  <a:pt x="1177641" y="-14459"/>
+                  <a:pt x="1295251" y="34059"/>
+                  <a:pt x="1487239" y="0"/>
+                </a:cubicBezTo>
+                <a:cubicBezTo>
+                  <a:pt x="1679228" y="-34059"/>
+                  <a:pt x="1823372" y="23616"/>
+                  <a:pt x="2009783" y="0"/>
+                </a:cubicBezTo>
+                <a:cubicBezTo>
+                  <a:pt x="2035938" y="264262"/>
+                  <a:pt x="1978075" y="333897"/>
+                  <a:pt x="2009783" y="589893"/>
+                </a:cubicBezTo>
+                <a:cubicBezTo>
+                  <a:pt x="1763609" y="609090"/>
+                  <a:pt x="1720386" y="539202"/>
+                  <a:pt x="1507337" y="589893"/>
+                </a:cubicBezTo>
+                <a:cubicBezTo>
+                  <a:pt x="1294288" y="640584"/>
+                  <a:pt x="1203327" y="586454"/>
+                  <a:pt x="1045087" y="589893"/>
+                </a:cubicBezTo>
+                <a:cubicBezTo>
+                  <a:pt x="886847" y="593332"/>
+                  <a:pt x="729689" y="589157"/>
+                  <a:pt x="582837" y="589893"/>
+                </a:cubicBezTo>
+                <a:cubicBezTo>
+                  <a:pt x="435985" y="590629"/>
+                  <a:pt x="147484" y="570423"/>
+                  <a:pt x="0" y="589893"/>
+                </a:cubicBezTo>
+                <a:cubicBezTo>
+                  <a:pt x="-55145" y="314338"/>
+                  <a:pt x="51334" y="213934"/>
+                  <a:pt x="0" y="0"/>
+                </a:cubicBezTo>
+                <a:close/>
+              </a:path>
+              <a:path w="2009783" h="589893" stroke="0" extrusionOk="0">
+                <a:moveTo>
+                  <a:pt x="0" y="0"/>
+                </a:moveTo>
+                <a:cubicBezTo>
+                  <a:pt x="195156" y="-9781"/>
+                  <a:pt x="346698" y="29297"/>
+                  <a:pt x="482348" y="0"/>
+                </a:cubicBezTo>
+                <a:cubicBezTo>
+                  <a:pt x="617998" y="-29297"/>
+                  <a:pt x="804509" y="12186"/>
+                  <a:pt x="924500" y="0"/>
+                </a:cubicBezTo>
+                <a:cubicBezTo>
+                  <a:pt x="1044491" y="-12186"/>
+                  <a:pt x="1325794" y="18424"/>
+                  <a:pt x="1467142" y="0"/>
+                </a:cubicBezTo>
+                <a:cubicBezTo>
+                  <a:pt x="1608490" y="-18424"/>
+                  <a:pt x="1747351" y="10638"/>
+                  <a:pt x="2009783" y="0"/>
+                </a:cubicBezTo>
+                <a:cubicBezTo>
+                  <a:pt x="2064060" y="207977"/>
+                  <a:pt x="1955955" y="416109"/>
+                  <a:pt x="2009783" y="589893"/>
+                </a:cubicBezTo>
+                <a:cubicBezTo>
+                  <a:pt x="1832886" y="618502"/>
+                  <a:pt x="1679883" y="544714"/>
+                  <a:pt x="1547533" y="589893"/>
+                </a:cubicBezTo>
+                <a:cubicBezTo>
+                  <a:pt x="1415183" y="635072"/>
+                  <a:pt x="1203345" y="542908"/>
+                  <a:pt x="1085283" y="589893"/>
+                </a:cubicBezTo>
+                <a:cubicBezTo>
+                  <a:pt x="967221" y="636878"/>
+                  <a:pt x="742984" y="572226"/>
+                  <a:pt x="542641" y="589893"/>
+                </a:cubicBezTo>
+                <a:cubicBezTo>
+                  <a:pt x="342298" y="607560"/>
+                  <a:pt x="163424" y="526872"/>
+                  <a:pt x="0" y="589893"/>
+                </a:cubicBezTo>
+                <a:cubicBezTo>
+                  <a:pt x="-68599" y="412665"/>
+                  <a:pt x="2799" y="140706"/>
+                  <a:pt x="0" y="0"/>
+                </a:cubicBezTo>
+                <a:close/>
+              </a:path>
+            </a:pathLst>
+          </a:custGeom>
+          <a:solidFill>
+            <a:schemeClr val="accent6">
+              <a:lumMod val="20000"/>
+              <a:lumOff val="80000"/>
+            </a:schemeClr>
+          </a:solidFill>
+          <a:ln>
+            <a:solidFill>
+              <a:srgbClr val="7030A0"/>
+            </a:solidFill>
+            <a:prstDash val="dash"/>
+            <a:extLst>
+              <a:ext uri="{C807C97D-BFC1-408E-A445-0C87EB9F89A2}">
+                <ask:lineSketchStyleProps xmlns:ask="http://schemas.microsoft.com/office/drawing/2018/sketchyshapes" sd="1219033472">
+                  <a:prstGeom prst="rect">
+                    <a:avLst/>
+                  </a:prstGeom>
+                  <ask:type>
+                    <ask:lineSketchScribble/>
+                  </ask:type>
+                </ask:lineSketchStyleProps>
+              </a:ext>
+            </a:extLst>
+          </a:ln>
+        </p:spPr>
+        <p:style>
+          <a:lnRef idx="2">
+            <a:schemeClr val="accent1">
+              <a:shade val="50000"/>
+            </a:schemeClr>
+          </a:lnRef>
+          <a:fillRef idx="1">
+            <a:schemeClr val="accent1"/>
+          </a:fillRef>
+          <a:effectRef idx="0">
+            <a:schemeClr val="accent1"/>
+          </a:effectRef>
+          <a:fontRef idx="minor">
+            <a:schemeClr val="lt1"/>
+          </a:fontRef>
+        </p:style>
+        <p:txBody>
+          <a:bodyPr rtlCol="0" anchor="ctr"/>
+          <a:lstStyle/>
+          <a:p>
+            <a:pPr algn="ctr"/>
+            <a:r>
+              <a:rPr lang="en-US" sz="1600" dirty="0">
+                <a:solidFill>
+                  <a:schemeClr val="tx1"/>
+                </a:solidFill>
+              </a:rPr>
+              <a:t>User application</a:t>
+            </a:r>
+          </a:p>
+        </p:txBody>
+      </p:sp>
+      <p:cxnSp>
+        <p:nvCxnSpPr>
+          <p:cNvPr id="6" name="Straight Arrow Connector 5">
+            <a:extLst>
+              <a:ext uri="{FF2B5EF4-FFF2-40B4-BE49-F238E27FC236}">
+                <a16:creationId xmlns:a16="http://schemas.microsoft.com/office/drawing/2014/main" id="{8BE28B80-7B6C-CF4C-B9A7-6BEC2AB50084}"/>
+              </a:ext>
+            </a:extLst>
+          </p:cNvPr>
+          <p:cNvCxnSpPr>
+            <a:endCxn id="24" idx="1"/>
+          </p:cNvCxnSpPr>
+          <p:nvPr/>
+        </p:nvCxnSpPr>
+        <p:spPr>
+          <a:xfrm flipV="1">
+            <a:off x="5448061" y="3022228"/>
+            <a:ext cx="1295879" cy="4751"/>
+          </a:xfrm>
+          <a:prstGeom prst="straightConnector1">
+            <a:avLst/>
+          </a:prstGeom>
+          <a:ln>
+            <a:tailEnd type="triangle"/>
+          </a:ln>
+        </p:spPr>
+        <p:style>
+          <a:lnRef idx="1">
+            <a:schemeClr val="accent1"/>
+          </a:lnRef>
+          <a:fillRef idx="0">
+            <a:schemeClr val="accent1"/>
+          </a:fillRef>
+          <a:effectRef idx="0">
+            <a:schemeClr val="accent1"/>
+          </a:effectRef>
+          <a:fontRef idx="minor">
+            <a:schemeClr val="tx1"/>
+          </a:fontRef>
+        </p:style>
+      </p:cxnSp>
+      <p:cxnSp>
+        <p:nvCxnSpPr>
+          <p:cNvPr id="8" name="Elbow Connector 7">
+            <a:extLst>
+              <a:ext uri="{FF2B5EF4-FFF2-40B4-BE49-F238E27FC236}">
+                <a16:creationId xmlns:a16="http://schemas.microsoft.com/office/drawing/2014/main" id="{0A5EB9F2-72E5-DE43-8FD3-C3FB838AE487}"/>
+              </a:ext>
+            </a:extLst>
+          </p:cNvPr>
+          <p:cNvCxnSpPr>
+            <a:cxnSpLocks/>
+            <a:stCxn id="24" idx="2"/>
+            <a:endCxn id="26" idx="2"/>
+          </p:cNvCxnSpPr>
+          <p:nvPr/>
+        </p:nvCxnSpPr>
+        <p:spPr>
+          <a:xfrm rot="5400000" flipH="1">
+            <a:off x="6150831" y="2014120"/>
+            <a:ext cx="2" cy="3196001"/>
+          </a:xfrm>
+          <a:prstGeom prst="bentConnector3">
+            <a:avLst>
+              <a:gd name="adj1" fmla="val -11430000000"/>
+            </a:avLst>
+          </a:prstGeom>
+          <a:ln>
+            <a:tailEnd type="triangle"/>
+          </a:ln>
+        </p:spPr>
+        <p:style>
+          <a:lnRef idx="1">
+            <a:schemeClr val="accent1"/>
+          </a:lnRef>
+          <a:fillRef idx="0">
+            <a:schemeClr val="accent1"/>
+          </a:fillRef>
+          <a:effectRef idx="0">
+            <a:schemeClr val="accent1"/>
+          </a:effectRef>
+          <a:fontRef idx="minor">
+            <a:schemeClr val="tx1"/>
+          </a:fontRef>
+        </p:style>
+      </p:cxnSp>
+      <p:sp>
+        <p:nvSpPr>
+          <p:cNvPr id="17" name="TextBox 16">
+            <a:extLst>
+              <a:ext uri="{FF2B5EF4-FFF2-40B4-BE49-F238E27FC236}">
+                <a16:creationId xmlns:a16="http://schemas.microsoft.com/office/drawing/2014/main" id="{7BC8BC07-97A4-0747-BBFA-009C30C8FF2F}"/>
+              </a:ext>
+            </a:extLst>
+          </p:cNvPr>
+          <p:cNvSpPr txBox="1"/>
+          <p:nvPr/>
+        </p:nvSpPr>
+        <p:spPr>
+          <a:xfrm>
+            <a:off x="5620151" y="2699381"/>
+            <a:ext cx="944297" cy="369332"/>
+          </a:xfrm>
+          <a:prstGeom prst="rect">
+            <a:avLst/>
+          </a:prstGeom>
+          <a:noFill/>
+        </p:spPr>
+        <p:txBody>
+          <a:bodyPr wrap="none" rtlCol="0">
+            <a:spAutoFit/>
+          </a:bodyPr>
+          <a:lstStyle/>
+          <a:p>
+            <a:r>
+              <a:rPr lang="en-US" dirty="0"/>
+              <a:t>Request</a:t>
+            </a:r>
+          </a:p>
+        </p:txBody>
+      </p:sp>
+      <p:sp>
+        <p:nvSpPr>
+          <p:cNvPr id="40" name="TextBox 39">
+            <a:extLst>
+              <a:ext uri="{FF2B5EF4-FFF2-40B4-BE49-F238E27FC236}">
+                <a16:creationId xmlns:a16="http://schemas.microsoft.com/office/drawing/2014/main" id="{4C39D81F-4BB1-6940-A4D7-2D23225B19CC}"/>
+              </a:ext>
+            </a:extLst>
+          </p:cNvPr>
+          <p:cNvSpPr txBox="1"/>
+          <p:nvPr/>
+        </p:nvSpPr>
+        <p:spPr>
+          <a:xfrm>
+            <a:off x="5627553" y="3476413"/>
+            <a:ext cx="1081515" cy="369332"/>
+          </a:xfrm>
+          <a:prstGeom prst="rect">
+            <a:avLst/>
+          </a:prstGeom>
+          <a:noFill/>
+        </p:spPr>
+        <p:txBody>
+          <a:bodyPr wrap="none" rtlCol="0">
+            <a:spAutoFit/>
+          </a:bodyPr>
+          <a:lstStyle/>
+          <a:p>
+            <a:r>
+              <a:rPr lang="en-US" dirty="0"/>
+              <a:t>Response</a:t>
+            </a:r>
+          </a:p>
+        </p:txBody>
+      </p:sp>
+    </p:spTree>
+    <p:extLst>
+      <p:ext uri="{BB962C8B-B14F-4D97-AF65-F5344CB8AC3E}">
+        <p14:creationId xmlns:p14="http://schemas.microsoft.com/office/powerpoint/2010/main" val="1631437818"/>
+      </p:ext>
+    </p:extLst>
+  </p:cSld>
+  <p:clrMapOvr>
+    <a:masterClrMapping/>
+  </p:clrMapOvr>
+</p:sld>
+</file>
+
+<file path=ppt/slides/slide3.xml><?xml version="1.0" encoding="utf-8"?>
+<p:sld xmlns:a="http://schemas.openxmlformats.org/drawingml/2006/main" xmlns:r="http://schemas.openxmlformats.org/officeDocument/2006/relationships" xmlns:p="http://schemas.openxmlformats.org/presentationml/2006/main">
+  <p:cSld>
+    <p:spTree>
+      <p:nvGrpSpPr>
+        <p:cNvPr id="1" name=""/>
+        <p:cNvGrpSpPr/>
+        <p:nvPr/>
+      </p:nvGrpSpPr>
+      <p:grpSpPr>
+        <a:xfrm>
+          <a:off x="0" y="0"/>
+          <a:ext cx="0" cy="0"/>
+          <a:chOff x="0" y="0"/>
+          <a:chExt cx="0" cy="0"/>
+        </a:xfrm>
+      </p:grpSpPr>
+      <p:sp>
+        <p:nvSpPr>
+          <p:cNvPr id="26" name="Rectangle 25">
+            <a:extLst>
+              <a:ext uri="{FF2B5EF4-FFF2-40B4-BE49-F238E27FC236}">
+                <a16:creationId xmlns:a16="http://schemas.microsoft.com/office/drawing/2014/main" id="{17D763E7-7291-7447-BB0A-6AD1A57AC8CF}"/>
+              </a:ext>
+            </a:extLst>
+          </p:cNvPr>
+          <p:cNvSpPr/>
+          <p:nvPr/>
+        </p:nvSpPr>
+        <p:spPr>
+          <a:xfrm>
+            <a:off x="1933904" y="1439918"/>
+            <a:ext cx="3514158" cy="2249214"/>
+          </a:xfrm>
+          <a:custGeom>
+            <a:avLst/>
+            <a:gdLst>
+              <a:gd name="connsiteX0" fmla="*/ 0 w 3514158"/>
+              <a:gd name="connsiteY0" fmla="*/ 0 h 2249214"/>
+              <a:gd name="connsiteX1" fmla="*/ 550551 w 3514158"/>
+              <a:gd name="connsiteY1" fmla="*/ 0 h 2249214"/>
+              <a:gd name="connsiteX2" fmla="*/ 1065961 w 3514158"/>
+              <a:gd name="connsiteY2" fmla="*/ 0 h 2249214"/>
+              <a:gd name="connsiteX3" fmla="*/ 1686796 w 3514158"/>
+              <a:gd name="connsiteY3" fmla="*/ 0 h 2249214"/>
+              <a:gd name="connsiteX4" fmla="*/ 2272489 w 3514158"/>
+              <a:gd name="connsiteY4" fmla="*/ 0 h 2249214"/>
+              <a:gd name="connsiteX5" fmla="*/ 2858182 w 3514158"/>
+              <a:gd name="connsiteY5" fmla="*/ 0 h 2249214"/>
+              <a:gd name="connsiteX6" fmla="*/ 3514158 w 3514158"/>
+              <a:gd name="connsiteY6" fmla="*/ 0 h 2249214"/>
+              <a:gd name="connsiteX7" fmla="*/ 3514158 w 3514158"/>
+              <a:gd name="connsiteY7" fmla="*/ 584796 h 2249214"/>
+              <a:gd name="connsiteX8" fmla="*/ 3514158 w 3514158"/>
+              <a:gd name="connsiteY8" fmla="*/ 1102115 h 2249214"/>
+              <a:gd name="connsiteX9" fmla="*/ 3514158 w 3514158"/>
+              <a:gd name="connsiteY9" fmla="*/ 1686911 h 2249214"/>
+              <a:gd name="connsiteX10" fmla="*/ 3514158 w 3514158"/>
+              <a:gd name="connsiteY10" fmla="*/ 2249214 h 2249214"/>
+              <a:gd name="connsiteX11" fmla="*/ 2893323 w 3514158"/>
+              <a:gd name="connsiteY11" fmla="*/ 2249214 h 2249214"/>
+              <a:gd name="connsiteX12" fmla="*/ 2272489 w 3514158"/>
+              <a:gd name="connsiteY12" fmla="*/ 2249214 h 2249214"/>
+              <a:gd name="connsiteX13" fmla="*/ 1616513 w 3514158"/>
+              <a:gd name="connsiteY13" fmla="*/ 2249214 h 2249214"/>
+              <a:gd name="connsiteX14" fmla="*/ 1065961 w 3514158"/>
+              <a:gd name="connsiteY14" fmla="*/ 2249214 h 2249214"/>
+              <a:gd name="connsiteX15" fmla="*/ 0 w 3514158"/>
+              <a:gd name="connsiteY15" fmla="*/ 2249214 h 2249214"/>
+              <a:gd name="connsiteX16" fmla="*/ 0 w 3514158"/>
+              <a:gd name="connsiteY16" fmla="*/ 1731895 h 2249214"/>
+              <a:gd name="connsiteX17" fmla="*/ 0 w 3514158"/>
+              <a:gd name="connsiteY17" fmla="*/ 1169591 h 2249214"/>
+              <a:gd name="connsiteX18" fmla="*/ 0 w 3514158"/>
+              <a:gd name="connsiteY18" fmla="*/ 584796 h 2249214"/>
+              <a:gd name="connsiteX19" fmla="*/ 0 w 3514158"/>
+              <a:gd name="connsiteY19" fmla="*/ 0 h 2249214"/>
+            </a:gdLst>
+            <a:ahLst/>
+            <a:cxnLst>
+              <a:cxn ang="0">
+                <a:pos x="connsiteX0" y="connsiteY0"/>
+              </a:cxn>
+              <a:cxn ang="0">
+                <a:pos x="connsiteX1" y="connsiteY1"/>
+              </a:cxn>
+              <a:cxn ang="0">
+                <a:pos x="connsiteX2" y="connsiteY2"/>
+              </a:cxn>
+              <a:cxn ang="0">
+                <a:pos x="connsiteX3" y="connsiteY3"/>
+              </a:cxn>
+              <a:cxn ang="0">
+                <a:pos x="connsiteX4" y="connsiteY4"/>
+              </a:cxn>
+              <a:cxn ang="0">
+                <a:pos x="connsiteX5" y="connsiteY5"/>
+              </a:cxn>
+              <a:cxn ang="0">
+                <a:pos x="connsiteX6" y="connsiteY6"/>
+              </a:cxn>
+              <a:cxn ang="0">
+                <a:pos x="connsiteX7" y="connsiteY7"/>
+              </a:cxn>
+              <a:cxn ang="0">
+                <a:pos x="connsiteX8" y="connsiteY8"/>
+              </a:cxn>
+              <a:cxn ang="0">
+                <a:pos x="connsiteX9" y="connsiteY9"/>
+              </a:cxn>
+              <a:cxn ang="0">
+                <a:pos x="connsiteX10" y="connsiteY10"/>
+              </a:cxn>
+              <a:cxn ang="0">
+                <a:pos x="connsiteX11" y="connsiteY11"/>
+              </a:cxn>
+              <a:cxn ang="0">
+                <a:pos x="connsiteX12" y="connsiteY12"/>
+              </a:cxn>
+              <a:cxn ang="0">
+                <a:pos x="connsiteX13" y="connsiteY13"/>
+              </a:cxn>
+              <a:cxn ang="0">
+                <a:pos x="connsiteX14" y="connsiteY14"/>
+              </a:cxn>
+              <a:cxn ang="0">
+                <a:pos x="connsiteX15" y="connsiteY15"/>
+              </a:cxn>
+              <a:cxn ang="0">
+                <a:pos x="connsiteX16" y="connsiteY16"/>
+              </a:cxn>
+              <a:cxn ang="0">
+                <a:pos x="connsiteX17" y="connsiteY17"/>
+              </a:cxn>
+              <a:cxn ang="0">
+                <a:pos x="connsiteX18" y="connsiteY18"/>
+              </a:cxn>
+              <a:cxn ang="0">
+                <a:pos x="connsiteX19" y="connsiteY19"/>
+              </a:cxn>
+            </a:cxnLst>
+            <a:rect l="l" t="t" r="r" b="b"/>
+            <a:pathLst>
+              <a:path w="3514158" h="2249214" fill="none" extrusionOk="0">
+                <a:moveTo>
+                  <a:pt x="0" y="0"/>
+                </a:moveTo>
+                <a:cubicBezTo>
+                  <a:pt x="114608" y="-12912"/>
+                  <a:pt x="286130" y="55354"/>
+                  <a:pt x="550551" y="0"/>
+                </a:cubicBezTo>
+                <a:cubicBezTo>
+                  <a:pt x="814972" y="-55354"/>
+                  <a:pt x="927305" y="8264"/>
+                  <a:pt x="1065961" y="0"/>
+                </a:cubicBezTo>
+                <a:cubicBezTo>
+                  <a:pt x="1204617" y="-8264"/>
+                  <a:pt x="1432307" y="46301"/>
+                  <a:pt x="1686796" y="0"/>
+                </a:cubicBezTo>
+                <a:cubicBezTo>
+                  <a:pt x="1941286" y="-46301"/>
+                  <a:pt x="2149491" y="22103"/>
+                  <a:pt x="2272489" y="0"/>
+                </a:cubicBezTo>
+                <a:cubicBezTo>
+                  <a:pt x="2395487" y="-22103"/>
+                  <a:pt x="2616033" y="31454"/>
+                  <a:pt x="2858182" y="0"/>
+                </a:cubicBezTo>
+                <a:cubicBezTo>
+                  <a:pt x="3100331" y="-31454"/>
+                  <a:pt x="3313315" y="76355"/>
+                  <a:pt x="3514158" y="0"/>
+                </a:cubicBezTo>
+                <a:cubicBezTo>
+                  <a:pt x="3574324" y="192446"/>
+                  <a:pt x="3490693" y="445803"/>
+                  <a:pt x="3514158" y="584796"/>
+                </a:cubicBezTo>
+                <a:cubicBezTo>
+                  <a:pt x="3537623" y="723789"/>
+                  <a:pt x="3487279" y="945858"/>
+                  <a:pt x="3514158" y="1102115"/>
+                </a:cubicBezTo>
+                <a:cubicBezTo>
+                  <a:pt x="3541037" y="1258372"/>
+                  <a:pt x="3502305" y="1403557"/>
+                  <a:pt x="3514158" y="1686911"/>
+                </a:cubicBezTo>
+                <a:cubicBezTo>
+                  <a:pt x="3526011" y="1970265"/>
+                  <a:pt x="3495825" y="2058885"/>
+                  <a:pt x="3514158" y="2249214"/>
+                </a:cubicBezTo>
+                <a:cubicBezTo>
+                  <a:pt x="3225392" y="2316453"/>
+                  <a:pt x="3082456" y="2229938"/>
+                  <a:pt x="2893323" y="2249214"/>
+                </a:cubicBezTo>
+                <a:cubicBezTo>
+                  <a:pt x="2704191" y="2268490"/>
+                  <a:pt x="2477010" y="2175870"/>
+                  <a:pt x="2272489" y="2249214"/>
+                </a:cubicBezTo>
+                <a:cubicBezTo>
+                  <a:pt x="2067968" y="2322558"/>
+                  <a:pt x="1908747" y="2215361"/>
+                  <a:pt x="1616513" y="2249214"/>
+                </a:cubicBezTo>
+                <a:cubicBezTo>
+                  <a:pt x="1324279" y="2283067"/>
+                  <a:pt x="1181688" y="2230845"/>
+                  <a:pt x="1065961" y="2249214"/>
+                </a:cubicBezTo>
+                <a:cubicBezTo>
+                  <a:pt x="950234" y="2267583"/>
+                  <a:pt x="440150" y="2248949"/>
+                  <a:pt x="0" y="2249214"/>
+                </a:cubicBezTo>
+                <a:cubicBezTo>
+                  <a:pt x="-32564" y="1999924"/>
+                  <a:pt x="50939" y="1932193"/>
+                  <a:pt x="0" y="1731895"/>
+                </a:cubicBezTo>
+                <a:cubicBezTo>
+                  <a:pt x="-50939" y="1531597"/>
+                  <a:pt x="1389" y="1340345"/>
+                  <a:pt x="0" y="1169591"/>
+                </a:cubicBezTo>
+                <a:cubicBezTo>
+                  <a:pt x="-1389" y="998837"/>
+                  <a:pt x="26372" y="868747"/>
+                  <a:pt x="0" y="584796"/>
+                </a:cubicBezTo>
+                <a:cubicBezTo>
+                  <a:pt x="-26372" y="300846"/>
+                  <a:pt x="17497" y="256851"/>
+                  <a:pt x="0" y="0"/>
+                </a:cubicBezTo>
+                <a:close/>
+              </a:path>
+              <a:path w="3514158" h="2249214" stroke="0" extrusionOk="0">
+                <a:moveTo>
+                  <a:pt x="0" y="0"/>
+                </a:moveTo>
+                <a:cubicBezTo>
+                  <a:pt x="192525" y="-20909"/>
+                  <a:pt x="321880" y="48507"/>
+                  <a:pt x="550551" y="0"/>
+                </a:cubicBezTo>
+                <a:cubicBezTo>
+                  <a:pt x="779222" y="-48507"/>
+                  <a:pt x="879263" y="14962"/>
+                  <a:pt x="1030820" y="0"/>
+                </a:cubicBezTo>
+                <a:cubicBezTo>
+                  <a:pt x="1182377" y="-14962"/>
+                  <a:pt x="1412032" y="48470"/>
+                  <a:pt x="1686796" y="0"/>
+                </a:cubicBezTo>
+                <a:cubicBezTo>
+                  <a:pt x="1961560" y="-48470"/>
+                  <a:pt x="2019593" y="53168"/>
+                  <a:pt x="2237347" y="0"/>
+                </a:cubicBezTo>
+                <a:cubicBezTo>
+                  <a:pt x="2455101" y="-53168"/>
+                  <a:pt x="2665055" y="35842"/>
+                  <a:pt x="2787899" y="0"/>
+                </a:cubicBezTo>
+                <a:cubicBezTo>
+                  <a:pt x="2910743" y="-35842"/>
+                  <a:pt x="3324270" y="63263"/>
+                  <a:pt x="3514158" y="0"/>
+                </a:cubicBezTo>
+                <a:cubicBezTo>
+                  <a:pt x="3535332" y="131617"/>
+                  <a:pt x="3508697" y="377744"/>
+                  <a:pt x="3514158" y="517319"/>
+                </a:cubicBezTo>
+                <a:cubicBezTo>
+                  <a:pt x="3519619" y="656894"/>
+                  <a:pt x="3490067" y="920227"/>
+                  <a:pt x="3514158" y="1079623"/>
+                </a:cubicBezTo>
+                <a:cubicBezTo>
+                  <a:pt x="3538249" y="1239019"/>
+                  <a:pt x="3504726" y="1458677"/>
+                  <a:pt x="3514158" y="1596942"/>
+                </a:cubicBezTo>
+                <a:cubicBezTo>
+                  <a:pt x="3523590" y="1735207"/>
+                  <a:pt x="3506491" y="1949181"/>
+                  <a:pt x="3514158" y="2249214"/>
+                </a:cubicBezTo>
+                <a:cubicBezTo>
+                  <a:pt x="3392766" y="2309806"/>
+                  <a:pt x="3214509" y="2246224"/>
+                  <a:pt x="2928465" y="2249214"/>
+                </a:cubicBezTo>
+                <a:cubicBezTo>
+                  <a:pt x="2642421" y="2252204"/>
+                  <a:pt x="2577443" y="2229630"/>
+                  <a:pt x="2377914" y="2249214"/>
+                </a:cubicBezTo>
+                <a:cubicBezTo>
+                  <a:pt x="2178385" y="2268798"/>
+                  <a:pt x="1996892" y="2186891"/>
+                  <a:pt x="1721937" y="2249214"/>
+                </a:cubicBezTo>
+                <a:cubicBezTo>
+                  <a:pt x="1446982" y="2311537"/>
+                  <a:pt x="1246867" y="2216682"/>
+                  <a:pt x="1065961" y="2249214"/>
+                </a:cubicBezTo>
+                <a:cubicBezTo>
+                  <a:pt x="885055" y="2281746"/>
+                  <a:pt x="802163" y="2218872"/>
+                  <a:pt x="550551" y="2249214"/>
+                </a:cubicBezTo>
+                <a:cubicBezTo>
+                  <a:pt x="298939" y="2279556"/>
+                  <a:pt x="120391" y="2188582"/>
+                  <a:pt x="0" y="2249214"/>
+                </a:cubicBezTo>
+                <a:cubicBezTo>
+                  <a:pt x="-32345" y="2020130"/>
+                  <a:pt x="57627" y="1925335"/>
+                  <a:pt x="0" y="1641926"/>
+                </a:cubicBezTo>
+                <a:cubicBezTo>
+                  <a:pt x="-57627" y="1358517"/>
+                  <a:pt x="43044" y="1344111"/>
+                  <a:pt x="0" y="1147099"/>
+                </a:cubicBezTo>
+                <a:cubicBezTo>
+                  <a:pt x="-43044" y="950087"/>
+                  <a:pt x="23278" y="784590"/>
+                  <a:pt x="0" y="629780"/>
+                </a:cubicBezTo>
+                <a:cubicBezTo>
+                  <a:pt x="-23278" y="474970"/>
+                  <a:pt x="11986" y="173982"/>
+                  <a:pt x="0" y="0"/>
+                </a:cubicBezTo>
+                <a:close/>
+              </a:path>
+            </a:pathLst>
+          </a:custGeom>
+          <a:solidFill>
+            <a:srgbClr val="FF007E">
+              <a:alpha val="9804"/>
+            </a:srgbClr>
+          </a:solidFill>
+          <a:ln>
+            <a:solidFill>
+              <a:srgbClr val="7030A0"/>
+            </a:solidFill>
+            <a:prstDash val="dash"/>
+            <a:extLst>
+              <a:ext uri="{C807C97D-BFC1-408E-A445-0C87EB9F89A2}">
+                <ask:lineSketchStyleProps xmlns:ask="http://schemas.microsoft.com/office/drawing/2018/sketchyshapes" sd="1219033472">
+                  <a:prstGeom prst="rect">
+                    <a:avLst/>
+                  </a:prstGeom>
+                  <ask:type>
+                    <ask:lineSketchScribble/>
+                  </ask:type>
+                </ask:lineSketchStyleProps>
+              </a:ext>
+            </a:extLst>
+          </a:ln>
+        </p:spPr>
+        <p:style>
+          <a:lnRef idx="2">
+            <a:schemeClr val="accent1">
+              <a:shade val="50000"/>
+            </a:schemeClr>
+          </a:lnRef>
+          <a:fillRef idx="1">
+            <a:schemeClr val="accent1"/>
+          </a:fillRef>
+          <a:effectRef idx="0">
+            <a:schemeClr val="accent1"/>
+          </a:effectRef>
+          <a:fontRef idx="minor">
+            <a:schemeClr val="lt1"/>
+          </a:fontRef>
+        </p:style>
+        <p:txBody>
+          <a:bodyPr rtlCol="0" anchor="ctr"/>
+          <a:lstStyle/>
+          <a:p>
+            <a:r>
+              <a:rPr lang="en-US" sz="1600" dirty="0">
+                <a:solidFill>
+                  <a:schemeClr val="tx1"/>
+                </a:solidFill>
+              </a:rPr>
+              <a:t>b = </a:t>
+            </a:r>
+            <a:r>
+              <a:rPr lang="en-US" sz="1600" dirty="0" err="1">
+                <a:solidFill>
+                  <a:srgbClr val="C00000"/>
+                </a:solidFill>
+              </a:rPr>
+              <a:t>RegisterBackend</a:t>
+            </a:r>
+            <a:r>
+              <a:rPr lang="en-US" sz="1600" dirty="0">
+                <a:solidFill>
+                  <a:schemeClr val="tx1"/>
+                </a:solidFill>
+              </a:rPr>
+              <a:t>(“recommender”)</a:t>
+            </a:r>
+          </a:p>
+          <a:p>
+            <a:r>
+              <a:rPr lang="en-US" sz="1600" dirty="0">
+                <a:solidFill>
+                  <a:schemeClr val="tx1"/>
+                </a:solidFill>
+              </a:rPr>
+              <a:t>For each backend call {</a:t>
+            </a:r>
+          </a:p>
+          <a:p>
+            <a:pPr lvl="1"/>
+            <a:r>
+              <a:rPr lang="en-US" sz="1600" dirty="0">
+                <a:solidFill>
+                  <a:schemeClr val="tx1"/>
+                </a:solidFill>
+              </a:rPr>
+              <a:t>v = </a:t>
+            </a:r>
+            <a:r>
+              <a:rPr lang="en-US" sz="1600" dirty="0" err="1">
+                <a:solidFill>
+                  <a:schemeClr val="tx1"/>
+                </a:solidFill>
+              </a:rPr>
+              <a:t>b.</a:t>
+            </a:r>
+            <a:r>
+              <a:rPr lang="en-US" sz="1600" dirty="0" err="1">
+                <a:solidFill>
+                  <a:srgbClr val="C00000"/>
+                </a:solidFill>
+              </a:rPr>
+              <a:t>getVersion</a:t>
+            </a:r>
+            <a:r>
+              <a:rPr lang="en-US" sz="1600" dirty="0">
+                <a:solidFill>
+                  <a:schemeClr val="tx1"/>
+                </a:solidFill>
+              </a:rPr>
+              <a:t>()</a:t>
+            </a:r>
+          </a:p>
+          <a:p>
+            <a:pPr lvl="1"/>
+            <a:r>
+              <a:rPr lang="en-US" sz="1600" dirty="0">
+                <a:solidFill>
+                  <a:schemeClr val="tx1"/>
+                </a:solidFill>
+              </a:rPr>
+              <a:t>// send request to v</a:t>
+            </a:r>
+          </a:p>
+          <a:p>
+            <a:pPr lvl="1"/>
+            <a:r>
+              <a:rPr lang="en-US" sz="1600" dirty="0">
+                <a:solidFill>
+                  <a:schemeClr val="tx1"/>
+                </a:solidFill>
+              </a:rPr>
+              <a:t>// get response</a:t>
+            </a:r>
+          </a:p>
+          <a:p>
+            <a:pPr lvl="1"/>
+            <a:r>
+              <a:rPr lang="en-US" sz="1600" dirty="0">
+                <a:solidFill>
+                  <a:schemeClr val="tx1"/>
+                </a:solidFill>
+              </a:rPr>
+              <a:t>// do application things</a:t>
+            </a:r>
+          </a:p>
+          <a:p>
+            <a:pPr lvl="1"/>
+            <a:r>
+              <a:rPr lang="en-US" sz="1600" dirty="0" err="1">
+                <a:solidFill>
+                  <a:schemeClr val="tx1"/>
+                </a:solidFill>
+              </a:rPr>
+              <a:t>v.</a:t>
+            </a:r>
+            <a:r>
+              <a:rPr lang="en-US" sz="1600" dirty="0" err="1">
+                <a:solidFill>
+                  <a:srgbClr val="C00000"/>
+                </a:solidFill>
+              </a:rPr>
+              <a:t>putMetric</a:t>
+            </a:r>
+            <a:r>
+              <a:rPr lang="en-US" sz="1600" dirty="0">
+                <a:solidFill>
+                  <a:schemeClr val="tx1"/>
+                </a:solidFill>
+              </a:rPr>
+              <a:t>(</a:t>
+            </a:r>
+            <a:r>
+              <a:rPr lang="en-US" sz="1600" dirty="0" err="1">
+                <a:solidFill>
+                  <a:schemeClr val="tx1"/>
+                </a:solidFill>
+              </a:rPr>
+              <a:t>metricValue</a:t>
+            </a:r>
+            <a:r>
+              <a:rPr lang="en-US" sz="1600" dirty="0">
+                <a:solidFill>
+                  <a:schemeClr val="tx1"/>
+                </a:solidFill>
+              </a:rPr>
+              <a:t>)</a:t>
+            </a:r>
+          </a:p>
+          <a:p>
+            <a:r>
+              <a:rPr lang="en-US" sz="1600" dirty="0">
+                <a:solidFill>
+                  <a:schemeClr val="tx1"/>
+                </a:solidFill>
+              </a:rPr>
+              <a:t>}</a:t>
+            </a:r>
+          </a:p>
+        </p:txBody>
+      </p:sp>
+      <p:sp>
+        <p:nvSpPr>
+          <p:cNvPr id="24" name="Rectangle 23">
+            <a:extLst>
+              <a:ext uri="{FF2B5EF4-FFF2-40B4-BE49-F238E27FC236}">
+                <a16:creationId xmlns:a16="http://schemas.microsoft.com/office/drawing/2014/main" id="{613FA1FA-FC95-D949-9BFB-681D4A89B857}"/>
+              </a:ext>
+            </a:extLst>
+          </p:cNvPr>
+          <p:cNvSpPr/>
+          <p:nvPr/>
+        </p:nvSpPr>
+        <p:spPr>
+          <a:xfrm>
+            <a:off x="8713076" y="1713186"/>
+            <a:ext cx="1230623" cy="399393"/>
+          </a:xfrm>
+          <a:custGeom>
+            <a:avLst/>
+            <a:gdLst>
+              <a:gd name="connsiteX0" fmla="*/ 0 w 1230623"/>
+              <a:gd name="connsiteY0" fmla="*/ 0 h 399393"/>
+              <a:gd name="connsiteX1" fmla="*/ 434820 w 1230623"/>
+              <a:gd name="connsiteY1" fmla="*/ 0 h 399393"/>
+              <a:gd name="connsiteX2" fmla="*/ 857334 w 1230623"/>
+              <a:gd name="connsiteY2" fmla="*/ 0 h 399393"/>
+              <a:gd name="connsiteX3" fmla="*/ 1230623 w 1230623"/>
+              <a:gd name="connsiteY3" fmla="*/ 0 h 399393"/>
+              <a:gd name="connsiteX4" fmla="*/ 1230623 w 1230623"/>
+              <a:gd name="connsiteY4" fmla="*/ 399393 h 399393"/>
+              <a:gd name="connsiteX5" fmla="*/ 845028 w 1230623"/>
+              <a:gd name="connsiteY5" fmla="*/ 399393 h 399393"/>
+              <a:gd name="connsiteX6" fmla="*/ 434820 w 1230623"/>
+              <a:gd name="connsiteY6" fmla="*/ 399393 h 399393"/>
+              <a:gd name="connsiteX7" fmla="*/ 0 w 1230623"/>
+              <a:gd name="connsiteY7" fmla="*/ 399393 h 399393"/>
+              <a:gd name="connsiteX8" fmla="*/ 0 w 1230623"/>
+              <a:gd name="connsiteY8" fmla="*/ 0 h 399393"/>
+            </a:gdLst>
+            <a:ahLst/>
+            <a:cxnLst>
+              <a:cxn ang="0">
+                <a:pos x="connsiteX0" y="connsiteY0"/>
+              </a:cxn>
+              <a:cxn ang="0">
+                <a:pos x="connsiteX1" y="connsiteY1"/>
+              </a:cxn>
+              <a:cxn ang="0">
+                <a:pos x="connsiteX2" y="connsiteY2"/>
+              </a:cxn>
+              <a:cxn ang="0">
+                <a:pos x="connsiteX3" y="connsiteY3"/>
+              </a:cxn>
+              <a:cxn ang="0">
+                <a:pos x="connsiteX4" y="connsiteY4"/>
+              </a:cxn>
+              <a:cxn ang="0">
+                <a:pos x="connsiteX5" y="connsiteY5"/>
+              </a:cxn>
+              <a:cxn ang="0">
+                <a:pos x="connsiteX6" y="connsiteY6"/>
+              </a:cxn>
+              <a:cxn ang="0">
+                <a:pos x="connsiteX7" y="connsiteY7"/>
+              </a:cxn>
+              <a:cxn ang="0">
+                <a:pos x="connsiteX8" y="connsiteY8"/>
+              </a:cxn>
+            </a:cxnLst>
+            <a:rect l="l" t="t" r="r" b="b"/>
+            <a:pathLst>
+              <a:path w="1230623" h="399393" fill="none" extrusionOk="0">
+                <a:moveTo>
+                  <a:pt x="0" y="0"/>
+                </a:moveTo>
+                <a:cubicBezTo>
+                  <a:pt x="214231" y="-22220"/>
+                  <a:pt x="275500" y="45521"/>
+                  <a:pt x="434820" y="0"/>
+                </a:cubicBezTo>
+                <a:cubicBezTo>
+                  <a:pt x="594140" y="-45521"/>
+                  <a:pt x="749359" y="36360"/>
+                  <a:pt x="857334" y="0"/>
+                </a:cubicBezTo>
+                <a:cubicBezTo>
+                  <a:pt x="965309" y="-36360"/>
+                  <a:pt x="1148526" y="27082"/>
+                  <a:pt x="1230623" y="0"/>
+                </a:cubicBezTo>
+                <a:cubicBezTo>
+                  <a:pt x="1244999" y="89249"/>
+                  <a:pt x="1221357" y="315207"/>
+                  <a:pt x="1230623" y="399393"/>
+                </a:cubicBezTo>
+                <a:cubicBezTo>
+                  <a:pt x="1059068" y="406989"/>
+                  <a:pt x="1023304" y="396502"/>
+                  <a:pt x="845028" y="399393"/>
+                </a:cubicBezTo>
+                <a:cubicBezTo>
+                  <a:pt x="666752" y="402284"/>
+                  <a:pt x="636470" y="388806"/>
+                  <a:pt x="434820" y="399393"/>
+                </a:cubicBezTo>
+                <a:cubicBezTo>
+                  <a:pt x="233170" y="409980"/>
+                  <a:pt x="156428" y="377976"/>
+                  <a:pt x="0" y="399393"/>
+                </a:cubicBezTo>
+                <a:cubicBezTo>
+                  <a:pt x="-40183" y="238069"/>
+                  <a:pt x="28047" y="173853"/>
+                  <a:pt x="0" y="0"/>
+                </a:cubicBezTo>
+                <a:close/>
+              </a:path>
+              <a:path w="1230623" h="399393" stroke="0" extrusionOk="0">
+                <a:moveTo>
+                  <a:pt x="0" y="0"/>
+                </a:moveTo>
+                <a:cubicBezTo>
+                  <a:pt x="159398" y="-33334"/>
+                  <a:pt x="228248" y="45509"/>
+                  <a:pt x="397901" y="0"/>
+                </a:cubicBezTo>
+                <a:cubicBezTo>
+                  <a:pt x="567554" y="-45509"/>
+                  <a:pt x="615647" y="10184"/>
+                  <a:pt x="771190" y="0"/>
+                </a:cubicBezTo>
+                <a:cubicBezTo>
+                  <a:pt x="926733" y="-10184"/>
+                  <a:pt x="1104162" y="44588"/>
+                  <a:pt x="1230623" y="0"/>
+                </a:cubicBezTo>
+                <a:cubicBezTo>
+                  <a:pt x="1276494" y="92820"/>
+                  <a:pt x="1228810" y="245386"/>
+                  <a:pt x="1230623" y="399393"/>
+                </a:cubicBezTo>
+                <a:cubicBezTo>
+                  <a:pt x="1059018" y="416789"/>
+                  <a:pt x="983741" y="355188"/>
+                  <a:pt x="845028" y="399393"/>
+                </a:cubicBezTo>
+                <a:cubicBezTo>
+                  <a:pt x="706315" y="443598"/>
+                  <a:pt x="520537" y="395938"/>
+                  <a:pt x="410208" y="399393"/>
+                </a:cubicBezTo>
+                <a:cubicBezTo>
+                  <a:pt x="299879" y="402848"/>
+                  <a:pt x="92020" y="393151"/>
+                  <a:pt x="0" y="399393"/>
+                </a:cubicBezTo>
+                <a:cubicBezTo>
+                  <a:pt x="-28379" y="276963"/>
+                  <a:pt x="30274" y="142784"/>
+                  <a:pt x="0" y="0"/>
+                </a:cubicBezTo>
+                <a:close/>
+              </a:path>
+            </a:pathLst>
+          </a:custGeom>
+          <a:solidFill>
+            <a:srgbClr val="FF007E">
+              <a:alpha val="9804"/>
+            </a:srgbClr>
+          </a:solidFill>
+          <a:ln>
+            <a:solidFill>
+              <a:srgbClr val="7030A0"/>
+            </a:solidFill>
+            <a:prstDash val="dash"/>
+            <a:extLst>
+              <a:ext uri="{C807C97D-BFC1-408E-A445-0C87EB9F89A2}">
+                <ask:lineSketchStyleProps xmlns:ask="http://schemas.microsoft.com/office/drawing/2018/sketchyshapes" sd="1219033472">
+                  <a:prstGeom prst="rect">
+                    <a:avLst/>
+                  </a:prstGeom>
+                  <ask:type>
+                    <ask:lineSketchScribble/>
+                  </ask:type>
+                </ask:lineSketchStyleProps>
+              </a:ext>
+            </a:extLst>
+          </a:ln>
+        </p:spPr>
+        <p:style>
+          <a:lnRef idx="2">
+            <a:schemeClr val="accent1">
+              <a:shade val="50000"/>
+            </a:schemeClr>
+          </a:lnRef>
+          <a:fillRef idx="1">
+            <a:schemeClr val="accent1"/>
+          </a:fillRef>
+          <a:effectRef idx="0">
+            <a:schemeClr val="accent1"/>
+          </a:effectRef>
+          <a:fontRef idx="minor">
+            <a:schemeClr val="lt1"/>
+          </a:fontRef>
+        </p:style>
+        <p:txBody>
+          <a:bodyPr rtlCol="0" anchor="ctr"/>
+          <a:lstStyle/>
+          <a:p>
+            <a:pPr algn="ctr"/>
+            <a:r>
+              <a:rPr lang="en-US" sz="1600" dirty="0">
+                <a:solidFill>
+                  <a:schemeClr val="tx1"/>
+                </a:solidFill>
+              </a:rPr>
+              <a:t>Backend v1</a:t>
+            </a:r>
+          </a:p>
+        </p:txBody>
+      </p:sp>
+      <p:sp>
+        <p:nvSpPr>
+          <p:cNvPr id="10" name="Rectangle 9">
+            <a:extLst>
+              <a:ext uri="{FF2B5EF4-FFF2-40B4-BE49-F238E27FC236}">
+                <a16:creationId xmlns:a16="http://schemas.microsoft.com/office/drawing/2014/main" id="{A7C9E680-D819-E84F-8DD8-DF213CB4DE3C}"/>
+              </a:ext>
+            </a:extLst>
+          </p:cNvPr>
+          <p:cNvSpPr/>
+          <p:nvPr/>
+        </p:nvSpPr>
+        <p:spPr>
+          <a:xfrm>
+            <a:off x="4294134" y="896915"/>
+            <a:ext cx="1857623" cy="609600"/>
+          </a:xfrm>
+          <a:custGeom>
+            <a:avLst/>
+            <a:gdLst>
+              <a:gd name="connsiteX0" fmla="*/ 0 w 1857623"/>
+              <a:gd name="connsiteY0" fmla="*/ 0 h 609600"/>
+              <a:gd name="connsiteX1" fmla="*/ 445830 w 1857623"/>
+              <a:gd name="connsiteY1" fmla="*/ 0 h 609600"/>
+              <a:gd name="connsiteX2" fmla="*/ 910235 w 1857623"/>
+              <a:gd name="connsiteY2" fmla="*/ 0 h 609600"/>
+              <a:gd name="connsiteX3" fmla="*/ 1393217 w 1857623"/>
+              <a:gd name="connsiteY3" fmla="*/ 0 h 609600"/>
+              <a:gd name="connsiteX4" fmla="*/ 1857623 w 1857623"/>
+              <a:gd name="connsiteY4" fmla="*/ 0 h 609600"/>
+              <a:gd name="connsiteX5" fmla="*/ 1857623 w 1857623"/>
+              <a:gd name="connsiteY5" fmla="*/ 310896 h 609600"/>
+              <a:gd name="connsiteX6" fmla="*/ 1857623 w 1857623"/>
+              <a:gd name="connsiteY6" fmla="*/ 609600 h 609600"/>
+              <a:gd name="connsiteX7" fmla="*/ 1356065 w 1857623"/>
+              <a:gd name="connsiteY7" fmla="*/ 609600 h 609600"/>
+              <a:gd name="connsiteX8" fmla="*/ 854507 w 1857623"/>
+              <a:gd name="connsiteY8" fmla="*/ 609600 h 609600"/>
+              <a:gd name="connsiteX9" fmla="*/ 0 w 1857623"/>
+              <a:gd name="connsiteY9" fmla="*/ 609600 h 609600"/>
+              <a:gd name="connsiteX10" fmla="*/ 0 w 1857623"/>
+              <a:gd name="connsiteY10" fmla="*/ 310896 h 609600"/>
+              <a:gd name="connsiteX11" fmla="*/ 0 w 1857623"/>
+              <a:gd name="connsiteY11" fmla="*/ 0 h 609600"/>
+            </a:gdLst>
+            <a:ahLst/>
+            <a:cxnLst>
+              <a:cxn ang="0">
+                <a:pos x="connsiteX0" y="connsiteY0"/>
+              </a:cxn>
+              <a:cxn ang="0">
+                <a:pos x="connsiteX1" y="connsiteY1"/>
+              </a:cxn>
+              <a:cxn ang="0">
+                <a:pos x="connsiteX2" y="connsiteY2"/>
+              </a:cxn>
+              <a:cxn ang="0">
+                <a:pos x="connsiteX3" y="connsiteY3"/>
+              </a:cxn>
+              <a:cxn ang="0">
+                <a:pos x="connsiteX4" y="connsiteY4"/>
+              </a:cxn>
+              <a:cxn ang="0">
+                <a:pos x="connsiteX5" y="connsiteY5"/>
+              </a:cxn>
+              <a:cxn ang="0">
+                <a:pos x="connsiteX6" y="connsiteY6"/>
+              </a:cxn>
+              <a:cxn ang="0">
+                <a:pos x="connsiteX7" y="connsiteY7"/>
+              </a:cxn>
+              <a:cxn ang="0">
+                <a:pos x="connsiteX8" y="connsiteY8"/>
+              </a:cxn>
+              <a:cxn ang="0">
+                <a:pos x="connsiteX9" y="connsiteY9"/>
+              </a:cxn>
+              <a:cxn ang="0">
+                <a:pos x="connsiteX10" y="connsiteY10"/>
+              </a:cxn>
+              <a:cxn ang="0">
+                <a:pos x="connsiteX11" y="connsiteY11"/>
+              </a:cxn>
+            </a:cxnLst>
+            <a:rect l="l" t="t" r="r" b="b"/>
+            <a:pathLst>
+              <a:path w="1857623" h="609600" fill="none" extrusionOk="0">
+                <a:moveTo>
+                  <a:pt x="0" y="0"/>
+                </a:moveTo>
+                <a:cubicBezTo>
+                  <a:pt x="215855" y="-15232"/>
+                  <a:pt x="334536" y="642"/>
+                  <a:pt x="445830" y="0"/>
+                </a:cubicBezTo>
+                <a:cubicBezTo>
+                  <a:pt x="557124" y="-642"/>
+                  <a:pt x="785351" y="52826"/>
+                  <a:pt x="910235" y="0"/>
+                </a:cubicBezTo>
+                <a:cubicBezTo>
+                  <a:pt x="1035119" y="-52826"/>
+                  <a:pt x="1267905" y="35081"/>
+                  <a:pt x="1393217" y="0"/>
+                </a:cubicBezTo>
+                <a:cubicBezTo>
+                  <a:pt x="1518529" y="-35081"/>
+                  <a:pt x="1682451" y="32003"/>
+                  <a:pt x="1857623" y="0"/>
+                </a:cubicBezTo>
+                <a:cubicBezTo>
+                  <a:pt x="1884739" y="148010"/>
+                  <a:pt x="1842190" y="201975"/>
+                  <a:pt x="1857623" y="310896"/>
+                </a:cubicBezTo>
+                <a:cubicBezTo>
+                  <a:pt x="1873056" y="419817"/>
+                  <a:pt x="1836545" y="475630"/>
+                  <a:pt x="1857623" y="609600"/>
+                </a:cubicBezTo>
+                <a:cubicBezTo>
+                  <a:pt x="1632285" y="612432"/>
+                  <a:pt x="1480463" y="602489"/>
+                  <a:pt x="1356065" y="609600"/>
+                </a:cubicBezTo>
+                <a:cubicBezTo>
+                  <a:pt x="1231667" y="616711"/>
+                  <a:pt x="1049533" y="586792"/>
+                  <a:pt x="854507" y="609600"/>
+                </a:cubicBezTo>
+                <a:cubicBezTo>
+                  <a:pt x="659481" y="632408"/>
+                  <a:pt x="313527" y="598784"/>
+                  <a:pt x="0" y="609600"/>
+                </a:cubicBezTo>
+                <a:cubicBezTo>
+                  <a:pt x="-22457" y="524228"/>
+                  <a:pt x="22827" y="379523"/>
+                  <a:pt x="0" y="310896"/>
+                </a:cubicBezTo>
+                <a:cubicBezTo>
+                  <a:pt x="-22827" y="242269"/>
+                  <a:pt x="16804" y="68998"/>
+                  <a:pt x="0" y="0"/>
+                </a:cubicBezTo>
+                <a:close/>
+              </a:path>
+              <a:path w="1857623" h="609600" stroke="0" extrusionOk="0">
+                <a:moveTo>
+                  <a:pt x="0" y="0"/>
+                </a:moveTo>
+                <a:cubicBezTo>
+                  <a:pt x="217811" y="-20256"/>
+                  <a:pt x="327677" y="25446"/>
+                  <a:pt x="445830" y="0"/>
+                </a:cubicBezTo>
+                <a:cubicBezTo>
+                  <a:pt x="563983" y="-25446"/>
+                  <a:pt x="688473" y="28290"/>
+                  <a:pt x="854507" y="0"/>
+                </a:cubicBezTo>
+                <a:cubicBezTo>
+                  <a:pt x="1020541" y="-28290"/>
+                  <a:pt x="1105653" y="54755"/>
+                  <a:pt x="1356065" y="0"/>
+                </a:cubicBezTo>
+                <a:cubicBezTo>
+                  <a:pt x="1606477" y="-54755"/>
+                  <a:pt x="1670841" y="36721"/>
+                  <a:pt x="1857623" y="0"/>
+                </a:cubicBezTo>
+                <a:cubicBezTo>
+                  <a:pt x="1873948" y="127017"/>
+                  <a:pt x="1828775" y="185328"/>
+                  <a:pt x="1857623" y="298704"/>
+                </a:cubicBezTo>
+                <a:cubicBezTo>
+                  <a:pt x="1886471" y="412080"/>
+                  <a:pt x="1840999" y="498908"/>
+                  <a:pt x="1857623" y="609600"/>
+                </a:cubicBezTo>
+                <a:cubicBezTo>
+                  <a:pt x="1724746" y="652459"/>
+                  <a:pt x="1546377" y="598644"/>
+                  <a:pt x="1393217" y="609600"/>
+                </a:cubicBezTo>
+                <a:cubicBezTo>
+                  <a:pt x="1240057" y="620556"/>
+                  <a:pt x="1036841" y="570229"/>
+                  <a:pt x="891659" y="609600"/>
+                </a:cubicBezTo>
+                <a:cubicBezTo>
+                  <a:pt x="746477" y="648971"/>
+                  <a:pt x="639737" y="600477"/>
+                  <a:pt x="482982" y="609600"/>
+                </a:cubicBezTo>
+                <a:cubicBezTo>
+                  <a:pt x="326227" y="618723"/>
+                  <a:pt x="209513" y="587241"/>
+                  <a:pt x="0" y="609600"/>
+                </a:cubicBezTo>
+                <a:cubicBezTo>
+                  <a:pt x="-814" y="510010"/>
+                  <a:pt x="13194" y="400540"/>
+                  <a:pt x="0" y="304800"/>
+                </a:cubicBezTo>
+                <a:cubicBezTo>
+                  <a:pt x="-13194" y="209060"/>
+                  <a:pt x="17745" y="132515"/>
+                  <a:pt x="0" y="0"/>
+                </a:cubicBezTo>
+                <a:close/>
+              </a:path>
+            </a:pathLst>
+          </a:custGeom>
+          <a:solidFill>
+            <a:schemeClr val="accent6">
+              <a:lumMod val="20000"/>
+              <a:lumOff val="80000"/>
+            </a:schemeClr>
+          </a:solidFill>
+          <a:ln>
+            <a:solidFill>
+              <a:srgbClr val="7030A0"/>
+            </a:solidFill>
+            <a:prstDash val="dash"/>
+            <a:extLst>
+              <a:ext uri="{C807C97D-BFC1-408E-A445-0C87EB9F89A2}">
+                <ask:lineSketchStyleProps xmlns:ask="http://schemas.microsoft.com/office/drawing/2018/sketchyshapes" sd="1219033472">
+                  <a:prstGeom prst="rect">
+                    <a:avLst/>
+                  </a:prstGeom>
+                  <ask:type>
+                    <ask:lineSketchScribble/>
+                  </ask:type>
+                </ask:lineSketchStyleProps>
+              </a:ext>
+            </a:extLst>
+          </a:ln>
+        </p:spPr>
+        <p:style>
+          <a:lnRef idx="2">
+            <a:schemeClr val="accent1">
+              <a:shade val="50000"/>
+            </a:schemeClr>
+          </a:lnRef>
+          <a:fillRef idx="1">
+            <a:schemeClr val="accent1"/>
+          </a:fillRef>
+          <a:effectRef idx="0">
+            <a:schemeClr val="accent1"/>
+          </a:effectRef>
+          <a:fontRef idx="minor">
+            <a:schemeClr val="lt1"/>
+          </a:fontRef>
+        </p:style>
+        <p:txBody>
+          <a:bodyPr rtlCol="0" anchor="ctr"/>
+          <a:lstStyle/>
+          <a:p>
+            <a:pPr algn="ctr"/>
+            <a:r>
+              <a:rPr lang="en-US" sz="1600" dirty="0">
+                <a:solidFill>
+                  <a:schemeClr val="tx1"/>
+                </a:solidFill>
+              </a:rPr>
+              <a:t>Frontend that uses Iter8 A/B/n SDKs</a:t>
+            </a:r>
+          </a:p>
+        </p:txBody>
+      </p:sp>
+      <p:sp>
+        <p:nvSpPr>
+          <p:cNvPr id="13" name="Rectangle 12">
+            <a:extLst>
+              <a:ext uri="{FF2B5EF4-FFF2-40B4-BE49-F238E27FC236}">
+                <a16:creationId xmlns:a16="http://schemas.microsoft.com/office/drawing/2014/main" id="{063A98A3-343E-4F40-9330-0495C7EE96CB}"/>
+              </a:ext>
+            </a:extLst>
+          </p:cNvPr>
+          <p:cNvSpPr/>
+          <p:nvPr/>
+        </p:nvSpPr>
+        <p:spPr>
+          <a:xfrm>
+            <a:off x="8713076" y="2263259"/>
+            <a:ext cx="1230623" cy="399393"/>
+          </a:xfrm>
+          <a:custGeom>
+            <a:avLst/>
+            <a:gdLst>
+              <a:gd name="connsiteX0" fmla="*/ 0 w 1230623"/>
+              <a:gd name="connsiteY0" fmla="*/ 0 h 399393"/>
+              <a:gd name="connsiteX1" fmla="*/ 434820 w 1230623"/>
+              <a:gd name="connsiteY1" fmla="*/ 0 h 399393"/>
+              <a:gd name="connsiteX2" fmla="*/ 857334 w 1230623"/>
+              <a:gd name="connsiteY2" fmla="*/ 0 h 399393"/>
+              <a:gd name="connsiteX3" fmla="*/ 1230623 w 1230623"/>
+              <a:gd name="connsiteY3" fmla="*/ 0 h 399393"/>
+              <a:gd name="connsiteX4" fmla="*/ 1230623 w 1230623"/>
+              <a:gd name="connsiteY4" fmla="*/ 399393 h 399393"/>
+              <a:gd name="connsiteX5" fmla="*/ 845028 w 1230623"/>
+              <a:gd name="connsiteY5" fmla="*/ 399393 h 399393"/>
+              <a:gd name="connsiteX6" fmla="*/ 434820 w 1230623"/>
+              <a:gd name="connsiteY6" fmla="*/ 399393 h 399393"/>
+              <a:gd name="connsiteX7" fmla="*/ 0 w 1230623"/>
+              <a:gd name="connsiteY7" fmla="*/ 399393 h 399393"/>
+              <a:gd name="connsiteX8" fmla="*/ 0 w 1230623"/>
+              <a:gd name="connsiteY8" fmla="*/ 0 h 399393"/>
+            </a:gdLst>
+            <a:ahLst/>
+            <a:cxnLst>
+              <a:cxn ang="0">
+                <a:pos x="connsiteX0" y="connsiteY0"/>
+              </a:cxn>
+              <a:cxn ang="0">
+                <a:pos x="connsiteX1" y="connsiteY1"/>
+              </a:cxn>
+              <a:cxn ang="0">
+                <a:pos x="connsiteX2" y="connsiteY2"/>
+              </a:cxn>
+              <a:cxn ang="0">
+                <a:pos x="connsiteX3" y="connsiteY3"/>
+              </a:cxn>
+              <a:cxn ang="0">
+                <a:pos x="connsiteX4" y="connsiteY4"/>
+              </a:cxn>
+              <a:cxn ang="0">
+                <a:pos x="connsiteX5" y="connsiteY5"/>
+              </a:cxn>
+              <a:cxn ang="0">
+                <a:pos x="connsiteX6" y="connsiteY6"/>
+              </a:cxn>
+              <a:cxn ang="0">
+                <a:pos x="connsiteX7" y="connsiteY7"/>
+              </a:cxn>
+              <a:cxn ang="0">
+                <a:pos x="connsiteX8" y="connsiteY8"/>
+              </a:cxn>
+            </a:cxnLst>
+            <a:rect l="l" t="t" r="r" b="b"/>
+            <a:pathLst>
+              <a:path w="1230623" h="399393" fill="none" extrusionOk="0">
+                <a:moveTo>
+                  <a:pt x="0" y="0"/>
+                </a:moveTo>
+                <a:cubicBezTo>
+                  <a:pt x="214231" y="-22220"/>
+                  <a:pt x="275500" y="45521"/>
+                  <a:pt x="434820" y="0"/>
+                </a:cubicBezTo>
+                <a:cubicBezTo>
+                  <a:pt x="594140" y="-45521"/>
+                  <a:pt x="749359" y="36360"/>
+                  <a:pt x="857334" y="0"/>
+                </a:cubicBezTo>
+                <a:cubicBezTo>
+                  <a:pt x="965309" y="-36360"/>
+                  <a:pt x="1148526" y="27082"/>
+                  <a:pt x="1230623" y="0"/>
+                </a:cubicBezTo>
+                <a:cubicBezTo>
+                  <a:pt x="1244999" y="89249"/>
+                  <a:pt x="1221357" y="315207"/>
+                  <a:pt x="1230623" y="399393"/>
+                </a:cubicBezTo>
+                <a:cubicBezTo>
+                  <a:pt x="1059068" y="406989"/>
+                  <a:pt x="1023304" y="396502"/>
+                  <a:pt x="845028" y="399393"/>
+                </a:cubicBezTo>
+                <a:cubicBezTo>
+                  <a:pt x="666752" y="402284"/>
+                  <a:pt x="636470" y="388806"/>
+                  <a:pt x="434820" y="399393"/>
+                </a:cubicBezTo>
+                <a:cubicBezTo>
+                  <a:pt x="233170" y="409980"/>
+                  <a:pt x="156428" y="377976"/>
+                  <a:pt x="0" y="399393"/>
+                </a:cubicBezTo>
+                <a:cubicBezTo>
+                  <a:pt x="-40183" y="238069"/>
+                  <a:pt x="28047" y="173853"/>
+                  <a:pt x="0" y="0"/>
+                </a:cubicBezTo>
+                <a:close/>
+              </a:path>
+              <a:path w="1230623" h="399393" stroke="0" extrusionOk="0">
+                <a:moveTo>
+                  <a:pt x="0" y="0"/>
+                </a:moveTo>
+                <a:cubicBezTo>
+                  <a:pt x="159398" y="-33334"/>
+                  <a:pt x="228248" y="45509"/>
+                  <a:pt x="397901" y="0"/>
+                </a:cubicBezTo>
+                <a:cubicBezTo>
+                  <a:pt x="567554" y="-45509"/>
+                  <a:pt x="615647" y="10184"/>
+                  <a:pt x="771190" y="0"/>
+                </a:cubicBezTo>
+                <a:cubicBezTo>
+                  <a:pt x="926733" y="-10184"/>
+                  <a:pt x="1104162" y="44588"/>
+                  <a:pt x="1230623" y="0"/>
+                </a:cubicBezTo>
+                <a:cubicBezTo>
+                  <a:pt x="1276494" y="92820"/>
+                  <a:pt x="1228810" y="245386"/>
+                  <a:pt x="1230623" y="399393"/>
+                </a:cubicBezTo>
+                <a:cubicBezTo>
+                  <a:pt x="1059018" y="416789"/>
+                  <a:pt x="983741" y="355188"/>
+                  <a:pt x="845028" y="399393"/>
+                </a:cubicBezTo>
+                <a:cubicBezTo>
+                  <a:pt x="706315" y="443598"/>
+                  <a:pt x="520537" y="395938"/>
+                  <a:pt x="410208" y="399393"/>
+                </a:cubicBezTo>
+                <a:cubicBezTo>
+                  <a:pt x="299879" y="402848"/>
+                  <a:pt x="92020" y="393151"/>
+                  <a:pt x="0" y="399393"/>
+                </a:cubicBezTo>
+                <a:cubicBezTo>
+                  <a:pt x="-28379" y="276963"/>
+                  <a:pt x="30274" y="142784"/>
+                  <a:pt x="0" y="0"/>
+                </a:cubicBezTo>
+                <a:close/>
+              </a:path>
+            </a:pathLst>
+          </a:custGeom>
+          <a:solidFill>
+            <a:srgbClr val="FF007E">
+              <a:alpha val="9804"/>
+            </a:srgbClr>
+          </a:solidFill>
+          <a:ln>
+            <a:solidFill>
+              <a:srgbClr val="7030A0"/>
+            </a:solidFill>
+            <a:prstDash val="dash"/>
+            <a:extLst>
+              <a:ext uri="{C807C97D-BFC1-408E-A445-0C87EB9F89A2}">
+                <ask:lineSketchStyleProps xmlns:ask="http://schemas.microsoft.com/office/drawing/2018/sketchyshapes" sd="1219033472">
+                  <a:prstGeom prst="rect">
+                    <a:avLst/>
+                  </a:prstGeom>
+                  <ask:type>
+                    <ask:lineSketchScribble/>
+                  </ask:type>
+                </ask:lineSketchStyleProps>
+              </a:ext>
+            </a:extLst>
+          </a:ln>
+        </p:spPr>
+        <p:style>
+          <a:lnRef idx="2">
+            <a:schemeClr val="accent1">
+              <a:shade val="50000"/>
+            </a:schemeClr>
+          </a:lnRef>
+          <a:fillRef idx="1">
+            <a:schemeClr val="accent1"/>
+          </a:fillRef>
+          <a:effectRef idx="0">
+            <a:schemeClr val="accent1"/>
+          </a:effectRef>
+          <a:fontRef idx="minor">
+            <a:schemeClr val="lt1"/>
+          </a:fontRef>
+        </p:style>
+        <p:txBody>
+          <a:bodyPr rtlCol="0" anchor="ctr"/>
+          <a:lstStyle/>
+          <a:p>
+            <a:pPr algn="ctr"/>
+            <a:r>
+              <a:rPr lang="en-US" sz="1600" dirty="0">
+                <a:solidFill>
+                  <a:schemeClr val="tx1"/>
+                </a:solidFill>
+              </a:rPr>
+              <a:t>Backend v2</a:t>
+            </a:r>
+          </a:p>
+        </p:txBody>
+      </p:sp>
+      <p:sp>
+        <p:nvSpPr>
+          <p:cNvPr id="14" name="Rectangle 13">
+            <a:extLst>
+              <a:ext uri="{FF2B5EF4-FFF2-40B4-BE49-F238E27FC236}">
+                <a16:creationId xmlns:a16="http://schemas.microsoft.com/office/drawing/2014/main" id="{57F1201E-FCBA-7749-85D7-1863E7968CEC}"/>
+              </a:ext>
+            </a:extLst>
+          </p:cNvPr>
+          <p:cNvSpPr/>
+          <p:nvPr/>
+        </p:nvSpPr>
+        <p:spPr>
+          <a:xfrm>
+            <a:off x="8713075" y="2813332"/>
+            <a:ext cx="1230623" cy="399393"/>
+          </a:xfrm>
+          <a:custGeom>
+            <a:avLst/>
+            <a:gdLst>
+              <a:gd name="connsiteX0" fmla="*/ 0 w 1230623"/>
+              <a:gd name="connsiteY0" fmla="*/ 0 h 399393"/>
+              <a:gd name="connsiteX1" fmla="*/ 434820 w 1230623"/>
+              <a:gd name="connsiteY1" fmla="*/ 0 h 399393"/>
+              <a:gd name="connsiteX2" fmla="*/ 857334 w 1230623"/>
+              <a:gd name="connsiteY2" fmla="*/ 0 h 399393"/>
+              <a:gd name="connsiteX3" fmla="*/ 1230623 w 1230623"/>
+              <a:gd name="connsiteY3" fmla="*/ 0 h 399393"/>
+              <a:gd name="connsiteX4" fmla="*/ 1230623 w 1230623"/>
+              <a:gd name="connsiteY4" fmla="*/ 399393 h 399393"/>
+              <a:gd name="connsiteX5" fmla="*/ 845028 w 1230623"/>
+              <a:gd name="connsiteY5" fmla="*/ 399393 h 399393"/>
+              <a:gd name="connsiteX6" fmla="*/ 434820 w 1230623"/>
+              <a:gd name="connsiteY6" fmla="*/ 399393 h 399393"/>
+              <a:gd name="connsiteX7" fmla="*/ 0 w 1230623"/>
+              <a:gd name="connsiteY7" fmla="*/ 399393 h 399393"/>
+              <a:gd name="connsiteX8" fmla="*/ 0 w 1230623"/>
+              <a:gd name="connsiteY8" fmla="*/ 0 h 399393"/>
+            </a:gdLst>
+            <a:ahLst/>
+            <a:cxnLst>
+              <a:cxn ang="0">
+                <a:pos x="connsiteX0" y="connsiteY0"/>
+              </a:cxn>
+              <a:cxn ang="0">
+                <a:pos x="connsiteX1" y="connsiteY1"/>
+              </a:cxn>
+              <a:cxn ang="0">
+                <a:pos x="connsiteX2" y="connsiteY2"/>
+              </a:cxn>
+              <a:cxn ang="0">
+                <a:pos x="connsiteX3" y="connsiteY3"/>
+              </a:cxn>
+              <a:cxn ang="0">
+                <a:pos x="connsiteX4" y="connsiteY4"/>
+              </a:cxn>
+              <a:cxn ang="0">
+                <a:pos x="connsiteX5" y="connsiteY5"/>
+              </a:cxn>
+              <a:cxn ang="0">
+                <a:pos x="connsiteX6" y="connsiteY6"/>
+              </a:cxn>
+              <a:cxn ang="0">
+                <a:pos x="connsiteX7" y="connsiteY7"/>
+              </a:cxn>
+              <a:cxn ang="0">
+                <a:pos x="connsiteX8" y="connsiteY8"/>
+              </a:cxn>
+            </a:cxnLst>
+            <a:rect l="l" t="t" r="r" b="b"/>
+            <a:pathLst>
+              <a:path w="1230623" h="399393" fill="none" extrusionOk="0">
+                <a:moveTo>
+                  <a:pt x="0" y="0"/>
+                </a:moveTo>
+                <a:cubicBezTo>
+                  <a:pt x="214231" y="-22220"/>
+                  <a:pt x="275500" y="45521"/>
+                  <a:pt x="434820" y="0"/>
+                </a:cubicBezTo>
+                <a:cubicBezTo>
+                  <a:pt x="594140" y="-45521"/>
+                  <a:pt x="749359" y="36360"/>
+                  <a:pt x="857334" y="0"/>
+                </a:cubicBezTo>
+                <a:cubicBezTo>
+                  <a:pt x="965309" y="-36360"/>
+                  <a:pt x="1148526" y="27082"/>
+                  <a:pt x="1230623" y="0"/>
+                </a:cubicBezTo>
+                <a:cubicBezTo>
+                  <a:pt x="1244999" y="89249"/>
+                  <a:pt x="1221357" y="315207"/>
+                  <a:pt x="1230623" y="399393"/>
+                </a:cubicBezTo>
+                <a:cubicBezTo>
+                  <a:pt x="1059068" y="406989"/>
+                  <a:pt x="1023304" y="396502"/>
+                  <a:pt x="845028" y="399393"/>
+                </a:cubicBezTo>
+                <a:cubicBezTo>
+                  <a:pt x="666752" y="402284"/>
+                  <a:pt x="636470" y="388806"/>
+                  <a:pt x="434820" y="399393"/>
+                </a:cubicBezTo>
+                <a:cubicBezTo>
+                  <a:pt x="233170" y="409980"/>
+                  <a:pt x="156428" y="377976"/>
+                  <a:pt x="0" y="399393"/>
+                </a:cubicBezTo>
+                <a:cubicBezTo>
+                  <a:pt x="-40183" y="238069"/>
+                  <a:pt x="28047" y="173853"/>
+                  <a:pt x="0" y="0"/>
+                </a:cubicBezTo>
+                <a:close/>
+              </a:path>
+              <a:path w="1230623" h="399393" stroke="0" extrusionOk="0">
+                <a:moveTo>
+                  <a:pt x="0" y="0"/>
+                </a:moveTo>
+                <a:cubicBezTo>
+                  <a:pt x="159398" y="-33334"/>
+                  <a:pt x="228248" y="45509"/>
+                  <a:pt x="397901" y="0"/>
+                </a:cubicBezTo>
+                <a:cubicBezTo>
+                  <a:pt x="567554" y="-45509"/>
+                  <a:pt x="615647" y="10184"/>
+                  <a:pt x="771190" y="0"/>
+                </a:cubicBezTo>
+                <a:cubicBezTo>
+                  <a:pt x="926733" y="-10184"/>
+                  <a:pt x="1104162" y="44588"/>
+                  <a:pt x="1230623" y="0"/>
+                </a:cubicBezTo>
+                <a:cubicBezTo>
+                  <a:pt x="1276494" y="92820"/>
+                  <a:pt x="1228810" y="245386"/>
+                  <a:pt x="1230623" y="399393"/>
+                </a:cubicBezTo>
+                <a:cubicBezTo>
+                  <a:pt x="1059018" y="416789"/>
+                  <a:pt x="983741" y="355188"/>
+                  <a:pt x="845028" y="399393"/>
+                </a:cubicBezTo>
+                <a:cubicBezTo>
+                  <a:pt x="706315" y="443598"/>
+                  <a:pt x="520537" y="395938"/>
+                  <a:pt x="410208" y="399393"/>
+                </a:cubicBezTo>
+                <a:cubicBezTo>
+                  <a:pt x="299879" y="402848"/>
+                  <a:pt x="92020" y="393151"/>
+                  <a:pt x="0" y="399393"/>
+                </a:cubicBezTo>
+                <a:cubicBezTo>
+                  <a:pt x="-28379" y="276963"/>
+                  <a:pt x="30274" y="142784"/>
+                  <a:pt x="0" y="0"/>
+                </a:cubicBezTo>
+                <a:close/>
+              </a:path>
+            </a:pathLst>
+          </a:custGeom>
+          <a:solidFill>
+            <a:srgbClr val="FF007E">
+              <a:alpha val="9804"/>
+            </a:srgbClr>
+          </a:solidFill>
+          <a:ln>
+            <a:solidFill>
+              <a:srgbClr val="7030A0"/>
+            </a:solidFill>
+            <a:prstDash val="dash"/>
+            <a:extLst>
+              <a:ext uri="{C807C97D-BFC1-408E-A445-0C87EB9F89A2}">
+                <ask:lineSketchStyleProps xmlns:ask="http://schemas.microsoft.com/office/drawing/2018/sketchyshapes" sd="1219033472">
+                  <a:prstGeom prst="rect">
+                    <a:avLst/>
+                  </a:prstGeom>
+                  <ask:type>
+                    <ask:lineSketchScribble/>
+                  </ask:type>
+                </ask:lineSketchStyleProps>
+              </a:ext>
+            </a:extLst>
+          </a:ln>
+        </p:spPr>
+        <p:style>
+          <a:lnRef idx="2">
+            <a:schemeClr val="accent1">
+              <a:shade val="50000"/>
+            </a:schemeClr>
+          </a:lnRef>
+          <a:fillRef idx="1">
+            <a:schemeClr val="accent1"/>
+          </a:fillRef>
+          <a:effectRef idx="0">
+            <a:schemeClr val="accent1"/>
+          </a:effectRef>
+          <a:fontRef idx="minor">
+            <a:schemeClr val="lt1"/>
+          </a:fontRef>
+        </p:style>
+        <p:txBody>
+          <a:bodyPr rtlCol="0" anchor="ctr"/>
+          <a:lstStyle/>
+          <a:p>
+            <a:pPr algn="ctr"/>
+            <a:r>
+              <a:rPr lang="en-US" sz="1600" dirty="0">
+                <a:solidFill>
+                  <a:schemeClr val="tx1"/>
+                </a:solidFill>
+              </a:rPr>
+              <a:t>Backend v3</a:t>
+            </a:r>
+          </a:p>
+        </p:txBody>
+      </p:sp>
+      <p:sp>
+        <p:nvSpPr>
+          <p:cNvPr id="5" name="Rectangle 4">
+            <a:extLst>
+              <a:ext uri="{FF2B5EF4-FFF2-40B4-BE49-F238E27FC236}">
+                <a16:creationId xmlns:a16="http://schemas.microsoft.com/office/drawing/2014/main" id="{D27CBBAC-2D1F-194D-8987-A1EE92709C76}"/>
+              </a:ext>
+            </a:extLst>
+          </p:cNvPr>
+          <p:cNvSpPr/>
+          <p:nvPr/>
+        </p:nvSpPr>
+        <p:spPr>
+          <a:xfrm>
+            <a:off x="1933904" y="4099034"/>
+            <a:ext cx="8092965" cy="872359"/>
+          </a:xfrm>
+          <a:prstGeom prst="rect">
+            <a:avLst/>
+          </a:prstGeom>
+          <a:solidFill>
+            <a:schemeClr val="accent1">
+              <a:lumMod val="20000"/>
+              <a:lumOff val="80000"/>
+            </a:schemeClr>
+          </a:solidFill>
+        </p:spPr>
+        <p:style>
+          <a:lnRef idx="2">
+            <a:schemeClr val="accent1">
+              <a:shade val="50000"/>
+            </a:schemeClr>
+          </a:lnRef>
+          <a:fillRef idx="1">
+            <a:schemeClr val="accent1"/>
+          </a:fillRef>
+          <a:effectRef idx="0">
+            <a:schemeClr val="accent1"/>
+          </a:effectRef>
+          <a:fontRef idx="minor">
+            <a:schemeClr val="lt1"/>
+          </a:fontRef>
+        </p:style>
+        <p:txBody>
+          <a:bodyPr rtlCol="0" anchor="ctr"/>
+          <a:lstStyle/>
+          <a:p>
+            <a:pPr algn="ctr"/>
+            <a:r>
+              <a:rPr lang="en-US" dirty="0">
+                <a:solidFill>
+                  <a:schemeClr val="tx1"/>
+                </a:solidFill>
+              </a:rPr>
+              <a:t>Iter8 A/B/n service</a:t>
+            </a:r>
+          </a:p>
+        </p:txBody>
+      </p:sp>
+      <p:sp>
+        <p:nvSpPr>
+          <p:cNvPr id="7" name="Left Brace 6">
+            <a:extLst>
+              <a:ext uri="{FF2B5EF4-FFF2-40B4-BE49-F238E27FC236}">
+                <a16:creationId xmlns:a16="http://schemas.microsoft.com/office/drawing/2014/main" id="{D38E15A2-2B49-7E40-94AF-A96710D48FC7}"/>
+              </a:ext>
+            </a:extLst>
+          </p:cNvPr>
+          <p:cNvSpPr/>
+          <p:nvPr/>
+        </p:nvSpPr>
+        <p:spPr>
+          <a:xfrm rot="16200000">
+            <a:off x="8990741" y="-228555"/>
+            <a:ext cx="832038" cy="2942899"/>
+          </a:xfrm>
+          <a:prstGeom prst="leftBrace">
+            <a:avLst/>
+          </a:prstGeom>
+        </p:spPr>
+        <p:style>
+          <a:lnRef idx="1">
+            <a:schemeClr val="accent1"/>
+          </a:lnRef>
+          <a:fillRef idx="0">
+            <a:schemeClr val="accent1"/>
+          </a:fillRef>
+          <a:effectRef idx="0">
+            <a:schemeClr val="accent1"/>
+          </a:effectRef>
+          <a:fontRef idx="minor">
+            <a:schemeClr val="tx1"/>
+          </a:fontRef>
+        </p:style>
+        <p:txBody>
+          <a:bodyPr rtlCol="0" anchor="ctr"/>
+          <a:lstStyle/>
+          <a:p>
+            <a:pPr algn="ctr"/>
+            <a:endParaRPr lang="en-US"/>
+          </a:p>
+        </p:txBody>
+      </p:sp>
+      <p:sp>
+        <p:nvSpPr>
+          <p:cNvPr id="9" name="TextBox 8">
+            <a:extLst>
+              <a:ext uri="{FF2B5EF4-FFF2-40B4-BE49-F238E27FC236}">
+                <a16:creationId xmlns:a16="http://schemas.microsoft.com/office/drawing/2014/main" id="{E98EFD4F-CDAD-C44C-A362-A6065B0FB1B1}"/>
+              </a:ext>
+            </a:extLst>
+          </p:cNvPr>
+          <p:cNvSpPr txBox="1"/>
+          <p:nvPr/>
+        </p:nvSpPr>
+        <p:spPr>
+          <a:xfrm>
+            <a:off x="8003628" y="468305"/>
+            <a:ext cx="2877775" cy="738664"/>
+          </a:xfrm>
+          <a:prstGeom prst="rect">
+            <a:avLst/>
+          </a:prstGeom>
+          <a:noFill/>
+        </p:spPr>
+        <p:txBody>
+          <a:bodyPr wrap="none" rtlCol="0">
+            <a:spAutoFit/>
+          </a:bodyPr>
+          <a:lstStyle/>
+          <a:p>
+            <a:r>
+              <a:rPr lang="en-US" sz="1400" i="1" dirty="0"/>
+              <a:t>labels:</a:t>
+            </a:r>
+          </a:p>
+          <a:p>
+            <a:r>
+              <a:rPr lang="en-US" sz="1400" i="1" dirty="0"/>
+              <a:t>  iter8.tools/app: recommender</a:t>
+            </a:r>
+          </a:p>
+          <a:p>
+            <a:r>
+              <a:rPr lang="en-US" sz="1400" i="1" dirty="0"/>
+              <a:t>  Iter8.tools/track: active (or inactive)</a:t>
+            </a:r>
+          </a:p>
+        </p:txBody>
+      </p:sp>
+      <p:cxnSp>
+        <p:nvCxnSpPr>
+          <p:cNvPr id="12" name="Elbow Connector 11">
+            <a:extLst>
+              <a:ext uri="{FF2B5EF4-FFF2-40B4-BE49-F238E27FC236}">
+                <a16:creationId xmlns:a16="http://schemas.microsoft.com/office/drawing/2014/main" id="{A0C81748-A49E-8D4A-89B5-D5B9445430A4}"/>
+              </a:ext>
+            </a:extLst>
+          </p:cNvPr>
+          <p:cNvCxnSpPr>
+            <a:cxnSpLocks/>
+            <a:stCxn id="5" idx="3"/>
+          </p:cNvCxnSpPr>
+          <p:nvPr/>
+        </p:nvCxnSpPr>
+        <p:spPr>
+          <a:xfrm flipV="1">
+            <a:off x="10026869" y="2545223"/>
+            <a:ext cx="315310" cy="1989991"/>
+          </a:xfrm>
+          <a:prstGeom prst="bentConnector2">
+            <a:avLst/>
+          </a:prstGeom>
+          <a:ln>
+            <a:headEnd type="stealth" w="lg" len="lg"/>
+            <a:tailEnd type="none" w="lg" len="lg"/>
+          </a:ln>
+        </p:spPr>
+        <p:style>
+          <a:lnRef idx="1">
+            <a:schemeClr val="accent1"/>
+          </a:lnRef>
+          <a:fillRef idx="0">
+            <a:schemeClr val="accent1"/>
+          </a:fillRef>
+          <a:effectRef idx="0">
+            <a:schemeClr val="accent1"/>
+          </a:effectRef>
+          <a:fontRef idx="minor">
+            <a:schemeClr val="tx1"/>
+          </a:fontRef>
+        </p:style>
+      </p:cxnSp>
+      <p:sp>
+        <p:nvSpPr>
+          <p:cNvPr id="15" name="TextBox 14">
+            <a:extLst>
+              <a:ext uri="{FF2B5EF4-FFF2-40B4-BE49-F238E27FC236}">
+                <a16:creationId xmlns:a16="http://schemas.microsoft.com/office/drawing/2014/main" id="{DCD3A60B-3BC2-A049-A85B-81079A2425E6}"/>
+              </a:ext>
+            </a:extLst>
+          </p:cNvPr>
+          <p:cNvSpPr txBox="1"/>
+          <p:nvPr/>
+        </p:nvSpPr>
+        <p:spPr>
+          <a:xfrm>
+            <a:off x="10342179" y="2538247"/>
+            <a:ext cx="1756140" cy="923330"/>
+          </a:xfrm>
+          <a:prstGeom prst="rect">
+            <a:avLst/>
+          </a:prstGeom>
+          <a:noFill/>
+        </p:spPr>
+        <p:txBody>
+          <a:bodyPr wrap="square" rtlCol="0">
+            <a:spAutoFit/>
+          </a:bodyPr>
+          <a:lstStyle/>
+          <a:p>
+            <a:r>
+              <a:rPr lang="en-US" dirty="0"/>
+              <a:t>Watch changes to backend versions</a:t>
+            </a:r>
+          </a:p>
+        </p:txBody>
+      </p:sp>
+      <p:sp>
+        <p:nvSpPr>
+          <p:cNvPr id="22" name="Rectangle 21">
+            <a:extLst>
+              <a:ext uri="{FF2B5EF4-FFF2-40B4-BE49-F238E27FC236}">
+                <a16:creationId xmlns:a16="http://schemas.microsoft.com/office/drawing/2014/main" id="{5A866DBC-27CE-764D-AE6E-10A7E5346F47}"/>
+              </a:ext>
+            </a:extLst>
+          </p:cNvPr>
+          <p:cNvSpPr/>
+          <p:nvPr/>
+        </p:nvSpPr>
+        <p:spPr>
+          <a:xfrm>
+            <a:off x="1933904" y="5381297"/>
+            <a:ext cx="8092965" cy="476406"/>
+          </a:xfrm>
+          <a:prstGeom prst="rect">
+            <a:avLst/>
+          </a:prstGeom>
+          <a:solidFill>
+            <a:schemeClr val="accent4">
+              <a:lumMod val="20000"/>
+              <a:lumOff val="80000"/>
+            </a:schemeClr>
+          </a:solidFill>
+        </p:spPr>
+        <p:style>
+          <a:lnRef idx="2">
+            <a:schemeClr val="accent1">
+              <a:shade val="50000"/>
+            </a:schemeClr>
+          </a:lnRef>
+          <a:fillRef idx="1">
+            <a:schemeClr val="accent1"/>
+          </a:fillRef>
+          <a:effectRef idx="0">
+            <a:schemeClr val="accent1"/>
+          </a:effectRef>
+          <a:fontRef idx="minor">
+            <a:schemeClr val="lt1"/>
+          </a:fontRef>
+        </p:style>
+        <p:txBody>
+          <a:bodyPr rtlCol="0" anchor="ctr"/>
+          <a:lstStyle/>
+          <a:p>
+            <a:pPr algn="ctr"/>
+            <a:r>
+              <a:rPr lang="en-US" dirty="0">
+                <a:solidFill>
+                  <a:schemeClr val="tx1"/>
+                </a:solidFill>
+              </a:rPr>
+              <a:t>Iter8 A/B/n experiment</a:t>
+            </a:r>
+          </a:p>
+        </p:txBody>
+      </p:sp>
+      <p:cxnSp>
+        <p:nvCxnSpPr>
+          <p:cNvPr id="23" name="Elbow Connector 22">
+            <a:extLst>
+              <a:ext uri="{FF2B5EF4-FFF2-40B4-BE49-F238E27FC236}">
+                <a16:creationId xmlns:a16="http://schemas.microsoft.com/office/drawing/2014/main" id="{B2028DF9-E04D-1E46-BD05-38869B89A30D}"/>
+              </a:ext>
+            </a:extLst>
+          </p:cNvPr>
+          <p:cNvCxnSpPr>
+            <a:cxnSpLocks/>
+            <a:stCxn id="22" idx="3"/>
+            <a:endCxn id="5" idx="2"/>
+          </p:cNvCxnSpPr>
+          <p:nvPr/>
+        </p:nvCxnSpPr>
+        <p:spPr>
+          <a:xfrm flipH="1" flipV="1">
+            <a:off x="5980387" y="4971393"/>
+            <a:ext cx="4046482" cy="648107"/>
+          </a:xfrm>
+          <a:prstGeom prst="bentConnector4">
+            <a:avLst>
+              <a:gd name="adj1" fmla="val -5649"/>
+              <a:gd name="adj2" fmla="val 68377"/>
+            </a:avLst>
+          </a:prstGeom>
+          <a:ln>
+            <a:headEnd type="stealth" w="lg" len="lg"/>
+            <a:tailEnd type="none" w="lg" len="lg"/>
+          </a:ln>
+        </p:spPr>
+        <p:style>
+          <a:lnRef idx="1">
+            <a:schemeClr val="accent1"/>
+          </a:lnRef>
+          <a:fillRef idx="0">
+            <a:schemeClr val="accent1"/>
+          </a:fillRef>
+          <a:effectRef idx="0">
+            <a:schemeClr val="accent1"/>
+          </a:effectRef>
+          <a:fontRef idx="minor">
+            <a:schemeClr val="tx1"/>
+          </a:fontRef>
+        </p:style>
+      </p:cxnSp>
+      <p:sp>
+        <p:nvSpPr>
+          <p:cNvPr id="20" name="TextBox 19">
+            <a:extLst>
+              <a:ext uri="{FF2B5EF4-FFF2-40B4-BE49-F238E27FC236}">
+                <a16:creationId xmlns:a16="http://schemas.microsoft.com/office/drawing/2014/main" id="{A56696ED-235E-7C40-9370-2D8ABBAE3260}"/>
+              </a:ext>
+            </a:extLst>
+          </p:cNvPr>
+          <p:cNvSpPr txBox="1"/>
+          <p:nvPr/>
+        </p:nvSpPr>
+        <p:spPr>
+          <a:xfrm>
+            <a:off x="8548569" y="5944441"/>
+            <a:ext cx="3271909" cy="646331"/>
+          </a:xfrm>
+          <a:prstGeom prst="rect">
+            <a:avLst/>
+          </a:prstGeom>
+          <a:noFill/>
+        </p:spPr>
+        <p:txBody>
+          <a:bodyPr wrap="square" rtlCol="0">
+            <a:spAutoFit/>
+          </a:bodyPr>
+          <a:lstStyle/>
+          <a:p>
+            <a:r>
+              <a:rPr lang="en-US" dirty="0"/>
+              <a:t>Launch experiment whenever a new version is detected</a:t>
+            </a:r>
+          </a:p>
+        </p:txBody>
+      </p:sp>
+      <p:cxnSp>
+        <p:nvCxnSpPr>
+          <p:cNvPr id="28" name="Elbow Connector 27">
+            <a:extLst>
+              <a:ext uri="{FF2B5EF4-FFF2-40B4-BE49-F238E27FC236}">
+                <a16:creationId xmlns:a16="http://schemas.microsoft.com/office/drawing/2014/main" id="{6B43BAC5-7420-974F-927A-DC582C67CC1D}"/>
+              </a:ext>
+            </a:extLst>
+          </p:cNvPr>
+          <p:cNvCxnSpPr>
+            <a:cxnSpLocks/>
+            <a:stCxn id="26" idx="1"/>
+            <a:endCxn id="5" idx="1"/>
+          </p:cNvCxnSpPr>
+          <p:nvPr/>
+        </p:nvCxnSpPr>
+        <p:spPr>
+          <a:xfrm rot="10800000" flipV="1">
+            <a:off x="1933904" y="2564524"/>
+            <a:ext cx="12700" cy="1970689"/>
+          </a:xfrm>
+          <a:prstGeom prst="bentConnector3">
+            <a:avLst>
+              <a:gd name="adj1" fmla="val 1800000"/>
+            </a:avLst>
+          </a:prstGeom>
+          <a:ln>
+            <a:tailEnd type="triangle"/>
+          </a:ln>
+        </p:spPr>
+        <p:style>
+          <a:lnRef idx="1">
+            <a:schemeClr val="accent1"/>
+          </a:lnRef>
+          <a:fillRef idx="0">
+            <a:schemeClr val="accent1"/>
+          </a:fillRef>
+          <a:effectRef idx="0">
+            <a:schemeClr val="accent1"/>
+          </a:effectRef>
+          <a:fontRef idx="minor">
+            <a:schemeClr val="tx1"/>
+          </a:fontRef>
+        </p:style>
+      </p:cxnSp>
+      <p:sp>
+        <p:nvSpPr>
+          <p:cNvPr id="30" name="TextBox 29">
+            <a:extLst>
+              <a:ext uri="{FF2B5EF4-FFF2-40B4-BE49-F238E27FC236}">
+                <a16:creationId xmlns:a16="http://schemas.microsoft.com/office/drawing/2014/main" id="{561839BF-DA4F-674C-8BC1-AF41B9EFAEF6}"/>
+              </a:ext>
+            </a:extLst>
+          </p:cNvPr>
+          <p:cNvSpPr txBox="1"/>
+          <p:nvPr/>
+        </p:nvSpPr>
+        <p:spPr>
+          <a:xfrm>
+            <a:off x="291533" y="3303646"/>
+            <a:ext cx="1390124" cy="492443"/>
+          </a:xfrm>
+          <a:prstGeom prst="rect">
+            <a:avLst/>
+          </a:prstGeom>
+          <a:noFill/>
+        </p:spPr>
+        <p:txBody>
+          <a:bodyPr wrap="none" rtlCol="0">
+            <a:spAutoFit/>
+          </a:bodyPr>
+          <a:lstStyle/>
+          <a:p>
+            <a:r>
+              <a:rPr lang="en-US" sz="1400" dirty="0" err="1">
+                <a:solidFill>
+                  <a:srgbClr val="C00000"/>
+                </a:solidFill>
+              </a:rPr>
+              <a:t>RegisterBackend</a:t>
+            </a:r>
+            <a:endParaRPr lang="en-US" sz="1200" dirty="0">
+              <a:solidFill>
+                <a:srgbClr val="C00000"/>
+              </a:solidFill>
+            </a:endParaRPr>
+          </a:p>
+          <a:p>
+            <a:r>
+              <a:rPr lang="en-US" sz="1200" dirty="0" err="1">
+                <a:solidFill>
+                  <a:srgbClr val="C00000"/>
+                </a:solidFill>
+              </a:rPr>
+              <a:t>putMetric</a:t>
+            </a:r>
+            <a:endParaRPr lang="en-US" sz="1200" dirty="0">
+              <a:solidFill>
+                <a:srgbClr val="C00000"/>
+              </a:solidFill>
+            </a:endParaRPr>
+          </a:p>
+        </p:txBody>
+      </p:sp>
+      <p:cxnSp>
+        <p:nvCxnSpPr>
+          <p:cNvPr id="33" name="Elbow Connector 32">
+            <a:extLst>
+              <a:ext uri="{FF2B5EF4-FFF2-40B4-BE49-F238E27FC236}">
+                <a16:creationId xmlns:a16="http://schemas.microsoft.com/office/drawing/2014/main" id="{D55AED5C-55F8-5E48-8D66-358D7FB82322}"/>
+              </a:ext>
+            </a:extLst>
+          </p:cNvPr>
+          <p:cNvCxnSpPr>
+            <a:cxnSpLocks/>
+            <a:stCxn id="26" idx="3"/>
+            <a:endCxn id="5" idx="0"/>
+          </p:cNvCxnSpPr>
+          <p:nvPr/>
+        </p:nvCxnSpPr>
+        <p:spPr>
+          <a:xfrm>
+            <a:off x="5448062" y="2564525"/>
+            <a:ext cx="532325" cy="1534509"/>
+          </a:xfrm>
+          <a:prstGeom prst="bentConnector2">
+            <a:avLst/>
+          </a:prstGeom>
+          <a:ln>
+            <a:headEnd type="stealth" w="lg" len="lg"/>
+            <a:tailEnd type="stealth" w="lg" len="lg"/>
+          </a:ln>
+        </p:spPr>
+        <p:style>
+          <a:lnRef idx="1">
+            <a:schemeClr val="accent1"/>
+          </a:lnRef>
+          <a:fillRef idx="0">
+            <a:schemeClr val="accent1"/>
+          </a:fillRef>
+          <a:effectRef idx="0">
+            <a:schemeClr val="accent1"/>
+          </a:effectRef>
+          <a:fontRef idx="minor">
+            <a:schemeClr val="tx1"/>
+          </a:fontRef>
+        </p:style>
+      </p:cxnSp>
+      <p:sp>
+        <p:nvSpPr>
+          <p:cNvPr id="35" name="TextBox 34">
+            <a:extLst>
+              <a:ext uri="{FF2B5EF4-FFF2-40B4-BE49-F238E27FC236}">
+                <a16:creationId xmlns:a16="http://schemas.microsoft.com/office/drawing/2014/main" id="{08993ED5-84B7-F749-BF43-2682D3E657B8}"/>
+              </a:ext>
+            </a:extLst>
+          </p:cNvPr>
+          <p:cNvSpPr txBox="1"/>
+          <p:nvPr/>
+        </p:nvSpPr>
+        <p:spPr>
+          <a:xfrm>
+            <a:off x="5980387" y="2951115"/>
+            <a:ext cx="2096170" cy="738664"/>
+          </a:xfrm>
+          <a:prstGeom prst="rect">
+            <a:avLst/>
+          </a:prstGeom>
+          <a:noFill/>
+        </p:spPr>
+        <p:txBody>
+          <a:bodyPr wrap="square" rtlCol="0">
+            <a:spAutoFit/>
+          </a:bodyPr>
+          <a:lstStyle/>
+          <a:p>
+            <a:r>
+              <a:rPr lang="en-US" sz="1400" dirty="0"/>
+              <a:t>Periodically update status of </a:t>
+            </a:r>
+            <a:r>
+              <a:rPr lang="en-US" sz="1400" i="1" dirty="0">
+                <a:solidFill>
+                  <a:srgbClr val="C00000"/>
+                </a:solidFill>
+              </a:rPr>
+              <a:t>b </a:t>
+            </a:r>
+            <a:r>
+              <a:rPr lang="en-US" sz="1400" dirty="0"/>
+              <a:t>in the frontend in the background</a:t>
+            </a:r>
+          </a:p>
+        </p:txBody>
+      </p:sp>
+    </p:spTree>
+    <p:extLst>
+      <p:ext uri="{BB962C8B-B14F-4D97-AF65-F5344CB8AC3E}">
+        <p14:creationId xmlns:p14="http://schemas.microsoft.com/office/powerpoint/2010/main" val="3217780557"/>
       </p:ext>
     </p:extLst>
   </p:cSld>

--- a/mkdocs/docs/images/src/what-is-iter8.pptx
+++ b/mkdocs/docs/images/src/what-is-iter8.pptx
@@ -5,10 +5,12 @@
     <p:sldMasterId id="2147483648" r:id="rId1"/>
   </p:sldMasterIdLst>
   <p:notesMasterIdLst>
-    <p:notesMasterId r:id="rId3"/>
+    <p:notesMasterId r:id="rId5"/>
   </p:notesMasterIdLst>
   <p:sldIdLst>
     <p:sldId id="317" r:id="rId2"/>
+    <p:sldId id="318" r:id="rId3"/>
+    <p:sldId id="319" r:id="rId4"/>
   </p:sldIdLst>
   <p:sldSz cx="12192000" cy="6858000"/>
   <p:notesSz cx="6858000" cy="9144000"/>
@@ -197,7 +199,7 @@
           <a:p>
             <a:fld id="{38B78CBE-37FA-D241-BB4C-CAC5D3B25F49}" type="datetimeFigureOut">
               <a:rPr lang="en-US" smtClean="0"/>
-              <a:t>10/14/21</a:t>
+              <a:t>12/6/21</a:t>
             </a:fld>
             <a:endParaRPr lang="en-US"/>
           </a:p>
@@ -611,7 +613,7 @@
           <a:p>
             <a:fld id="{708812C5-0212-FD42-A0D4-E2E8FF4E3AF5}" type="datetime1">
               <a:rPr lang="en-US" smtClean="0"/>
-              <a:t>10/14/21</a:t>
+              <a:t>12/6/21</a:t>
             </a:fld>
             <a:endParaRPr lang="en-US"/>
           </a:p>
@@ -812,7 +814,7 @@
           <a:p>
             <a:fld id="{D232AC6F-41C3-B34B-9BAA-03ED2F3BC0F6}" type="datetime1">
               <a:rPr lang="en-US" smtClean="0"/>
-              <a:t>10/14/21</a:t>
+              <a:t>12/6/21</a:t>
             </a:fld>
             <a:endParaRPr lang="en-US"/>
           </a:p>
@@ -1023,7 +1025,7 @@
           <a:p>
             <a:fld id="{BEE140C2-F440-9D49-95CB-5965D64CC4A2}" type="datetime1">
               <a:rPr lang="en-US" smtClean="0"/>
-              <a:t>10/14/21</a:t>
+              <a:t>12/6/21</a:t>
             </a:fld>
             <a:endParaRPr lang="en-US"/>
           </a:p>
@@ -1224,7 +1226,7 @@
           <a:p>
             <a:fld id="{CC99F980-FB29-FD47-8508-150F73F1E8B0}" type="datetime1">
               <a:rPr lang="en-US" smtClean="0"/>
-              <a:t>10/14/21</a:t>
+              <a:t>12/6/21</a:t>
             </a:fld>
             <a:endParaRPr lang="en-US"/>
           </a:p>
@@ -1502,7 +1504,7 @@
           <a:p>
             <a:fld id="{D4510983-EA22-9643-8AC0-B3C6499B643B}" type="datetime1">
               <a:rPr lang="en-US" smtClean="0"/>
-              <a:t>10/14/21</a:t>
+              <a:t>12/6/21</a:t>
             </a:fld>
             <a:endParaRPr lang="en-US"/>
           </a:p>
@@ -1770,7 +1772,7 @@
           <a:p>
             <a:fld id="{D5A39195-967D-5D4E-8C6A-C99866996458}" type="datetime1">
               <a:rPr lang="en-US" smtClean="0"/>
-              <a:t>10/14/21</a:t>
+              <a:t>12/6/21</a:t>
             </a:fld>
             <a:endParaRPr lang="en-US"/>
           </a:p>
@@ -2185,7 +2187,7 @@
           <a:p>
             <a:fld id="{5AD771E9-C79D-684D-A158-5EB6E92DE947}" type="datetime1">
               <a:rPr lang="en-US" smtClean="0"/>
-              <a:t>10/14/21</a:t>
+              <a:t>12/6/21</a:t>
             </a:fld>
             <a:endParaRPr lang="en-US"/>
           </a:p>
@@ -2329,7 +2331,7 @@
           <a:p>
             <a:fld id="{693CA161-7E4C-5C4B-B799-DB602A0B9806}" type="datetime1">
               <a:rPr lang="en-US" smtClean="0"/>
-              <a:t>10/14/21</a:t>
+              <a:t>12/6/21</a:t>
             </a:fld>
             <a:endParaRPr lang="en-US"/>
           </a:p>
@@ -2445,7 +2447,7 @@
           <a:p>
             <a:fld id="{6D55FDF3-8BB2-6349-A5FA-057F3D78953D}" type="datetime1">
               <a:rPr lang="en-US" smtClean="0"/>
-              <a:t>10/14/21</a:t>
+              <a:t>12/6/21</a:t>
             </a:fld>
             <a:endParaRPr lang="en-US"/>
           </a:p>
@@ -2759,7 +2761,7 @@
           <a:p>
             <a:fld id="{EEDFACC0-3228-BA4B-942E-CEF38B0101FD}" type="datetime1">
               <a:rPr lang="en-US" smtClean="0"/>
-              <a:t>10/14/21</a:t>
+              <a:t>12/6/21</a:t>
             </a:fld>
             <a:endParaRPr lang="en-US"/>
           </a:p>
@@ -3050,7 +3052,7 @@
           <a:p>
             <a:fld id="{07EEEDBE-E24C-D140-B419-6D8D592D0F1C}" type="datetime1">
               <a:rPr lang="en-US" smtClean="0"/>
-              <a:t>10/14/21</a:t>
+              <a:t>12/6/21</a:t>
             </a:fld>
             <a:endParaRPr lang="en-US"/>
           </a:p>
@@ -3294,7 +3296,7 @@
           <a:p>
             <a:fld id="{E05781A2-A5EF-C54C-A3EF-F62483D37EDC}" type="datetime1">
               <a:rPr lang="en-US" smtClean="0"/>
-              <a:t>10/14/21</a:t>
+              <a:t>12/6/21</a:t>
             </a:fld>
             <a:endParaRPr lang="en-US"/>
           </a:p>
@@ -3763,63 +3765,7 @@
           <a:lstStyle/>
           <a:p>
             <a:pPr algn="ctr"/>
-            <a:endParaRPr lang="en-US"/>
-          </a:p>
-        </p:txBody>
-      </p:sp>
-      <p:sp>
-        <p:nvSpPr>
-          <p:cNvPr id="7" name="Snip Diagonal Corner Rectangle 6">
-            <a:extLst>
-              <a:ext uri="{FF2B5EF4-FFF2-40B4-BE49-F238E27FC236}">
-                <a16:creationId xmlns:a16="http://schemas.microsoft.com/office/drawing/2014/main" id="{E76592CF-E582-DC46-9595-A76FC026830C}"/>
-              </a:ext>
-            </a:extLst>
-          </p:cNvPr>
-          <p:cNvSpPr/>
-          <p:nvPr/>
-        </p:nvSpPr>
-        <p:spPr>
-          <a:xfrm>
-            <a:off x="4548110" y="956445"/>
-            <a:ext cx="5085719" cy="2389067"/>
-          </a:xfrm>
-          <a:prstGeom prst="snip2DiagRect">
-            <a:avLst/>
-          </a:prstGeom>
-          <a:solidFill>
-            <a:srgbClr val="FF007E">
-              <a:alpha val="9804"/>
-            </a:srgbClr>
-          </a:solidFill>
-          <a:ln>
-            <a:solidFill>
-              <a:srgbClr val="7030A0"/>
-            </a:solidFill>
-          </a:ln>
-        </p:spPr>
-        <p:style>
-          <a:lnRef idx="2">
-            <a:schemeClr val="accent1">
-              <a:shade val="50000"/>
-            </a:schemeClr>
-          </a:lnRef>
-          <a:fillRef idx="1">
-            <a:schemeClr val="accent1"/>
-          </a:fillRef>
-          <a:effectRef idx="0">
-            <a:schemeClr val="accent1"/>
-          </a:effectRef>
-          <a:fontRef idx="minor">
-            <a:schemeClr val="lt1"/>
-          </a:fontRef>
-        </p:style>
-        <p:txBody>
-          <a:bodyPr rtlCol="0" anchor="ctr"/>
-          <a:lstStyle/>
-          <a:p>
-            <a:pPr algn="ctr"/>
-            <a:endParaRPr lang="en-US"/>
+            <a:endParaRPr lang="en-US" dirty="0"/>
           </a:p>
         </p:txBody>
       </p:sp>
@@ -3898,7 +3844,7 @@
         </p:nvSpPr>
         <p:spPr>
           <a:xfrm>
-            <a:off x="4656633" y="1777952"/>
+            <a:off x="4420733" y="1153537"/>
             <a:ext cx="1725098" cy="773014"/>
           </a:xfrm>
           <a:custGeom>
@@ -4130,17 +4076,17 @@
                   <a:schemeClr val="tx1"/>
                 </a:solidFill>
               </a:rPr>
-              <a:t>Split traffic between versions</a:t>
-            </a:r>
-          </a:p>
-        </p:txBody>
-      </p:sp>
-      <p:sp>
-        <p:nvSpPr>
-          <p:cNvPr id="27" name="Rectangle 26">
-            <a:extLst>
-              <a:ext uri="{FF2B5EF4-FFF2-40B4-BE49-F238E27FC236}">
-                <a16:creationId xmlns:a16="http://schemas.microsoft.com/office/drawing/2014/main" id="{9B8A37C7-8908-CA46-B03A-2A9DAD8F71AC}"/>
+              <a:t>Get metrics</a:t>
+            </a:r>
+          </a:p>
+        </p:txBody>
+      </p:sp>
+      <p:sp>
+        <p:nvSpPr>
+          <p:cNvPr id="41" name="Rectangle 40">
+            <a:extLst>
+              <a:ext uri="{FF2B5EF4-FFF2-40B4-BE49-F238E27FC236}">
+                <a16:creationId xmlns:a16="http://schemas.microsoft.com/office/drawing/2014/main" id="{79E4B688-7B2C-E04A-A333-679A75E0E701}"/>
               </a:ext>
             </a:extLst>
           </p:cNvPr>
@@ -4149,12 +4095,307 @@
         </p:nvSpPr>
         <p:spPr>
           <a:xfrm>
-            <a:off x="6659157" y="1104012"/>
-            <a:ext cx="2610637" cy="829654"/>
+            <a:off x="6800210" y="2987889"/>
+            <a:ext cx="3138418" cy="1202524"/>
           </a:xfrm>
-          <a:prstGeom prst="rect">
+          <a:custGeom>
             <a:avLst/>
-          </a:prstGeom>
+            <a:gdLst>
+              <a:gd name="connsiteX0" fmla="*/ 0 w 3138418"/>
+              <a:gd name="connsiteY0" fmla="*/ 0 h 1202524"/>
+              <a:gd name="connsiteX1" fmla="*/ 460301 w 3138418"/>
+              <a:gd name="connsiteY1" fmla="*/ 0 h 1202524"/>
+              <a:gd name="connsiteX2" fmla="*/ 1014755 w 3138418"/>
+              <a:gd name="connsiteY2" fmla="*/ 0 h 1202524"/>
+              <a:gd name="connsiteX3" fmla="*/ 1506441 w 3138418"/>
+              <a:gd name="connsiteY3" fmla="*/ 0 h 1202524"/>
+              <a:gd name="connsiteX4" fmla="*/ 1966742 w 3138418"/>
+              <a:gd name="connsiteY4" fmla="*/ 0 h 1202524"/>
+              <a:gd name="connsiteX5" fmla="*/ 2521196 w 3138418"/>
+              <a:gd name="connsiteY5" fmla="*/ 0 h 1202524"/>
+              <a:gd name="connsiteX6" fmla="*/ 3138418 w 3138418"/>
+              <a:gd name="connsiteY6" fmla="*/ 0 h 1202524"/>
+              <a:gd name="connsiteX7" fmla="*/ 3138418 w 3138418"/>
+              <a:gd name="connsiteY7" fmla="*/ 400841 h 1202524"/>
+              <a:gd name="connsiteX8" fmla="*/ 3138418 w 3138418"/>
+              <a:gd name="connsiteY8" fmla="*/ 777632 h 1202524"/>
+              <a:gd name="connsiteX9" fmla="*/ 3138418 w 3138418"/>
+              <a:gd name="connsiteY9" fmla="*/ 1202524 h 1202524"/>
+              <a:gd name="connsiteX10" fmla="*/ 2678117 w 3138418"/>
+              <a:gd name="connsiteY10" fmla="*/ 1202524 h 1202524"/>
+              <a:gd name="connsiteX11" fmla="*/ 2249200 w 3138418"/>
+              <a:gd name="connsiteY11" fmla="*/ 1202524 h 1202524"/>
+              <a:gd name="connsiteX12" fmla="*/ 1694746 w 3138418"/>
+              <a:gd name="connsiteY12" fmla="*/ 1202524 h 1202524"/>
+              <a:gd name="connsiteX13" fmla="*/ 1234444 w 3138418"/>
+              <a:gd name="connsiteY13" fmla="*/ 1202524 h 1202524"/>
+              <a:gd name="connsiteX14" fmla="*/ 679991 w 3138418"/>
+              <a:gd name="connsiteY14" fmla="*/ 1202524 h 1202524"/>
+              <a:gd name="connsiteX15" fmla="*/ 0 w 3138418"/>
+              <a:gd name="connsiteY15" fmla="*/ 1202524 h 1202524"/>
+              <a:gd name="connsiteX16" fmla="*/ 0 w 3138418"/>
+              <a:gd name="connsiteY16" fmla="*/ 813708 h 1202524"/>
+              <a:gd name="connsiteX17" fmla="*/ 0 w 3138418"/>
+              <a:gd name="connsiteY17" fmla="*/ 400841 h 1202524"/>
+              <a:gd name="connsiteX18" fmla="*/ 0 w 3138418"/>
+              <a:gd name="connsiteY18" fmla="*/ 0 h 1202524"/>
+            </a:gdLst>
+            <a:ahLst/>
+            <a:cxnLst>
+              <a:cxn ang="0">
+                <a:pos x="connsiteX0" y="connsiteY0"/>
+              </a:cxn>
+              <a:cxn ang="0">
+                <a:pos x="connsiteX1" y="connsiteY1"/>
+              </a:cxn>
+              <a:cxn ang="0">
+                <a:pos x="connsiteX2" y="connsiteY2"/>
+              </a:cxn>
+              <a:cxn ang="0">
+                <a:pos x="connsiteX3" y="connsiteY3"/>
+              </a:cxn>
+              <a:cxn ang="0">
+                <a:pos x="connsiteX4" y="connsiteY4"/>
+              </a:cxn>
+              <a:cxn ang="0">
+                <a:pos x="connsiteX5" y="connsiteY5"/>
+              </a:cxn>
+              <a:cxn ang="0">
+                <a:pos x="connsiteX6" y="connsiteY6"/>
+              </a:cxn>
+              <a:cxn ang="0">
+                <a:pos x="connsiteX7" y="connsiteY7"/>
+              </a:cxn>
+              <a:cxn ang="0">
+                <a:pos x="connsiteX8" y="connsiteY8"/>
+              </a:cxn>
+              <a:cxn ang="0">
+                <a:pos x="connsiteX9" y="connsiteY9"/>
+              </a:cxn>
+              <a:cxn ang="0">
+                <a:pos x="connsiteX10" y="connsiteY10"/>
+              </a:cxn>
+              <a:cxn ang="0">
+                <a:pos x="connsiteX11" y="connsiteY11"/>
+              </a:cxn>
+              <a:cxn ang="0">
+                <a:pos x="connsiteX12" y="connsiteY12"/>
+              </a:cxn>
+              <a:cxn ang="0">
+                <a:pos x="connsiteX13" y="connsiteY13"/>
+              </a:cxn>
+              <a:cxn ang="0">
+                <a:pos x="connsiteX14" y="connsiteY14"/>
+              </a:cxn>
+              <a:cxn ang="0">
+                <a:pos x="connsiteX15" y="connsiteY15"/>
+              </a:cxn>
+              <a:cxn ang="0">
+                <a:pos x="connsiteX16" y="connsiteY16"/>
+              </a:cxn>
+              <a:cxn ang="0">
+                <a:pos x="connsiteX17" y="connsiteY17"/>
+              </a:cxn>
+              <a:cxn ang="0">
+                <a:pos x="connsiteX18" y="connsiteY18"/>
+              </a:cxn>
+            </a:cxnLst>
+            <a:rect l="l" t="t" r="r" b="b"/>
+            <a:pathLst>
+              <a:path w="3138418" h="1202524" fill="none" extrusionOk="0">
+                <a:moveTo>
+                  <a:pt x="0" y="0"/>
+                </a:moveTo>
+                <a:cubicBezTo>
+                  <a:pt x="102735" y="-46240"/>
+                  <a:pt x="344083" y="26601"/>
+                  <a:pt x="460301" y="0"/>
+                </a:cubicBezTo>
+                <a:cubicBezTo>
+                  <a:pt x="576519" y="-26601"/>
+                  <a:pt x="883163" y="1509"/>
+                  <a:pt x="1014755" y="0"/>
+                </a:cubicBezTo>
+                <a:cubicBezTo>
+                  <a:pt x="1146347" y="-1509"/>
+                  <a:pt x="1344757" y="44263"/>
+                  <a:pt x="1506441" y="0"/>
+                </a:cubicBezTo>
+                <a:cubicBezTo>
+                  <a:pt x="1668125" y="-44263"/>
+                  <a:pt x="1827941" y="1563"/>
+                  <a:pt x="1966742" y="0"/>
+                </a:cubicBezTo>
+                <a:cubicBezTo>
+                  <a:pt x="2105543" y="-1563"/>
+                  <a:pt x="2348368" y="47829"/>
+                  <a:pt x="2521196" y="0"/>
+                </a:cubicBezTo>
+                <a:cubicBezTo>
+                  <a:pt x="2694024" y="-47829"/>
+                  <a:pt x="2899247" y="14422"/>
+                  <a:pt x="3138418" y="0"/>
+                </a:cubicBezTo>
+                <a:cubicBezTo>
+                  <a:pt x="3166706" y="199948"/>
+                  <a:pt x="3114521" y="255291"/>
+                  <a:pt x="3138418" y="400841"/>
+                </a:cubicBezTo>
+                <a:cubicBezTo>
+                  <a:pt x="3162315" y="546391"/>
+                  <a:pt x="3113342" y="642334"/>
+                  <a:pt x="3138418" y="777632"/>
+                </a:cubicBezTo>
+                <a:cubicBezTo>
+                  <a:pt x="3163494" y="912930"/>
+                  <a:pt x="3093231" y="1016360"/>
+                  <a:pt x="3138418" y="1202524"/>
+                </a:cubicBezTo>
+                <a:cubicBezTo>
+                  <a:pt x="2935775" y="1242227"/>
+                  <a:pt x="2865906" y="1178650"/>
+                  <a:pt x="2678117" y="1202524"/>
+                </a:cubicBezTo>
+                <a:cubicBezTo>
+                  <a:pt x="2490328" y="1226398"/>
+                  <a:pt x="2428679" y="1188979"/>
+                  <a:pt x="2249200" y="1202524"/>
+                </a:cubicBezTo>
+                <a:cubicBezTo>
+                  <a:pt x="2069721" y="1216069"/>
+                  <a:pt x="1872137" y="1187794"/>
+                  <a:pt x="1694746" y="1202524"/>
+                </a:cubicBezTo>
+                <a:cubicBezTo>
+                  <a:pt x="1517355" y="1217254"/>
+                  <a:pt x="1340559" y="1179572"/>
+                  <a:pt x="1234444" y="1202524"/>
+                </a:cubicBezTo>
+                <a:cubicBezTo>
+                  <a:pt x="1128329" y="1225476"/>
+                  <a:pt x="859287" y="1180488"/>
+                  <a:pt x="679991" y="1202524"/>
+                </a:cubicBezTo>
+                <a:cubicBezTo>
+                  <a:pt x="500695" y="1224560"/>
+                  <a:pt x="171470" y="1161992"/>
+                  <a:pt x="0" y="1202524"/>
+                </a:cubicBezTo>
+                <a:cubicBezTo>
+                  <a:pt x="-11479" y="1094273"/>
+                  <a:pt x="13351" y="927049"/>
+                  <a:pt x="0" y="813708"/>
+                </a:cubicBezTo>
+                <a:cubicBezTo>
+                  <a:pt x="-13351" y="700367"/>
+                  <a:pt x="27071" y="565536"/>
+                  <a:pt x="0" y="400841"/>
+                </a:cubicBezTo>
+                <a:cubicBezTo>
+                  <a:pt x="-27071" y="236146"/>
+                  <a:pt x="6143" y="165817"/>
+                  <a:pt x="0" y="0"/>
+                </a:cubicBezTo>
+                <a:close/>
+              </a:path>
+              <a:path w="3138418" h="1202524" stroke="0" extrusionOk="0">
+                <a:moveTo>
+                  <a:pt x="0" y="0"/>
+                </a:moveTo>
+                <a:cubicBezTo>
+                  <a:pt x="237005" y="-20956"/>
+                  <a:pt x="298043" y="33069"/>
+                  <a:pt x="491685" y="0"/>
+                </a:cubicBezTo>
+                <a:cubicBezTo>
+                  <a:pt x="685327" y="-33069"/>
+                  <a:pt x="744237" y="8345"/>
+                  <a:pt x="920603" y="0"/>
+                </a:cubicBezTo>
+                <a:cubicBezTo>
+                  <a:pt x="1096969" y="-8345"/>
+                  <a:pt x="1301270" y="5777"/>
+                  <a:pt x="1506441" y="0"/>
+                </a:cubicBezTo>
+                <a:cubicBezTo>
+                  <a:pt x="1711612" y="-5777"/>
+                  <a:pt x="1754520" y="10415"/>
+                  <a:pt x="1998126" y="0"/>
+                </a:cubicBezTo>
+                <a:cubicBezTo>
+                  <a:pt x="2241732" y="-10415"/>
+                  <a:pt x="2284406" y="9786"/>
+                  <a:pt x="2489812" y="0"/>
+                </a:cubicBezTo>
+                <a:cubicBezTo>
+                  <a:pt x="2695218" y="-9786"/>
+                  <a:pt x="2827861" y="33094"/>
+                  <a:pt x="3138418" y="0"/>
+                </a:cubicBezTo>
+                <a:cubicBezTo>
+                  <a:pt x="3174921" y="112259"/>
+                  <a:pt x="3105324" y="207257"/>
+                  <a:pt x="3138418" y="376791"/>
+                </a:cubicBezTo>
+                <a:cubicBezTo>
+                  <a:pt x="3171512" y="546325"/>
+                  <a:pt x="3104934" y="678454"/>
+                  <a:pt x="3138418" y="777632"/>
+                </a:cubicBezTo>
+                <a:cubicBezTo>
+                  <a:pt x="3171902" y="876810"/>
+                  <a:pt x="3094978" y="1061585"/>
+                  <a:pt x="3138418" y="1202524"/>
+                </a:cubicBezTo>
+                <a:cubicBezTo>
+                  <a:pt x="2971702" y="1203829"/>
+                  <a:pt x="2847873" y="1194107"/>
+                  <a:pt x="2678117" y="1202524"/>
+                </a:cubicBezTo>
+                <a:cubicBezTo>
+                  <a:pt x="2508361" y="1210941"/>
+                  <a:pt x="2399452" y="1181790"/>
+                  <a:pt x="2155047" y="1202524"/>
+                </a:cubicBezTo>
+                <a:cubicBezTo>
+                  <a:pt x="1910642" y="1223258"/>
+                  <a:pt x="1870273" y="1173194"/>
+                  <a:pt x="1663362" y="1202524"/>
+                </a:cubicBezTo>
+                <a:cubicBezTo>
+                  <a:pt x="1456452" y="1231854"/>
+                  <a:pt x="1214736" y="1133765"/>
+                  <a:pt x="1077524" y="1202524"/>
+                </a:cubicBezTo>
+                <a:cubicBezTo>
+                  <a:pt x="940312" y="1271283"/>
+                  <a:pt x="630408" y="1188111"/>
+                  <a:pt x="491685" y="1202524"/>
+                </a:cubicBezTo>
+                <a:cubicBezTo>
+                  <a:pt x="352962" y="1216937"/>
+                  <a:pt x="239935" y="1177860"/>
+                  <a:pt x="0" y="1202524"/>
+                </a:cubicBezTo>
+                <a:cubicBezTo>
+                  <a:pt x="-13396" y="1006115"/>
+                  <a:pt x="15954" y="966528"/>
+                  <a:pt x="0" y="801683"/>
+                </a:cubicBezTo>
+                <a:cubicBezTo>
+                  <a:pt x="-15954" y="636838"/>
+                  <a:pt x="45070" y="528983"/>
+                  <a:pt x="0" y="412867"/>
+                </a:cubicBezTo>
+                <a:cubicBezTo>
+                  <a:pt x="-45070" y="296751"/>
+                  <a:pt x="43197" y="100802"/>
+                  <a:pt x="0" y="0"/>
+                </a:cubicBezTo>
+                <a:close/>
+              </a:path>
+            </a:pathLst>
+          </a:custGeom>
           <a:solidFill>
             <a:srgbClr val="FF007E">
               <a:alpha val="9804"/>
@@ -4164,6 +4405,19 @@
             <a:solidFill>
               <a:srgbClr val="7030A0"/>
             </a:solidFill>
+            <a:prstDash val="dash"/>
+            <a:extLst>
+              <a:ext uri="{C807C97D-BFC1-408E-A445-0C87EB9F89A2}">
+                <ask:lineSketchStyleProps xmlns:ask="http://schemas.microsoft.com/office/drawing/2018/sketchyshapes" sd="1219033472">
+                  <a:prstGeom prst="rect">
+                    <a:avLst/>
+                  </a:prstGeom>
+                  <ask:type>
+                    <ask:lineSketchScribble/>
+                  </ask:type>
+                </ask:lineSketchStyleProps>
+              </a:ext>
+            </a:extLst>
           </a:ln>
         </p:spPr>
         <p:style>
@@ -4193,357 +4447,7 @@
                   <a:schemeClr val="tx1"/>
                 </a:solidFill>
               </a:rPr>
-              <a:t>Collect </a:t>
-            </a:r>
-            <a:r>
-              <a:rPr lang="en-US" sz="1600" dirty="0" err="1">
-                <a:solidFill>
-                  <a:schemeClr val="tx1"/>
-                </a:solidFill>
-              </a:rPr>
-              <a:t>builtin</a:t>
-            </a:r>
-            <a:r>
-              <a:rPr lang="en-US" sz="1600" dirty="0">
-                <a:solidFill>
-                  <a:schemeClr val="tx1"/>
-                </a:solidFill>
-              </a:rPr>
-              <a:t> metrics or use custom metrics from any DB</a:t>
-            </a:r>
-          </a:p>
-        </p:txBody>
-      </p:sp>
-      <p:sp>
-        <p:nvSpPr>
-          <p:cNvPr id="28" name="Rectangle 27">
-            <a:extLst>
-              <a:ext uri="{FF2B5EF4-FFF2-40B4-BE49-F238E27FC236}">
-                <a16:creationId xmlns:a16="http://schemas.microsoft.com/office/drawing/2014/main" id="{302D07CF-F2DC-134F-9790-CA5B3C1305A6}"/>
-              </a:ext>
-            </a:extLst>
-          </p:cNvPr>
-          <p:cNvSpPr/>
-          <p:nvPr/>
-        </p:nvSpPr>
-        <p:spPr>
-          <a:xfrm>
-            <a:off x="7472855" y="2595422"/>
-            <a:ext cx="2002334" cy="642601"/>
-          </a:xfrm>
-          <a:prstGeom prst="rect">
-            <a:avLst/>
-          </a:prstGeom>
-          <a:solidFill>
-            <a:srgbClr val="FF007E">
-              <a:alpha val="9804"/>
-            </a:srgbClr>
-          </a:solidFill>
-          <a:ln>
-            <a:solidFill>
-              <a:srgbClr val="7030A0"/>
-            </a:solidFill>
-          </a:ln>
-        </p:spPr>
-        <p:style>
-          <a:lnRef idx="2">
-            <a:schemeClr val="accent1">
-              <a:shade val="50000"/>
-            </a:schemeClr>
-          </a:lnRef>
-          <a:fillRef idx="1">
-            <a:schemeClr val="accent1"/>
-          </a:fillRef>
-          <a:effectRef idx="0">
-            <a:schemeClr val="accent1"/>
-          </a:effectRef>
-          <a:fontRef idx="minor">
-            <a:schemeClr val="lt1"/>
-          </a:fontRef>
-        </p:style>
-        <p:txBody>
-          <a:bodyPr rtlCol="0" anchor="ctr"/>
-          <a:lstStyle/>
-          <a:p>
-            <a:pPr algn="ctr"/>
-            <a:r>
-              <a:rPr lang="en-US" sz="1600" dirty="0">
-                <a:solidFill>
-                  <a:schemeClr val="tx1"/>
-                </a:solidFill>
-              </a:rPr>
-              <a:t>Assess versions. Find winning version.</a:t>
-            </a:r>
-          </a:p>
-        </p:txBody>
-      </p:sp>
-      <p:sp>
-        <p:nvSpPr>
-          <p:cNvPr id="41" name="Rectangle 40">
-            <a:extLst>
-              <a:ext uri="{FF2B5EF4-FFF2-40B4-BE49-F238E27FC236}">
-                <a16:creationId xmlns:a16="http://schemas.microsoft.com/office/drawing/2014/main" id="{79E4B688-7B2C-E04A-A333-679A75E0E701}"/>
-              </a:ext>
-            </a:extLst>
-          </p:cNvPr>
-          <p:cNvSpPr/>
-          <p:nvPr/>
-        </p:nvSpPr>
-        <p:spPr>
-          <a:xfrm>
-            <a:off x="7976244" y="3473235"/>
-            <a:ext cx="1962383" cy="717177"/>
-          </a:xfrm>
-          <a:custGeom>
-            <a:avLst/>
-            <a:gdLst>
-              <a:gd name="connsiteX0" fmla="*/ 0 w 1962383"/>
-              <a:gd name="connsiteY0" fmla="*/ 0 h 717177"/>
-              <a:gd name="connsiteX1" fmla="*/ 470972 w 1962383"/>
-              <a:gd name="connsiteY1" fmla="*/ 0 h 717177"/>
-              <a:gd name="connsiteX2" fmla="*/ 961568 w 1962383"/>
-              <a:gd name="connsiteY2" fmla="*/ 0 h 717177"/>
-              <a:gd name="connsiteX3" fmla="*/ 1471787 w 1962383"/>
-              <a:gd name="connsiteY3" fmla="*/ 0 h 717177"/>
-              <a:gd name="connsiteX4" fmla="*/ 1962383 w 1962383"/>
-              <a:gd name="connsiteY4" fmla="*/ 0 h 717177"/>
-              <a:gd name="connsiteX5" fmla="*/ 1962383 w 1962383"/>
-              <a:gd name="connsiteY5" fmla="*/ 365760 h 717177"/>
-              <a:gd name="connsiteX6" fmla="*/ 1962383 w 1962383"/>
-              <a:gd name="connsiteY6" fmla="*/ 717177 h 717177"/>
-              <a:gd name="connsiteX7" fmla="*/ 1432540 w 1962383"/>
-              <a:gd name="connsiteY7" fmla="*/ 717177 h 717177"/>
-              <a:gd name="connsiteX8" fmla="*/ 902696 w 1962383"/>
-              <a:gd name="connsiteY8" fmla="*/ 717177 h 717177"/>
-              <a:gd name="connsiteX9" fmla="*/ 0 w 1962383"/>
-              <a:gd name="connsiteY9" fmla="*/ 717177 h 717177"/>
-              <a:gd name="connsiteX10" fmla="*/ 0 w 1962383"/>
-              <a:gd name="connsiteY10" fmla="*/ 365760 h 717177"/>
-              <a:gd name="connsiteX11" fmla="*/ 0 w 1962383"/>
-              <a:gd name="connsiteY11" fmla="*/ 0 h 717177"/>
-            </a:gdLst>
-            <a:ahLst/>
-            <a:cxnLst>
-              <a:cxn ang="0">
-                <a:pos x="connsiteX0" y="connsiteY0"/>
-              </a:cxn>
-              <a:cxn ang="0">
-                <a:pos x="connsiteX1" y="connsiteY1"/>
-              </a:cxn>
-              <a:cxn ang="0">
-                <a:pos x="connsiteX2" y="connsiteY2"/>
-              </a:cxn>
-              <a:cxn ang="0">
-                <a:pos x="connsiteX3" y="connsiteY3"/>
-              </a:cxn>
-              <a:cxn ang="0">
-                <a:pos x="connsiteX4" y="connsiteY4"/>
-              </a:cxn>
-              <a:cxn ang="0">
-                <a:pos x="connsiteX5" y="connsiteY5"/>
-              </a:cxn>
-              <a:cxn ang="0">
-                <a:pos x="connsiteX6" y="connsiteY6"/>
-              </a:cxn>
-              <a:cxn ang="0">
-                <a:pos x="connsiteX7" y="connsiteY7"/>
-              </a:cxn>
-              <a:cxn ang="0">
-                <a:pos x="connsiteX8" y="connsiteY8"/>
-              </a:cxn>
-              <a:cxn ang="0">
-                <a:pos x="connsiteX9" y="connsiteY9"/>
-              </a:cxn>
-              <a:cxn ang="0">
-                <a:pos x="connsiteX10" y="connsiteY10"/>
-              </a:cxn>
-              <a:cxn ang="0">
-                <a:pos x="connsiteX11" y="connsiteY11"/>
-              </a:cxn>
-            </a:cxnLst>
-            <a:rect l="l" t="t" r="r" b="b"/>
-            <a:pathLst>
-              <a:path w="1962383" h="717177" fill="none" extrusionOk="0">
-                <a:moveTo>
-                  <a:pt x="0" y="0"/>
-                </a:moveTo>
-                <a:cubicBezTo>
-                  <a:pt x="102359" y="-32545"/>
-                  <a:pt x="296069" y="36182"/>
-                  <a:pt x="470972" y="0"/>
-                </a:cubicBezTo>
-                <a:cubicBezTo>
-                  <a:pt x="645875" y="-36182"/>
-                  <a:pt x="799504" y="37532"/>
-                  <a:pt x="961568" y="0"/>
-                </a:cubicBezTo>
-                <a:cubicBezTo>
-                  <a:pt x="1123632" y="-37532"/>
-                  <a:pt x="1336232" y="41868"/>
-                  <a:pt x="1471787" y="0"/>
-                </a:cubicBezTo>
-                <a:cubicBezTo>
-                  <a:pt x="1607342" y="-41868"/>
-                  <a:pt x="1836978" y="39793"/>
-                  <a:pt x="1962383" y="0"/>
-                </a:cubicBezTo>
-                <a:cubicBezTo>
-                  <a:pt x="1982915" y="94901"/>
-                  <a:pt x="1949145" y="220272"/>
-                  <a:pt x="1962383" y="365760"/>
-                </a:cubicBezTo>
-                <a:cubicBezTo>
-                  <a:pt x="1975621" y="511248"/>
-                  <a:pt x="1949749" y="604435"/>
-                  <a:pt x="1962383" y="717177"/>
-                </a:cubicBezTo>
-                <a:cubicBezTo>
-                  <a:pt x="1728822" y="732326"/>
-                  <a:pt x="1695855" y="706503"/>
-                  <a:pt x="1432540" y="717177"/>
-                </a:cubicBezTo>
-                <a:cubicBezTo>
-                  <a:pt x="1169225" y="727851"/>
-                  <a:pt x="1053645" y="711647"/>
-                  <a:pt x="902696" y="717177"/>
-                </a:cubicBezTo>
-                <a:cubicBezTo>
-                  <a:pt x="751747" y="722707"/>
-                  <a:pt x="194084" y="626431"/>
-                  <a:pt x="0" y="717177"/>
-                </a:cubicBezTo>
-                <a:cubicBezTo>
-                  <a:pt x="-39063" y="594451"/>
-                  <a:pt x="538" y="502327"/>
-                  <a:pt x="0" y="365760"/>
-                </a:cubicBezTo>
-                <a:cubicBezTo>
-                  <a:pt x="-538" y="229193"/>
-                  <a:pt x="18999" y="170706"/>
-                  <a:pt x="0" y="0"/>
-                </a:cubicBezTo>
-                <a:close/>
-              </a:path>
-              <a:path w="1962383" h="717177" stroke="0" extrusionOk="0">
-                <a:moveTo>
-                  <a:pt x="0" y="0"/>
-                </a:moveTo>
-                <a:cubicBezTo>
-                  <a:pt x="229181" y="-1732"/>
-                  <a:pt x="357350" y="22815"/>
-                  <a:pt x="470972" y="0"/>
-                </a:cubicBezTo>
-                <a:cubicBezTo>
-                  <a:pt x="584594" y="-22815"/>
-                  <a:pt x="767100" y="9922"/>
-                  <a:pt x="902696" y="0"/>
-                </a:cubicBezTo>
-                <a:cubicBezTo>
-                  <a:pt x="1038292" y="-9922"/>
-                  <a:pt x="1313026" y="37975"/>
-                  <a:pt x="1432540" y="0"/>
-                </a:cubicBezTo>
-                <a:cubicBezTo>
-                  <a:pt x="1552054" y="-37975"/>
-                  <a:pt x="1708838" y="8178"/>
-                  <a:pt x="1962383" y="0"/>
-                </a:cubicBezTo>
-                <a:cubicBezTo>
-                  <a:pt x="1963724" y="79747"/>
-                  <a:pt x="1934305" y="259309"/>
-                  <a:pt x="1962383" y="351417"/>
-                </a:cubicBezTo>
-                <a:cubicBezTo>
-                  <a:pt x="1990461" y="443525"/>
-                  <a:pt x="1932592" y="588711"/>
-                  <a:pt x="1962383" y="717177"/>
-                </a:cubicBezTo>
-                <a:cubicBezTo>
-                  <a:pt x="1792991" y="769810"/>
-                  <a:pt x="1675343" y="698396"/>
-                  <a:pt x="1471787" y="717177"/>
-                </a:cubicBezTo>
-                <a:cubicBezTo>
-                  <a:pt x="1268231" y="735958"/>
-                  <a:pt x="1110901" y="711223"/>
-                  <a:pt x="941944" y="717177"/>
-                </a:cubicBezTo>
-                <a:cubicBezTo>
-                  <a:pt x="772987" y="723131"/>
-                  <a:pt x="620909" y="691846"/>
-                  <a:pt x="510220" y="717177"/>
-                </a:cubicBezTo>
-                <a:cubicBezTo>
-                  <a:pt x="399531" y="742508"/>
-                  <a:pt x="235804" y="671251"/>
-                  <a:pt x="0" y="717177"/>
-                </a:cubicBezTo>
-                <a:cubicBezTo>
-                  <a:pt x="-19116" y="562504"/>
-                  <a:pt x="42260" y="484598"/>
-                  <a:pt x="0" y="358589"/>
-                </a:cubicBezTo>
-                <a:cubicBezTo>
-                  <a:pt x="-42260" y="232580"/>
-                  <a:pt x="25139" y="138712"/>
-                  <a:pt x="0" y="0"/>
-                </a:cubicBezTo>
-                <a:close/>
-              </a:path>
-            </a:pathLst>
-          </a:custGeom>
-          <a:solidFill>
-            <a:srgbClr val="FF007E">
-              <a:alpha val="9804"/>
-            </a:srgbClr>
-          </a:solidFill>
-          <a:ln>
-            <a:solidFill>
-              <a:srgbClr val="7030A0"/>
-            </a:solidFill>
-            <a:prstDash val="dash"/>
-            <a:extLst>
-              <a:ext uri="{C807C97D-BFC1-408E-A445-0C87EB9F89A2}">
-                <ask:lineSketchStyleProps xmlns:ask="http://schemas.microsoft.com/office/drawing/2018/sketchyshapes" sd="1219033472">
-                  <a:prstGeom prst="rect">
-                    <a:avLst/>
-                  </a:prstGeom>
-                  <ask:type>
-                    <ask:lineSketchScribble/>
-                  </ask:type>
-                </ask:lineSketchStyleProps>
-              </a:ext>
-            </a:extLst>
-          </a:ln>
-        </p:spPr>
-        <p:style>
-          <a:lnRef idx="2">
-            <a:schemeClr val="accent1">
-              <a:shade val="50000"/>
-            </a:schemeClr>
-          </a:lnRef>
-          <a:fillRef idx="1">
-            <a:schemeClr val="accent1"/>
-          </a:fillRef>
-          <a:effectRef idx="0">
-            <a:schemeClr val="accent1"/>
-          </a:effectRef>
-          <a:fontRef idx="minor">
-            <a:schemeClr val="lt1"/>
-          </a:fontRef>
-        </p:style>
-        <p:txBody>
-          <a:bodyPr rtlCol="0" anchor="ctr"/>
-          <a:lstStyle/>
-          <a:p>
-            <a:pPr algn="ctr"/>
-            <a:r>
-              <a:rPr lang="en-US" sz="1600" dirty="0">
-                <a:solidFill>
-                  <a:schemeClr val="tx1"/>
-                </a:solidFill>
-              </a:rPr>
-              <a:t>Promote winner</a:t>
+              <a:t>Send notification, promote new version or rollback, shift traffic, create pull request, trigger CI/CD/GitOps workflow, …</a:t>
             </a:r>
           </a:p>
         </p:txBody>
@@ -4564,8 +4468,8 @@
         </p:nvCxnSpPr>
         <p:spPr>
           <a:xfrm>
-            <a:off x="3786357" y="956446"/>
-            <a:ext cx="0" cy="3594914"/>
+            <a:off x="3786357" y="809297"/>
+            <a:ext cx="0" cy="3742063"/>
           </a:xfrm>
           <a:prstGeom prst="line">
             <a:avLst/>
@@ -4608,8 +4512,8 @@
         </p:nvCxnSpPr>
         <p:spPr>
           <a:xfrm>
-            <a:off x="10087291" y="1044127"/>
-            <a:ext cx="0" cy="3507233"/>
+            <a:off x="10087291" y="809297"/>
+            <a:ext cx="0" cy="3742063"/>
           </a:xfrm>
           <a:prstGeom prst="line">
             <a:avLst/>
@@ -4648,157 +4552,19 @@
           <p:cNvCxnSpPr>
             <a:cxnSpLocks/>
             <a:stCxn id="21" idx="3"/>
-            <a:endCxn id="7" idx="2"/>
+            <a:endCxn id="26" idx="1"/>
           </p:cNvCxnSpPr>
           <p:nvPr/>
         </p:nvCxnSpPr>
         <p:spPr>
           <a:xfrm>
             <a:off x="3677835" y="1321325"/>
-            <a:ext cx="870275" cy="829654"/>
+            <a:ext cx="742898" cy="218719"/>
           </a:xfrm>
           <a:prstGeom prst="bentConnector3">
             <a:avLst>
               <a:gd name="adj1" fmla="val 50000"/>
             </a:avLst>
-          </a:prstGeom>
-          <a:ln w="25400">
-            <a:solidFill>
-              <a:srgbClr val="7030A0"/>
-            </a:solidFill>
-            <a:tailEnd type="stealth" w="lg" len="lg"/>
-          </a:ln>
-        </p:spPr>
-        <p:style>
-          <a:lnRef idx="1">
-            <a:schemeClr val="accent1"/>
-          </a:lnRef>
-          <a:fillRef idx="0">
-            <a:schemeClr val="accent1"/>
-          </a:fillRef>
-          <a:effectRef idx="0">
-            <a:schemeClr val="accent1"/>
-          </a:effectRef>
-          <a:fontRef idx="minor">
-            <a:schemeClr val="tx1"/>
-          </a:fontRef>
-        </p:style>
-      </p:cxnSp>
-      <p:cxnSp>
-        <p:nvCxnSpPr>
-          <p:cNvPr id="121" name="Elbow Connector 120">
-            <a:extLst>
-              <a:ext uri="{FF2B5EF4-FFF2-40B4-BE49-F238E27FC236}">
-                <a16:creationId xmlns:a16="http://schemas.microsoft.com/office/drawing/2014/main" id="{AF1C2771-F6BF-FF46-9BB5-2EEB46087D1C}"/>
-              </a:ext>
-            </a:extLst>
-          </p:cNvPr>
-          <p:cNvCxnSpPr>
-            <a:cxnSpLocks/>
-            <a:stCxn id="7" idx="1"/>
-            <a:endCxn id="41" idx="1"/>
-          </p:cNvCxnSpPr>
-          <p:nvPr/>
-        </p:nvCxnSpPr>
-        <p:spPr>
-          <a:xfrm rot="16200000" flipH="1">
-            <a:off x="7290451" y="3146031"/>
-            <a:ext cx="486312" cy="885274"/>
-          </a:xfrm>
-          <a:prstGeom prst="bentConnector2">
-            <a:avLst/>
-          </a:prstGeom>
-          <a:ln w="25400">
-            <a:solidFill>
-              <a:srgbClr val="7030A0"/>
-            </a:solidFill>
-            <a:tailEnd type="stealth" w="lg" len="lg"/>
-          </a:ln>
-        </p:spPr>
-        <p:style>
-          <a:lnRef idx="1">
-            <a:schemeClr val="accent1"/>
-          </a:lnRef>
-          <a:fillRef idx="0">
-            <a:schemeClr val="accent1"/>
-          </a:fillRef>
-          <a:effectRef idx="0">
-            <a:schemeClr val="accent1"/>
-          </a:effectRef>
-          <a:fontRef idx="minor">
-            <a:schemeClr val="tx1"/>
-          </a:fontRef>
-        </p:style>
-      </p:cxnSp>
-      <p:cxnSp>
-        <p:nvCxnSpPr>
-          <p:cNvPr id="3" name="Elbow Connector 2">
-            <a:extLst>
-              <a:ext uri="{FF2B5EF4-FFF2-40B4-BE49-F238E27FC236}">
-                <a16:creationId xmlns:a16="http://schemas.microsoft.com/office/drawing/2014/main" id="{55D910AA-1959-1F4C-A43E-13575E0D53EF}"/>
-              </a:ext>
-            </a:extLst>
-          </p:cNvPr>
-          <p:cNvCxnSpPr>
-            <a:cxnSpLocks/>
-            <a:stCxn id="26" idx="0"/>
-            <a:endCxn id="27" idx="1"/>
-          </p:cNvCxnSpPr>
-          <p:nvPr/>
-        </p:nvCxnSpPr>
-        <p:spPr>
-          <a:xfrm rot="5400000" flipH="1" flipV="1">
-            <a:off x="5959613" y="1078409"/>
-            <a:ext cx="259113" cy="1139975"/>
-          </a:xfrm>
-          <a:prstGeom prst="bentConnector2">
-            <a:avLst/>
-          </a:prstGeom>
-          <a:ln w="25400">
-            <a:solidFill>
-              <a:srgbClr val="7030A0"/>
-            </a:solidFill>
-            <a:tailEnd type="stealth" w="lg" len="lg"/>
-          </a:ln>
-        </p:spPr>
-        <p:style>
-          <a:lnRef idx="1">
-            <a:schemeClr val="accent1"/>
-          </a:lnRef>
-          <a:fillRef idx="0">
-            <a:schemeClr val="accent1"/>
-          </a:fillRef>
-          <a:effectRef idx="0">
-            <a:schemeClr val="accent1"/>
-          </a:effectRef>
-          <a:fontRef idx="minor">
-            <a:schemeClr val="tx1"/>
-          </a:fontRef>
-        </p:style>
-      </p:cxnSp>
-      <p:cxnSp>
-        <p:nvCxnSpPr>
-          <p:cNvPr id="29" name="Elbow Connector 28">
-            <a:extLst>
-              <a:ext uri="{FF2B5EF4-FFF2-40B4-BE49-F238E27FC236}">
-                <a16:creationId xmlns:a16="http://schemas.microsoft.com/office/drawing/2014/main" id="{01744BBB-CC9C-5A46-926E-ED149D548DDE}"/>
-              </a:ext>
-            </a:extLst>
-          </p:cNvPr>
-          <p:cNvCxnSpPr>
-            <a:cxnSpLocks/>
-            <a:stCxn id="28" idx="1"/>
-            <a:endCxn id="26" idx="2"/>
-          </p:cNvCxnSpPr>
-          <p:nvPr/>
-        </p:nvCxnSpPr>
-        <p:spPr>
-          <a:xfrm rot="10800000">
-            <a:off x="5519183" y="2550967"/>
-            <a:ext cx="1953673" cy="365757"/>
-          </a:xfrm>
-          <a:prstGeom prst="bentConnector2">
-            <a:avLst/>
           </a:prstGeom>
           <a:ln w="25400">
             <a:solidFill>
@@ -5165,31 +4931,280 @@
           </a:p>
         </p:txBody>
       </p:sp>
+      <p:sp>
+        <p:nvSpPr>
+          <p:cNvPr id="24" name="Rectangle 23">
+            <a:extLst>
+              <a:ext uri="{FF2B5EF4-FFF2-40B4-BE49-F238E27FC236}">
+                <a16:creationId xmlns:a16="http://schemas.microsoft.com/office/drawing/2014/main" id="{613FA1FA-FC95-D949-9BFB-681D4A89B857}"/>
+              </a:ext>
+            </a:extLst>
+          </p:cNvPr>
+          <p:cNvSpPr/>
+          <p:nvPr/>
+        </p:nvSpPr>
+        <p:spPr>
+          <a:xfrm>
+            <a:off x="5634450" y="2070713"/>
+            <a:ext cx="1725098" cy="773014"/>
+          </a:xfrm>
+          <a:custGeom>
+            <a:avLst/>
+            <a:gdLst>
+              <a:gd name="connsiteX0" fmla="*/ 0 w 1725098"/>
+              <a:gd name="connsiteY0" fmla="*/ 0 h 773014"/>
+              <a:gd name="connsiteX1" fmla="*/ 557782 w 1725098"/>
+              <a:gd name="connsiteY1" fmla="*/ 0 h 773014"/>
+              <a:gd name="connsiteX2" fmla="*/ 1132814 w 1725098"/>
+              <a:gd name="connsiteY2" fmla="*/ 0 h 773014"/>
+              <a:gd name="connsiteX3" fmla="*/ 1725098 w 1725098"/>
+              <a:gd name="connsiteY3" fmla="*/ 0 h 773014"/>
+              <a:gd name="connsiteX4" fmla="*/ 1725098 w 1725098"/>
+              <a:gd name="connsiteY4" fmla="*/ 386507 h 773014"/>
+              <a:gd name="connsiteX5" fmla="*/ 1725098 w 1725098"/>
+              <a:gd name="connsiteY5" fmla="*/ 773014 h 773014"/>
+              <a:gd name="connsiteX6" fmla="*/ 1150065 w 1725098"/>
+              <a:gd name="connsiteY6" fmla="*/ 773014 h 773014"/>
+              <a:gd name="connsiteX7" fmla="*/ 609535 w 1725098"/>
+              <a:gd name="connsiteY7" fmla="*/ 773014 h 773014"/>
+              <a:gd name="connsiteX8" fmla="*/ 0 w 1725098"/>
+              <a:gd name="connsiteY8" fmla="*/ 773014 h 773014"/>
+              <a:gd name="connsiteX9" fmla="*/ 0 w 1725098"/>
+              <a:gd name="connsiteY9" fmla="*/ 394237 h 773014"/>
+              <a:gd name="connsiteX10" fmla="*/ 0 w 1725098"/>
+              <a:gd name="connsiteY10" fmla="*/ 0 h 773014"/>
+            </a:gdLst>
+            <a:ahLst/>
+            <a:cxnLst>
+              <a:cxn ang="0">
+                <a:pos x="connsiteX0" y="connsiteY0"/>
+              </a:cxn>
+              <a:cxn ang="0">
+                <a:pos x="connsiteX1" y="connsiteY1"/>
+              </a:cxn>
+              <a:cxn ang="0">
+                <a:pos x="connsiteX2" y="connsiteY2"/>
+              </a:cxn>
+              <a:cxn ang="0">
+                <a:pos x="connsiteX3" y="connsiteY3"/>
+              </a:cxn>
+              <a:cxn ang="0">
+                <a:pos x="connsiteX4" y="connsiteY4"/>
+              </a:cxn>
+              <a:cxn ang="0">
+                <a:pos x="connsiteX5" y="connsiteY5"/>
+              </a:cxn>
+              <a:cxn ang="0">
+                <a:pos x="connsiteX6" y="connsiteY6"/>
+              </a:cxn>
+              <a:cxn ang="0">
+                <a:pos x="connsiteX7" y="connsiteY7"/>
+              </a:cxn>
+              <a:cxn ang="0">
+                <a:pos x="connsiteX8" y="connsiteY8"/>
+              </a:cxn>
+              <a:cxn ang="0">
+                <a:pos x="connsiteX9" y="connsiteY9"/>
+              </a:cxn>
+              <a:cxn ang="0">
+                <a:pos x="connsiteX10" y="connsiteY10"/>
+              </a:cxn>
+            </a:cxnLst>
+            <a:rect l="l" t="t" r="r" b="b"/>
+            <a:pathLst>
+              <a:path w="1725098" h="773014" fill="none" extrusionOk="0">
+                <a:moveTo>
+                  <a:pt x="0" y="0"/>
+                </a:moveTo>
+                <a:cubicBezTo>
+                  <a:pt x="168254" y="-65307"/>
+                  <a:pt x="439636" y="53159"/>
+                  <a:pt x="557782" y="0"/>
+                </a:cubicBezTo>
+                <a:cubicBezTo>
+                  <a:pt x="675928" y="-53159"/>
+                  <a:pt x="850694" y="40283"/>
+                  <a:pt x="1132814" y="0"/>
+                </a:cubicBezTo>
+                <a:cubicBezTo>
+                  <a:pt x="1414934" y="-40283"/>
+                  <a:pt x="1600693" y="17773"/>
+                  <a:pt x="1725098" y="0"/>
+                </a:cubicBezTo>
+                <a:cubicBezTo>
+                  <a:pt x="1762404" y="94584"/>
+                  <a:pt x="1686857" y="259962"/>
+                  <a:pt x="1725098" y="386507"/>
+                </a:cubicBezTo>
+                <a:cubicBezTo>
+                  <a:pt x="1763339" y="513052"/>
+                  <a:pt x="1712159" y="611104"/>
+                  <a:pt x="1725098" y="773014"/>
+                </a:cubicBezTo>
+                <a:cubicBezTo>
+                  <a:pt x="1548193" y="838099"/>
+                  <a:pt x="1394852" y="710947"/>
+                  <a:pt x="1150065" y="773014"/>
+                </a:cubicBezTo>
+                <a:cubicBezTo>
+                  <a:pt x="905278" y="835081"/>
+                  <a:pt x="841607" y="744938"/>
+                  <a:pt x="609535" y="773014"/>
+                </a:cubicBezTo>
+                <a:cubicBezTo>
+                  <a:pt x="377463" y="801090"/>
+                  <a:pt x="197833" y="725069"/>
+                  <a:pt x="0" y="773014"/>
+                </a:cubicBezTo>
+                <a:cubicBezTo>
+                  <a:pt x="-5271" y="679045"/>
+                  <a:pt x="17636" y="542555"/>
+                  <a:pt x="0" y="394237"/>
+                </a:cubicBezTo>
+                <a:cubicBezTo>
+                  <a:pt x="-17636" y="245919"/>
+                  <a:pt x="9349" y="182711"/>
+                  <a:pt x="0" y="0"/>
+                </a:cubicBezTo>
+                <a:close/>
+              </a:path>
+              <a:path w="1725098" h="773014" stroke="0" extrusionOk="0">
+                <a:moveTo>
+                  <a:pt x="0" y="0"/>
+                </a:moveTo>
+                <a:cubicBezTo>
+                  <a:pt x="205968" y="-34008"/>
+                  <a:pt x="322315" y="28520"/>
+                  <a:pt x="557782" y="0"/>
+                </a:cubicBezTo>
+                <a:cubicBezTo>
+                  <a:pt x="793249" y="-28520"/>
+                  <a:pt x="921916" y="45588"/>
+                  <a:pt x="1081061" y="0"/>
+                </a:cubicBezTo>
+                <a:cubicBezTo>
+                  <a:pt x="1240206" y="-45588"/>
+                  <a:pt x="1492223" y="9541"/>
+                  <a:pt x="1725098" y="0"/>
+                </a:cubicBezTo>
+                <a:cubicBezTo>
+                  <a:pt x="1762250" y="105537"/>
+                  <a:pt x="1681881" y="279446"/>
+                  <a:pt x="1725098" y="378777"/>
+                </a:cubicBezTo>
+                <a:cubicBezTo>
+                  <a:pt x="1768315" y="478108"/>
+                  <a:pt x="1718875" y="577451"/>
+                  <a:pt x="1725098" y="773014"/>
+                </a:cubicBezTo>
+                <a:cubicBezTo>
+                  <a:pt x="1537608" y="821520"/>
+                  <a:pt x="1377806" y="714416"/>
+                  <a:pt x="1184567" y="773014"/>
+                </a:cubicBezTo>
+                <a:cubicBezTo>
+                  <a:pt x="991328" y="831612"/>
+                  <a:pt x="770711" y="759634"/>
+                  <a:pt x="644037" y="773014"/>
+                </a:cubicBezTo>
+                <a:cubicBezTo>
+                  <a:pt x="517363" y="786394"/>
+                  <a:pt x="280564" y="767561"/>
+                  <a:pt x="0" y="773014"/>
+                </a:cubicBezTo>
+                <a:cubicBezTo>
+                  <a:pt x="-18556" y="660505"/>
+                  <a:pt x="9172" y="498657"/>
+                  <a:pt x="0" y="409697"/>
+                </a:cubicBezTo>
+                <a:cubicBezTo>
+                  <a:pt x="-9172" y="320737"/>
+                  <a:pt x="19821" y="116366"/>
+                  <a:pt x="0" y="0"/>
+                </a:cubicBezTo>
+                <a:close/>
+              </a:path>
+            </a:pathLst>
+          </a:custGeom>
+          <a:solidFill>
+            <a:srgbClr val="FF007E">
+              <a:alpha val="9804"/>
+            </a:srgbClr>
+          </a:solidFill>
+          <a:ln>
+            <a:solidFill>
+              <a:srgbClr val="7030A0"/>
+            </a:solidFill>
+            <a:prstDash val="dash"/>
+            <a:extLst>
+              <a:ext uri="{C807C97D-BFC1-408E-A445-0C87EB9F89A2}">
+                <ask:lineSketchStyleProps xmlns:ask="http://schemas.microsoft.com/office/drawing/2018/sketchyshapes" sd="1219033472">
+                  <a:prstGeom prst="rect">
+                    <a:avLst/>
+                  </a:prstGeom>
+                  <ask:type>
+                    <ask:lineSketchScribble/>
+                  </ask:type>
+                </ask:lineSketchStyleProps>
+              </a:ext>
+            </a:extLst>
+          </a:ln>
+        </p:spPr>
+        <p:style>
+          <a:lnRef idx="2">
+            <a:schemeClr val="accent1">
+              <a:shade val="50000"/>
+            </a:schemeClr>
+          </a:lnRef>
+          <a:fillRef idx="1">
+            <a:schemeClr val="accent1"/>
+          </a:fillRef>
+          <a:effectRef idx="0">
+            <a:schemeClr val="accent1"/>
+          </a:effectRef>
+          <a:fontRef idx="minor">
+            <a:schemeClr val="lt1"/>
+          </a:fontRef>
+        </p:style>
+        <p:txBody>
+          <a:bodyPr rtlCol="0" anchor="ctr"/>
+          <a:lstStyle/>
+          <a:p>
+            <a:pPr algn="ctr"/>
+            <a:r>
+              <a:rPr lang="en-US" sz="1600" dirty="0">
+                <a:solidFill>
+                  <a:schemeClr val="tx1"/>
+                </a:solidFill>
+              </a:rPr>
+              <a:t>Produce insights</a:t>
+            </a:r>
+          </a:p>
+        </p:txBody>
+      </p:sp>
       <p:cxnSp>
         <p:nvCxnSpPr>
-          <p:cNvPr id="37" name="Elbow Connector 36">
-            <a:extLst>
-              <a:ext uri="{FF2B5EF4-FFF2-40B4-BE49-F238E27FC236}">
-                <a16:creationId xmlns:a16="http://schemas.microsoft.com/office/drawing/2014/main" id="{26C1542E-BA70-9048-AA50-7899BF93FED1}"/>
+          <p:cNvPr id="25" name="Elbow Connector 24">
+            <a:extLst>
+              <a:ext uri="{FF2B5EF4-FFF2-40B4-BE49-F238E27FC236}">
+                <a16:creationId xmlns:a16="http://schemas.microsoft.com/office/drawing/2014/main" id="{7E01060D-C16A-9B48-8CFA-C17D603B6532}"/>
               </a:ext>
             </a:extLst>
           </p:cNvPr>
           <p:cNvCxnSpPr>
             <a:cxnSpLocks/>
-            <a:stCxn id="27" idx="2"/>
-            <a:endCxn id="28" idx="0"/>
+            <a:stCxn id="26" idx="2"/>
+            <a:endCxn id="24" idx="1"/>
           </p:cNvCxnSpPr>
           <p:nvPr/>
         </p:nvCxnSpPr>
         <p:spPr>
           <a:xfrm rot="16200000" flipH="1">
-            <a:off x="7888371" y="2009771"/>
-            <a:ext cx="661756" cy="509546"/>
+            <a:off x="5193532" y="2016301"/>
+            <a:ext cx="530669" cy="351168"/>
           </a:xfrm>
-          <a:prstGeom prst="bentConnector3">
-            <a:avLst>
-              <a:gd name="adj1" fmla="val 50000"/>
-            </a:avLst>
+          <a:prstGeom prst="bentConnector2">
+            <a:avLst/>
           </a:prstGeom>
           <a:ln w="25400">
             <a:solidFill>
@@ -5213,10 +5228,3327 @@
           </a:fontRef>
         </p:style>
       </p:cxnSp>
+      <p:cxnSp>
+        <p:nvCxnSpPr>
+          <p:cNvPr id="33" name="Elbow Connector 32">
+            <a:extLst>
+              <a:ext uri="{FF2B5EF4-FFF2-40B4-BE49-F238E27FC236}">
+                <a16:creationId xmlns:a16="http://schemas.microsoft.com/office/drawing/2014/main" id="{F18B92DA-2C8E-994D-A6C4-A729E6579E17}"/>
+              </a:ext>
+            </a:extLst>
+          </p:cNvPr>
+          <p:cNvCxnSpPr>
+            <a:cxnSpLocks/>
+            <a:stCxn id="24" idx="2"/>
+            <a:endCxn id="41" idx="1"/>
+          </p:cNvCxnSpPr>
+          <p:nvPr/>
+        </p:nvCxnSpPr>
+        <p:spPr>
+          <a:xfrm rot="16200000" flipH="1">
+            <a:off x="6275892" y="3064833"/>
+            <a:ext cx="745424" cy="303211"/>
+          </a:xfrm>
+          <a:prstGeom prst="bentConnector2">
+            <a:avLst/>
+          </a:prstGeom>
+          <a:ln w="25400">
+            <a:solidFill>
+              <a:srgbClr val="7030A0"/>
+            </a:solidFill>
+            <a:tailEnd type="stealth" w="lg" len="lg"/>
+          </a:ln>
+        </p:spPr>
+        <p:style>
+          <a:lnRef idx="1">
+            <a:schemeClr val="accent1"/>
+          </a:lnRef>
+          <a:fillRef idx="0">
+            <a:schemeClr val="accent1"/>
+          </a:fillRef>
+          <a:effectRef idx="0">
+            <a:schemeClr val="accent1"/>
+          </a:effectRef>
+          <a:fontRef idx="minor">
+            <a:schemeClr val="tx1"/>
+          </a:fontRef>
+        </p:style>
+      </p:cxnSp>
+      <p:cxnSp>
+        <p:nvCxnSpPr>
+          <p:cNvPr id="38" name="Elbow Connector 37">
+            <a:extLst>
+              <a:ext uri="{FF2B5EF4-FFF2-40B4-BE49-F238E27FC236}">
+                <a16:creationId xmlns:a16="http://schemas.microsoft.com/office/drawing/2014/main" id="{B29451C2-9B28-4E49-A9F7-51E8D792D228}"/>
+              </a:ext>
+            </a:extLst>
+          </p:cNvPr>
+          <p:cNvCxnSpPr>
+            <a:cxnSpLocks/>
+            <a:stCxn id="26" idx="0"/>
+          </p:cNvCxnSpPr>
+          <p:nvPr/>
+        </p:nvCxnSpPr>
+        <p:spPr>
+          <a:xfrm rot="5400000" flipH="1" flipV="1">
+            <a:off x="6485725" y="-306562"/>
+            <a:ext cx="257656" cy="2662542"/>
+          </a:xfrm>
+          <a:prstGeom prst="bentConnector2">
+            <a:avLst/>
+          </a:prstGeom>
+          <a:ln w="25400">
+            <a:solidFill>
+              <a:srgbClr val="7030A0"/>
+            </a:solidFill>
+            <a:headEnd type="stealth" w="lg" len="lg"/>
+            <a:tailEnd type="none" w="lg" len="lg"/>
+          </a:ln>
+        </p:spPr>
+        <p:style>
+          <a:lnRef idx="1">
+            <a:schemeClr val="accent1"/>
+          </a:lnRef>
+          <a:fillRef idx="0">
+            <a:schemeClr val="accent1"/>
+          </a:fillRef>
+          <a:effectRef idx="0">
+            <a:schemeClr val="accent1"/>
+          </a:effectRef>
+          <a:fontRef idx="minor">
+            <a:schemeClr val="tx1"/>
+          </a:fontRef>
+        </p:style>
+      </p:cxnSp>
+      <p:cxnSp>
+        <p:nvCxnSpPr>
+          <p:cNvPr id="39" name="Elbow Connector 38">
+            <a:extLst>
+              <a:ext uri="{FF2B5EF4-FFF2-40B4-BE49-F238E27FC236}">
+                <a16:creationId xmlns:a16="http://schemas.microsoft.com/office/drawing/2014/main" id="{22B17411-0B7A-8A43-BA3D-808CBA696F88}"/>
+              </a:ext>
+            </a:extLst>
+          </p:cNvPr>
+          <p:cNvCxnSpPr>
+            <a:cxnSpLocks/>
+            <a:stCxn id="26" idx="3"/>
+          </p:cNvCxnSpPr>
+          <p:nvPr/>
+        </p:nvCxnSpPr>
+        <p:spPr>
+          <a:xfrm>
+            <a:off x="6145831" y="1540044"/>
+            <a:ext cx="1799993" cy="327309"/>
+          </a:xfrm>
+          <a:prstGeom prst="bentConnector3">
+            <a:avLst>
+              <a:gd name="adj1" fmla="val 50000"/>
+            </a:avLst>
+          </a:prstGeom>
+          <a:ln w="25400">
+            <a:solidFill>
+              <a:srgbClr val="7030A0"/>
+            </a:solidFill>
+            <a:headEnd type="stealth" w="lg" len="lg"/>
+            <a:tailEnd type="none" w="lg" len="lg"/>
+          </a:ln>
+        </p:spPr>
+        <p:style>
+          <a:lnRef idx="1">
+            <a:schemeClr val="accent1"/>
+          </a:lnRef>
+          <a:fillRef idx="0">
+            <a:schemeClr val="accent1"/>
+          </a:fillRef>
+          <a:effectRef idx="0">
+            <a:schemeClr val="accent1"/>
+          </a:effectRef>
+          <a:fontRef idx="minor">
+            <a:schemeClr val="tx1"/>
+          </a:fontRef>
+        </p:style>
+      </p:cxnSp>
+      <p:sp>
+        <p:nvSpPr>
+          <p:cNvPr id="22" name="TextBox 21">
+            <a:extLst>
+              <a:ext uri="{FF2B5EF4-FFF2-40B4-BE49-F238E27FC236}">
+                <a16:creationId xmlns:a16="http://schemas.microsoft.com/office/drawing/2014/main" id="{44EDCC67-4F87-9A40-9038-787217D1A4BA}"/>
+              </a:ext>
+            </a:extLst>
+          </p:cNvPr>
+          <p:cNvSpPr txBox="1"/>
+          <p:nvPr/>
+        </p:nvSpPr>
+        <p:spPr>
+          <a:xfrm>
+            <a:off x="5970991" y="524398"/>
+            <a:ext cx="1928926" cy="369332"/>
+          </a:xfrm>
+          <a:prstGeom prst="rect">
+            <a:avLst/>
+          </a:prstGeom>
+          <a:noFill/>
+        </p:spPr>
+        <p:txBody>
+          <a:bodyPr wrap="none" rtlCol="0">
+            <a:spAutoFit/>
+          </a:bodyPr>
+          <a:lstStyle/>
+          <a:p>
+            <a:r>
+              <a:rPr lang="en-US" dirty="0"/>
+              <a:t>By generating load</a:t>
+            </a:r>
+          </a:p>
+        </p:txBody>
+      </p:sp>
+      <p:sp>
+        <p:nvSpPr>
+          <p:cNvPr id="45" name="TextBox 44">
+            <a:extLst>
+              <a:ext uri="{FF2B5EF4-FFF2-40B4-BE49-F238E27FC236}">
+                <a16:creationId xmlns:a16="http://schemas.microsoft.com/office/drawing/2014/main" id="{E0AF0370-94C0-AE45-A4DE-A7393C60B8ED}"/>
+              </a:ext>
+            </a:extLst>
+          </p:cNvPr>
+          <p:cNvSpPr txBox="1"/>
+          <p:nvPr/>
+        </p:nvSpPr>
+        <p:spPr>
+          <a:xfrm>
+            <a:off x="7043052" y="1233683"/>
+            <a:ext cx="2580684" cy="646331"/>
+          </a:xfrm>
+          <a:prstGeom prst="rect">
+            <a:avLst/>
+          </a:prstGeom>
+          <a:noFill/>
+        </p:spPr>
+        <p:txBody>
+          <a:bodyPr wrap="square" rtlCol="0">
+            <a:spAutoFit/>
+          </a:bodyPr>
+          <a:lstStyle/>
+          <a:p>
+            <a:r>
+              <a:rPr lang="en-US" dirty="0"/>
+              <a:t>By querying backends like Prometheus, Elastic, …</a:t>
+            </a:r>
+          </a:p>
+        </p:txBody>
+      </p:sp>
     </p:spTree>
     <p:extLst>
       <p:ext uri="{BB962C8B-B14F-4D97-AF65-F5344CB8AC3E}">
         <p14:creationId xmlns:p14="http://schemas.microsoft.com/office/powerpoint/2010/main" val="1263024173"/>
+      </p:ext>
+    </p:extLst>
+  </p:cSld>
+  <p:clrMapOvr>
+    <a:masterClrMapping/>
+  </p:clrMapOvr>
+</p:sld>
+</file>
+
+<file path=ppt/slides/slide2.xml><?xml version="1.0" encoding="utf-8"?>
+<p:sld xmlns:a="http://schemas.openxmlformats.org/drawingml/2006/main" xmlns:r="http://schemas.openxmlformats.org/officeDocument/2006/relationships" xmlns:p="http://schemas.openxmlformats.org/presentationml/2006/main">
+  <p:cSld>
+    <p:spTree>
+      <p:nvGrpSpPr>
+        <p:cNvPr id="1" name=""/>
+        <p:cNvGrpSpPr/>
+        <p:nvPr/>
+      </p:nvGrpSpPr>
+      <p:grpSpPr>
+        <a:xfrm>
+          <a:off x="0" y="0"/>
+          <a:ext cx="0" cy="0"/>
+          <a:chOff x="0" y="0"/>
+          <a:chExt cx="0" cy="0"/>
+        </a:xfrm>
+      </p:grpSpPr>
+      <p:sp>
+        <p:nvSpPr>
+          <p:cNvPr id="3" name="Rectangle 2">
+            <a:extLst>
+              <a:ext uri="{FF2B5EF4-FFF2-40B4-BE49-F238E27FC236}">
+                <a16:creationId xmlns:a16="http://schemas.microsoft.com/office/drawing/2014/main" id="{42345BF9-DFA1-9241-AF9F-EABE6D269EE5}"/>
+              </a:ext>
+            </a:extLst>
+          </p:cNvPr>
+          <p:cNvSpPr/>
+          <p:nvPr/>
+        </p:nvSpPr>
+        <p:spPr>
+          <a:xfrm>
+            <a:off x="2732690" y="1566041"/>
+            <a:ext cx="7020910" cy="2974428"/>
+          </a:xfrm>
+          <a:prstGeom prst="rect">
+            <a:avLst/>
+          </a:prstGeom>
+          <a:solidFill>
+            <a:schemeClr val="bg1"/>
+          </a:solidFill>
+        </p:spPr>
+        <p:style>
+          <a:lnRef idx="2">
+            <a:schemeClr val="accent1">
+              <a:shade val="50000"/>
+            </a:schemeClr>
+          </a:lnRef>
+          <a:fillRef idx="1">
+            <a:schemeClr val="accent1"/>
+          </a:fillRef>
+          <a:effectRef idx="0">
+            <a:schemeClr val="accent1"/>
+          </a:effectRef>
+          <a:fontRef idx="minor">
+            <a:schemeClr val="lt1"/>
+          </a:fontRef>
+        </p:style>
+        <p:txBody>
+          <a:bodyPr rtlCol="0" anchor="ctr"/>
+          <a:lstStyle/>
+          <a:p>
+            <a:pPr algn="ctr"/>
+            <a:endParaRPr lang="en-US"/>
+          </a:p>
+        </p:txBody>
+      </p:sp>
+      <p:sp>
+        <p:nvSpPr>
+          <p:cNvPr id="26" name="Rectangle 25">
+            <a:extLst>
+              <a:ext uri="{FF2B5EF4-FFF2-40B4-BE49-F238E27FC236}">
+                <a16:creationId xmlns:a16="http://schemas.microsoft.com/office/drawing/2014/main" id="{17D763E7-7291-7447-BB0A-6AD1A57AC8CF}"/>
+              </a:ext>
+            </a:extLst>
+          </p:cNvPr>
+          <p:cNvSpPr/>
+          <p:nvPr/>
+        </p:nvSpPr>
+        <p:spPr>
+          <a:xfrm>
+            <a:off x="3657600" y="2432334"/>
+            <a:ext cx="1790461" cy="1179785"/>
+          </a:xfrm>
+          <a:custGeom>
+            <a:avLst/>
+            <a:gdLst>
+              <a:gd name="connsiteX0" fmla="*/ 0 w 1790461"/>
+              <a:gd name="connsiteY0" fmla="*/ 0 h 1179785"/>
+              <a:gd name="connsiteX1" fmla="*/ 578916 w 1790461"/>
+              <a:gd name="connsiteY1" fmla="*/ 0 h 1179785"/>
+              <a:gd name="connsiteX2" fmla="*/ 1175736 w 1790461"/>
+              <a:gd name="connsiteY2" fmla="*/ 0 h 1179785"/>
+              <a:gd name="connsiteX3" fmla="*/ 1790461 w 1790461"/>
+              <a:gd name="connsiteY3" fmla="*/ 0 h 1179785"/>
+              <a:gd name="connsiteX4" fmla="*/ 1790461 w 1790461"/>
+              <a:gd name="connsiteY4" fmla="*/ 589893 h 1179785"/>
+              <a:gd name="connsiteX5" fmla="*/ 1790461 w 1790461"/>
+              <a:gd name="connsiteY5" fmla="*/ 1179785 h 1179785"/>
+              <a:gd name="connsiteX6" fmla="*/ 1193641 w 1790461"/>
+              <a:gd name="connsiteY6" fmla="*/ 1179785 h 1179785"/>
+              <a:gd name="connsiteX7" fmla="*/ 632630 w 1790461"/>
+              <a:gd name="connsiteY7" fmla="*/ 1179785 h 1179785"/>
+              <a:gd name="connsiteX8" fmla="*/ 0 w 1790461"/>
+              <a:gd name="connsiteY8" fmla="*/ 1179785 h 1179785"/>
+              <a:gd name="connsiteX9" fmla="*/ 0 w 1790461"/>
+              <a:gd name="connsiteY9" fmla="*/ 601690 h 1179785"/>
+              <a:gd name="connsiteX10" fmla="*/ 0 w 1790461"/>
+              <a:gd name="connsiteY10" fmla="*/ 0 h 1179785"/>
+            </a:gdLst>
+            <a:ahLst/>
+            <a:cxnLst>
+              <a:cxn ang="0">
+                <a:pos x="connsiteX0" y="connsiteY0"/>
+              </a:cxn>
+              <a:cxn ang="0">
+                <a:pos x="connsiteX1" y="connsiteY1"/>
+              </a:cxn>
+              <a:cxn ang="0">
+                <a:pos x="connsiteX2" y="connsiteY2"/>
+              </a:cxn>
+              <a:cxn ang="0">
+                <a:pos x="connsiteX3" y="connsiteY3"/>
+              </a:cxn>
+              <a:cxn ang="0">
+                <a:pos x="connsiteX4" y="connsiteY4"/>
+              </a:cxn>
+              <a:cxn ang="0">
+                <a:pos x="connsiteX5" y="connsiteY5"/>
+              </a:cxn>
+              <a:cxn ang="0">
+                <a:pos x="connsiteX6" y="connsiteY6"/>
+              </a:cxn>
+              <a:cxn ang="0">
+                <a:pos x="connsiteX7" y="connsiteY7"/>
+              </a:cxn>
+              <a:cxn ang="0">
+                <a:pos x="connsiteX8" y="connsiteY8"/>
+              </a:cxn>
+              <a:cxn ang="0">
+                <a:pos x="connsiteX9" y="connsiteY9"/>
+              </a:cxn>
+              <a:cxn ang="0">
+                <a:pos x="connsiteX10" y="connsiteY10"/>
+              </a:cxn>
+            </a:cxnLst>
+            <a:rect l="l" t="t" r="r" b="b"/>
+            <a:pathLst>
+              <a:path w="1790461" h="1179785" fill="none" extrusionOk="0">
+                <a:moveTo>
+                  <a:pt x="0" y="0"/>
+                </a:moveTo>
+                <a:cubicBezTo>
+                  <a:pt x="123975" y="-1688"/>
+                  <a:pt x="461064" y="34721"/>
+                  <a:pt x="578916" y="0"/>
+                </a:cubicBezTo>
+                <a:cubicBezTo>
+                  <a:pt x="696768" y="-34721"/>
+                  <a:pt x="910255" y="8603"/>
+                  <a:pt x="1175736" y="0"/>
+                </a:cubicBezTo>
+                <a:cubicBezTo>
+                  <a:pt x="1441217" y="-8603"/>
+                  <a:pt x="1639874" y="72082"/>
+                  <a:pt x="1790461" y="0"/>
+                </a:cubicBezTo>
+                <a:cubicBezTo>
+                  <a:pt x="1851071" y="168805"/>
+                  <a:pt x="1728350" y="451185"/>
+                  <a:pt x="1790461" y="589893"/>
+                </a:cubicBezTo>
+                <a:cubicBezTo>
+                  <a:pt x="1852572" y="728601"/>
+                  <a:pt x="1756441" y="925786"/>
+                  <a:pt x="1790461" y="1179785"/>
+                </a:cubicBezTo>
+                <a:cubicBezTo>
+                  <a:pt x="1620906" y="1215105"/>
+                  <a:pt x="1424889" y="1163175"/>
+                  <a:pt x="1193641" y="1179785"/>
+                </a:cubicBezTo>
+                <a:cubicBezTo>
+                  <a:pt x="962393" y="1196395"/>
+                  <a:pt x="819959" y="1151578"/>
+                  <a:pt x="632630" y="1179785"/>
+                </a:cubicBezTo>
+                <a:cubicBezTo>
+                  <a:pt x="445301" y="1207992"/>
+                  <a:pt x="222592" y="1111488"/>
+                  <a:pt x="0" y="1179785"/>
+                </a:cubicBezTo>
+                <a:cubicBezTo>
+                  <a:pt x="-6402" y="965932"/>
+                  <a:pt x="41558" y="808976"/>
+                  <a:pt x="0" y="601690"/>
+                </a:cubicBezTo>
+                <a:cubicBezTo>
+                  <a:pt x="-41558" y="394405"/>
+                  <a:pt x="18458" y="210344"/>
+                  <a:pt x="0" y="0"/>
+                </a:cubicBezTo>
+                <a:close/>
+              </a:path>
+              <a:path w="1790461" h="1179785" stroke="0" extrusionOk="0">
+                <a:moveTo>
+                  <a:pt x="0" y="0"/>
+                </a:moveTo>
+                <a:cubicBezTo>
+                  <a:pt x="177481" y="-6470"/>
+                  <a:pt x="324366" y="62218"/>
+                  <a:pt x="578916" y="0"/>
+                </a:cubicBezTo>
+                <a:cubicBezTo>
+                  <a:pt x="833466" y="-62218"/>
+                  <a:pt x="899156" y="13464"/>
+                  <a:pt x="1122022" y="0"/>
+                </a:cubicBezTo>
+                <a:cubicBezTo>
+                  <a:pt x="1344888" y="-13464"/>
+                  <a:pt x="1505542" y="38953"/>
+                  <a:pt x="1790461" y="0"/>
+                </a:cubicBezTo>
+                <a:cubicBezTo>
+                  <a:pt x="1853215" y="149219"/>
+                  <a:pt x="1768063" y="358037"/>
+                  <a:pt x="1790461" y="578095"/>
+                </a:cubicBezTo>
+                <a:cubicBezTo>
+                  <a:pt x="1812859" y="798154"/>
+                  <a:pt x="1737564" y="913307"/>
+                  <a:pt x="1790461" y="1179785"/>
+                </a:cubicBezTo>
+                <a:cubicBezTo>
+                  <a:pt x="1594732" y="1191825"/>
+                  <a:pt x="1393617" y="1147342"/>
+                  <a:pt x="1229450" y="1179785"/>
+                </a:cubicBezTo>
+                <a:cubicBezTo>
+                  <a:pt x="1065283" y="1212228"/>
+                  <a:pt x="865964" y="1116480"/>
+                  <a:pt x="668439" y="1179785"/>
+                </a:cubicBezTo>
+                <a:cubicBezTo>
+                  <a:pt x="470914" y="1243090"/>
+                  <a:pt x="202740" y="1103105"/>
+                  <a:pt x="0" y="1179785"/>
+                </a:cubicBezTo>
+                <a:cubicBezTo>
+                  <a:pt x="-30222" y="972383"/>
+                  <a:pt x="11070" y="823190"/>
+                  <a:pt x="0" y="625286"/>
+                </a:cubicBezTo>
+                <a:cubicBezTo>
+                  <a:pt x="-11070" y="427382"/>
+                  <a:pt x="23142" y="206330"/>
+                  <a:pt x="0" y="0"/>
+                </a:cubicBezTo>
+                <a:close/>
+              </a:path>
+            </a:pathLst>
+          </a:custGeom>
+          <a:solidFill>
+            <a:srgbClr val="FF007E">
+              <a:alpha val="9804"/>
+            </a:srgbClr>
+          </a:solidFill>
+          <a:ln>
+            <a:solidFill>
+              <a:srgbClr val="7030A0"/>
+            </a:solidFill>
+            <a:prstDash val="dash"/>
+            <a:extLst>
+              <a:ext uri="{C807C97D-BFC1-408E-A445-0C87EB9F89A2}">
+                <ask:lineSketchStyleProps xmlns:ask="http://schemas.microsoft.com/office/drawing/2018/sketchyshapes" sd="1219033472">
+                  <a:prstGeom prst="rect">
+                    <a:avLst/>
+                  </a:prstGeom>
+                  <ask:type>
+                    <ask:lineSketchScribble/>
+                  </ask:type>
+                </ask:lineSketchStyleProps>
+              </a:ext>
+            </a:extLst>
+          </a:ln>
+        </p:spPr>
+        <p:style>
+          <a:lnRef idx="2">
+            <a:schemeClr val="accent1">
+              <a:shade val="50000"/>
+            </a:schemeClr>
+          </a:lnRef>
+          <a:fillRef idx="1">
+            <a:schemeClr val="accent1"/>
+          </a:fillRef>
+          <a:effectRef idx="0">
+            <a:schemeClr val="accent1"/>
+          </a:effectRef>
+          <a:fontRef idx="minor">
+            <a:schemeClr val="lt1"/>
+          </a:fontRef>
+        </p:style>
+        <p:txBody>
+          <a:bodyPr rtlCol="0" anchor="ctr"/>
+          <a:lstStyle/>
+          <a:p>
+            <a:pPr algn="ctr"/>
+            <a:r>
+              <a:rPr lang="en-US" sz="1600" dirty="0">
+                <a:solidFill>
+                  <a:schemeClr val="tx1"/>
+                </a:solidFill>
+              </a:rPr>
+              <a:t>Front-end service (e.g., Flask / NodeJS app)</a:t>
+            </a:r>
+          </a:p>
+        </p:txBody>
+      </p:sp>
+      <p:sp>
+        <p:nvSpPr>
+          <p:cNvPr id="24" name="Rectangle 23">
+            <a:extLst>
+              <a:ext uri="{FF2B5EF4-FFF2-40B4-BE49-F238E27FC236}">
+                <a16:creationId xmlns:a16="http://schemas.microsoft.com/office/drawing/2014/main" id="{613FA1FA-FC95-D949-9BFB-681D4A89B857}"/>
+              </a:ext>
+            </a:extLst>
+          </p:cNvPr>
+          <p:cNvSpPr/>
+          <p:nvPr/>
+        </p:nvSpPr>
+        <p:spPr>
+          <a:xfrm>
+            <a:off x="6743940" y="2432335"/>
+            <a:ext cx="2009783" cy="1179786"/>
+          </a:xfrm>
+          <a:custGeom>
+            <a:avLst/>
+            <a:gdLst>
+              <a:gd name="connsiteX0" fmla="*/ 0 w 2009783"/>
+              <a:gd name="connsiteY0" fmla="*/ 0 h 1179786"/>
+              <a:gd name="connsiteX1" fmla="*/ 482348 w 2009783"/>
+              <a:gd name="connsiteY1" fmla="*/ 0 h 1179786"/>
+              <a:gd name="connsiteX2" fmla="*/ 984794 w 2009783"/>
+              <a:gd name="connsiteY2" fmla="*/ 0 h 1179786"/>
+              <a:gd name="connsiteX3" fmla="*/ 1507337 w 2009783"/>
+              <a:gd name="connsiteY3" fmla="*/ 0 h 1179786"/>
+              <a:gd name="connsiteX4" fmla="*/ 2009783 w 2009783"/>
+              <a:gd name="connsiteY4" fmla="*/ 0 h 1179786"/>
+              <a:gd name="connsiteX5" fmla="*/ 2009783 w 2009783"/>
+              <a:gd name="connsiteY5" fmla="*/ 601691 h 1179786"/>
+              <a:gd name="connsiteX6" fmla="*/ 2009783 w 2009783"/>
+              <a:gd name="connsiteY6" fmla="*/ 1179786 h 1179786"/>
+              <a:gd name="connsiteX7" fmla="*/ 1467142 w 2009783"/>
+              <a:gd name="connsiteY7" fmla="*/ 1179786 h 1179786"/>
+              <a:gd name="connsiteX8" fmla="*/ 924500 w 2009783"/>
+              <a:gd name="connsiteY8" fmla="*/ 1179786 h 1179786"/>
+              <a:gd name="connsiteX9" fmla="*/ 0 w 2009783"/>
+              <a:gd name="connsiteY9" fmla="*/ 1179786 h 1179786"/>
+              <a:gd name="connsiteX10" fmla="*/ 0 w 2009783"/>
+              <a:gd name="connsiteY10" fmla="*/ 601691 h 1179786"/>
+              <a:gd name="connsiteX11" fmla="*/ 0 w 2009783"/>
+              <a:gd name="connsiteY11" fmla="*/ 0 h 1179786"/>
+            </a:gdLst>
+            <a:ahLst/>
+            <a:cxnLst>
+              <a:cxn ang="0">
+                <a:pos x="connsiteX0" y="connsiteY0"/>
+              </a:cxn>
+              <a:cxn ang="0">
+                <a:pos x="connsiteX1" y="connsiteY1"/>
+              </a:cxn>
+              <a:cxn ang="0">
+                <a:pos x="connsiteX2" y="connsiteY2"/>
+              </a:cxn>
+              <a:cxn ang="0">
+                <a:pos x="connsiteX3" y="connsiteY3"/>
+              </a:cxn>
+              <a:cxn ang="0">
+                <a:pos x="connsiteX4" y="connsiteY4"/>
+              </a:cxn>
+              <a:cxn ang="0">
+                <a:pos x="connsiteX5" y="connsiteY5"/>
+              </a:cxn>
+              <a:cxn ang="0">
+                <a:pos x="connsiteX6" y="connsiteY6"/>
+              </a:cxn>
+              <a:cxn ang="0">
+                <a:pos x="connsiteX7" y="connsiteY7"/>
+              </a:cxn>
+              <a:cxn ang="0">
+                <a:pos x="connsiteX8" y="connsiteY8"/>
+              </a:cxn>
+              <a:cxn ang="0">
+                <a:pos x="connsiteX9" y="connsiteY9"/>
+              </a:cxn>
+              <a:cxn ang="0">
+                <a:pos x="connsiteX10" y="connsiteY10"/>
+              </a:cxn>
+              <a:cxn ang="0">
+                <a:pos x="connsiteX11" y="connsiteY11"/>
+              </a:cxn>
+            </a:cxnLst>
+            <a:rect l="l" t="t" r="r" b="b"/>
+            <a:pathLst>
+              <a:path w="2009783" h="1179786" fill="none" extrusionOk="0">
+                <a:moveTo>
+                  <a:pt x="0" y="0"/>
+                </a:moveTo>
+                <a:cubicBezTo>
+                  <a:pt x="191066" y="-9014"/>
+                  <a:pt x="335463" y="37622"/>
+                  <a:pt x="482348" y="0"/>
+                </a:cubicBezTo>
+                <a:cubicBezTo>
+                  <a:pt x="629233" y="-37622"/>
+                  <a:pt x="808452" y="53404"/>
+                  <a:pt x="984794" y="0"/>
+                </a:cubicBezTo>
+                <a:cubicBezTo>
+                  <a:pt x="1161136" y="-53404"/>
+                  <a:pt x="1345009" y="39073"/>
+                  <a:pt x="1507337" y="0"/>
+                </a:cubicBezTo>
+                <a:cubicBezTo>
+                  <a:pt x="1669665" y="-39073"/>
+                  <a:pt x="1798010" y="18780"/>
+                  <a:pt x="2009783" y="0"/>
+                </a:cubicBezTo>
+                <a:cubicBezTo>
+                  <a:pt x="2063594" y="121710"/>
+                  <a:pt x="1959260" y="477454"/>
+                  <a:pt x="2009783" y="601691"/>
+                </a:cubicBezTo>
+                <a:cubicBezTo>
+                  <a:pt x="2060306" y="725928"/>
+                  <a:pt x="1965782" y="992576"/>
+                  <a:pt x="2009783" y="1179786"/>
+                </a:cubicBezTo>
+                <a:cubicBezTo>
+                  <a:pt x="1886877" y="1231459"/>
+                  <a:pt x="1702209" y="1128814"/>
+                  <a:pt x="1467142" y="1179786"/>
+                </a:cubicBezTo>
+                <a:cubicBezTo>
+                  <a:pt x="1232075" y="1230758"/>
+                  <a:pt x="1159291" y="1147336"/>
+                  <a:pt x="924500" y="1179786"/>
+                </a:cubicBezTo>
+                <a:cubicBezTo>
+                  <a:pt x="689709" y="1212236"/>
+                  <a:pt x="232183" y="1122842"/>
+                  <a:pt x="0" y="1179786"/>
+                </a:cubicBezTo>
+                <a:cubicBezTo>
+                  <a:pt x="-61686" y="1015407"/>
+                  <a:pt x="34870" y="838304"/>
+                  <a:pt x="0" y="601691"/>
+                </a:cubicBezTo>
+                <a:cubicBezTo>
+                  <a:pt x="-34870" y="365079"/>
+                  <a:pt x="56483" y="159283"/>
+                  <a:pt x="0" y="0"/>
+                </a:cubicBezTo>
+                <a:close/>
+              </a:path>
+              <a:path w="2009783" h="1179786" stroke="0" extrusionOk="0">
+                <a:moveTo>
+                  <a:pt x="0" y="0"/>
+                </a:moveTo>
+                <a:cubicBezTo>
+                  <a:pt x="195156" y="-9781"/>
+                  <a:pt x="346698" y="29297"/>
+                  <a:pt x="482348" y="0"/>
+                </a:cubicBezTo>
+                <a:cubicBezTo>
+                  <a:pt x="617998" y="-29297"/>
+                  <a:pt x="804509" y="12186"/>
+                  <a:pt x="924500" y="0"/>
+                </a:cubicBezTo>
+                <a:cubicBezTo>
+                  <a:pt x="1044491" y="-12186"/>
+                  <a:pt x="1325794" y="18424"/>
+                  <a:pt x="1467142" y="0"/>
+                </a:cubicBezTo>
+                <a:cubicBezTo>
+                  <a:pt x="1608490" y="-18424"/>
+                  <a:pt x="1747351" y="10638"/>
+                  <a:pt x="2009783" y="0"/>
+                </a:cubicBezTo>
+                <a:cubicBezTo>
+                  <a:pt x="2057756" y="166814"/>
+                  <a:pt x="1989131" y="314786"/>
+                  <a:pt x="2009783" y="578095"/>
+                </a:cubicBezTo>
+                <a:cubicBezTo>
+                  <a:pt x="2030435" y="841404"/>
+                  <a:pt x="1953691" y="951864"/>
+                  <a:pt x="2009783" y="1179786"/>
+                </a:cubicBezTo>
+                <a:cubicBezTo>
+                  <a:pt x="1885756" y="1202592"/>
+                  <a:pt x="1711825" y="1172089"/>
+                  <a:pt x="1507337" y="1179786"/>
+                </a:cubicBezTo>
+                <a:cubicBezTo>
+                  <a:pt x="1302849" y="1187483"/>
+                  <a:pt x="1163522" y="1160024"/>
+                  <a:pt x="964696" y="1179786"/>
+                </a:cubicBezTo>
+                <a:cubicBezTo>
+                  <a:pt x="765870" y="1199548"/>
+                  <a:pt x="683239" y="1150694"/>
+                  <a:pt x="522544" y="1179786"/>
+                </a:cubicBezTo>
+                <a:cubicBezTo>
+                  <a:pt x="361849" y="1208878"/>
+                  <a:pt x="260058" y="1124111"/>
+                  <a:pt x="0" y="1179786"/>
+                </a:cubicBezTo>
+                <a:cubicBezTo>
+                  <a:pt x="-57759" y="1026800"/>
+                  <a:pt x="37923" y="774365"/>
+                  <a:pt x="0" y="589893"/>
+                </a:cubicBezTo>
+                <a:cubicBezTo>
+                  <a:pt x="-37923" y="405421"/>
+                  <a:pt x="7459" y="170212"/>
+                  <a:pt x="0" y="0"/>
+                </a:cubicBezTo>
+                <a:close/>
+              </a:path>
+            </a:pathLst>
+          </a:custGeom>
+          <a:solidFill>
+            <a:srgbClr val="FF007E">
+              <a:alpha val="9804"/>
+            </a:srgbClr>
+          </a:solidFill>
+          <a:ln>
+            <a:solidFill>
+              <a:srgbClr val="7030A0"/>
+            </a:solidFill>
+            <a:prstDash val="dash"/>
+            <a:extLst>
+              <a:ext uri="{C807C97D-BFC1-408E-A445-0C87EB9F89A2}">
+                <ask:lineSketchStyleProps xmlns:ask="http://schemas.microsoft.com/office/drawing/2018/sketchyshapes" sd="1219033472">
+                  <a:prstGeom prst="rect">
+                    <a:avLst/>
+                  </a:prstGeom>
+                  <ask:type>
+                    <ask:lineSketchScribble/>
+                  </ask:type>
+                </ask:lineSketchStyleProps>
+              </a:ext>
+            </a:extLst>
+          </a:ln>
+        </p:spPr>
+        <p:style>
+          <a:lnRef idx="2">
+            <a:schemeClr val="accent1">
+              <a:shade val="50000"/>
+            </a:schemeClr>
+          </a:lnRef>
+          <a:fillRef idx="1">
+            <a:schemeClr val="accent1"/>
+          </a:fillRef>
+          <a:effectRef idx="0">
+            <a:schemeClr val="accent1"/>
+          </a:effectRef>
+          <a:fontRef idx="minor">
+            <a:schemeClr val="lt1"/>
+          </a:fontRef>
+        </p:style>
+        <p:txBody>
+          <a:bodyPr rtlCol="0" anchor="ctr"/>
+          <a:lstStyle/>
+          <a:p>
+            <a:pPr algn="ctr"/>
+            <a:r>
+              <a:rPr lang="en-US" sz="1600" dirty="0">
+                <a:solidFill>
+                  <a:schemeClr val="tx1"/>
+                </a:solidFill>
+              </a:rPr>
+              <a:t>Back-end service (e.g., </a:t>
+            </a:r>
+            <a:r>
+              <a:rPr lang="en-US" sz="1600" dirty="0" err="1">
+                <a:solidFill>
+                  <a:schemeClr val="tx1"/>
+                </a:solidFill>
+              </a:rPr>
+              <a:t>Kserve</a:t>
+            </a:r>
+            <a:r>
+              <a:rPr lang="en-US" sz="1600" dirty="0">
+                <a:solidFill>
+                  <a:schemeClr val="tx1"/>
+                </a:solidFill>
+              </a:rPr>
+              <a:t> / </a:t>
+            </a:r>
+            <a:r>
+              <a:rPr lang="en-US" sz="1600" dirty="0" err="1">
+                <a:solidFill>
+                  <a:schemeClr val="tx1"/>
+                </a:solidFill>
+              </a:rPr>
+              <a:t>RayServe</a:t>
+            </a:r>
+            <a:r>
+              <a:rPr lang="en-US" sz="1600" dirty="0">
+                <a:solidFill>
+                  <a:schemeClr val="tx1"/>
+                </a:solidFill>
+              </a:rPr>
+              <a:t> / Seldon Deployment)</a:t>
+            </a:r>
+          </a:p>
+        </p:txBody>
+      </p:sp>
+      <p:sp>
+        <p:nvSpPr>
+          <p:cNvPr id="27" name="Rectangle 26">
+            <a:extLst>
+              <a:ext uri="{FF2B5EF4-FFF2-40B4-BE49-F238E27FC236}">
+                <a16:creationId xmlns:a16="http://schemas.microsoft.com/office/drawing/2014/main" id="{6416FAED-651E-974D-9001-5DC7CE021268}"/>
+              </a:ext>
+            </a:extLst>
+          </p:cNvPr>
+          <p:cNvSpPr/>
+          <p:nvPr/>
+        </p:nvSpPr>
+        <p:spPr>
+          <a:xfrm>
+            <a:off x="8454418" y="1271094"/>
+            <a:ext cx="2009783" cy="589893"/>
+          </a:xfrm>
+          <a:custGeom>
+            <a:avLst/>
+            <a:gdLst>
+              <a:gd name="connsiteX0" fmla="*/ 0 w 2009783"/>
+              <a:gd name="connsiteY0" fmla="*/ 0 h 589893"/>
+              <a:gd name="connsiteX1" fmla="*/ 482348 w 2009783"/>
+              <a:gd name="connsiteY1" fmla="*/ 0 h 589893"/>
+              <a:gd name="connsiteX2" fmla="*/ 984794 w 2009783"/>
+              <a:gd name="connsiteY2" fmla="*/ 0 h 589893"/>
+              <a:gd name="connsiteX3" fmla="*/ 1487239 w 2009783"/>
+              <a:gd name="connsiteY3" fmla="*/ 0 h 589893"/>
+              <a:gd name="connsiteX4" fmla="*/ 2009783 w 2009783"/>
+              <a:gd name="connsiteY4" fmla="*/ 0 h 589893"/>
+              <a:gd name="connsiteX5" fmla="*/ 2009783 w 2009783"/>
+              <a:gd name="connsiteY5" fmla="*/ 589893 h 589893"/>
+              <a:gd name="connsiteX6" fmla="*/ 1507337 w 2009783"/>
+              <a:gd name="connsiteY6" fmla="*/ 589893 h 589893"/>
+              <a:gd name="connsiteX7" fmla="*/ 1045087 w 2009783"/>
+              <a:gd name="connsiteY7" fmla="*/ 589893 h 589893"/>
+              <a:gd name="connsiteX8" fmla="*/ 582837 w 2009783"/>
+              <a:gd name="connsiteY8" fmla="*/ 589893 h 589893"/>
+              <a:gd name="connsiteX9" fmla="*/ 0 w 2009783"/>
+              <a:gd name="connsiteY9" fmla="*/ 589893 h 589893"/>
+              <a:gd name="connsiteX10" fmla="*/ 0 w 2009783"/>
+              <a:gd name="connsiteY10" fmla="*/ 0 h 589893"/>
+            </a:gdLst>
+            <a:ahLst/>
+            <a:cxnLst>
+              <a:cxn ang="0">
+                <a:pos x="connsiteX0" y="connsiteY0"/>
+              </a:cxn>
+              <a:cxn ang="0">
+                <a:pos x="connsiteX1" y="connsiteY1"/>
+              </a:cxn>
+              <a:cxn ang="0">
+                <a:pos x="connsiteX2" y="connsiteY2"/>
+              </a:cxn>
+              <a:cxn ang="0">
+                <a:pos x="connsiteX3" y="connsiteY3"/>
+              </a:cxn>
+              <a:cxn ang="0">
+                <a:pos x="connsiteX4" y="connsiteY4"/>
+              </a:cxn>
+              <a:cxn ang="0">
+                <a:pos x="connsiteX5" y="connsiteY5"/>
+              </a:cxn>
+              <a:cxn ang="0">
+                <a:pos x="connsiteX6" y="connsiteY6"/>
+              </a:cxn>
+              <a:cxn ang="0">
+                <a:pos x="connsiteX7" y="connsiteY7"/>
+              </a:cxn>
+              <a:cxn ang="0">
+                <a:pos x="connsiteX8" y="connsiteY8"/>
+              </a:cxn>
+              <a:cxn ang="0">
+                <a:pos x="connsiteX9" y="connsiteY9"/>
+              </a:cxn>
+              <a:cxn ang="0">
+                <a:pos x="connsiteX10" y="connsiteY10"/>
+              </a:cxn>
+            </a:cxnLst>
+            <a:rect l="l" t="t" r="r" b="b"/>
+            <a:pathLst>
+              <a:path w="2009783" h="589893" fill="none" extrusionOk="0">
+                <a:moveTo>
+                  <a:pt x="0" y="0"/>
+                </a:moveTo>
+                <a:cubicBezTo>
+                  <a:pt x="184288" y="-7174"/>
+                  <a:pt x="352224" y="16171"/>
+                  <a:pt x="482348" y="0"/>
+                </a:cubicBezTo>
+                <a:cubicBezTo>
+                  <a:pt x="612472" y="-16171"/>
+                  <a:pt x="791947" y="14459"/>
+                  <a:pt x="984794" y="0"/>
+                </a:cubicBezTo>
+                <a:cubicBezTo>
+                  <a:pt x="1177641" y="-14459"/>
+                  <a:pt x="1295251" y="34059"/>
+                  <a:pt x="1487239" y="0"/>
+                </a:cubicBezTo>
+                <a:cubicBezTo>
+                  <a:pt x="1679228" y="-34059"/>
+                  <a:pt x="1823372" y="23616"/>
+                  <a:pt x="2009783" y="0"/>
+                </a:cubicBezTo>
+                <a:cubicBezTo>
+                  <a:pt x="2035938" y="264262"/>
+                  <a:pt x="1978075" y="333897"/>
+                  <a:pt x="2009783" y="589893"/>
+                </a:cubicBezTo>
+                <a:cubicBezTo>
+                  <a:pt x="1763609" y="609090"/>
+                  <a:pt x="1720386" y="539202"/>
+                  <a:pt x="1507337" y="589893"/>
+                </a:cubicBezTo>
+                <a:cubicBezTo>
+                  <a:pt x="1294288" y="640584"/>
+                  <a:pt x="1203327" y="586454"/>
+                  <a:pt x="1045087" y="589893"/>
+                </a:cubicBezTo>
+                <a:cubicBezTo>
+                  <a:pt x="886847" y="593332"/>
+                  <a:pt x="729689" y="589157"/>
+                  <a:pt x="582837" y="589893"/>
+                </a:cubicBezTo>
+                <a:cubicBezTo>
+                  <a:pt x="435985" y="590629"/>
+                  <a:pt x="147484" y="570423"/>
+                  <a:pt x="0" y="589893"/>
+                </a:cubicBezTo>
+                <a:cubicBezTo>
+                  <a:pt x="-55145" y="314338"/>
+                  <a:pt x="51334" y="213934"/>
+                  <a:pt x="0" y="0"/>
+                </a:cubicBezTo>
+                <a:close/>
+              </a:path>
+              <a:path w="2009783" h="589893" stroke="0" extrusionOk="0">
+                <a:moveTo>
+                  <a:pt x="0" y="0"/>
+                </a:moveTo>
+                <a:cubicBezTo>
+                  <a:pt x="195156" y="-9781"/>
+                  <a:pt x="346698" y="29297"/>
+                  <a:pt x="482348" y="0"/>
+                </a:cubicBezTo>
+                <a:cubicBezTo>
+                  <a:pt x="617998" y="-29297"/>
+                  <a:pt x="804509" y="12186"/>
+                  <a:pt x="924500" y="0"/>
+                </a:cubicBezTo>
+                <a:cubicBezTo>
+                  <a:pt x="1044491" y="-12186"/>
+                  <a:pt x="1325794" y="18424"/>
+                  <a:pt x="1467142" y="0"/>
+                </a:cubicBezTo>
+                <a:cubicBezTo>
+                  <a:pt x="1608490" y="-18424"/>
+                  <a:pt x="1747351" y="10638"/>
+                  <a:pt x="2009783" y="0"/>
+                </a:cubicBezTo>
+                <a:cubicBezTo>
+                  <a:pt x="2064060" y="207977"/>
+                  <a:pt x="1955955" y="416109"/>
+                  <a:pt x="2009783" y="589893"/>
+                </a:cubicBezTo>
+                <a:cubicBezTo>
+                  <a:pt x="1832886" y="618502"/>
+                  <a:pt x="1679883" y="544714"/>
+                  <a:pt x="1547533" y="589893"/>
+                </a:cubicBezTo>
+                <a:cubicBezTo>
+                  <a:pt x="1415183" y="635072"/>
+                  <a:pt x="1203345" y="542908"/>
+                  <a:pt x="1085283" y="589893"/>
+                </a:cubicBezTo>
+                <a:cubicBezTo>
+                  <a:pt x="967221" y="636878"/>
+                  <a:pt x="742984" y="572226"/>
+                  <a:pt x="542641" y="589893"/>
+                </a:cubicBezTo>
+                <a:cubicBezTo>
+                  <a:pt x="342298" y="607560"/>
+                  <a:pt x="163424" y="526872"/>
+                  <a:pt x="0" y="589893"/>
+                </a:cubicBezTo>
+                <a:cubicBezTo>
+                  <a:pt x="-68599" y="412665"/>
+                  <a:pt x="2799" y="140706"/>
+                  <a:pt x="0" y="0"/>
+                </a:cubicBezTo>
+                <a:close/>
+              </a:path>
+            </a:pathLst>
+          </a:custGeom>
+          <a:solidFill>
+            <a:schemeClr val="accent6">
+              <a:lumMod val="20000"/>
+              <a:lumOff val="80000"/>
+            </a:schemeClr>
+          </a:solidFill>
+          <a:ln>
+            <a:solidFill>
+              <a:srgbClr val="7030A0"/>
+            </a:solidFill>
+            <a:prstDash val="dash"/>
+            <a:extLst>
+              <a:ext uri="{C807C97D-BFC1-408E-A445-0C87EB9F89A2}">
+                <ask:lineSketchStyleProps xmlns:ask="http://schemas.microsoft.com/office/drawing/2018/sketchyshapes" sd="1219033472">
+                  <a:prstGeom prst="rect">
+                    <a:avLst/>
+                  </a:prstGeom>
+                  <ask:type>
+                    <ask:lineSketchScribble/>
+                  </ask:type>
+                </ask:lineSketchStyleProps>
+              </a:ext>
+            </a:extLst>
+          </a:ln>
+        </p:spPr>
+        <p:style>
+          <a:lnRef idx="2">
+            <a:schemeClr val="accent1">
+              <a:shade val="50000"/>
+            </a:schemeClr>
+          </a:lnRef>
+          <a:fillRef idx="1">
+            <a:schemeClr val="accent1"/>
+          </a:fillRef>
+          <a:effectRef idx="0">
+            <a:schemeClr val="accent1"/>
+          </a:effectRef>
+          <a:fontRef idx="minor">
+            <a:schemeClr val="lt1"/>
+          </a:fontRef>
+        </p:style>
+        <p:txBody>
+          <a:bodyPr rtlCol="0" anchor="ctr"/>
+          <a:lstStyle/>
+          <a:p>
+            <a:pPr algn="ctr"/>
+            <a:r>
+              <a:rPr lang="en-US" sz="1600" dirty="0">
+                <a:solidFill>
+                  <a:schemeClr val="tx1"/>
+                </a:solidFill>
+              </a:rPr>
+              <a:t>User application</a:t>
+            </a:r>
+          </a:p>
+        </p:txBody>
+      </p:sp>
+      <p:cxnSp>
+        <p:nvCxnSpPr>
+          <p:cNvPr id="6" name="Straight Arrow Connector 5">
+            <a:extLst>
+              <a:ext uri="{FF2B5EF4-FFF2-40B4-BE49-F238E27FC236}">
+                <a16:creationId xmlns:a16="http://schemas.microsoft.com/office/drawing/2014/main" id="{8BE28B80-7B6C-CF4C-B9A7-6BEC2AB50084}"/>
+              </a:ext>
+            </a:extLst>
+          </p:cNvPr>
+          <p:cNvCxnSpPr>
+            <a:endCxn id="24" idx="1"/>
+          </p:cNvCxnSpPr>
+          <p:nvPr/>
+        </p:nvCxnSpPr>
+        <p:spPr>
+          <a:xfrm flipV="1">
+            <a:off x="5448061" y="3022228"/>
+            <a:ext cx="1295879" cy="4751"/>
+          </a:xfrm>
+          <a:prstGeom prst="straightConnector1">
+            <a:avLst/>
+          </a:prstGeom>
+          <a:ln>
+            <a:tailEnd type="triangle"/>
+          </a:ln>
+        </p:spPr>
+        <p:style>
+          <a:lnRef idx="1">
+            <a:schemeClr val="accent1"/>
+          </a:lnRef>
+          <a:fillRef idx="0">
+            <a:schemeClr val="accent1"/>
+          </a:fillRef>
+          <a:effectRef idx="0">
+            <a:schemeClr val="accent1"/>
+          </a:effectRef>
+          <a:fontRef idx="minor">
+            <a:schemeClr val="tx1"/>
+          </a:fontRef>
+        </p:style>
+      </p:cxnSp>
+      <p:cxnSp>
+        <p:nvCxnSpPr>
+          <p:cNvPr id="8" name="Elbow Connector 7">
+            <a:extLst>
+              <a:ext uri="{FF2B5EF4-FFF2-40B4-BE49-F238E27FC236}">
+                <a16:creationId xmlns:a16="http://schemas.microsoft.com/office/drawing/2014/main" id="{0A5EB9F2-72E5-DE43-8FD3-C3FB838AE487}"/>
+              </a:ext>
+            </a:extLst>
+          </p:cNvPr>
+          <p:cNvCxnSpPr>
+            <a:cxnSpLocks/>
+            <a:stCxn id="24" idx="2"/>
+            <a:endCxn id="26" idx="2"/>
+          </p:cNvCxnSpPr>
+          <p:nvPr/>
+        </p:nvCxnSpPr>
+        <p:spPr>
+          <a:xfrm rot="5400000" flipH="1">
+            <a:off x="6150831" y="2014120"/>
+            <a:ext cx="2" cy="3196001"/>
+          </a:xfrm>
+          <a:prstGeom prst="bentConnector3">
+            <a:avLst>
+              <a:gd name="adj1" fmla="val -11430000000"/>
+            </a:avLst>
+          </a:prstGeom>
+          <a:ln>
+            <a:tailEnd type="triangle"/>
+          </a:ln>
+        </p:spPr>
+        <p:style>
+          <a:lnRef idx="1">
+            <a:schemeClr val="accent1"/>
+          </a:lnRef>
+          <a:fillRef idx="0">
+            <a:schemeClr val="accent1"/>
+          </a:fillRef>
+          <a:effectRef idx="0">
+            <a:schemeClr val="accent1"/>
+          </a:effectRef>
+          <a:fontRef idx="minor">
+            <a:schemeClr val="tx1"/>
+          </a:fontRef>
+        </p:style>
+      </p:cxnSp>
+      <p:sp>
+        <p:nvSpPr>
+          <p:cNvPr id="17" name="TextBox 16">
+            <a:extLst>
+              <a:ext uri="{FF2B5EF4-FFF2-40B4-BE49-F238E27FC236}">
+                <a16:creationId xmlns:a16="http://schemas.microsoft.com/office/drawing/2014/main" id="{7BC8BC07-97A4-0747-BBFA-009C30C8FF2F}"/>
+              </a:ext>
+            </a:extLst>
+          </p:cNvPr>
+          <p:cNvSpPr txBox="1"/>
+          <p:nvPr/>
+        </p:nvSpPr>
+        <p:spPr>
+          <a:xfrm>
+            <a:off x="5620151" y="2699381"/>
+            <a:ext cx="944297" cy="369332"/>
+          </a:xfrm>
+          <a:prstGeom prst="rect">
+            <a:avLst/>
+          </a:prstGeom>
+          <a:noFill/>
+        </p:spPr>
+        <p:txBody>
+          <a:bodyPr wrap="none" rtlCol="0">
+            <a:spAutoFit/>
+          </a:bodyPr>
+          <a:lstStyle/>
+          <a:p>
+            <a:r>
+              <a:rPr lang="en-US" dirty="0"/>
+              <a:t>Request</a:t>
+            </a:r>
+          </a:p>
+        </p:txBody>
+      </p:sp>
+      <p:sp>
+        <p:nvSpPr>
+          <p:cNvPr id="40" name="TextBox 39">
+            <a:extLst>
+              <a:ext uri="{FF2B5EF4-FFF2-40B4-BE49-F238E27FC236}">
+                <a16:creationId xmlns:a16="http://schemas.microsoft.com/office/drawing/2014/main" id="{4C39D81F-4BB1-6940-A4D7-2D23225B19CC}"/>
+              </a:ext>
+            </a:extLst>
+          </p:cNvPr>
+          <p:cNvSpPr txBox="1"/>
+          <p:nvPr/>
+        </p:nvSpPr>
+        <p:spPr>
+          <a:xfrm>
+            <a:off x="5627553" y="3476413"/>
+            <a:ext cx="1081515" cy="369332"/>
+          </a:xfrm>
+          <a:prstGeom prst="rect">
+            <a:avLst/>
+          </a:prstGeom>
+          <a:noFill/>
+        </p:spPr>
+        <p:txBody>
+          <a:bodyPr wrap="none" rtlCol="0">
+            <a:spAutoFit/>
+          </a:bodyPr>
+          <a:lstStyle/>
+          <a:p>
+            <a:r>
+              <a:rPr lang="en-US" dirty="0"/>
+              <a:t>Response</a:t>
+            </a:r>
+          </a:p>
+        </p:txBody>
+      </p:sp>
+    </p:spTree>
+    <p:extLst>
+      <p:ext uri="{BB962C8B-B14F-4D97-AF65-F5344CB8AC3E}">
+        <p14:creationId xmlns:p14="http://schemas.microsoft.com/office/powerpoint/2010/main" val="1631437818"/>
+      </p:ext>
+    </p:extLst>
+  </p:cSld>
+  <p:clrMapOvr>
+    <a:masterClrMapping/>
+  </p:clrMapOvr>
+</p:sld>
+</file>
+
+<file path=ppt/slides/slide3.xml><?xml version="1.0" encoding="utf-8"?>
+<p:sld xmlns:a="http://schemas.openxmlformats.org/drawingml/2006/main" xmlns:r="http://schemas.openxmlformats.org/officeDocument/2006/relationships" xmlns:p="http://schemas.openxmlformats.org/presentationml/2006/main">
+  <p:cSld>
+    <p:spTree>
+      <p:nvGrpSpPr>
+        <p:cNvPr id="1" name=""/>
+        <p:cNvGrpSpPr/>
+        <p:nvPr/>
+      </p:nvGrpSpPr>
+      <p:grpSpPr>
+        <a:xfrm>
+          <a:off x="0" y="0"/>
+          <a:ext cx="0" cy="0"/>
+          <a:chOff x="0" y="0"/>
+          <a:chExt cx="0" cy="0"/>
+        </a:xfrm>
+      </p:grpSpPr>
+      <p:sp>
+        <p:nvSpPr>
+          <p:cNvPr id="26" name="Rectangle 25">
+            <a:extLst>
+              <a:ext uri="{FF2B5EF4-FFF2-40B4-BE49-F238E27FC236}">
+                <a16:creationId xmlns:a16="http://schemas.microsoft.com/office/drawing/2014/main" id="{17D763E7-7291-7447-BB0A-6AD1A57AC8CF}"/>
+              </a:ext>
+            </a:extLst>
+          </p:cNvPr>
+          <p:cNvSpPr/>
+          <p:nvPr/>
+        </p:nvSpPr>
+        <p:spPr>
+          <a:xfrm>
+            <a:off x="1933904" y="1439918"/>
+            <a:ext cx="3514158" cy="2249214"/>
+          </a:xfrm>
+          <a:custGeom>
+            <a:avLst/>
+            <a:gdLst>
+              <a:gd name="connsiteX0" fmla="*/ 0 w 3514158"/>
+              <a:gd name="connsiteY0" fmla="*/ 0 h 2249214"/>
+              <a:gd name="connsiteX1" fmla="*/ 550551 w 3514158"/>
+              <a:gd name="connsiteY1" fmla="*/ 0 h 2249214"/>
+              <a:gd name="connsiteX2" fmla="*/ 1065961 w 3514158"/>
+              <a:gd name="connsiteY2" fmla="*/ 0 h 2249214"/>
+              <a:gd name="connsiteX3" fmla="*/ 1686796 w 3514158"/>
+              <a:gd name="connsiteY3" fmla="*/ 0 h 2249214"/>
+              <a:gd name="connsiteX4" fmla="*/ 2272489 w 3514158"/>
+              <a:gd name="connsiteY4" fmla="*/ 0 h 2249214"/>
+              <a:gd name="connsiteX5" fmla="*/ 2858182 w 3514158"/>
+              <a:gd name="connsiteY5" fmla="*/ 0 h 2249214"/>
+              <a:gd name="connsiteX6" fmla="*/ 3514158 w 3514158"/>
+              <a:gd name="connsiteY6" fmla="*/ 0 h 2249214"/>
+              <a:gd name="connsiteX7" fmla="*/ 3514158 w 3514158"/>
+              <a:gd name="connsiteY7" fmla="*/ 584796 h 2249214"/>
+              <a:gd name="connsiteX8" fmla="*/ 3514158 w 3514158"/>
+              <a:gd name="connsiteY8" fmla="*/ 1102115 h 2249214"/>
+              <a:gd name="connsiteX9" fmla="*/ 3514158 w 3514158"/>
+              <a:gd name="connsiteY9" fmla="*/ 1686911 h 2249214"/>
+              <a:gd name="connsiteX10" fmla="*/ 3514158 w 3514158"/>
+              <a:gd name="connsiteY10" fmla="*/ 2249214 h 2249214"/>
+              <a:gd name="connsiteX11" fmla="*/ 2893323 w 3514158"/>
+              <a:gd name="connsiteY11" fmla="*/ 2249214 h 2249214"/>
+              <a:gd name="connsiteX12" fmla="*/ 2272489 w 3514158"/>
+              <a:gd name="connsiteY12" fmla="*/ 2249214 h 2249214"/>
+              <a:gd name="connsiteX13" fmla="*/ 1616513 w 3514158"/>
+              <a:gd name="connsiteY13" fmla="*/ 2249214 h 2249214"/>
+              <a:gd name="connsiteX14" fmla="*/ 1065961 w 3514158"/>
+              <a:gd name="connsiteY14" fmla="*/ 2249214 h 2249214"/>
+              <a:gd name="connsiteX15" fmla="*/ 0 w 3514158"/>
+              <a:gd name="connsiteY15" fmla="*/ 2249214 h 2249214"/>
+              <a:gd name="connsiteX16" fmla="*/ 0 w 3514158"/>
+              <a:gd name="connsiteY16" fmla="*/ 1731895 h 2249214"/>
+              <a:gd name="connsiteX17" fmla="*/ 0 w 3514158"/>
+              <a:gd name="connsiteY17" fmla="*/ 1169591 h 2249214"/>
+              <a:gd name="connsiteX18" fmla="*/ 0 w 3514158"/>
+              <a:gd name="connsiteY18" fmla="*/ 584796 h 2249214"/>
+              <a:gd name="connsiteX19" fmla="*/ 0 w 3514158"/>
+              <a:gd name="connsiteY19" fmla="*/ 0 h 2249214"/>
+            </a:gdLst>
+            <a:ahLst/>
+            <a:cxnLst>
+              <a:cxn ang="0">
+                <a:pos x="connsiteX0" y="connsiteY0"/>
+              </a:cxn>
+              <a:cxn ang="0">
+                <a:pos x="connsiteX1" y="connsiteY1"/>
+              </a:cxn>
+              <a:cxn ang="0">
+                <a:pos x="connsiteX2" y="connsiteY2"/>
+              </a:cxn>
+              <a:cxn ang="0">
+                <a:pos x="connsiteX3" y="connsiteY3"/>
+              </a:cxn>
+              <a:cxn ang="0">
+                <a:pos x="connsiteX4" y="connsiteY4"/>
+              </a:cxn>
+              <a:cxn ang="0">
+                <a:pos x="connsiteX5" y="connsiteY5"/>
+              </a:cxn>
+              <a:cxn ang="0">
+                <a:pos x="connsiteX6" y="connsiteY6"/>
+              </a:cxn>
+              <a:cxn ang="0">
+                <a:pos x="connsiteX7" y="connsiteY7"/>
+              </a:cxn>
+              <a:cxn ang="0">
+                <a:pos x="connsiteX8" y="connsiteY8"/>
+              </a:cxn>
+              <a:cxn ang="0">
+                <a:pos x="connsiteX9" y="connsiteY9"/>
+              </a:cxn>
+              <a:cxn ang="0">
+                <a:pos x="connsiteX10" y="connsiteY10"/>
+              </a:cxn>
+              <a:cxn ang="0">
+                <a:pos x="connsiteX11" y="connsiteY11"/>
+              </a:cxn>
+              <a:cxn ang="0">
+                <a:pos x="connsiteX12" y="connsiteY12"/>
+              </a:cxn>
+              <a:cxn ang="0">
+                <a:pos x="connsiteX13" y="connsiteY13"/>
+              </a:cxn>
+              <a:cxn ang="0">
+                <a:pos x="connsiteX14" y="connsiteY14"/>
+              </a:cxn>
+              <a:cxn ang="0">
+                <a:pos x="connsiteX15" y="connsiteY15"/>
+              </a:cxn>
+              <a:cxn ang="0">
+                <a:pos x="connsiteX16" y="connsiteY16"/>
+              </a:cxn>
+              <a:cxn ang="0">
+                <a:pos x="connsiteX17" y="connsiteY17"/>
+              </a:cxn>
+              <a:cxn ang="0">
+                <a:pos x="connsiteX18" y="connsiteY18"/>
+              </a:cxn>
+              <a:cxn ang="0">
+                <a:pos x="connsiteX19" y="connsiteY19"/>
+              </a:cxn>
+            </a:cxnLst>
+            <a:rect l="l" t="t" r="r" b="b"/>
+            <a:pathLst>
+              <a:path w="3514158" h="2249214" fill="none" extrusionOk="0">
+                <a:moveTo>
+                  <a:pt x="0" y="0"/>
+                </a:moveTo>
+                <a:cubicBezTo>
+                  <a:pt x="114608" y="-12912"/>
+                  <a:pt x="286130" y="55354"/>
+                  <a:pt x="550551" y="0"/>
+                </a:cubicBezTo>
+                <a:cubicBezTo>
+                  <a:pt x="814972" y="-55354"/>
+                  <a:pt x="927305" y="8264"/>
+                  <a:pt x="1065961" y="0"/>
+                </a:cubicBezTo>
+                <a:cubicBezTo>
+                  <a:pt x="1204617" y="-8264"/>
+                  <a:pt x="1432307" y="46301"/>
+                  <a:pt x="1686796" y="0"/>
+                </a:cubicBezTo>
+                <a:cubicBezTo>
+                  <a:pt x="1941286" y="-46301"/>
+                  <a:pt x="2149491" y="22103"/>
+                  <a:pt x="2272489" y="0"/>
+                </a:cubicBezTo>
+                <a:cubicBezTo>
+                  <a:pt x="2395487" y="-22103"/>
+                  <a:pt x="2616033" y="31454"/>
+                  <a:pt x="2858182" y="0"/>
+                </a:cubicBezTo>
+                <a:cubicBezTo>
+                  <a:pt x="3100331" y="-31454"/>
+                  <a:pt x="3313315" y="76355"/>
+                  <a:pt x="3514158" y="0"/>
+                </a:cubicBezTo>
+                <a:cubicBezTo>
+                  <a:pt x="3574324" y="192446"/>
+                  <a:pt x="3490693" y="445803"/>
+                  <a:pt x="3514158" y="584796"/>
+                </a:cubicBezTo>
+                <a:cubicBezTo>
+                  <a:pt x="3537623" y="723789"/>
+                  <a:pt x="3487279" y="945858"/>
+                  <a:pt x="3514158" y="1102115"/>
+                </a:cubicBezTo>
+                <a:cubicBezTo>
+                  <a:pt x="3541037" y="1258372"/>
+                  <a:pt x="3502305" y="1403557"/>
+                  <a:pt x="3514158" y="1686911"/>
+                </a:cubicBezTo>
+                <a:cubicBezTo>
+                  <a:pt x="3526011" y="1970265"/>
+                  <a:pt x="3495825" y="2058885"/>
+                  <a:pt x="3514158" y="2249214"/>
+                </a:cubicBezTo>
+                <a:cubicBezTo>
+                  <a:pt x="3225392" y="2316453"/>
+                  <a:pt x="3082456" y="2229938"/>
+                  <a:pt x="2893323" y="2249214"/>
+                </a:cubicBezTo>
+                <a:cubicBezTo>
+                  <a:pt x="2704191" y="2268490"/>
+                  <a:pt x="2477010" y="2175870"/>
+                  <a:pt x="2272489" y="2249214"/>
+                </a:cubicBezTo>
+                <a:cubicBezTo>
+                  <a:pt x="2067968" y="2322558"/>
+                  <a:pt x="1908747" y="2215361"/>
+                  <a:pt x="1616513" y="2249214"/>
+                </a:cubicBezTo>
+                <a:cubicBezTo>
+                  <a:pt x="1324279" y="2283067"/>
+                  <a:pt x="1181688" y="2230845"/>
+                  <a:pt x="1065961" y="2249214"/>
+                </a:cubicBezTo>
+                <a:cubicBezTo>
+                  <a:pt x="950234" y="2267583"/>
+                  <a:pt x="440150" y="2248949"/>
+                  <a:pt x="0" y="2249214"/>
+                </a:cubicBezTo>
+                <a:cubicBezTo>
+                  <a:pt x="-32564" y="1999924"/>
+                  <a:pt x="50939" y="1932193"/>
+                  <a:pt x="0" y="1731895"/>
+                </a:cubicBezTo>
+                <a:cubicBezTo>
+                  <a:pt x="-50939" y="1531597"/>
+                  <a:pt x="1389" y="1340345"/>
+                  <a:pt x="0" y="1169591"/>
+                </a:cubicBezTo>
+                <a:cubicBezTo>
+                  <a:pt x="-1389" y="998837"/>
+                  <a:pt x="26372" y="868747"/>
+                  <a:pt x="0" y="584796"/>
+                </a:cubicBezTo>
+                <a:cubicBezTo>
+                  <a:pt x="-26372" y="300846"/>
+                  <a:pt x="17497" y="256851"/>
+                  <a:pt x="0" y="0"/>
+                </a:cubicBezTo>
+                <a:close/>
+              </a:path>
+              <a:path w="3514158" h="2249214" stroke="0" extrusionOk="0">
+                <a:moveTo>
+                  <a:pt x="0" y="0"/>
+                </a:moveTo>
+                <a:cubicBezTo>
+                  <a:pt x="192525" y="-20909"/>
+                  <a:pt x="321880" y="48507"/>
+                  <a:pt x="550551" y="0"/>
+                </a:cubicBezTo>
+                <a:cubicBezTo>
+                  <a:pt x="779222" y="-48507"/>
+                  <a:pt x="879263" y="14962"/>
+                  <a:pt x="1030820" y="0"/>
+                </a:cubicBezTo>
+                <a:cubicBezTo>
+                  <a:pt x="1182377" y="-14962"/>
+                  <a:pt x="1412032" y="48470"/>
+                  <a:pt x="1686796" y="0"/>
+                </a:cubicBezTo>
+                <a:cubicBezTo>
+                  <a:pt x="1961560" y="-48470"/>
+                  <a:pt x="2019593" y="53168"/>
+                  <a:pt x="2237347" y="0"/>
+                </a:cubicBezTo>
+                <a:cubicBezTo>
+                  <a:pt x="2455101" y="-53168"/>
+                  <a:pt x="2665055" y="35842"/>
+                  <a:pt x="2787899" y="0"/>
+                </a:cubicBezTo>
+                <a:cubicBezTo>
+                  <a:pt x="2910743" y="-35842"/>
+                  <a:pt x="3324270" y="63263"/>
+                  <a:pt x="3514158" y="0"/>
+                </a:cubicBezTo>
+                <a:cubicBezTo>
+                  <a:pt x="3535332" y="131617"/>
+                  <a:pt x="3508697" y="377744"/>
+                  <a:pt x="3514158" y="517319"/>
+                </a:cubicBezTo>
+                <a:cubicBezTo>
+                  <a:pt x="3519619" y="656894"/>
+                  <a:pt x="3490067" y="920227"/>
+                  <a:pt x="3514158" y="1079623"/>
+                </a:cubicBezTo>
+                <a:cubicBezTo>
+                  <a:pt x="3538249" y="1239019"/>
+                  <a:pt x="3504726" y="1458677"/>
+                  <a:pt x="3514158" y="1596942"/>
+                </a:cubicBezTo>
+                <a:cubicBezTo>
+                  <a:pt x="3523590" y="1735207"/>
+                  <a:pt x="3506491" y="1949181"/>
+                  <a:pt x="3514158" y="2249214"/>
+                </a:cubicBezTo>
+                <a:cubicBezTo>
+                  <a:pt x="3392766" y="2309806"/>
+                  <a:pt x="3214509" y="2246224"/>
+                  <a:pt x="2928465" y="2249214"/>
+                </a:cubicBezTo>
+                <a:cubicBezTo>
+                  <a:pt x="2642421" y="2252204"/>
+                  <a:pt x="2577443" y="2229630"/>
+                  <a:pt x="2377914" y="2249214"/>
+                </a:cubicBezTo>
+                <a:cubicBezTo>
+                  <a:pt x="2178385" y="2268798"/>
+                  <a:pt x="1996892" y="2186891"/>
+                  <a:pt x="1721937" y="2249214"/>
+                </a:cubicBezTo>
+                <a:cubicBezTo>
+                  <a:pt x="1446982" y="2311537"/>
+                  <a:pt x="1246867" y="2216682"/>
+                  <a:pt x="1065961" y="2249214"/>
+                </a:cubicBezTo>
+                <a:cubicBezTo>
+                  <a:pt x="885055" y="2281746"/>
+                  <a:pt x="802163" y="2218872"/>
+                  <a:pt x="550551" y="2249214"/>
+                </a:cubicBezTo>
+                <a:cubicBezTo>
+                  <a:pt x="298939" y="2279556"/>
+                  <a:pt x="120391" y="2188582"/>
+                  <a:pt x="0" y="2249214"/>
+                </a:cubicBezTo>
+                <a:cubicBezTo>
+                  <a:pt x="-32345" y="2020130"/>
+                  <a:pt x="57627" y="1925335"/>
+                  <a:pt x="0" y="1641926"/>
+                </a:cubicBezTo>
+                <a:cubicBezTo>
+                  <a:pt x="-57627" y="1358517"/>
+                  <a:pt x="43044" y="1344111"/>
+                  <a:pt x="0" y="1147099"/>
+                </a:cubicBezTo>
+                <a:cubicBezTo>
+                  <a:pt x="-43044" y="950087"/>
+                  <a:pt x="23278" y="784590"/>
+                  <a:pt x="0" y="629780"/>
+                </a:cubicBezTo>
+                <a:cubicBezTo>
+                  <a:pt x="-23278" y="474970"/>
+                  <a:pt x="11986" y="173982"/>
+                  <a:pt x="0" y="0"/>
+                </a:cubicBezTo>
+                <a:close/>
+              </a:path>
+            </a:pathLst>
+          </a:custGeom>
+          <a:solidFill>
+            <a:srgbClr val="FF007E">
+              <a:alpha val="9804"/>
+            </a:srgbClr>
+          </a:solidFill>
+          <a:ln>
+            <a:solidFill>
+              <a:srgbClr val="7030A0"/>
+            </a:solidFill>
+            <a:prstDash val="dash"/>
+            <a:extLst>
+              <a:ext uri="{C807C97D-BFC1-408E-A445-0C87EB9F89A2}">
+                <ask:lineSketchStyleProps xmlns:ask="http://schemas.microsoft.com/office/drawing/2018/sketchyshapes" sd="1219033472">
+                  <a:prstGeom prst="rect">
+                    <a:avLst/>
+                  </a:prstGeom>
+                  <ask:type>
+                    <ask:lineSketchScribble/>
+                  </ask:type>
+                </ask:lineSketchStyleProps>
+              </a:ext>
+            </a:extLst>
+          </a:ln>
+        </p:spPr>
+        <p:style>
+          <a:lnRef idx="2">
+            <a:schemeClr val="accent1">
+              <a:shade val="50000"/>
+            </a:schemeClr>
+          </a:lnRef>
+          <a:fillRef idx="1">
+            <a:schemeClr val="accent1"/>
+          </a:fillRef>
+          <a:effectRef idx="0">
+            <a:schemeClr val="accent1"/>
+          </a:effectRef>
+          <a:fontRef idx="minor">
+            <a:schemeClr val="lt1"/>
+          </a:fontRef>
+        </p:style>
+        <p:txBody>
+          <a:bodyPr rtlCol="0" anchor="ctr"/>
+          <a:lstStyle/>
+          <a:p>
+            <a:r>
+              <a:rPr lang="en-US" sz="1600" dirty="0">
+                <a:solidFill>
+                  <a:schemeClr val="tx1"/>
+                </a:solidFill>
+              </a:rPr>
+              <a:t>b = </a:t>
+            </a:r>
+            <a:r>
+              <a:rPr lang="en-US" sz="1600" dirty="0" err="1">
+                <a:solidFill>
+                  <a:srgbClr val="C00000"/>
+                </a:solidFill>
+              </a:rPr>
+              <a:t>RegisterBackend</a:t>
+            </a:r>
+            <a:r>
+              <a:rPr lang="en-US" sz="1600" dirty="0">
+                <a:solidFill>
+                  <a:schemeClr val="tx1"/>
+                </a:solidFill>
+              </a:rPr>
+              <a:t>(“recommender”)</a:t>
+            </a:r>
+          </a:p>
+          <a:p>
+            <a:r>
+              <a:rPr lang="en-US" sz="1600" dirty="0">
+                <a:solidFill>
+                  <a:schemeClr val="tx1"/>
+                </a:solidFill>
+              </a:rPr>
+              <a:t>For each backend call {</a:t>
+            </a:r>
+          </a:p>
+          <a:p>
+            <a:pPr lvl="1"/>
+            <a:r>
+              <a:rPr lang="en-US" sz="1600" dirty="0">
+                <a:solidFill>
+                  <a:schemeClr val="tx1"/>
+                </a:solidFill>
+              </a:rPr>
+              <a:t>v = </a:t>
+            </a:r>
+            <a:r>
+              <a:rPr lang="en-US" sz="1600" dirty="0" err="1">
+                <a:solidFill>
+                  <a:schemeClr val="tx1"/>
+                </a:solidFill>
+              </a:rPr>
+              <a:t>b.</a:t>
+            </a:r>
+            <a:r>
+              <a:rPr lang="en-US" sz="1600" dirty="0" err="1">
+                <a:solidFill>
+                  <a:srgbClr val="C00000"/>
+                </a:solidFill>
+              </a:rPr>
+              <a:t>getVersion</a:t>
+            </a:r>
+            <a:r>
+              <a:rPr lang="en-US" sz="1600" dirty="0">
+                <a:solidFill>
+                  <a:schemeClr val="tx1"/>
+                </a:solidFill>
+              </a:rPr>
+              <a:t>()</a:t>
+            </a:r>
+          </a:p>
+          <a:p>
+            <a:pPr lvl="1"/>
+            <a:r>
+              <a:rPr lang="en-US" sz="1600" dirty="0">
+                <a:solidFill>
+                  <a:schemeClr val="tx1"/>
+                </a:solidFill>
+              </a:rPr>
+              <a:t>// send request to v</a:t>
+            </a:r>
+          </a:p>
+          <a:p>
+            <a:pPr lvl="1"/>
+            <a:r>
+              <a:rPr lang="en-US" sz="1600" dirty="0">
+                <a:solidFill>
+                  <a:schemeClr val="tx1"/>
+                </a:solidFill>
+              </a:rPr>
+              <a:t>// get response</a:t>
+            </a:r>
+          </a:p>
+          <a:p>
+            <a:pPr lvl="1"/>
+            <a:r>
+              <a:rPr lang="en-US" sz="1600" dirty="0">
+                <a:solidFill>
+                  <a:schemeClr val="tx1"/>
+                </a:solidFill>
+              </a:rPr>
+              <a:t>// do application things</a:t>
+            </a:r>
+          </a:p>
+          <a:p>
+            <a:pPr lvl="1"/>
+            <a:r>
+              <a:rPr lang="en-US" sz="1600" dirty="0" err="1">
+                <a:solidFill>
+                  <a:schemeClr val="tx1"/>
+                </a:solidFill>
+              </a:rPr>
+              <a:t>v.</a:t>
+            </a:r>
+            <a:r>
+              <a:rPr lang="en-US" sz="1600" dirty="0" err="1">
+                <a:solidFill>
+                  <a:srgbClr val="C00000"/>
+                </a:solidFill>
+              </a:rPr>
+              <a:t>putMetric</a:t>
+            </a:r>
+            <a:r>
+              <a:rPr lang="en-US" sz="1600" dirty="0">
+                <a:solidFill>
+                  <a:schemeClr val="tx1"/>
+                </a:solidFill>
+              </a:rPr>
+              <a:t>(</a:t>
+            </a:r>
+            <a:r>
+              <a:rPr lang="en-US" sz="1600" dirty="0" err="1">
+                <a:solidFill>
+                  <a:schemeClr val="tx1"/>
+                </a:solidFill>
+              </a:rPr>
+              <a:t>metricValue</a:t>
+            </a:r>
+            <a:r>
+              <a:rPr lang="en-US" sz="1600" dirty="0">
+                <a:solidFill>
+                  <a:schemeClr val="tx1"/>
+                </a:solidFill>
+              </a:rPr>
+              <a:t>)</a:t>
+            </a:r>
+          </a:p>
+          <a:p>
+            <a:r>
+              <a:rPr lang="en-US" sz="1600" dirty="0">
+                <a:solidFill>
+                  <a:schemeClr val="tx1"/>
+                </a:solidFill>
+              </a:rPr>
+              <a:t>}</a:t>
+            </a:r>
+          </a:p>
+        </p:txBody>
+      </p:sp>
+      <p:sp>
+        <p:nvSpPr>
+          <p:cNvPr id="24" name="Rectangle 23">
+            <a:extLst>
+              <a:ext uri="{FF2B5EF4-FFF2-40B4-BE49-F238E27FC236}">
+                <a16:creationId xmlns:a16="http://schemas.microsoft.com/office/drawing/2014/main" id="{613FA1FA-FC95-D949-9BFB-681D4A89B857}"/>
+              </a:ext>
+            </a:extLst>
+          </p:cNvPr>
+          <p:cNvSpPr/>
+          <p:nvPr/>
+        </p:nvSpPr>
+        <p:spPr>
+          <a:xfrm>
+            <a:off x="8713076" y="1713186"/>
+            <a:ext cx="1230623" cy="399393"/>
+          </a:xfrm>
+          <a:custGeom>
+            <a:avLst/>
+            <a:gdLst>
+              <a:gd name="connsiteX0" fmla="*/ 0 w 1230623"/>
+              <a:gd name="connsiteY0" fmla="*/ 0 h 399393"/>
+              <a:gd name="connsiteX1" fmla="*/ 434820 w 1230623"/>
+              <a:gd name="connsiteY1" fmla="*/ 0 h 399393"/>
+              <a:gd name="connsiteX2" fmla="*/ 857334 w 1230623"/>
+              <a:gd name="connsiteY2" fmla="*/ 0 h 399393"/>
+              <a:gd name="connsiteX3" fmla="*/ 1230623 w 1230623"/>
+              <a:gd name="connsiteY3" fmla="*/ 0 h 399393"/>
+              <a:gd name="connsiteX4" fmla="*/ 1230623 w 1230623"/>
+              <a:gd name="connsiteY4" fmla="*/ 399393 h 399393"/>
+              <a:gd name="connsiteX5" fmla="*/ 845028 w 1230623"/>
+              <a:gd name="connsiteY5" fmla="*/ 399393 h 399393"/>
+              <a:gd name="connsiteX6" fmla="*/ 434820 w 1230623"/>
+              <a:gd name="connsiteY6" fmla="*/ 399393 h 399393"/>
+              <a:gd name="connsiteX7" fmla="*/ 0 w 1230623"/>
+              <a:gd name="connsiteY7" fmla="*/ 399393 h 399393"/>
+              <a:gd name="connsiteX8" fmla="*/ 0 w 1230623"/>
+              <a:gd name="connsiteY8" fmla="*/ 0 h 399393"/>
+            </a:gdLst>
+            <a:ahLst/>
+            <a:cxnLst>
+              <a:cxn ang="0">
+                <a:pos x="connsiteX0" y="connsiteY0"/>
+              </a:cxn>
+              <a:cxn ang="0">
+                <a:pos x="connsiteX1" y="connsiteY1"/>
+              </a:cxn>
+              <a:cxn ang="0">
+                <a:pos x="connsiteX2" y="connsiteY2"/>
+              </a:cxn>
+              <a:cxn ang="0">
+                <a:pos x="connsiteX3" y="connsiteY3"/>
+              </a:cxn>
+              <a:cxn ang="0">
+                <a:pos x="connsiteX4" y="connsiteY4"/>
+              </a:cxn>
+              <a:cxn ang="0">
+                <a:pos x="connsiteX5" y="connsiteY5"/>
+              </a:cxn>
+              <a:cxn ang="0">
+                <a:pos x="connsiteX6" y="connsiteY6"/>
+              </a:cxn>
+              <a:cxn ang="0">
+                <a:pos x="connsiteX7" y="connsiteY7"/>
+              </a:cxn>
+              <a:cxn ang="0">
+                <a:pos x="connsiteX8" y="connsiteY8"/>
+              </a:cxn>
+            </a:cxnLst>
+            <a:rect l="l" t="t" r="r" b="b"/>
+            <a:pathLst>
+              <a:path w="1230623" h="399393" fill="none" extrusionOk="0">
+                <a:moveTo>
+                  <a:pt x="0" y="0"/>
+                </a:moveTo>
+                <a:cubicBezTo>
+                  <a:pt x="214231" y="-22220"/>
+                  <a:pt x="275500" y="45521"/>
+                  <a:pt x="434820" y="0"/>
+                </a:cubicBezTo>
+                <a:cubicBezTo>
+                  <a:pt x="594140" y="-45521"/>
+                  <a:pt x="749359" y="36360"/>
+                  <a:pt x="857334" y="0"/>
+                </a:cubicBezTo>
+                <a:cubicBezTo>
+                  <a:pt x="965309" y="-36360"/>
+                  <a:pt x="1148526" y="27082"/>
+                  <a:pt x="1230623" y="0"/>
+                </a:cubicBezTo>
+                <a:cubicBezTo>
+                  <a:pt x="1244999" y="89249"/>
+                  <a:pt x="1221357" y="315207"/>
+                  <a:pt x="1230623" y="399393"/>
+                </a:cubicBezTo>
+                <a:cubicBezTo>
+                  <a:pt x="1059068" y="406989"/>
+                  <a:pt x="1023304" y="396502"/>
+                  <a:pt x="845028" y="399393"/>
+                </a:cubicBezTo>
+                <a:cubicBezTo>
+                  <a:pt x="666752" y="402284"/>
+                  <a:pt x="636470" y="388806"/>
+                  <a:pt x="434820" y="399393"/>
+                </a:cubicBezTo>
+                <a:cubicBezTo>
+                  <a:pt x="233170" y="409980"/>
+                  <a:pt x="156428" y="377976"/>
+                  <a:pt x="0" y="399393"/>
+                </a:cubicBezTo>
+                <a:cubicBezTo>
+                  <a:pt x="-40183" y="238069"/>
+                  <a:pt x="28047" y="173853"/>
+                  <a:pt x="0" y="0"/>
+                </a:cubicBezTo>
+                <a:close/>
+              </a:path>
+              <a:path w="1230623" h="399393" stroke="0" extrusionOk="0">
+                <a:moveTo>
+                  <a:pt x="0" y="0"/>
+                </a:moveTo>
+                <a:cubicBezTo>
+                  <a:pt x="159398" y="-33334"/>
+                  <a:pt x="228248" y="45509"/>
+                  <a:pt x="397901" y="0"/>
+                </a:cubicBezTo>
+                <a:cubicBezTo>
+                  <a:pt x="567554" y="-45509"/>
+                  <a:pt x="615647" y="10184"/>
+                  <a:pt x="771190" y="0"/>
+                </a:cubicBezTo>
+                <a:cubicBezTo>
+                  <a:pt x="926733" y="-10184"/>
+                  <a:pt x="1104162" y="44588"/>
+                  <a:pt x="1230623" y="0"/>
+                </a:cubicBezTo>
+                <a:cubicBezTo>
+                  <a:pt x="1276494" y="92820"/>
+                  <a:pt x="1228810" y="245386"/>
+                  <a:pt x="1230623" y="399393"/>
+                </a:cubicBezTo>
+                <a:cubicBezTo>
+                  <a:pt x="1059018" y="416789"/>
+                  <a:pt x="983741" y="355188"/>
+                  <a:pt x="845028" y="399393"/>
+                </a:cubicBezTo>
+                <a:cubicBezTo>
+                  <a:pt x="706315" y="443598"/>
+                  <a:pt x="520537" y="395938"/>
+                  <a:pt x="410208" y="399393"/>
+                </a:cubicBezTo>
+                <a:cubicBezTo>
+                  <a:pt x="299879" y="402848"/>
+                  <a:pt x="92020" y="393151"/>
+                  <a:pt x="0" y="399393"/>
+                </a:cubicBezTo>
+                <a:cubicBezTo>
+                  <a:pt x="-28379" y="276963"/>
+                  <a:pt x="30274" y="142784"/>
+                  <a:pt x="0" y="0"/>
+                </a:cubicBezTo>
+                <a:close/>
+              </a:path>
+            </a:pathLst>
+          </a:custGeom>
+          <a:solidFill>
+            <a:srgbClr val="FF007E">
+              <a:alpha val="9804"/>
+            </a:srgbClr>
+          </a:solidFill>
+          <a:ln>
+            <a:solidFill>
+              <a:srgbClr val="7030A0"/>
+            </a:solidFill>
+            <a:prstDash val="dash"/>
+            <a:extLst>
+              <a:ext uri="{C807C97D-BFC1-408E-A445-0C87EB9F89A2}">
+                <ask:lineSketchStyleProps xmlns:ask="http://schemas.microsoft.com/office/drawing/2018/sketchyshapes" sd="1219033472">
+                  <a:prstGeom prst="rect">
+                    <a:avLst/>
+                  </a:prstGeom>
+                  <ask:type>
+                    <ask:lineSketchScribble/>
+                  </ask:type>
+                </ask:lineSketchStyleProps>
+              </a:ext>
+            </a:extLst>
+          </a:ln>
+        </p:spPr>
+        <p:style>
+          <a:lnRef idx="2">
+            <a:schemeClr val="accent1">
+              <a:shade val="50000"/>
+            </a:schemeClr>
+          </a:lnRef>
+          <a:fillRef idx="1">
+            <a:schemeClr val="accent1"/>
+          </a:fillRef>
+          <a:effectRef idx="0">
+            <a:schemeClr val="accent1"/>
+          </a:effectRef>
+          <a:fontRef idx="minor">
+            <a:schemeClr val="lt1"/>
+          </a:fontRef>
+        </p:style>
+        <p:txBody>
+          <a:bodyPr rtlCol="0" anchor="ctr"/>
+          <a:lstStyle/>
+          <a:p>
+            <a:pPr algn="ctr"/>
+            <a:r>
+              <a:rPr lang="en-US" sz="1600" dirty="0">
+                <a:solidFill>
+                  <a:schemeClr val="tx1"/>
+                </a:solidFill>
+              </a:rPr>
+              <a:t>Backend v1</a:t>
+            </a:r>
+          </a:p>
+        </p:txBody>
+      </p:sp>
+      <p:sp>
+        <p:nvSpPr>
+          <p:cNvPr id="10" name="Rectangle 9">
+            <a:extLst>
+              <a:ext uri="{FF2B5EF4-FFF2-40B4-BE49-F238E27FC236}">
+                <a16:creationId xmlns:a16="http://schemas.microsoft.com/office/drawing/2014/main" id="{A7C9E680-D819-E84F-8DD8-DF213CB4DE3C}"/>
+              </a:ext>
+            </a:extLst>
+          </p:cNvPr>
+          <p:cNvSpPr/>
+          <p:nvPr/>
+        </p:nvSpPr>
+        <p:spPr>
+          <a:xfrm>
+            <a:off x="4294134" y="896915"/>
+            <a:ext cx="1857623" cy="609600"/>
+          </a:xfrm>
+          <a:custGeom>
+            <a:avLst/>
+            <a:gdLst>
+              <a:gd name="connsiteX0" fmla="*/ 0 w 1857623"/>
+              <a:gd name="connsiteY0" fmla="*/ 0 h 609600"/>
+              <a:gd name="connsiteX1" fmla="*/ 445830 w 1857623"/>
+              <a:gd name="connsiteY1" fmla="*/ 0 h 609600"/>
+              <a:gd name="connsiteX2" fmla="*/ 910235 w 1857623"/>
+              <a:gd name="connsiteY2" fmla="*/ 0 h 609600"/>
+              <a:gd name="connsiteX3" fmla="*/ 1393217 w 1857623"/>
+              <a:gd name="connsiteY3" fmla="*/ 0 h 609600"/>
+              <a:gd name="connsiteX4" fmla="*/ 1857623 w 1857623"/>
+              <a:gd name="connsiteY4" fmla="*/ 0 h 609600"/>
+              <a:gd name="connsiteX5" fmla="*/ 1857623 w 1857623"/>
+              <a:gd name="connsiteY5" fmla="*/ 310896 h 609600"/>
+              <a:gd name="connsiteX6" fmla="*/ 1857623 w 1857623"/>
+              <a:gd name="connsiteY6" fmla="*/ 609600 h 609600"/>
+              <a:gd name="connsiteX7" fmla="*/ 1356065 w 1857623"/>
+              <a:gd name="connsiteY7" fmla="*/ 609600 h 609600"/>
+              <a:gd name="connsiteX8" fmla="*/ 854507 w 1857623"/>
+              <a:gd name="connsiteY8" fmla="*/ 609600 h 609600"/>
+              <a:gd name="connsiteX9" fmla="*/ 0 w 1857623"/>
+              <a:gd name="connsiteY9" fmla="*/ 609600 h 609600"/>
+              <a:gd name="connsiteX10" fmla="*/ 0 w 1857623"/>
+              <a:gd name="connsiteY10" fmla="*/ 310896 h 609600"/>
+              <a:gd name="connsiteX11" fmla="*/ 0 w 1857623"/>
+              <a:gd name="connsiteY11" fmla="*/ 0 h 609600"/>
+            </a:gdLst>
+            <a:ahLst/>
+            <a:cxnLst>
+              <a:cxn ang="0">
+                <a:pos x="connsiteX0" y="connsiteY0"/>
+              </a:cxn>
+              <a:cxn ang="0">
+                <a:pos x="connsiteX1" y="connsiteY1"/>
+              </a:cxn>
+              <a:cxn ang="0">
+                <a:pos x="connsiteX2" y="connsiteY2"/>
+              </a:cxn>
+              <a:cxn ang="0">
+                <a:pos x="connsiteX3" y="connsiteY3"/>
+              </a:cxn>
+              <a:cxn ang="0">
+                <a:pos x="connsiteX4" y="connsiteY4"/>
+              </a:cxn>
+              <a:cxn ang="0">
+                <a:pos x="connsiteX5" y="connsiteY5"/>
+              </a:cxn>
+              <a:cxn ang="0">
+                <a:pos x="connsiteX6" y="connsiteY6"/>
+              </a:cxn>
+              <a:cxn ang="0">
+                <a:pos x="connsiteX7" y="connsiteY7"/>
+              </a:cxn>
+              <a:cxn ang="0">
+                <a:pos x="connsiteX8" y="connsiteY8"/>
+              </a:cxn>
+              <a:cxn ang="0">
+                <a:pos x="connsiteX9" y="connsiteY9"/>
+              </a:cxn>
+              <a:cxn ang="0">
+                <a:pos x="connsiteX10" y="connsiteY10"/>
+              </a:cxn>
+              <a:cxn ang="0">
+                <a:pos x="connsiteX11" y="connsiteY11"/>
+              </a:cxn>
+            </a:cxnLst>
+            <a:rect l="l" t="t" r="r" b="b"/>
+            <a:pathLst>
+              <a:path w="1857623" h="609600" fill="none" extrusionOk="0">
+                <a:moveTo>
+                  <a:pt x="0" y="0"/>
+                </a:moveTo>
+                <a:cubicBezTo>
+                  <a:pt x="215855" y="-15232"/>
+                  <a:pt x="334536" y="642"/>
+                  <a:pt x="445830" y="0"/>
+                </a:cubicBezTo>
+                <a:cubicBezTo>
+                  <a:pt x="557124" y="-642"/>
+                  <a:pt x="785351" y="52826"/>
+                  <a:pt x="910235" y="0"/>
+                </a:cubicBezTo>
+                <a:cubicBezTo>
+                  <a:pt x="1035119" y="-52826"/>
+                  <a:pt x="1267905" y="35081"/>
+                  <a:pt x="1393217" y="0"/>
+                </a:cubicBezTo>
+                <a:cubicBezTo>
+                  <a:pt x="1518529" y="-35081"/>
+                  <a:pt x="1682451" y="32003"/>
+                  <a:pt x="1857623" y="0"/>
+                </a:cubicBezTo>
+                <a:cubicBezTo>
+                  <a:pt x="1884739" y="148010"/>
+                  <a:pt x="1842190" y="201975"/>
+                  <a:pt x="1857623" y="310896"/>
+                </a:cubicBezTo>
+                <a:cubicBezTo>
+                  <a:pt x="1873056" y="419817"/>
+                  <a:pt x="1836545" y="475630"/>
+                  <a:pt x="1857623" y="609600"/>
+                </a:cubicBezTo>
+                <a:cubicBezTo>
+                  <a:pt x="1632285" y="612432"/>
+                  <a:pt x="1480463" y="602489"/>
+                  <a:pt x="1356065" y="609600"/>
+                </a:cubicBezTo>
+                <a:cubicBezTo>
+                  <a:pt x="1231667" y="616711"/>
+                  <a:pt x="1049533" y="586792"/>
+                  <a:pt x="854507" y="609600"/>
+                </a:cubicBezTo>
+                <a:cubicBezTo>
+                  <a:pt x="659481" y="632408"/>
+                  <a:pt x="313527" y="598784"/>
+                  <a:pt x="0" y="609600"/>
+                </a:cubicBezTo>
+                <a:cubicBezTo>
+                  <a:pt x="-22457" y="524228"/>
+                  <a:pt x="22827" y="379523"/>
+                  <a:pt x="0" y="310896"/>
+                </a:cubicBezTo>
+                <a:cubicBezTo>
+                  <a:pt x="-22827" y="242269"/>
+                  <a:pt x="16804" y="68998"/>
+                  <a:pt x="0" y="0"/>
+                </a:cubicBezTo>
+                <a:close/>
+              </a:path>
+              <a:path w="1857623" h="609600" stroke="0" extrusionOk="0">
+                <a:moveTo>
+                  <a:pt x="0" y="0"/>
+                </a:moveTo>
+                <a:cubicBezTo>
+                  <a:pt x="217811" y="-20256"/>
+                  <a:pt x="327677" y="25446"/>
+                  <a:pt x="445830" y="0"/>
+                </a:cubicBezTo>
+                <a:cubicBezTo>
+                  <a:pt x="563983" y="-25446"/>
+                  <a:pt x="688473" y="28290"/>
+                  <a:pt x="854507" y="0"/>
+                </a:cubicBezTo>
+                <a:cubicBezTo>
+                  <a:pt x="1020541" y="-28290"/>
+                  <a:pt x="1105653" y="54755"/>
+                  <a:pt x="1356065" y="0"/>
+                </a:cubicBezTo>
+                <a:cubicBezTo>
+                  <a:pt x="1606477" y="-54755"/>
+                  <a:pt x="1670841" y="36721"/>
+                  <a:pt x="1857623" y="0"/>
+                </a:cubicBezTo>
+                <a:cubicBezTo>
+                  <a:pt x="1873948" y="127017"/>
+                  <a:pt x="1828775" y="185328"/>
+                  <a:pt x="1857623" y="298704"/>
+                </a:cubicBezTo>
+                <a:cubicBezTo>
+                  <a:pt x="1886471" y="412080"/>
+                  <a:pt x="1840999" y="498908"/>
+                  <a:pt x="1857623" y="609600"/>
+                </a:cubicBezTo>
+                <a:cubicBezTo>
+                  <a:pt x="1724746" y="652459"/>
+                  <a:pt x="1546377" y="598644"/>
+                  <a:pt x="1393217" y="609600"/>
+                </a:cubicBezTo>
+                <a:cubicBezTo>
+                  <a:pt x="1240057" y="620556"/>
+                  <a:pt x="1036841" y="570229"/>
+                  <a:pt x="891659" y="609600"/>
+                </a:cubicBezTo>
+                <a:cubicBezTo>
+                  <a:pt x="746477" y="648971"/>
+                  <a:pt x="639737" y="600477"/>
+                  <a:pt x="482982" y="609600"/>
+                </a:cubicBezTo>
+                <a:cubicBezTo>
+                  <a:pt x="326227" y="618723"/>
+                  <a:pt x="209513" y="587241"/>
+                  <a:pt x="0" y="609600"/>
+                </a:cubicBezTo>
+                <a:cubicBezTo>
+                  <a:pt x="-814" y="510010"/>
+                  <a:pt x="13194" y="400540"/>
+                  <a:pt x="0" y="304800"/>
+                </a:cubicBezTo>
+                <a:cubicBezTo>
+                  <a:pt x="-13194" y="209060"/>
+                  <a:pt x="17745" y="132515"/>
+                  <a:pt x="0" y="0"/>
+                </a:cubicBezTo>
+                <a:close/>
+              </a:path>
+            </a:pathLst>
+          </a:custGeom>
+          <a:solidFill>
+            <a:schemeClr val="accent6">
+              <a:lumMod val="20000"/>
+              <a:lumOff val="80000"/>
+            </a:schemeClr>
+          </a:solidFill>
+          <a:ln>
+            <a:solidFill>
+              <a:srgbClr val="7030A0"/>
+            </a:solidFill>
+            <a:prstDash val="dash"/>
+            <a:extLst>
+              <a:ext uri="{C807C97D-BFC1-408E-A445-0C87EB9F89A2}">
+                <ask:lineSketchStyleProps xmlns:ask="http://schemas.microsoft.com/office/drawing/2018/sketchyshapes" sd="1219033472">
+                  <a:prstGeom prst="rect">
+                    <a:avLst/>
+                  </a:prstGeom>
+                  <ask:type>
+                    <ask:lineSketchScribble/>
+                  </ask:type>
+                </ask:lineSketchStyleProps>
+              </a:ext>
+            </a:extLst>
+          </a:ln>
+        </p:spPr>
+        <p:style>
+          <a:lnRef idx="2">
+            <a:schemeClr val="accent1">
+              <a:shade val="50000"/>
+            </a:schemeClr>
+          </a:lnRef>
+          <a:fillRef idx="1">
+            <a:schemeClr val="accent1"/>
+          </a:fillRef>
+          <a:effectRef idx="0">
+            <a:schemeClr val="accent1"/>
+          </a:effectRef>
+          <a:fontRef idx="minor">
+            <a:schemeClr val="lt1"/>
+          </a:fontRef>
+        </p:style>
+        <p:txBody>
+          <a:bodyPr rtlCol="0" anchor="ctr"/>
+          <a:lstStyle/>
+          <a:p>
+            <a:pPr algn="ctr"/>
+            <a:r>
+              <a:rPr lang="en-US" sz="1600" dirty="0">
+                <a:solidFill>
+                  <a:schemeClr val="tx1"/>
+                </a:solidFill>
+              </a:rPr>
+              <a:t>Frontend that uses Iter8 A/B/n SDKs</a:t>
+            </a:r>
+          </a:p>
+        </p:txBody>
+      </p:sp>
+      <p:sp>
+        <p:nvSpPr>
+          <p:cNvPr id="13" name="Rectangle 12">
+            <a:extLst>
+              <a:ext uri="{FF2B5EF4-FFF2-40B4-BE49-F238E27FC236}">
+                <a16:creationId xmlns:a16="http://schemas.microsoft.com/office/drawing/2014/main" id="{063A98A3-343E-4F40-9330-0495C7EE96CB}"/>
+              </a:ext>
+            </a:extLst>
+          </p:cNvPr>
+          <p:cNvSpPr/>
+          <p:nvPr/>
+        </p:nvSpPr>
+        <p:spPr>
+          <a:xfrm>
+            <a:off x="8713076" y="2263259"/>
+            <a:ext cx="1230623" cy="399393"/>
+          </a:xfrm>
+          <a:custGeom>
+            <a:avLst/>
+            <a:gdLst>
+              <a:gd name="connsiteX0" fmla="*/ 0 w 1230623"/>
+              <a:gd name="connsiteY0" fmla="*/ 0 h 399393"/>
+              <a:gd name="connsiteX1" fmla="*/ 434820 w 1230623"/>
+              <a:gd name="connsiteY1" fmla="*/ 0 h 399393"/>
+              <a:gd name="connsiteX2" fmla="*/ 857334 w 1230623"/>
+              <a:gd name="connsiteY2" fmla="*/ 0 h 399393"/>
+              <a:gd name="connsiteX3" fmla="*/ 1230623 w 1230623"/>
+              <a:gd name="connsiteY3" fmla="*/ 0 h 399393"/>
+              <a:gd name="connsiteX4" fmla="*/ 1230623 w 1230623"/>
+              <a:gd name="connsiteY4" fmla="*/ 399393 h 399393"/>
+              <a:gd name="connsiteX5" fmla="*/ 845028 w 1230623"/>
+              <a:gd name="connsiteY5" fmla="*/ 399393 h 399393"/>
+              <a:gd name="connsiteX6" fmla="*/ 434820 w 1230623"/>
+              <a:gd name="connsiteY6" fmla="*/ 399393 h 399393"/>
+              <a:gd name="connsiteX7" fmla="*/ 0 w 1230623"/>
+              <a:gd name="connsiteY7" fmla="*/ 399393 h 399393"/>
+              <a:gd name="connsiteX8" fmla="*/ 0 w 1230623"/>
+              <a:gd name="connsiteY8" fmla="*/ 0 h 399393"/>
+            </a:gdLst>
+            <a:ahLst/>
+            <a:cxnLst>
+              <a:cxn ang="0">
+                <a:pos x="connsiteX0" y="connsiteY0"/>
+              </a:cxn>
+              <a:cxn ang="0">
+                <a:pos x="connsiteX1" y="connsiteY1"/>
+              </a:cxn>
+              <a:cxn ang="0">
+                <a:pos x="connsiteX2" y="connsiteY2"/>
+              </a:cxn>
+              <a:cxn ang="0">
+                <a:pos x="connsiteX3" y="connsiteY3"/>
+              </a:cxn>
+              <a:cxn ang="0">
+                <a:pos x="connsiteX4" y="connsiteY4"/>
+              </a:cxn>
+              <a:cxn ang="0">
+                <a:pos x="connsiteX5" y="connsiteY5"/>
+              </a:cxn>
+              <a:cxn ang="0">
+                <a:pos x="connsiteX6" y="connsiteY6"/>
+              </a:cxn>
+              <a:cxn ang="0">
+                <a:pos x="connsiteX7" y="connsiteY7"/>
+              </a:cxn>
+              <a:cxn ang="0">
+                <a:pos x="connsiteX8" y="connsiteY8"/>
+              </a:cxn>
+            </a:cxnLst>
+            <a:rect l="l" t="t" r="r" b="b"/>
+            <a:pathLst>
+              <a:path w="1230623" h="399393" fill="none" extrusionOk="0">
+                <a:moveTo>
+                  <a:pt x="0" y="0"/>
+                </a:moveTo>
+                <a:cubicBezTo>
+                  <a:pt x="214231" y="-22220"/>
+                  <a:pt x="275500" y="45521"/>
+                  <a:pt x="434820" y="0"/>
+                </a:cubicBezTo>
+                <a:cubicBezTo>
+                  <a:pt x="594140" y="-45521"/>
+                  <a:pt x="749359" y="36360"/>
+                  <a:pt x="857334" y="0"/>
+                </a:cubicBezTo>
+                <a:cubicBezTo>
+                  <a:pt x="965309" y="-36360"/>
+                  <a:pt x="1148526" y="27082"/>
+                  <a:pt x="1230623" y="0"/>
+                </a:cubicBezTo>
+                <a:cubicBezTo>
+                  <a:pt x="1244999" y="89249"/>
+                  <a:pt x="1221357" y="315207"/>
+                  <a:pt x="1230623" y="399393"/>
+                </a:cubicBezTo>
+                <a:cubicBezTo>
+                  <a:pt x="1059068" y="406989"/>
+                  <a:pt x="1023304" y="396502"/>
+                  <a:pt x="845028" y="399393"/>
+                </a:cubicBezTo>
+                <a:cubicBezTo>
+                  <a:pt x="666752" y="402284"/>
+                  <a:pt x="636470" y="388806"/>
+                  <a:pt x="434820" y="399393"/>
+                </a:cubicBezTo>
+                <a:cubicBezTo>
+                  <a:pt x="233170" y="409980"/>
+                  <a:pt x="156428" y="377976"/>
+                  <a:pt x="0" y="399393"/>
+                </a:cubicBezTo>
+                <a:cubicBezTo>
+                  <a:pt x="-40183" y="238069"/>
+                  <a:pt x="28047" y="173853"/>
+                  <a:pt x="0" y="0"/>
+                </a:cubicBezTo>
+                <a:close/>
+              </a:path>
+              <a:path w="1230623" h="399393" stroke="0" extrusionOk="0">
+                <a:moveTo>
+                  <a:pt x="0" y="0"/>
+                </a:moveTo>
+                <a:cubicBezTo>
+                  <a:pt x="159398" y="-33334"/>
+                  <a:pt x="228248" y="45509"/>
+                  <a:pt x="397901" y="0"/>
+                </a:cubicBezTo>
+                <a:cubicBezTo>
+                  <a:pt x="567554" y="-45509"/>
+                  <a:pt x="615647" y="10184"/>
+                  <a:pt x="771190" y="0"/>
+                </a:cubicBezTo>
+                <a:cubicBezTo>
+                  <a:pt x="926733" y="-10184"/>
+                  <a:pt x="1104162" y="44588"/>
+                  <a:pt x="1230623" y="0"/>
+                </a:cubicBezTo>
+                <a:cubicBezTo>
+                  <a:pt x="1276494" y="92820"/>
+                  <a:pt x="1228810" y="245386"/>
+                  <a:pt x="1230623" y="399393"/>
+                </a:cubicBezTo>
+                <a:cubicBezTo>
+                  <a:pt x="1059018" y="416789"/>
+                  <a:pt x="983741" y="355188"/>
+                  <a:pt x="845028" y="399393"/>
+                </a:cubicBezTo>
+                <a:cubicBezTo>
+                  <a:pt x="706315" y="443598"/>
+                  <a:pt x="520537" y="395938"/>
+                  <a:pt x="410208" y="399393"/>
+                </a:cubicBezTo>
+                <a:cubicBezTo>
+                  <a:pt x="299879" y="402848"/>
+                  <a:pt x="92020" y="393151"/>
+                  <a:pt x="0" y="399393"/>
+                </a:cubicBezTo>
+                <a:cubicBezTo>
+                  <a:pt x="-28379" y="276963"/>
+                  <a:pt x="30274" y="142784"/>
+                  <a:pt x="0" y="0"/>
+                </a:cubicBezTo>
+                <a:close/>
+              </a:path>
+            </a:pathLst>
+          </a:custGeom>
+          <a:solidFill>
+            <a:srgbClr val="FF007E">
+              <a:alpha val="9804"/>
+            </a:srgbClr>
+          </a:solidFill>
+          <a:ln>
+            <a:solidFill>
+              <a:srgbClr val="7030A0"/>
+            </a:solidFill>
+            <a:prstDash val="dash"/>
+            <a:extLst>
+              <a:ext uri="{C807C97D-BFC1-408E-A445-0C87EB9F89A2}">
+                <ask:lineSketchStyleProps xmlns:ask="http://schemas.microsoft.com/office/drawing/2018/sketchyshapes" sd="1219033472">
+                  <a:prstGeom prst="rect">
+                    <a:avLst/>
+                  </a:prstGeom>
+                  <ask:type>
+                    <ask:lineSketchScribble/>
+                  </ask:type>
+                </ask:lineSketchStyleProps>
+              </a:ext>
+            </a:extLst>
+          </a:ln>
+        </p:spPr>
+        <p:style>
+          <a:lnRef idx="2">
+            <a:schemeClr val="accent1">
+              <a:shade val="50000"/>
+            </a:schemeClr>
+          </a:lnRef>
+          <a:fillRef idx="1">
+            <a:schemeClr val="accent1"/>
+          </a:fillRef>
+          <a:effectRef idx="0">
+            <a:schemeClr val="accent1"/>
+          </a:effectRef>
+          <a:fontRef idx="minor">
+            <a:schemeClr val="lt1"/>
+          </a:fontRef>
+        </p:style>
+        <p:txBody>
+          <a:bodyPr rtlCol="0" anchor="ctr"/>
+          <a:lstStyle/>
+          <a:p>
+            <a:pPr algn="ctr"/>
+            <a:r>
+              <a:rPr lang="en-US" sz="1600" dirty="0">
+                <a:solidFill>
+                  <a:schemeClr val="tx1"/>
+                </a:solidFill>
+              </a:rPr>
+              <a:t>Backend v2</a:t>
+            </a:r>
+          </a:p>
+        </p:txBody>
+      </p:sp>
+      <p:sp>
+        <p:nvSpPr>
+          <p:cNvPr id="14" name="Rectangle 13">
+            <a:extLst>
+              <a:ext uri="{FF2B5EF4-FFF2-40B4-BE49-F238E27FC236}">
+                <a16:creationId xmlns:a16="http://schemas.microsoft.com/office/drawing/2014/main" id="{57F1201E-FCBA-7749-85D7-1863E7968CEC}"/>
+              </a:ext>
+            </a:extLst>
+          </p:cNvPr>
+          <p:cNvSpPr/>
+          <p:nvPr/>
+        </p:nvSpPr>
+        <p:spPr>
+          <a:xfrm>
+            <a:off x="8713075" y="2813332"/>
+            <a:ext cx="1230623" cy="399393"/>
+          </a:xfrm>
+          <a:custGeom>
+            <a:avLst/>
+            <a:gdLst>
+              <a:gd name="connsiteX0" fmla="*/ 0 w 1230623"/>
+              <a:gd name="connsiteY0" fmla="*/ 0 h 399393"/>
+              <a:gd name="connsiteX1" fmla="*/ 434820 w 1230623"/>
+              <a:gd name="connsiteY1" fmla="*/ 0 h 399393"/>
+              <a:gd name="connsiteX2" fmla="*/ 857334 w 1230623"/>
+              <a:gd name="connsiteY2" fmla="*/ 0 h 399393"/>
+              <a:gd name="connsiteX3" fmla="*/ 1230623 w 1230623"/>
+              <a:gd name="connsiteY3" fmla="*/ 0 h 399393"/>
+              <a:gd name="connsiteX4" fmla="*/ 1230623 w 1230623"/>
+              <a:gd name="connsiteY4" fmla="*/ 399393 h 399393"/>
+              <a:gd name="connsiteX5" fmla="*/ 845028 w 1230623"/>
+              <a:gd name="connsiteY5" fmla="*/ 399393 h 399393"/>
+              <a:gd name="connsiteX6" fmla="*/ 434820 w 1230623"/>
+              <a:gd name="connsiteY6" fmla="*/ 399393 h 399393"/>
+              <a:gd name="connsiteX7" fmla="*/ 0 w 1230623"/>
+              <a:gd name="connsiteY7" fmla="*/ 399393 h 399393"/>
+              <a:gd name="connsiteX8" fmla="*/ 0 w 1230623"/>
+              <a:gd name="connsiteY8" fmla="*/ 0 h 399393"/>
+            </a:gdLst>
+            <a:ahLst/>
+            <a:cxnLst>
+              <a:cxn ang="0">
+                <a:pos x="connsiteX0" y="connsiteY0"/>
+              </a:cxn>
+              <a:cxn ang="0">
+                <a:pos x="connsiteX1" y="connsiteY1"/>
+              </a:cxn>
+              <a:cxn ang="0">
+                <a:pos x="connsiteX2" y="connsiteY2"/>
+              </a:cxn>
+              <a:cxn ang="0">
+                <a:pos x="connsiteX3" y="connsiteY3"/>
+              </a:cxn>
+              <a:cxn ang="0">
+                <a:pos x="connsiteX4" y="connsiteY4"/>
+              </a:cxn>
+              <a:cxn ang="0">
+                <a:pos x="connsiteX5" y="connsiteY5"/>
+              </a:cxn>
+              <a:cxn ang="0">
+                <a:pos x="connsiteX6" y="connsiteY6"/>
+              </a:cxn>
+              <a:cxn ang="0">
+                <a:pos x="connsiteX7" y="connsiteY7"/>
+              </a:cxn>
+              <a:cxn ang="0">
+                <a:pos x="connsiteX8" y="connsiteY8"/>
+              </a:cxn>
+            </a:cxnLst>
+            <a:rect l="l" t="t" r="r" b="b"/>
+            <a:pathLst>
+              <a:path w="1230623" h="399393" fill="none" extrusionOk="0">
+                <a:moveTo>
+                  <a:pt x="0" y="0"/>
+                </a:moveTo>
+                <a:cubicBezTo>
+                  <a:pt x="214231" y="-22220"/>
+                  <a:pt x="275500" y="45521"/>
+                  <a:pt x="434820" y="0"/>
+                </a:cubicBezTo>
+                <a:cubicBezTo>
+                  <a:pt x="594140" y="-45521"/>
+                  <a:pt x="749359" y="36360"/>
+                  <a:pt x="857334" y="0"/>
+                </a:cubicBezTo>
+                <a:cubicBezTo>
+                  <a:pt x="965309" y="-36360"/>
+                  <a:pt x="1148526" y="27082"/>
+                  <a:pt x="1230623" y="0"/>
+                </a:cubicBezTo>
+                <a:cubicBezTo>
+                  <a:pt x="1244999" y="89249"/>
+                  <a:pt x="1221357" y="315207"/>
+                  <a:pt x="1230623" y="399393"/>
+                </a:cubicBezTo>
+                <a:cubicBezTo>
+                  <a:pt x="1059068" y="406989"/>
+                  <a:pt x="1023304" y="396502"/>
+                  <a:pt x="845028" y="399393"/>
+                </a:cubicBezTo>
+                <a:cubicBezTo>
+                  <a:pt x="666752" y="402284"/>
+                  <a:pt x="636470" y="388806"/>
+                  <a:pt x="434820" y="399393"/>
+                </a:cubicBezTo>
+                <a:cubicBezTo>
+                  <a:pt x="233170" y="409980"/>
+                  <a:pt x="156428" y="377976"/>
+                  <a:pt x="0" y="399393"/>
+                </a:cubicBezTo>
+                <a:cubicBezTo>
+                  <a:pt x="-40183" y="238069"/>
+                  <a:pt x="28047" y="173853"/>
+                  <a:pt x="0" y="0"/>
+                </a:cubicBezTo>
+                <a:close/>
+              </a:path>
+              <a:path w="1230623" h="399393" stroke="0" extrusionOk="0">
+                <a:moveTo>
+                  <a:pt x="0" y="0"/>
+                </a:moveTo>
+                <a:cubicBezTo>
+                  <a:pt x="159398" y="-33334"/>
+                  <a:pt x="228248" y="45509"/>
+                  <a:pt x="397901" y="0"/>
+                </a:cubicBezTo>
+                <a:cubicBezTo>
+                  <a:pt x="567554" y="-45509"/>
+                  <a:pt x="615647" y="10184"/>
+                  <a:pt x="771190" y="0"/>
+                </a:cubicBezTo>
+                <a:cubicBezTo>
+                  <a:pt x="926733" y="-10184"/>
+                  <a:pt x="1104162" y="44588"/>
+                  <a:pt x="1230623" y="0"/>
+                </a:cubicBezTo>
+                <a:cubicBezTo>
+                  <a:pt x="1276494" y="92820"/>
+                  <a:pt x="1228810" y="245386"/>
+                  <a:pt x="1230623" y="399393"/>
+                </a:cubicBezTo>
+                <a:cubicBezTo>
+                  <a:pt x="1059018" y="416789"/>
+                  <a:pt x="983741" y="355188"/>
+                  <a:pt x="845028" y="399393"/>
+                </a:cubicBezTo>
+                <a:cubicBezTo>
+                  <a:pt x="706315" y="443598"/>
+                  <a:pt x="520537" y="395938"/>
+                  <a:pt x="410208" y="399393"/>
+                </a:cubicBezTo>
+                <a:cubicBezTo>
+                  <a:pt x="299879" y="402848"/>
+                  <a:pt x="92020" y="393151"/>
+                  <a:pt x="0" y="399393"/>
+                </a:cubicBezTo>
+                <a:cubicBezTo>
+                  <a:pt x="-28379" y="276963"/>
+                  <a:pt x="30274" y="142784"/>
+                  <a:pt x="0" y="0"/>
+                </a:cubicBezTo>
+                <a:close/>
+              </a:path>
+            </a:pathLst>
+          </a:custGeom>
+          <a:solidFill>
+            <a:srgbClr val="FF007E">
+              <a:alpha val="9804"/>
+            </a:srgbClr>
+          </a:solidFill>
+          <a:ln>
+            <a:solidFill>
+              <a:srgbClr val="7030A0"/>
+            </a:solidFill>
+            <a:prstDash val="dash"/>
+            <a:extLst>
+              <a:ext uri="{C807C97D-BFC1-408E-A445-0C87EB9F89A2}">
+                <ask:lineSketchStyleProps xmlns:ask="http://schemas.microsoft.com/office/drawing/2018/sketchyshapes" sd="1219033472">
+                  <a:prstGeom prst="rect">
+                    <a:avLst/>
+                  </a:prstGeom>
+                  <ask:type>
+                    <ask:lineSketchScribble/>
+                  </ask:type>
+                </ask:lineSketchStyleProps>
+              </a:ext>
+            </a:extLst>
+          </a:ln>
+        </p:spPr>
+        <p:style>
+          <a:lnRef idx="2">
+            <a:schemeClr val="accent1">
+              <a:shade val="50000"/>
+            </a:schemeClr>
+          </a:lnRef>
+          <a:fillRef idx="1">
+            <a:schemeClr val="accent1"/>
+          </a:fillRef>
+          <a:effectRef idx="0">
+            <a:schemeClr val="accent1"/>
+          </a:effectRef>
+          <a:fontRef idx="minor">
+            <a:schemeClr val="lt1"/>
+          </a:fontRef>
+        </p:style>
+        <p:txBody>
+          <a:bodyPr rtlCol="0" anchor="ctr"/>
+          <a:lstStyle/>
+          <a:p>
+            <a:pPr algn="ctr"/>
+            <a:r>
+              <a:rPr lang="en-US" sz="1600" dirty="0">
+                <a:solidFill>
+                  <a:schemeClr val="tx1"/>
+                </a:solidFill>
+              </a:rPr>
+              <a:t>Backend v3</a:t>
+            </a:r>
+          </a:p>
+        </p:txBody>
+      </p:sp>
+      <p:sp>
+        <p:nvSpPr>
+          <p:cNvPr id="5" name="Rectangle 4">
+            <a:extLst>
+              <a:ext uri="{FF2B5EF4-FFF2-40B4-BE49-F238E27FC236}">
+                <a16:creationId xmlns:a16="http://schemas.microsoft.com/office/drawing/2014/main" id="{D27CBBAC-2D1F-194D-8987-A1EE92709C76}"/>
+              </a:ext>
+            </a:extLst>
+          </p:cNvPr>
+          <p:cNvSpPr/>
+          <p:nvPr/>
+        </p:nvSpPr>
+        <p:spPr>
+          <a:xfrm>
+            <a:off x="1933904" y="4099034"/>
+            <a:ext cx="8092965" cy="872359"/>
+          </a:xfrm>
+          <a:prstGeom prst="rect">
+            <a:avLst/>
+          </a:prstGeom>
+          <a:solidFill>
+            <a:schemeClr val="accent1">
+              <a:lumMod val="20000"/>
+              <a:lumOff val="80000"/>
+            </a:schemeClr>
+          </a:solidFill>
+        </p:spPr>
+        <p:style>
+          <a:lnRef idx="2">
+            <a:schemeClr val="accent1">
+              <a:shade val="50000"/>
+            </a:schemeClr>
+          </a:lnRef>
+          <a:fillRef idx="1">
+            <a:schemeClr val="accent1"/>
+          </a:fillRef>
+          <a:effectRef idx="0">
+            <a:schemeClr val="accent1"/>
+          </a:effectRef>
+          <a:fontRef idx="minor">
+            <a:schemeClr val="lt1"/>
+          </a:fontRef>
+        </p:style>
+        <p:txBody>
+          <a:bodyPr rtlCol="0" anchor="ctr"/>
+          <a:lstStyle/>
+          <a:p>
+            <a:pPr algn="ctr"/>
+            <a:r>
+              <a:rPr lang="en-US" dirty="0">
+                <a:solidFill>
+                  <a:schemeClr val="tx1"/>
+                </a:solidFill>
+              </a:rPr>
+              <a:t>Iter8 A/B/n service</a:t>
+            </a:r>
+          </a:p>
+        </p:txBody>
+      </p:sp>
+      <p:sp>
+        <p:nvSpPr>
+          <p:cNvPr id="7" name="Left Brace 6">
+            <a:extLst>
+              <a:ext uri="{FF2B5EF4-FFF2-40B4-BE49-F238E27FC236}">
+                <a16:creationId xmlns:a16="http://schemas.microsoft.com/office/drawing/2014/main" id="{D38E15A2-2B49-7E40-94AF-A96710D48FC7}"/>
+              </a:ext>
+            </a:extLst>
+          </p:cNvPr>
+          <p:cNvSpPr/>
+          <p:nvPr/>
+        </p:nvSpPr>
+        <p:spPr>
+          <a:xfrm rot="16200000">
+            <a:off x="8990741" y="-228555"/>
+            <a:ext cx="832038" cy="2942899"/>
+          </a:xfrm>
+          <a:prstGeom prst="leftBrace">
+            <a:avLst/>
+          </a:prstGeom>
+        </p:spPr>
+        <p:style>
+          <a:lnRef idx="1">
+            <a:schemeClr val="accent1"/>
+          </a:lnRef>
+          <a:fillRef idx="0">
+            <a:schemeClr val="accent1"/>
+          </a:fillRef>
+          <a:effectRef idx="0">
+            <a:schemeClr val="accent1"/>
+          </a:effectRef>
+          <a:fontRef idx="minor">
+            <a:schemeClr val="tx1"/>
+          </a:fontRef>
+        </p:style>
+        <p:txBody>
+          <a:bodyPr rtlCol="0" anchor="ctr"/>
+          <a:lstStyle/>
+          <a:p>
+            <a:pPr algn="ctr"/>
+            <a:endParaRPr lang="en-US"/>
+          </a:p>
+        </p:txBody>
+      </p:sp>
+      <p:sp>
+        <p:nvSpPr>
+          <p:cNvPr id="9" name="TextBox 8">
+            <a:extLst>
+              <a:ext uri="{FF2B5EF4-FFF2-40B4-BE49-F238E27FC236}">
+                <a16:creationId xmlns:a16="http://schemas.microsoft.com/office/drawing/2014/main" id="{E98EFD4F-CDAD-C44C-A362-A6065B0FB1B1}"/>
+              </a:ext>
+            </a:extLst>
+          </p:cNvPr>
+          <p:cNvSpPr txBox="1"/>
+          <p:nvPr/>
+        </p:nvSpPr>
+        <p:spPr>
+          <a:xfrm>
+            <a:off x="8003628" y="468305"/>
+            <a:ext cx="2877775" cy="738664"/>
+          </a:xfrm>
+          <a:prstGeom prst="rect">
+            <a:avLst/>
+          </a:prstGeom>
+          <a:noFill/>
+        </p:spPr>
+        <p:txBody>
+          <a:bodyPr wrap="none" rtlCol="0">
+            <a:spAutoFit/>
+          </a:bodyPr>
+          <a:lstStyle/>
+          <a:p>
+            <a:r>
+              <a:rPr lang="en-US" sz="1400" i="1" dirty="0"/>
+              <a:t>labels:</a:t>
+            </a:r>
+          </a:p>
+          <a:p>
+            <a:r>
+              <a:rPr lang="en-US" sz="1400" i="1" dirty="0"/>
+              <a:t>  iter8.tools/app: recommender</a:t>
+            </a:r>
+          </a:p>
+          <a:p>
+            <a:r>
+              <a:rPr lang="en-US" sz="1400" i="1" dirty="0"/>
+              <a:t>  Iter8.tools/track: active (or inactive)</a:t>
+            </a:r>
+          </a:p>
+        </p:txBody>
+      </p:sp>
+      <p:cxnSp>
+        <p:nvCxnSpPr>
+          <p:cNvPr id="12" name="Elbow Connector 11">
+            <a:extLst>
+              <a:ext uri="{FF2B5EF4-FFF2-40B4-BE49-F238E27FC236}">
+                <a16:creationId xmlns:a16="http://schemas.microsoft.com/office/drawing/2014/main" id="{A0C81748-A49E-8D4A-89B5-D5B9445430A4}"/>
+              </a:ext>
+            </a:extLst>
+          </p:cNvPr>
+          <p:cNvCxnSpPr>
+            <a:cxnSpLocks/>
+            <a:stCxn id="5" idx="3"/>
+          </p:cNvCxnSpPr>
+          <p:nvPr/>
+        </p:nvCxnSpPr>
+        <p:spPr>
+          <a:xfrm flipV="1">
+            <a:off x="10026869" y="2545223"/>
+            <a:ext cx="315310" cy="1989991"/>
+          </a:xfrm>
+          <a:prstGeom prst="bentConnector2">
+            <a:avLst/>
+          </a:prstGeom>
+          <a:ln>
+            <a:headEnd type="stealth" w="lg" len="lg"/>
+            <a:tailEnd type="none" w="lg" len="lg"/>
+          </a:ln>
+        </p:spPr>
+        <p:style>
+          <a:lnRef idx="1">
+            <a:schemeClr val="accent1"/>
+          </a:lnRef>
+          <a:fillRef idx="0">
+            <a:schemeClr val="accent1"/>
+          </a:fillRef>
+          <a:effectRef idx="0">
+            <a:schemeClr val="accent1"/>
+          </a:effectRef>
+          <a:fontRef idx="minor">
+            <a:schemeClr val="tx1"/>
+          </a:fontRef>
+        </p:style>
+      </p:cxnSp>
+      <p:sp>
+        <p:nvSpPr>
+          <p:cNvPr id="15" name="TextBox 14">
+            <a:extLst>
+              <a:ext uri="{FF2B5EF4-FFF2-40B4-BE49-F238E27FC236}">
+                <a16:creationId xmlns:a16="http://schemas.microsoft.com/office/drawing/2014/main" id="{DCD3A60B-3BC2-A049-A85B-81079A2425E6}"/>
+              </a:ext>
+            </a:extLst>
+          </p:cNvPr>
+          <p:cNvSpPr txBox="1"/>
+          <p:nvPr/>
+        </p:nvSpPr>
+        <p:spPr>
+          <a:xfrm>
+            <a:off x="10342179" y="2538247"/>
+            <a:ext cx="1756140" cy="923330"/>
+          </a:xfrm>
+          <a:prstGeom prst="rect">
+            <a:avLst/>
+          </a:prstGeom>
+          <a:noFill/>
+        </p:spPr>
+        <p:txBody>
+          <a:bodyPr wrap="square" rtlCol="0">
+            <a:spAutoFit/>
+          </a:bodyPr>
+          <a:lstStyle/>
+          <a:p>
+            <a:r>
+              <a:rPr lang="en-US" dirty="0"/>
+              <a:t>Watch changes to backend versions</a:t>
+            </a:r>
+          </a:p>
+        </p:txBody>
+      </p:sp>
+      <p:sp>
+        <p:nvSpPr>
+          <p:cNvPr id="22" name="Rectangle 21">
+            <a:extLst>
+              <a:ext uri="{FF2B5EF4-FFF2-40B4-BE49-F238E27FC236}">
+                <a16:creationId xmlns:a16="http://schemas.microsoft.com/office/drawing/2014/main" id="{5A866DBC-27CE-764D-AE6E-10A7E5346F47}"/>
+              </a:ext>
+            </a:extLst>
+          </p:cNvPr>
+          <p:cNvSpPr/>
+          <p:nvPr/>
+        </p:nvSpPr>
+        <p:spPr>
+          <a:xfrm>
+            <a:off x="1933904" y="5381297"/>
+            <a:ext cx="8092965" cy="476406"/>
+          </a:xfrm>
+          <a:prstGeom prst="rect">
+            <a:avLst/>
+          </a:prstGeom>
+          <a:solidFill>
+            <a:schemeClr val="accent4">
+              <a:lumMod val="20000"/>
+              <a:lumOff val="80000"/>
+            </a:schemeClr>
+          </a:solidFill>
+        </p:spPr>
+        <p:style>
+          <a:lnRef idx="2">
+            <a:schemeClr val="accent1">
+              <a:shade val="50000"/>
+            </a:schemeClr>
+          </a:lnRef>
+          <a:fillRef idx="1">
+            <a:schemeClr val="accent1"/>
+          </a:fillRef>
+          <a:effectRef idx="0">
+            <a:schemeClr val="accent1"/>
+          </a:effectRef>
+          <a:fontRef idx="minor">
+            <a:schemeClr val="lt1"/>
+          </a:fontRef>
+        </p:style>
+        <p:txBody>
+          <a:bodyPr rtlCol="0" anchor="ctr"/>
+          <a:lstStyle/>
+          <a:p>
+            <a:pPr algn="ctr"/>
+            <a:r>
+              <a:rPr lang="en-US" dirty="0">
+                <a:solidFill>
+                  <a:schemeClr val="tx1"/>
+                </a:solidFill>
+              </a:rPr>
+              <a:t>Iter8 A/B/n experiment</a:t>
+            </a:r>
+          </a:p>
+        </p:txBody>
+      </p:sp>
+      <p:cxnSp>
+        <p:nvCxnSpPr>
+          <p:cNvPr id="23" name="Elbow Connector 22">
+            <a:extLst>
+              <a:ext uri="{FF2B5EF4-FFF2-40B4-BE49-F238E27FC236}">
+                <a16:creationId xmlns:a16="http://schemas.microsoft.com/office/drawing/2014/main" id="{B2028DF9-E04D-1E46-BD05-38869B89A30D}"/>
+              </a:ext>
+            </a:extLst>
+          </p:cNvPr>
+          <p:cNvCxnSpPr>
+            <a:cxnSpLocks/>
+            <a:stCxn id="22" idx="3"/>
+            <a:endCxn id="5" idx="2"/>
+          </p:cNvCxnSpPr>
+          <p:nvPr/>
+        </p:nvCxnSpPr>
+        <p:spPr>
+          <a:xfrm flipH="1" flipV="1">
+            <a:off x="5980387" y="4971393"/>
+            <a:ext cx="4046482" cy="648107"/>
+          </a:xfrm>
+          <a:prstGeom prst="bentConnector4">
+            <a:avLst>
+              <a:gd name="adj1" fmla="val -5649"/>
+              <a:gd name="adj2" fmla="val 68377"/>
+            </a:avLst>
+          </a:prstGeom>
+          <a:ln>
+            <a:headEnd type="stealth" w="lg" len="lg"/>
+            <a:tailEnd type="none" w="lg" len="lg"/>
+          </a:ln>
+        </p:spPr>
+        <p:style>
+          <a:lnRef idx="1">
+            <a:schemeClr val="accent1"/>
+          </a:lnRef>
+          <a:fillRef idx="0">
+            <a:schemeClr val="accent1"/>
+          </a:fillRef>
+          <a:effectRef idx="0">
+            <a:schemeClr val="accent1"/>
+          </a:effectRef>
+          <a:fontRef idx="minor">
+            <a:schemeClr val="tx1"/>
+          </a:fontRef>
+        </p:style>
+      </p:cxnSp>
+      <p:sp>
+        <p:nvSpPr>
+          <p:cNvPr id="20" name="TextBox 19">
+            <a:extLst>
+              <a:ext uri="{FF2B5EF4-FFF2-40B4-BE49-F238E27FC236}">
+                <a16:creationId xmlns:a16="http://schemas.microsoft.com/office/drawing/2014/main" id="{A56696ED-235E-7C40-9370-2D8ABBAE3260}"/>
+              </a:ext>
+            </a:extLst>
+          </p:cNvPr>
+          <p:cNvSpPr txBox="1"/>
+          <p:nvPr/>
+        </p:nvSpPr>
+        <p:spPr>
+          <a:xfrm>
+            <a:off x="8548569" y="5944441"/>
+            <a:ext cx="3271909" cy="646331"/>
+          </a:xfrm>
+          <a:prstGeom prst="rect">
+            <a:avLst/>
+          </a:prstGeom>
+          <a:noFill/>
+        </p:spPr>
+        <p:txBody>
+          <a:bodyPr wrap="square" rtlCol="0">
+            <a:spAutoFit/>
+          </a:bodyPr>
+          <a:lstStyle/>
+          <a:p>
+            <a:r>
+              <a:rPr lang="en-US" dirty="0"/>
+              <a:t>Launch experiment whenever a new version is detected</a:t>
+            </a:r>
+          </a:p>
+        </p:txBody>
+      </p:sp>
+      <p:cxnSp>
+        <p:nvCxnSpPr>
+          <p:cNvPr id="28" name="Elbow Connector 27">
+            <a:extLst>
+              <a:ext uri="{FF2B5EF4-FFF2-40B4-BE49-F238E27FC236}">
+                <a16:creationId xmlns:a16="http://schemas.microsoft.com/office/drawing/2014/main" id="{6B43BAC5-7420-974F-927A-DC582C67CC1D}"/>
+              </a:ext>
+            </a:extLst>
+          </p:cNvPr>
+          <p:cNvCxnSpPr>
+            <a:cxnSpLocks/>
+            <a:stCxn id="26" idx="1"/>
+            <a:endCxn id="5" idx="1"/>
+          </p:cNvCxnSpPr>
+          <p:nvPr/>
+        </p:nvCxnSpPr>
+        <p:spPr>
+          <a:xfrm rot="10800000" flipV="1">
+            <a:off x="1933904" y="2564524"/>
+            <a:ext cx="12700" cy="1970689"/>
+          </a:xfrm>
+          <a:prstGeom prst="bentConnector3">
+            <a:avLst>
+              <a:gd name="adj1" fmla="val 1800000"/>
+            </a:avLst>
+          </a:prstGeom>
+          <a:ln>
+            <a:tailEnd type="triangle"/>
+          </a:ln>
+        </p:spPr>
+        <p:style>
+          <a:lnRef idx="1">
+            <a:schemeClr val="accent1"/>
+          </a:lnRef>
+          <a:fillRef idx="0">
+            <a:schemeClr val="accent1"/>
+          </a:fillRef>
+          <a:effectRef idx="0">
+            <a:schemeClr val="accent1"/>
+          </a:effectRef>
+          <a:fontRef idx="minor">
+            <a:schemeClr val="tx1"/>
+          </a:fontRef>
+        </p:style>
+      </p:cxnSp>
+      <p:sp>
+        <p:nvSpPr>
+          <p:cNvPr id="30" name="TextBox 29">
+            <a:extLst>
+              <a:ext uri="{FF2B5EF4-FFF2-40B4-BE49-F238E27FC236}">
+                <a16:creationId xmlns:a16="http://schemas.microsoft.com/office/drawing/2014/main" id="{561839BF-DA4F-674C-8BC1-AF41B9EFAEF6}"/>
+              </a:ext>
+            </a:extLst>
+          </p:cNvPr>
+          <p:cNvSpPr txBox="1"/>
+          <p:nvPr/>
+        </p:nvSpPr>
+        <p:spPr>
+          <a:xfrm>
+            <a:off x="291533" y="3303646"/>
+            <a:ext cx="1390124" cy="492443"/>
+          </a:xfrm>
+          <a:prstGeom prst="rect">
+            <a:avLst/>
+          </a:prstGeom>
+          <a:noFill/>
+        </p:spPr>
+        <p:txBody>
+          <a:bodyPr wrap="none" rtlCol="0">
+            <a:spAutoFit/>
+          </a:bodyPr>
+          <a:lstStyle/>
+          <a:p>
+            <a:r>
+              <a:rPr lang="en-US" sz="1400" dirty="0" err="1">
+                <a:solidFill>
+                  <a:srgbClr val="C00000"/>
+                </a:solidFill>
+              </a:rPr>
+              <a:t>RegisterBackend</a:t>
+            </a:r>
+            <a:endParaRPr lang="en-US" sz="1200" dirty="0">
+              <a:solidFill>
+                <a:srgbClr val="C00000"/>
+              </a:solidFill>
+            </a:endParaRPr>
+          </a:p>
+          <a:p>
+            <a:r>
+              <a:rPr lang="en-US" sz="1200" dirty="0" err="1">
+                <a:solidFill>
+                  <a:srgbClr val="C00000"/>
+                </a:solidFill>
+              </a:rPr>
+              <a:t>putMetric</a:t>
+            </a:r>
+            <a:endParaRPr lang="en-US" sz="1200" dirty="0">
+              <a:solidFill>
+                <a:srgbClr val="C00000"/>
+              </a:solidFill>
+            </a:endParaRPr>
+          </a:p>
+        </p:txBody>
+      </p:sp>
+      <p:cxnSp>
+        <p:nvCxnSpPr>
+          <p:cNvPr id="33" name="Elbow Connector 32">
+            <a:extLst>
+              <a:ext uri="{FF2B5EF4-FFF2-40B4-BE49-F238E27FC236}">
+                <a16:creationId xmlns:a16="http://schemas.microsoft.com/office/drawing/2014/main" id="{D55AED5C-55F8-5E48-8D66-358D7FB82322}"/>
+              </a:ext>
+            </a:extLst>
+          </p:cNvPr>
+          <p:cNvCxnSpPr>
+            <a:cxnSpLocks/>
+            <a:stCxn id="26" idx="3"/>
+            <a:endCxn id="5" idx="0"/>
+          </p:cNvCxnSpPr>
+          <p:nvPr/>
+        </p:nvCxnSpPr>
+        <p:spPr>
+          <a:xfrm>
+            <a:off x="5448062" y="2564525"/>
+            <a:ext cx="532325" cy="1534509"/>
+          </a:xfrm>
+          <a:prstGeom prst="bentConnector2">
+            <a:avLst/>
+          </a:prstGeom>
+          <a:ln>
+            <a:headEnd type="stealth" w="lg" len="lg"/>
+            <a:tailEnd type="stealth" w="lg" len="lg"/>
+          </a:ln>
+        </p:spPr>
+        <p:style>
+          <a:lnRef idx="1">
+            <a:schemeClr val="accent1"/>
+          </a:lnRef>
+          <a:fillRef idx="0">
+            <a:schemeClr val="accent1"/>
+          </a:fillRef>
+          <a:effectRef idx="0">
+            <a:schemeClr val="accent1"/>
+          </a:effectRef>
+          <a:fontRef idx="minor">
+            <a:schemeClr val="tx1"/>
+          </a:fontRef>
+        </p:style>
+      </p:cxnSp>
+      <p:sp>
+        <p:nvSpPr>
+          <p:cNvPr id="35" name="TextBox 34">
+            <a:extLst>
+              <a:ext uri="{FF2B5EF4-FFF2-40B4-BE49-F238E27FC236}">
+                <a16:creationId xmlns:a16="http://schemas.microsoft.com/office/drawing/2014/main" id="{08993ED5-84B7-F749-BF43-2682D3E657B8}"/>
+              </a:ext>
+            </a:extLst>
+          </p:cNvPr>
+          <p:cNvSpPr txBox="1"/>
+          <p:nvPr/>
+        </p:nvSpPr>
+        <p:spPr>
+          <a:xfrm>
+            <a:off x="5980387" y="2951115"/>
+            <a:ext cx="2096170" cy="738664"/>
+          </a:xfrm>
+          <a:prstGeom prst="rect">
+            <a:avLst/>
+          </a:prstGeom>
+          <a:noFill/>
+        </p:spPr>
+        <p:txBody>
+          <a:bodyPr wrap="square" rtlCol="0">
+            <a:spAutoFit/>
+          </a:bodyPr>
+          <a:lstStyle/>
+          <a:p>
+            <a:r>
+              <a:rPr lang="en-US" sz="1400" dirty="0"/>
+              <a:t>Periodically update status of </a:t>
+            </a:r>
+            <a:r>
+              <a:rPr lang="en-US" sz="1400" i="1" dirty="0">
+                <a:solidFill>
+                  <a:srgbClr val="C00000"/>
+                </a:solidFill>
+              </a:rPr>
+              <a:t>b </a:t>
+            </a:r>
+            <a:r>
+              <a:rPr lang="en-US" sz="1400" dirty="0"/>
+              <a:t>in the frontend in the background</a:t>
+            </a:r>
+          </a:p>
+        </p:txBody>
+      </p:sp>
+    </p:spTree>
+    <p:extLst>
+      <p:ext uri="{BB962C8B-B14F-4D97-AF65-F5344CB8AC3E}">
+        <p14:creationId xmlns:p14="http://schemas.microsoft.com/office/powerpoint/2010/main" val="3217780557"/>
       </p:ext>
     </p:extLst>
   </p:cSld>
